--- a/Lectures/Lecture1-ClassOverview.pptx
+++ b/Lectures/Lecture1-ClassOverview.pptx
@@ -12493,6 +12493,36 @@
           </a:p>
         </p:txBody>
       </p:sp>
+      <p:pic>
+        <p:nvPicPr>
+          <p:cNvPr id="2" name="Picture 1">
+            <a:extLst>
+              <a:ext uri="{FF2B5EF4-FFF2-40B4-BE49-F238E27FC236}">
+                <a16:creationId xmlns:a16="http://schemas.microsoft.com/office/drawing/2014/main" id="{44B9B467-9CEF-D442-A39E-28552D8D026D}"/>
+              </a:ext>
+            </a:extLst>
+          </p:cNvPr>
+          <p:cNvPicPr>
+            <a:picLocks noChangeAspect="1"/>
+          </p:cNvPicPr>
+          <p:nvPr/>
+        </p:nvPicPr>
+        <p:blipFill>
+          <a:blip r:embed="rId3"/>
+          <a:stretch>
+            <a:fillRect/>
+          </a:stretch>
+        </p:blipFill>
+        <p:spPr>
+          <a:xfrm>
+            <a:off x="882713" y="1115111"/>
+            <a:ext cx="7385354" cy="3986784"/>
+          </a:xfrm>
+          <a:prstGeom prst="rect">
+            <a:avLst/>
+          </a:prstGeom>
+        </p:spPr>
+      </p:pic>
     </p:spTree>
   </p:cSld>
   <p:clrMapOvr>
@@ -12562,10 +12592,10 @@
       </p:sp>
       <p:pic>
         <p:nvPicPr>
-          <p:cNvPr id="3" name="Picture 2">
+          <p:cNvPr id="2" name="Picture 1">
             <a:extLst>
               <a:ext uri="{FF2B5EF4-FFF2-40B4-BE49-F238E27FC236}">
-                <a16:creationId xmlns:a16="http://schemas.microsoft.com/office/drawing/2014/main" id="{98795124-57DE-974F-AB1F-53FF30A28740}"/>
+                <a16:creationId xmlns:a16="http://schemas.microsoft.com/office/drawing/2014/main" id="{DD6FBC2C-7439-CF42-863D-ED7A5A5938FE}"/>
               </a:ext>
             </a:extLst>
           </p:cNvPr>
@@ -12582,8 +12612,8 @@
         </p:blipFill>
         <p:spPr>
           <a:xfrm>
-            <a:off x="557997" y="1209100"/>
-            <a:ext cx="7435745" cy="196324"/>
+            <a:off x="882396" y="1233318"/>
+            <a:ext cx="7379208" cy="3644759"/>
           </a:xfrm>
           <a:prstGeom prst="rect">
             <a:avLst/>
@@ -12984,26 +13014,50 @@
               <a:buChar char="●"/>
             </a:pPr>
             <a:r>
-              <a:rPr lang="en" dirty="0"/>
+              <a:rPr lang="en" dirty="0">
+                <a:solidFill>
+                  <a:schemeClr val="tx1"/>
+                </a:solidFill>
+              </a:rPr>
               <a:t>Make sure to fill out the survey</a:t>
             </a:r>
             <a:r>
-              <a:rPr lang="en" sz="1400" dirty="0"/>
+              <a:rPr lang="en" sz="1400" dirty="0">
+                <a:solidFill>
+                  <a:schemeClr val="tx1"/>
+                </a:solidFill>
+              </a:rPr>
               <a:t>: </a:t>
             </a:r>
             <a:r>
-              <a:rPr lang="en" sz="1600" dirty="0"/>
+              <a:rPr lang="en" sz="1600" dirty="0">
+                <a:solidFill>
+                  <a:schemeClr val="tx1"/>
+                </a:solidFill>
+              </a:rPr>
               <a:t>We need your </a:t>
             </a:r>
             <a:r>
-              <a:rPr lang="en" sz="1600" dirty="0" err="1"/>
+              <a:rPr lang="en" sz="1600" dirty="0" err="1">
+                <a:solidFill>
+                  <a:schemeClr val="tx1"/>
+                </a:solidFill>
+              </a:rPr>
               <a:t>github</a:t>
             </a:r>
             <a:r>
-              <a:rPr lang="en" sz="1600" dirty="0"/>
+              <a:rPr lang="en" sz="1600" dirty="0">
+                <a:solidFill>
+                  <a:schemeClr val="tx1"/>
+                </a:solidFill>
+              </a:rPr>
               <a:t> username and  public SSH key</a:t>
             </a:r>
-            <a:endParaRPr dirty="0"/>
+            <a:endParaRPr dirty="0">
+              <a:solidFill>
+                <a:schemeClr val="tx1"/>
+              </a:solidFill>
+            </a:endParaRPr>
           </a:p>
           <a:p>
             <a:pPr marL="457200" lvl="0" indent="-342900" algn="l" rtl="0">
@@ -13016,7 +13070,11 @@
               <a:buSzPts val="1800"/>
               <a:buChar char="●"/>
             </a:pPr>
-            <a:endParaRPr lang="en" dirty="0"/>
+            <a:endParaRPr lang="en" dirty="0">
+              <a:solidFill>
+                <a:schemeClr val="tx1"/>
+              </a:solidFill>
+            </a:endParaRPr>
           </a:p>
           <a:p>
             <a:pPr marL="457200" lvl="0" indent="-342900" algn="l" rtl="0">
@@ -13030,21 +13088,41 @@
               <a:buChar char="●"/>
             </a:pPr>
             <a:r>
-              <a:rPr lang="en" dirty="0"/>
+              <a:rPr lang="en" dirty="0">
+                <a:solidFill>
+                  <a:schemeClr val="tx1"/>
+                </a:solidFill>
+              </a:rPr>
               <a:t>Y</a:t>
             </a:r>
             <a:r>
-              <a:rPr lang="en-US" dirty="0"/>
+              <a:rPr lang="en-US" dirty="0">
+                <a:solidFill>
+                  <a:schemeClr val="tx1"/>
+                </a:solidFill>
+              </a:rPr>
               <a:t>o</a:t>
             </a:r>
             <a:r>
-              <a:rPr lang="en" dirty="0"/>
+              <a:rPr lang="en" dirty="0">
+                <a:solidFill>
+                  <a:schemeClr val="tx1"/>
+                </a:solidFill>
+              </a:rPr>
               <a:t>u should create 5-person teams by the end of this week (and fill out the spreadsheet to let us know)</a:t>
             </a:r>
             <a:br>
-              <a:rPr lang="en" dirty="0"/>
+              <a:rPr lang="en" dirty="0">
+                <a:solidFill>
+                  <a:schemeClr val="tx1"/>
+                </a:solidFill>
+              </a:rPr>
             </a:br>
-            <a:endParaRPr dirty="0"/>
+            <a:endParaRPr dirty="0">
+              <a:solidFill>
+                <a:schemeClr val="tx1"/>
+              </a:solidFill>
+            </a:endParaRPr>
           </a:p>
         </p:txBody>
       </p:sp>
@@ -13686,7 +13764,7 @@
             </a:pPr>
             <a:r>
               <a:rPr lang="en" dirty="0"/>
-              <a:t>Readings</a:t>
+              <a:t>Reading</a:t>
             </a:r>
             <a:endParaRPr dirty="0"/>
           </a:p>
@@ -13705,10 +13783,9 @@
               <a:rPr lang="en" dirty="0"/>
               <a:t>Project Scoping guide</a:t>
             </a:r>
-            <a:endParaRPr dirty="0"/>
           </a:p>
           <a:p>
-            <a:pPr marL="914400" lvl="1" indent="-317500" algn="l" rtl="0">
+            <a:pPr marL="596900" lvl="1" indent="0" algn="l" rtl="0">
               <a:spcBef>
                 <a:spcPts val="0"/>
               </a:spcBef>
@@ -13716,13 +13793,59 @@
                 <a:spcPts val="0"/>
               </a:spcAft>
               <a:buSzPts val="1400"/>
-              <a:buChar char="○"/>
+              <a:buNone/>
+            </a:pPr>
+            <a:endParaRPr lang="en" dirty="0"/>
+          </a:p>
+          <a:p>
+            <a:pPr lvl="0"/>
+            <a:r>
+              <a:rPr lang="en-US" dirty="0"/>
+              <a:t>Assignments</a:t>
+            </a:r>
+          </a:p>
+          <a:p>
+            <a:pPr lvl="1">
+              <a:spcBef>
+                <a:spcPts val="0"/>
+              </a:spcBef>
             </a:pPr>
             <a:r>
-              <a:rPr lang="en" dirty="0"/>
-              <a:t>Example case study</a:t>
+              <a:rPr lang="en-US" dirty="0"/>
+              <a:t>Survey (if you haven’t already): link from email</a:t>
             </a:r>
-            <a:endParaRPr dirty="0"/>
+          </a:p>
+          <a:p>
+            <a:pPr lvl="1">
+              <a:spcBef>
+                <a:spcPts val="0"/>
+              </a:spcBef>
+            </a:pPr>
+            <a:r>
+              <a:rPr lang="en-US" dirty="0"/>
+              <a:t>Project Team Selections: link in canvas</a:t>
+            </a:r>
+          </a:p>
+          <a:p>
+            <a:pPr lvl="1">
+              <a:spcBef>
+                <a:spcPts val="0"/>
+              </a:spcBef>
+            </a:pPr>
+            <a:endParaRPr lang="en-US" dirty="0"/>
+          </a:p>
+          <a:p>
+            <a:r>
+              <a:rPr lang="en-US" dirty="0"/>
+              <a:t>No Wednesday Session This Week</a:t>
+            </a:r>
+          </a:p>
+          <a:p>
+            <a:pPr marL="139700" indent="0">
+              <a:buSzPts val="1400"/>
+              <a:buNone/>
+            </a:pPr>
+            <a:endParaRPr lang="en" dirty="0"/>
           </a:p>
         </p:txBody>
       </p:sp>

--- a/Lectures/Lecture1-ClassOverview.pptx
+++ b/Lectures/Lecture1-ClassOverview.pptx
@@ -31,7 +31,7 @@
   <p:notesSz cx="6858000" cy="9144000"/>
   <p:embeddedFontLst>
     <p:embeddedFont>
-      <p:font typeface="Lato" panose="020F0502020204030203" pitchFamily="34" charset="77"/>
+      <p:font typeface="Lato" panose="020F0502020204030203" pitchFamily="34" charset="0"/>
       <p:regular r:id="rId21"/>
       <p:bold r:id="rId22"/>
       <p:italic r:id="rId23"/>
@@ -12493,36 +12493,6 @@
           </a:p>
         </p:txBody>
       </p:sp>
-      <p:pic>
-        <p:nvPicPr>
-          <p:cNvPr id="2" name="Picture 1">
-            <a:extLst>
-              <a:ext uri="{FF2B5EF4-FFF2-40B4-BE49-F238E27FC236}">
-                <a16:creationId xmlns:a16="http://schemas.microsoft.com/office/drawing/2014/main" id="{44B9B467-9CEF-D442-A39E-28552D8D026D}"/>
-              </a:ext>
-            </a:extLst>
-          </p:cNvPr>
-          <p:cNvPicPr>
-            <a:picLocks noChangeAspect="1"/>
-          </p:cNvPicPr>
-          <p:nvPr/>
-        </p:nvPicPr>
-        <p:blipFill>
-          <a:blip r:embed="rId3"/>
-          <a:stretch>
-            <a:fillRect/>
-          </a:stretch>
-        </p:blipFill>
-        <p:spPr>
-          <a:xfrm>
-            <a:off x="882713" y="1115111"/>
-            <a:ext cx="7385354" cy="3986784"/>
-          </a:xfrm>
-          <a:prstGeom prst="rect">
-            <a:avLst/>
-          </a:prstGeom>
-        </p:spPr>
-      </p:pic>
     </p:spTree>
   </p:cSld>
   <p:clrMapOvr>
@@ -12590,36 +12560,6 @@
           </a:p>
         </p:txBody>
       </p:sp>
-      <p:pic>
-        <p:nvPicPr>
-          <p:cNvPr id="2" name="Picture 1">
-            <a:extLst>
-              <a:ext uri="{FF2B5EF4-FFF2-40B4-BE49-F238E27FC236}">
-                <a16:creationId xmlns:a16="http://schemas.microsoft.com/office/drawing/2014/main" id="{DD6FBC2C-7439-CF42-863D-ED7A5A5938FE}"/>
-              </a:ext>
-            </a:extLst>
-          </p:cNvPr>
-          <p:cNvPicPr>
-            <a:picLocks noChangeAspect="1"/>
-          </p:cNvPicPr>
-          <p:nvPr/>
-        </p:nvPicPr>
-        <p:blipFill>
-          <a:blip r:embed="rId3"/>
-          <a:stretch>
-            <a:fillRect/>
-          </a:stretch>
-        </p:blipFill>
-        <p:spPr>
-          <a:xfrm>
-            <a:off x="882396" y="1233318"/>
-            <a:ext cx="7379208" cy="3644759"/>
-          </a:xfrm>
-          <a:prstGeom prst="rect">
-            <a:avLst/>
-          </a:prstGeom>
-        </p:spPr>
-      </p:pic>
     </p:spTree>
   </p:cSld>
   <p:clrMapOvr>
@@ -12851,7 +12791,7 @@
                   <a:schemeClr val="dk1"/>
                 </a:solidFill>
               </a:rPr>
-              <a:t>Wednesday sessions</a:t>
+              <a:t>No Wednesday sessions</a:t>
             </a:r>
           </a:p>
           <a:p>
@@ -12889,24 +12829,8 @@
                   <a:schemeClr val="dk1"/>
                 </a:solidFill>
               </a:rPr>
-              <a:t>TAs: to help manage and help access AWS infrastructure </a:t>
+              <a:t>TA support</a:t>
             </a:r>
-            <a:endParaRPr sz="1600" dirty="0">
-              <a:solidFill>
-                <a:schemeClr val="dk1"/>
-              </a:solidFill>
-            </a:endParaRPr>
-          </a:p>
-          <a:p>
-            <a:pPr marL="0" lvl="0" indent="0" algn="l" rtl="0">
-              <a:spcBef>
-                <a:spcPts val="0"/>
-              </a:spcBef>
-              <a:spcAft>
-                <a:spcPts val="1600"/>
-              </a:spcAft>
-              <a:buNone/>
-            </a:pPr>
             <a:endParaRPr sz="1600" dirty="0"/>
           </a:p>
         </p:txBody>
@@ -13436,154 +13360,6 @@
               <a:rPr lang="en-US" dirty="0"/>
               <a:t> for your project</a:t>
             </a:r>
-          </a:p>
-          <a:p>
-            <a:pPr marL="457200" lvl="0" indent="-342900" algn="l" rtl="0">
-              <a:spcBef>
-                <a:spcPts val="0"/>
-              </a:spcBef>
-              <a:spcAft>
-                <a:spcPts val="0"/>
-              </a:spcAft>
-              <a:buSzPts val="1800"/>
-              <a:buChar char="●"/>
-            </a:pPr>
-            <a:r>
-              <a:rPr lang="en-US" dirty="0"/>
-              <a:t>Compute Infrastructure</a:t>
-            </a:r>
-          </a:p>
-          <a:p>
-            <a:pPr lvl="1" indent="-342900">
-              <a:spcBef>
-                <a:spcPts val="0"/>
-              </a:spcBef>
-              <a:buSzPts val="1800"/>
-              <a:buChar char="●"/>
-            </a:pPr>
-            <a:r>
-              <a:rPr lang="en-US" dirty="0"/>
-              <a:t>Use your own laptop/machine for running things locally</a:t>
-            </a:r>
-          </a:p>
-          <a:p>
-            <a:pPr lvl="1" indent="-342900">
-              <a:spcBef>
-                <a:spcPts val="0"/>
-              </a:spcBef>
-              <a:buSzPts val="1800"/>
-              <a:buChar char="●"/>
-            </a:pPr>
-            <a:r>
-              <a:rPr lang="en-US" dirty="0"/>
-              <a:t>Or use AWS resources we have set up to run larger jobs</a:t>
-            </a:r>
-          </a:p>
-          <a:p>
-            <a:pPr lvl="0"/>
-            <a:r>
-              <a:rPr lang="en-US" dirty="0"/>
-              <a:t>Data Infrastructure</a:t>
-            </a:r>
-          </a:p>
-          <a:p>
-            <a:pPr lvl="1" indent="-342900">
-              <a:spcBef>
-                <a:spcPts val="0"/>
-              </a:spcBef>
-              <a:buSzPts val="1800"/>
-              <a:buChar char="●"/>
-            </a:pPr>
-            <a:r>
-              <a:rPr lang="en-US" dirty="0"/>
-              <a:t>Use CSVs on your own laptop/machine</a:t>
-            </a:r>
-          </a:p>
-          <a:p>
-            <a:pPr lvl="1" indent="-342900">
-              <a:spcBef>
-                <a:spcPts val="0"/>
-              </a:spcBef>
-              <a:buSzPts val="1800"/>
-              <a:buChar char="●"/>
-            </a:pPr>
-            <a:r>
-              <a:rPr lang="en-US" b="1" dirty="0"/>
-              <a:t>Or use Postgres database we have set up with data loaded</a:t>
-            </a:r>
-            <a:endParaRPr lang="en" dirty="0"/>
-          </a:p>
-          <a:p>
-            <a:pPr marL="457200" lvl="0" indent="-342900" algn="l" rtl="0">
-              <a:spcBef>
-                <a:spcPts val="0"/>
-              </a:spcBef>
-              <a:spcAft>
-                <a:spcPts val="0"/>
-              </a:spcAft>
-              <a:buSzPts val="1800"/>
-              <a:buChar char="●"/>
-            </a:pPr>
-            <a:r>
-              <a:rPr lang="en" dirty="0"/>
-              <a:t>If you use AWS, make sure you have the following things set up:</a:t>
-            </a:r>
-            <a:endParaRPr dirty="0"/>
-          </a:p>
-          <a:p>
-            <a:pPr marL="914400" lvl="1" indent="-317500" algn="l" rtl="0">
-              <a:spcBef>
-                <a:spcPts val="0"/>
-              </a:spcBef>
-              <a:spcAft>
-                <a:spcPts val="0"/>
-              </a:spcAft>
-              <a:buSzPts val="1400"/>
-              <a:buChar char="○"/>
-            </a:pPr>
-            <a:r>
-              <a:rPr lang="en" dirty="0" err="1"/>
-              <a:t>ssh</a:t>
-            </a:r>
-            <a:r>
-              <a:rPr lang="en" dirty="0"/>
-              <a:t> (to connect to the server) </a:t>
-            </a:r>
-            <a:r>
-              <a:rPr lang="en" b="1" dirty="0" err="1"/>
-              <a:t>server.mlinpractice.dssg.io</a:t>
-            </a:r>
-            <a:endParaRPr b="1" dirty="0"/>
-          </a:p>
-          <a:p>
-            <a:pPr lvl="1">
-              <a:spcBef>
-                <a:spcPts val="0"/>
-              </a:spcBef>
-            </a:pPr>
-            <a:r>
-              <a:rPr lang="en" dirty="0" err="1"/>
-              <a:t>dbeaver</a:t>
-            </a:r>
-            <a:r>
-              <a:rPr lang="en" dirty="0"/>
-              <a:t> and </a:t>
-            </a:r>
-            <a:r>
-              <a:rPr lang="en" dirty="0" err="1"/>
-              <a:t>psql</a:t>
-            </a:r>
-            <a:r>
-              <a:rPr lang="en" dirty="0"/>
-              <a:t> (to connect to the database) </a:t>
-            </a:r>
-            <a:r>
-              <a:rPr lang="en" b="1" dirty="0" err="1"/>
-              <a:t>server.mlinpractice.dssg.io</a:t>
-            </a:r>
-            <a:br>
-              <a:rPr lang="en" b="1" dirty="0"/>
-            </a:br>
             <a:endParaRPr b="1" dirty="0"/>
           </a:p>
           <a:p>
@@ -13638,23 +13414,6 @@
             <a:r>
               <a:rPr lang="en" dirty="0"/>
               <a:t>*nix command line</a:t>
-            </a:r>
-            <a:endParaRPr dirty="0"/>
-          </a:p>
-          <a:p>
-            <a:pPr marL="914400" lvl="1" indent="-317500" algn="l" rtl="0">
-              <a:spcBef>
-                <a:spcPts val="0"/>
-              </a:spcBef>
-              <a:spcAft>
-                <a:spcPts val="0"/>
-              </a:spcAft>
-              <a:buSzPts val="1400"/>
-              <a:buChar char="○"/>
-            </a:pPr>
-            <a:r>
-              <a:rPr lang="en" dirty="0"/>
-              <a:t>Remote server workflow</a:t>
             </a:r>
             <a:endParaRPr dirty="0"/>
           </a:p>
@@ -13833,12 +13592,6 @@
               </a:spcBef>
             </a:pPr>
             <a:endParaRPr lang="en-US" dirty="0"/>
-          </a:p>
-          <a:p>
-            <a:r>
-              <a:rPr lang="en-US" dirty="0"/>
-              <a:t>No Wednesday Session This Week</a:t>
-            </a:r>
           </a:p>
           <a:p>
             <a:pPr marL="139700" indent="0">
@@ -14006,7 +13759,40 @@
           <a:bodyPr/>
           <a:lstStyle/>
           <a:p>
-            <a:endParaRPr lang="en-US"/>
+            <a:r>
+              <a:rPr lang="en-US" dirty="0"/>
+              <a:t>Exposure and experience solving end-to-end real-world problems with ML</a:t>
+            </a:r>
+          </a:p>
+          <a:p>
+            <a:endParaRPr lang="en-US" dirty="0"/>
+          </a:p>
+          <a:p>
+            <a:pPr lvl="1"/>
+            <a:r>
+              <a:rPr lang="en-US" dirty="0"/>
+              <a:t>Beyond methods and models</a:t>
+            </a:r>
+          </a:p>
+          <a:p>
+            <a:pPr lvl="1"/>
+            <a:r>
+              <a:rPr lang="en-US" dirty="0"/>
+              <a:t>Beyond simplifying assumptions</a:t>
+            </a:r>
+          </a:p>
+          <a:p>
+            <a:pPr lvl="1"/>
+            <a:r>
+              <a:rPr lang="en-US" dirty="0"/>
+              <a:t>Beyond general-purpose, one-size-fits-all setups</a:t>
+            </a:r>
+          </a:p>
+          <a:p>
+            <a:endParaRPr lang="en-US" dirty="0"/>
+          </a:p>
+          <a:p>
+            <a:endParaRPr lang="en-US" dirty="0"/>
           </a:p>
         </p:txBody>
       </p:sp>

--- a/Lectures/Lecture1-ClassOverview.pptx
+++ b/Lectures/Lecture1-ClassOverview.pptx
@@ -5,7 +5,7 @@
     <p:sldMasterId id="2147483659" r:id="rId1"/>
   </p:sldMasterIdLst>
   <p:notesMasterIdLst>
-    <p:notesMasterId r:id="rId20"/>
+    <p:notesMasterId r:id="rId19"/>
   </p:notesMasterIdLst>
   <p:sldIdLst>
     <p:sldId id="256" r:id="rId2"/>
@@ -20,22 +20,21 @@
     <p:sldId id="295" r:id="rId11"/>
     <p:sldId id="299" r:id="rId12"/>
     <p:sldId id="264" r:id="rId13"/>
-    <p:sldId id="265" r:id="rId14"/>
-    <p:sldId id="267" r:id="rId15"/>
-    <p:sldId id="269" r:id="rId16"/>
-    <p:sldId id="270" r:id="rId17"/>
-    <p:sldId id="272" r:id="rId18"/>
-    <p:sldId id="273" r:id="rId19"/>
+    <p:sldId id="267" r:id="rId14"/>
+    <p:sldId id="269" r:id="rId15"/>
+    <p:sldId id="270" r:id="rId16"/>
+    <p:sldId id="272" r:id="rId17"/>
+    <p:sldId id="273" r:id="rId18"/>
   </p:sldIdLst>
   <p:sldSz cx="9144000" cy="5143500" type="screen16x9"/>
   <p:notesSz cx="6858000" cy="9144000"/>
   <p:embeddedFontLst>
     <p:embeddedFont>
       <p:font typeface="Lato" panose="020F0502020204030203" pitchFamily="34" charset="0"/>
-      <p:regular r:id="rId21"/>
-      <p:bold r:id="rId22"/>
-      <p:italic r:id="rId23"/>
-      <p:boldItalic r:id="rId24"/>
+      <p:regular r:id="rId20"/>
+      <p:bold r:id="rId21"/>
+      <p:italic r:id="rId22"/>
+      <p:boldItalic r:id="rId23"/>
     </p:embeddedFont>
   </p:embeddedFontLst>
   <p:defaultTextStyle>
@@ -5841,114 +5840,6 @@
   <p:cSld>
     <p:spTree>
       <p:nvGrpSpPr>
-        <p:cNvPr id="1" name="Shape 154"/>
-        <p:cNvGrpSpPr/>
-        <p:nvPr/>
-      </p:nvGrpSpPr>
-      <p:grpSpPr>
-        <a:xfrm>
-          <a:off x="0" y="0"/>
-          <a:ext cx="0" cy="0"/>
-          <a:chOff x="0" y="0"/>
-          <a:chExt cx="0" cy="0"/>
-        </a:xfrm>
-      </p:grpSpPr>
-      <p:sp>
-        <p:nvSpPr>
-          <p:cNvPr id="155" name="Google Shape;155;g6d8ed670a8_0_56:notes"/>
-          <p:cNvSpPr>
-            <a:spLocks noGrp="1" noRot="1" noChangeAspect="1"/>
-          </p:cNvSpPr>
-          <p:nvPr>
-            <p:ph type="sldImg" idx="2"/>
-          </p:nvPr>
-        </p:nvSpPr>
-        <p:spPr>
-          <a:xfrm>
-            <a:off x="381000" y="685800"/>
-            <a:ext cx="6096000" cy="3429000"/>
-          </a:xfrm>
-          <a:custGeom>
-            <a:avLst/>
-            <a:gdLst/>
-            <a:ahLst/>
-            <a:cxnLst/>
-            <a:rect l="l" t="t" r="r" b="b"/>
-            <a:pathLst>
-              <a:path w="120000" h="120000" extrusionOk="0">
-                <a:moveTo>
-                  <a:pt x="0" y="0"/>
-                </a:moveTo>
-                <a:lnTo>
-                  <a:pt x="120000" y="0"/>
-                </a:lnTo>
-                <a:lnTo>
-                  <a:pt x="120000" y="120000"/>
-                </a:lnTo>
-                <a:lnTo>
-                  <a:pt x="0" y="120000"/>
-                </a:lnTo>
-                <a:close/>
-              </a:path>
-            </a:pathLst>
-          </a:custGeom>
-        </p:spPr>
-      </p:sp>
-      <p:sp>
-        <p:nvSpPr>
-          <p:cNvPr id="156" name="Google Shape;156;g6d8ed670a8_0_56:notes"/>
-          <p:cNvSpPr txBox="1">
-            <a:spLocks noGrp="1"/>
-          </p:cNvSpPr>
-          <p:nvPr>
-            <p:ph type="body" idx="1"/>
-          </p:nvPr>
-        </p:nvSpPr>
-        <p:spPr>
-          <a:xfrm>
-            <a:off x="685800" y="4343400"/>
-            <a:ext cx="5486400" cy="4114800"/>
-          </a:xfrm>
-          <a:prstGeom prst="rect">
-            <a:avLst/>
-          </a:prstGeom>
-        </p:spPr>
-        <p:txBody>
-          <a:bodyPr spcFirstLastPara="1" wrap="square" lIns="91425" tIns="91425" rIns="91425" bIns="91425" anchor="t" anchorCtr="0">
-            <a:noAutofit/>
-          </a:bodyPr>
-          <a:lstStyle/>
-          <a:p>
-            <a:pPr marL="0" lvl="0" indent="0" algn="l" rtl="0">
-              <a:spcBef>
-                <a:spcPts val="0"/>
-              </a:spcBef>
-              <a:spcAft>
-                <a:spcPts val="0"/>
-              </a:spcAft>
-              <a:buNone/>
-            </a:pPr>
-            <a:r>
-              <a:rPr lang="en"/>
-              <a:t>If you think you’re likely to drop, please let us know sooner rather than later so we can balance teams</a:t>
-            </a:r>
-            <a:endParaRPr/>
-          </a:p>
-        </p:txBody>
-      </p:sp>
-    </p:spTree>
-  </p:cSld>
-  <p:clrMapOvr>
-    <a:masterClrMapping/>
-  </p:clrMapOvr>
-</p:notes>
-</file>
-
-<file path=ppt/notesSlides/notesSlide11.xml><?xml version="1.0" encoding="utf-8"?>
-<p:notes xmlns:a="http://schemas.openxmlformats.org/drawingml/2006/main" xmlns:r="http://schemas.openxmlformats.org/officeDocument/2006/relationships" xmlns:p="http://schemas.openxmlformats.org/presentationml/2006/main" showMasterSp="0" showMasterPhAnim="0">
-  <p:cSld>
-    <p:spTree>
-      <p:nvGrpSpPr>
         <p:cNvPr id="1" name="Shape 160"/>
         <p:cNvGrpSpPr/>
         <p:nvPr/>
@@ -6048,7 +5939,7 @@
 </p:notes>
 </file>
 
-<file path=ppt/notesSlides/notesSlide12.xml><?xml version="1.0" encoding="utf-8"?>
+<file path=ppt/notesSlides/notesSlide11.xml><?xml version="1.0" encoding="utf-8"?>
 <p:notes xmlns:a="http://schemas.openxmlformats.org/drawingml/2006/main" xmlns:r="http://schemas.openxmlformats.org/officeDocument/2006/relationships" xmlns:p="http://schemas.openxmlformats.org/presentationml/2006/main" showMasterSp="0" showMasterPhAnim="0">
   <p:cSld>
     <p:spTree>
@@ -6152,7 +6043,7 @@
 </p:notes>
 </file>
 
-<file path=ppt/notesSlides/notesSlide13.xml><?xml version="1.0" encoding="utf-8"?>
+<file path=ppt/notesSlides/notesSlide12.xml><?xml version="1.0" encoding="utf-8"?>
 <p:notes xmlns:a="http://schemas.openxmlformats.org/drawingml/2006/main" xmlns:r="http://schemas.openxmlformats.org/officeDocument/2006/relationships" xmlns:p="http://schemas.openxmlformats.org/presentationml/2006/main" showMasterSp="0" showMasterPhAnim="0">
   <p:cSld>
     <p:spTree>
@@ -6893,110 +6784,6 @@
   <p:cSld>
     <p:spTree>
       <p:nvGrpSpPr>
-        <p:cNvPr id="1" name="Shape 127"/>
-        <p:cNvGrpSpPr/>
-        <p:nvPr/>
-      </p:nvGrpSpPr>
-      <p:grpSpPr>
-        <a:xfrm>
-          <a:off x="0" y="0"/>
-          <a:ext cx="0" cy="0"/>
-          <a:chOff x="0" y="0"/>
-          <a:chExt cx="0" cy="0"/>
-        </a:xfrm>
-      </p:grpSpPr>
-      <p:sp>
-        <p:nvSpPr>
-          <p:cNvPr id="128" name="Google Shape;128;g6d8ed670a8_0_72:notes"/>
-          <p:cNvSpPr>
-            <a:spLocks noGrp="1" noRot="1" noChangeAspect="1"/>
-          </p:cNvSpPr>
-          <p:nvPr>
-            <p:ph type="sldImg" idx="2"/>
-          </p:nvPr>
-        </p:nvSpPr>
-        <p:spPr>
-          <a:xfrm>
-            <a:off x="381000" y="685800"/>
-            <a:ext cx="6096000" cy="3429000"/>
-          </a:xfrm>
-          <a:custGeom>
-            <a:avLst/>
-            <a:gdLst/>
-            <a:ahLst/>
-            <a:cxnLst/>
-            <a:rect l="l" t="t" r="r" b="b"/>
-            <a:pathLst>
-              <a:path w="120000" h="120000" extrusionOk="0">
-                <a:moveTo>
-                  <a:pt x="0" y="0"/>
-                </a:moveTo>
-                <a:lnTo>
-                  <a:pt x="120000" y="0"/>
-                </a:lnTo>
-                <a:lnTo>
-                  <a:pt x="120000" y="120000"/>
-                </a:lnTo>
-                <a:lnTo>
-                  <a:pt x="0" y="120000"/>
-                </a:lnTo>
-                <a:close/>
-              </a:path>
-            </a:pathLst>
-          </a:custGeom>
-        </p:spPr>
-      </p:sp>
-      <p:sp>
-        <p:nvSpPr>
-          <p:cNvPr id="129" name="Google Shape;129;g6d8ed670a8_0_72:notes"/>
-          <p:cNvSpPr txBox="1">
-            <a:spLocks noGrp="1"/>
-          </p:cNvSpPr>
-          <p:nvPr>
-            <p:ph type="body" idx="1"/>
-          </p:nvPr>
-        </p:nvSpPr>
-        <p:spPr>
-          <a:xfrm>
-            <a:off x="685800" y="4343400"/>
-            <a:ext cx="5486400" cy="4114800"/>
-          </a:xfrm>
-          <a:prstGeom prst="rect">
-            <a:avLst/>
-          </a:prstGeom>
-        </p:spPr>
-        <p:txBody>
-          <a:bodyPr spcFirstLastPara="1" wrap="square" lIns="91425" tIns="91425" rIns="91425" bIns="91425" anchor="t" anchorCtr="0">
-            <a:noAutofit/>
-          </a:bodyPr>
-          <a:lstStyle/>
-          <a:p>
-            <a:pPr marL="0" lvl="0" indent="0" algn="l" rtl="0">
-              <a:spcBef>
-                <a:spcPts val="0"/>
-              </a:spcBef>
-              <a:spcAft>
-                <a:spcPts val="0"/>
-              </a:spcAft>
-              <a:buNone/>
-            </a:pPr>
-            <a:endParaRPr/>
-          </a:p>
-        </p:txBody>
-      </p:sp>
-    </p:spTree>
-  </p:cSld>
-  <p:clrMapOvr>
-    <a:masterClrMapping/>
-  </p:clrMapOvr>
-</p:notes>
-</file>
-
-<file path=ppt/notesSlides/notesSlide9.xml><?xml version="1.0" encoding="utf-8"?>
-<p:notes xmlns:a="http://schemas.openxmlformats.org/drawingml/2006/main" xmlns:r="http://schemas.openxmlformats.org/officeDocument/2006/relationships" xmlns:p="http://schemas.openxmlformats.org/presentationml/2006/main" showMasterSp="0" showMasterPhAnim="0">
-  <p:cSld>
-    <p:spTree>
-      <p:nvGrpSpPr>
         <p:cNvPr id="1" name="Shape 141"/>
         <p:cNvGrpSpPr/>
         <p:nvPr/>
@@ -7084,6 +6871,114 @@
               </a:spcAft>
               <a:buNone/>
             </a:pPr>
+            <a:endParaRPr/>
+          </a:p>
+        </p:txBody>
+      </p:sp>
+    </p:spTree>
+  </p:cSld>
+  <p:clrMapOvr>
+    <a:masterClrMapping/>
+  </p:clrMapOvr>
+</p:notes>
+</file>
+
+<file path=ppt/notesSlides/notesSlide9.xml><?xml version="1.0" encoding="utf-8"?>
+<p:notes xmlns:a="http://schemas.openxmlformats.org/drawingml/2006/main" xmlns:r="http://schemas.openxmlformats.org/officeDocument/2006/relationships" xmlns:p="http://schemas.openxmlformats.org/presentationml/2006/main" showMasterSp="0" showMasterPhAnim="0">
+  <p:cSld>
+    <p:spTree>
+      <p:nvGrpSpPr>
+        <p:cNvPr id="1" name="Shape 154"/>
+        <p:cNvGrpSpPr/>
+        <p:nvPr/>
+      </p:nvGrpSpPr>
+      <p:grpSpPr>
+        <a:xfrm>
+          <a:off x="0" y="0"/>
+          <a:ext cx="0" cy="0"/>
+          <a:chOff x="0" y="0"/>
+          <a:chExt cx="0" cy="0"/>
+        </a:xfrm>
+      </p:grpSpPr>
+      <p:sp>
+        <p:nvSpPr>
+          <p:cNvPr id="155" name="Google Shape;155;g6d8ed670a8_0_56:notes"/>
+          <p:cNvSpPr>
+            <a:spLocks noGrp="1" noRot="1" noChangeAspect="1"/>
+          </p:cNvSpPr>
+          <p:nvPr>
+            <p:ph type="sldImg" idx="2"/>
+          </p:nvPr>
+        </p:nvSpPr>
+        <p:spPr>
+          <a:xfrm>
+            <a:off x="381000" y="685800"/>
+            <a:ext cx="6096000" cy="3429000"/>
+          </a:xfrm>
+          <a:custGeom>
+            <a:avLst/>
+            <a:gdLst/>
+            <a:ahLst/>
+            <a:cxnLst/>
+            <a:rect l="l" t="t" r="r" b="b"/>
+            <a:pathLst>
+              <a:path w="120000" h="120000" extrusionOk="0">
+                <a:moveTo>
+                  <a:pt x="0" y="0"/>
+                </a:moveTo>
+                <a:lnTo>
+                  <a:pt x="120000" y="0"/>
+                </a:lnTo>
+                <a:lnTo>
+                  <a:pt x="120000" y="120000"/>
+                </a:lnTo>
+                <a:lnTo>
+                  <a:pt x="0" y="120000"/>
+                </a:lnTo>
+                <a:close/>
+              </a:path>
+            </a:pathLst>
+          </a:custGeom>
+        </p:spPr>
+      </p:sp>
+      <p:sp>
+        <p:nvSpPr>
+          <p:cNvPr id="156" name="Google Shape;156;g6d8ed670a8_0_56:notes"/>
+          <p:cNvSpPr txBox="1">
+            <a:spLocks noGrp="1"/>
+          </p:cNvSpPr>
+          <p:nvPr>
+            <p:ph type="body" idx="1"/>
+          </p:nvPr>
+        </p:nvSpPr>
+        <p:spPr>
+          <a:xfrm>
+            <a:off x="685800" y="4343400"/>
+            <a:ext cx="5486400" cy="4114800"/>
+          </a:xfrm>
+          <a:prstGeom prst="rect">
+            <a:avLst/>
+          </a:prstGeom>
+        </p:spPr>
+        <p:txBody>
+          <a:bodyPr spcFirstLastPara="1" wrap="square" lIns="91425" tIns="91425" rIns="91425" bIns="91425" anchor="t" anchorCtr="0">
+            <a:noAutofit/>
+          </a:bodyPr>
+          <a:lstStyle/>
+          <a:p>
+            <a:pPr marL="0" lvl="0" indent="0" algn="l" rtl="0">
+              <a:spcBef>
+                <a:spcPts val="0"/>
+              </a:spcBef>
+              <a:spcAft>
+                <a:spcPts val="0"/>
+              </a:spcAft>
+              <a:buNone/>
+            </a:pPr>
+            <a:r>
+              <a:rPr lang="en"/>
+              <a:t>If you think you’re likely to drop, please let us know sooner rather than later so we can balance teams</a:t>
+            </a:r>
             <a:endParaRPr/>
           </a:p>
         </p:txBody>
@@ -12486,10 +12381,12 @@
               <a:buNone/>
             </a:pPr>
             <a:r>
-              <a:rPr lang="en"/>
+              <a:rPr lang="en" dirty="0">
+                <a:hlinkClick r:id="rId3"/>
+              </a:rPr>
               <a:t>Class Schedule</a:t>
             </a:r>
-            <a:endParaRPr/>
+            <a:endParaRPr dirty="0"/>
           </a:p>
         </p:txBody>
       </p:sp>
@@ -12502,73 +12399,6 @@
 </file>
 
 <file path=ppt/slides/slide13.xml><?xml version="1.0" encoding="utf-8"?>
-<p:sld xmlns:a="http://schemas.openxmlformats.org/drawingml/2006/main" xmlns:r="http://schemas.openxmlformats.org/officeDocument/2006/relationships" xmlns:p="http://schemas.openxmlformats.org/presentationml/2006/main">
-  <p:cSld>
-    <p:spTree>
-      <p:nvGrpSpPr>
-        <p:cNvPr id="1" name="Shape 130"/>
-        <p:cNvGrpSpPr/>
-        <p:nvPr/>
-      </p:nvGrpSpPr>
-      <p:grpSpPr>
-        <a:xfrm>
-          <a:off x="0" y="0"/>
-          <a:ext cx="0" cy="0"/>
-          <a:chOff x="0" y="0"/>
-          <a:chExt cx="0" cy="0"/>
-        </a:xfrm>
-      </p:grpSpPr>
-      <p:sp>
-        <p:nvSpPr>
-          <p:cNvPr id="131" name="Google Shape;131;p22"/>
-          <p:cNvSpPr txBox="1">
-            <a:spLocks noGrp="1"/>
-          </p:cNvSpPr>
-          <p:nvPr>
-            <p:ph type="title"/>
-          </p:nvPr>
-        </p:nvSpPr>
-        <p:spPr>
-          <a:xfrm>
-            <a:off x="311700" y="445025"/>
-            <a:ext cx="8520600" cy="572700"/>
-          </a:xfrm>
-          <a:prstGeom prst="rect">
-            <a:avLst/>
-          </a:prstGeom>
-        </p:spPr>
-        <p:txBody>
-          <a:bodyPr spcFirstLastPara="1" wrap="square" lIns="91425" tIns="91425" rIns="91425" bIns="91425" anchor="t" anchorCtr="0">
-            <a:noAutofit/>
-          </a:bodyPr>
-          <a:lstStyle/>
-          <a:p>
-            <a:pPr marL="0" lvl="0" indent="0" algn="l" rtl="0">
-              <a:spcBef>
-                <a:spcPts val="0"/>
-              </a:spcBef>
-              <a:spcAft>
-                <a:spcPts val="0"/>
-              </a:spcAft>
-              <a:buNone/>
-            </a:pPr>
-            <a:r>
-              <a:rPr lang="en"/>
-              <a:t>Class Schedule</a:t>
-            </a:r>
-            <a:endParaRPr/>
-          </a:p>
-        </p:txBody>
-      </p:sp>
-    </p:spTree>
-  </p:cSld>
-  <p:clrMapOvr>
-    <a:masterClrMapping/>
-  </p:clrMapOvr>
-</p:sld>
-</file>
-
-<file path=ppt/slides/slide14.xml><?xml version="1.0" encoding="utf-8"?>
 <p:sld xmlns:a="http://schemas.openxmlformats.org/drawingml/2006/main" xmlns:r="http://schemas.openxmlformats.org/officeDocument/2006/relationships" xmlns:p="http://schemas.openxmlformats.org/presentationml/2006/main">
   <p:cSld>
     <p:spTree>
@@ -12843,7 +12673,7 @@
 </p:sld>
 </file>
 
-<file path=ppt/slides/slide15.xml><?xml version="1.0" encoding="utf-8"?>
+<file path=ppt/slides/slide14.xml><?xml version="1.0" encoding="utf-8"?>
 <p:sld xmlns:a="http://schemas.openxmlformats.org/drawingml/2006/main" xmlns:r="http://schemas.openxmlformats.org/officeDocument/2006/relationships" xmlns:p="http://schemas.openxmlformats.org/presentationml/2006/main">
   <p:cSld>
     <p:spTree>
@@ -12927,7 +12757,7 @@
           </a:bodyPr>
           <a:lstStyle/>
           <a:p>
-            <a:pPr marL="457200" lvl="0" indent="-342900" algn="l" rtl="0">
+            <a:pPr marL="114300" lvl="0" indent="0" algn="l" rtl="0">
               <a:spcBef>
                 <a:spcPts val="0"/>
               </a:spcBef>
@@ -12935,64 +12765,7 @@
                 <a:spcPts val="0"/>
               </a:spcAft>
               <a:buSzPts val="1800"/>
-              <a:buChar char="●"/>
-            </a:pPr>
-            <a:r>
-              <a:rPr lang="en" dirty="0">
-                <a:solidFill>
-                  <a:schemeClr val="tx1"/>
-                </a:solidFill>
-              </a:rPr>
-              <a:t>Make sure to fill out the survey</a:t>
-            </a:r>
-            <a:r>
-              <a:rPr lang="en" sz="1400" dirty="0">
-                <a:solidFill>
-                  <a:schemeClr val="tx1"/>
-                </a:solidFill>
-              </a:rPr>
-              <a:t>: </a:t>
-            </a:r>
-            <a:r>
-              <a:rPr lang="en" sz="1600" dirty="0">
-                <a:solidFill>
-                  <a:schemeClr val="tx1"/>
-                </a:solidFill>
-              </a:rPr>
-              <a:t>We need your </a:t>
-            </a:r>
-            <a:r>
-              <a:rPr lang="en" sz="1600" dirty="0" err="1">
-                <a:solidFill>
-                  <a:schemeClr val="tx1"/>
-                </a:solidFill>
-              </a:rPr>
-              <a:t>github</a:t>
-            </a:r>
-            <a:r>
-              <a:rPr lang="en" sz="1600" dirty="0">
-                <a:solidFill>
-                  <a:schemeClr val="tx1"/>
-                </a:solidFill>
-              </a:rPr>
-              <a:t> username and  public SSH key</a:t>
-            </a:r>
-            <a:endParaRPr dirty="0">
-              <a:solidFill>
-                <a:schemeClr val="tx1"/>
-              </a:solidFill>
-            </a:endParaRPr>
-          </a:p>
-          <a:p>
-            <a:pPr marL="457200" lvl="0" indent="-342900" algn="l" rtl="0">
-              <a:spcBef>
-                <a:spcPts val="0"/>
-              </a:spcBef>
-              <a:spcAft>
-                <a:spcPts val="0"/>
-              </a:spcAft>
-              <a:buSzPts val="1800"/>
-              <a:buChar char="●"/>
+              <a:buNone/>
             </a:pPr>
             <a:endParaRPr lang="en" dirty="0">
               <a:solidFill>
@@ -13033,7 +12806,24 @@
                   <a:schemeClr val="tx1"/>
                 </a:solidFill>
               </a:rPr>
-              <a:t>u should create 5-person teams by the end of this week (and fill out the spreadsheet to let us know)</a:t>
+              <a:t>u should create 5-person teams by the end of this week (and </a:t>
+            </a:r>
+            <a:r>
+              <a:rPr lang="en" dirty="0">
+                <a:solidFill>
+                  <a:schemeClr val="tx1"/>
+                </a:solidFill>
+                <a:hlinkClick r:id="rId3"/>
+              </a:rPr>
+              <a:t>fill out the spreadsheet</a:t>
+            </a:r>
+            <a:r>
+              <a:rPr lang="en" dirty="0">
+                <a:solidFill>
+                  <a:schemeClr val="tx1"/>
+                </a:solidFill>
+              </a:rPr>
+              <a:t> to let us know)</a:t>
             </a:r>
             <a:br>
               <a:rPr lang="en" dirty="0">
@@ -13058,7 +12848,7 @@
 </p:sld>
 </file>
 
-<file path=ppt/slides/slide16.xml><?xml version="1.0" encoding="utf-8"?>
+<file path=ppt/slides/slide15.xml><?xml version="1.0" encoding="utf-8"?>
 <p:sld xmlns:a="http://schemas.openxmlformats.org/drawingml/2006/main" xmlns:r="http://schemas.openxmlformats.org/officeDocument/2006/relationships" xmlns:p="http://schemas.openxmlformats.org/presentationml/2006/main">
   <p:cSld>
     <p:spTree>
@@ -13172,6 +12962,7 @@
       <p:pic>
         <p:nvPicPr>
           <p:cNvPr id="2" name="Picture 1">
+            <a:hlinkClick r:id="rId3"/>
             <a:extLst>
               <a:ext uri="{FF2B5EF4-FFF2-40B4-BE49-F238E27FC236}">
                 <a16:creationId xmlns:a16="http://schemas.microsoft.com/office/drawing/2014/main" id="{7754616C-B13B-734C-9D90-D3E25C1D842B}"/>
@@ -13184,7 +12975,7 @@
           <p:nvPr/>
         </p:nvPicPr>
         <p:blipFill>
-          <a:blip r:embed="rId3"/>
+          <a:blip r:embed="rId4"/>
           <a:stretch>
             <a:fillRect/>
           </a:stretch>
@@ -13214,7 +13005,7 @@
           <p:nvPr/>
         </p:nvPicPr>
         <p:blipFill>
-          <a:blip r:embed="rId4">
+          <a:blip r:embed="rId5">
             <a:extLst>
               <a:ext uri="{28A0092B-C50C-407E-A947-70E740481C1C}">
                 <a14:useLocalDpi xmlns:a14="http://schemas.microsoft.com/office/drawing/2010/main" val="0"/>
@@ -13254,7 +13045,7 @@
 </p:sld>
 </file>
 
-<file path=ppt/slides/slide17.xml><?xml version="1.0" encoding="utf-8"?>
+<file path=ppt/slides/slide16.xml><?xml version="1.0" encoding="utf-8"?>
 <p:sld xmlns:a="http://schemas.openxmlformats.org/drawingml/2006/main" xmlns:r="http://schemas.openxmlformats.org/officeDocument/2006/relationships" xmlns:p="http://schemas.openxmlformats.org/presentationml/2006/main">
   <p:cSld>
     <p:spTree>
@@ -13427,7 +13218,7 @@
 </p:sld>
 </file>
 
-<file path=ppt/slides/slide18.xml><?xml version="1.0" encoding="utf-8"?>
+<file path=ppt/slides/slide17.xml><?xml version="1.0" encoding="utf-8"?>
 <p:sld xmlns:a="http://schemas.openxmlformats.org/drawingml/2006/main" xmlns:r="http://schemas.openxmlformats.org/officeDocument/2006/relationships" xmlns:p="http://schemas.openxmlformats.org/presentationml/2006/main">
   <p:cSld>
     <p:spTree>
@@ -13560,7 +13351,7 @@
             <a:pPr lvl="0"/>
             <a:r>
               <a:rPr lang="en-US" dirty="0"/>
-              <a:t>Assignments</a:t>
+              <a:t>Assignment</a:t>
             </a:r>
           </a:p>
           <a:p>
@@ -13571,7 +13362,7 @@
             </a:pPr>
             <a:r>
               <a:rPr lang="en-US" dirty="0"/>
-              <a:t>Survey (if you haven’t already): link from email</a:t>
+              <a:t>Project Team Selections (end of week): link in canvas</a:t>
             </a:r>
           </a:p>
           <a:p>
@@ -13582,7 +13373,7 @@
             </a:pPr>
             <a:r>
               <a:rPr lang="en-US" dirty="0"/>
-              <a:t>Project Team Selections: link in canvas</a:t>
+              <a:t>Individual project: First pass on the ML project (due next Monday)</a:t>
             </a:r>
           </a:p>
           <a:p>

--- a/Lectures/Lecture1-ClassOverview.pptx
+++ b/Lectures/Lecture1-ClassOverview.pptx
@@ -12033,10 +12033,10 @@
               <a:buNone/>
             </a:pPr>
             <a:r>
-              <a:rPr lang="en"/>
-              <a:t>Rayid Ghani and Kit Rodolfa</a:t>
+              <a:rPr lang="en" dirty="0"/>
+              <a:t>Rayid Ghani</a:t>
             </a:r>
-            <a:endParaRPr/>
+            <a:endParaRPr dirty="0"/>
           </a:p>
         </p:txBody>
       </p:sp>
@@ -12621,25 +12621,6 @@
                   <a:schemeClr val="dk1"/>
                 </a:solidFill>
               </a:rPr>
-              <a:t>No Wednesday sessions</a:t>
-            </a:r>
-          </a:p>
-          <a:p>
-            <a:pPr indent="-330200">
-              <a:spcBef>
-                <a:spcPts val="700"/>
-              </a:spcBef>
-              <a:buClr>
-                <a:schemeClr val="dk1"/>
-              </a:buClr>
-              <a:buSzPts val="1600"/>
-            </a:pPr>
-            <a:r>
-              <a:rPr lang="en" sz="1600" dirty="0">
-                <a:solidFill>
-                  <a:schemeClr val="dk1"/>
-                </a:solidFill>
-              </a:rPr>
               <a:t>Office hours</a:t>
             </a:r>
           </a:p>
@@ -13373,7 +13354,7 @@
             </a:pPr>
             <a:r>
               <a:rPr lang="en-US" dirty="0"/>
-              <a:t>Individual project: First pass on the ML project (due next Monday)</a:t>
+              <a:t>Individual project: First pass on the ML project (due next Tuesday)</a:t>
             </a:r>
           </a:p>
           <a:p>
@@ -13746,7 +13727,7 @@
                   <a:schemeClr val="tx1"/>
                 </a:solidFill>
               </a:rPr>
-              <a:t> doing most of it)</a:t>
+              <a:t> doing a lot of it)</a:t>
             </a:r>
           </a:p>
           <a:p>

--- a/Lectures/Lecture1-ClassOverview.pptx
+++ b/Lectures/Lecture1-ClassOverview.pptx
@@ -12382,14 +12382,89 @@
             </a:pPr>
             <a:r>
               <a:rPr lang="en" dirty="0">
-                <a:hlinkClick r:id="rId3"/>
+                <a:solidFill>
+                  <a:schemeClr val="bg1"/>
+                </a:solidFill>
+                <a:hlinkClick r:id="rId3">
+                  <a:extLst>
+                    <a:ext uri="{A12FA001-AC4F-418D-AE19-62706E023703}">
+                      <ahyp:hlinkClr xmlns:ahyp="http://schemas.microsoft.com/office/drawing/2018/hyperlinkcolor" val="tx"/>
+                    </a:ext>
+                  </a:extLst>
+                </a:hlinkClick>
               </a:rPr>
               <a:t>Class Schedule</a:t>
             </a:r>
-            <a:endParaRPr dirty="0"/>
+            <a:endParaRPr dirty="0">
+              <a:solidFill>
+                <a:schemeClr val="bg1"/>
+              </a:solidFill>
+            </a:endParaRPr>
           </a:p>
         </p:txBody>
       </p:sp>
+      <p:pic>
+        <p:nvPicPr>
+          <p:cNvPr id="2" name="Picture 1">
+            <a:hlinkClick r:id="rId3"/>
+            <a:extLst>
+              <a:ext uri="{FF2B5EF4-FFF2-40B4-BE49-F238E27FC236}">
+                <a16:creationId xmlns:a16="http://schemas.microsoft.com/office/drawing/2014/main" id="{388C5A30-3E26-19C5-4481-4008EA7D2222}"/>
+              </a:ext>
+            </a:extLst>
+          </p:cNvPr>
+          <p:cNvPicPr>
+            <a:picLocks noChangeAspect="1"/>
+          </p:cNvPicPr>
+          <p:nvPr/>
+        </p:nvPicPr>
+        <p:blipFill>
+          <a:blip r:embed="rId4"/>
+          <a:stretch>
+            <a:fillRect/>
+          </a:stretch>
+        </p:blipFill>
+        <p:spPr>
+          <a:xfrm>
+            <a:off x="0" y="1081409"/>
+            <a:ext cx="4072781" cy="4062091"/>
+          </a:xfrm>
+          <a:prstGeom prst="rect">
+            <a:avLst/>
+          </a:prstGeom>
+        </p:spPr>
+      </p:pic>
+      <p:pic>
+        <p:nvPicPr>
+          <p:cNvPr id="3" name="Picture 2">
+            <a:hlinkClick r:id="rId3"/>
+            <a:extLst>
+              <a:ext uri="{FF2B5EF4-FFF2-40B4-BE49-F238E27FC236}">
+                <a16:creationId xmlns:a16="http://schemas.microsoft.com/office/drawing/2014/main" id="{D1D00F08-742A-06D1-514E-1BCE0521FE4D}"/>
+              </a:ext>
+            </a:extLst>
+          </p:cNvPr>
+          <p:cNvPicPr>
+            <a:picLocks noChangeAspect="1"/>
+          </p:cNvPicPr>
+          <p:nvPr/>
+        </p:nvPicPr>
+        <p:blipFill>
+          <a:blip r:embed="rId5"/>
+          <a:stretch>
+            <a:fillRect/>
+          </a:stretch>
+        </p:blipFill>
+        <p:spPr>
+          <a:xfrm>
+            <a:off x="4961402" y="1081409"/>
+            <a:ext cx="4182598" cy="4062091"/>
+          </a:xfrm>
+          <a:prstGeom prst="rect">
+            <a:avLst/>
+          </a:prstGeom>
+        </p:spPr>
+      </p:pic>
     </p:spTree>
   </p:cSld>
   <p:clrMapOvr>
@@ -12575,7 +12650,7 @@
                   <a:schemeClr val="dk1"/>
                 </a:solidFill>
               </a:rPr>
-              <a:t> (for assignment submissions)</a:t>
+              <a:t> (for assignments)</a:t>
             </a:r>
           </a:p>
           <a:p>
@@ -12640,12 +12715,67 @@
                   <a:schemeClr val="dk1"/>
                 </a:solidFill>
               </a:rPr>
-              <a:t>TA support</a:t>
+              <a:t>TA – Catalina </a:t>
+            </a:r>
+            <a:r>
+              <a:rPr lang="en-US" sz="1600" dirty="0" err="1">
+                <a:solidFill>
+                  <a:schemeClr val="dk1"/>
+                </a:solidFill>
+              </a:rPr>
+              <a:t>Vajiac</a:t>
             </a:r>
             <a:endParaRPr sz="1600" dirty="0"/>
           </a:p>
         </p:txBody>
       </p:sp>
+      <p:pic>
+        <p:nvPicPr>
+          <p:cNvPr id="1026" name="Picture 2">
+            <a:extLst>
+              <a:ext uri="{FF2B5EF4-FFF2-40B4-BE49-F238E27FC236}">
+                <a16:creationId xmlns:a16="http://schemas.microsoft.com/office/drawing/2014/main" id="{DF4F63AC-266F-BE7E-7CC0-68EE4DB8B8E8}"/>
+              </a:ext>
+            </a:extLst>
+          </p:cNvPr>
+          <p:cNvPicPr>
+            <a:picLocks noChangeAspect="1" noChangeArrowheads="1"/>
+          </p:cNvPicPr>
+          <p:nvPr/>
+        </p:nvPicPr>
+        <p:blipFill>
+          <a:blip r:embed="rId3">
+            <a:extLst>
+              <a:ext uri="{28A0092B-C50C-407E-A947-70E740481C1C}">
+                <a14:useLocalDpi xmlns:a14="http://schemas.microsoft.com/office/drawing/2010/main" val="0"/>
+              </a:ext>
+            </a:extLst>
+          </a:blip>
+          <a:srcRect/>
+          <a:stretch>
+            <a:fillRect/>
+          </a:stretch>
+        </p:blipFill>
+        <p:spPr bwMode="auto">
+          <a:xfrm>
+            <a:off x="2865554" y="3612995"/>
+            <a:ext cx="1297104" cy="1297104"/>
+          </a:xfrm>
+          <a:prstGeom prst="rect">
+            <a:avLst/>
+          </a:prstGeom>
+          <a:noFill/>
+          <a:extLst>
+            <a:ext uri="{909E8E84-426E-40DD-AFC4-6F175D3DCCD1}">
+              <a14:hiddenFill xmlns:a14="http://schemas.microsoft.com/office/drawing/2010/main">
+                <a:solidFill>
+                  <a:srgbClr val="FFFFFF"/>
+                </a:solidFill>
+              </a14:hiddenFill>
+            </a:ext>
+          </a:extLst>
+        </p:spPr>
+      </p:pic>
     </p:spTree>
   </p:cSld>
   <p:clrMapOvr>
@@ -12805,6 +12935,43 @@
                 </a:solidFill>
               </a:rPr>
               <a:t> to let us know)</a:t>
+            </a:r>
+          </a:p>
+          <a:p>
+            <a:pPr marL="457200" lvl="0" indent="-342900" algn="l" rtl="0">
+              <a:spcBef>
+                <a:spcPts val="0"/>
+              </a:spcBef>
+              <a:spcAft>
+                <a:spcPts val="0"/>
+              </a:spcAft>
+              <a:buSzPts val="1800"/>
+              <a:buChar char="●"/>
+            </a:pPr>
+            <a:endParaRPr lang="en" dirty="0">
+              <a:solidFill>
+                <a:schemeClr val="tx1"/>
+              </a:solidFill>
+            </a:endParaRPr>
+          </a:p>
+          <a:p>
+            <a:pPr marL="457200" lvl="0" indent="-342900" algn="l" rtl="0">
+              <a:spcBef>
+                <a:spcPts val="0"/>
+              </a:spcBef>
+              <a:spcAft>
+                <a:spcPts val="0"/>
+              </a:spcAft>
+              <a:buSzPts val="1800"/>
+              <a:buChar char="●"/>
+            </a:pPr>
+            <a:r>
+              <a:rPr lang="en" dirty="0">
+                <a:solidFill>
+                  <a:schemeClr val="tx1"/>
+                </a:solidFill>
+              </a:rPr>
+              <a:t>If you think you might drop this course, do it soon and  keep that in mind when making teams</a:t>
             </a:r>
             <a:br>
               <a:rPr lang="en" dirty="0">
@@ -13294,10 +13461,10 @@
               <a:buChar char="●"/>
             </a:pPr>
             <a:r>
-              <a:rPr lang="en" dirty="0"/>
+              <a:rPr lang="en" sz="2000" dirty="0"/>
               <a:t>Reading</a:t>
             </a:r>
-            <a:endParaRPr dirty="0"/>
+            <a:endParaRPr sz="2000" dirty="0"/>
           </a:p>
           <a:p>
             <a:pPr marL="914400" lvl="1" indent="-317500" algn="l" rtl="0">
@@ -13311,9 +13478,22 @@
               <a:buChar char="○"/>
             </a:pPr>
             <a:r>
-              <a:rPr lang="en" dirty="0"/>
+              <a:rPr lang="en" sz="1600" dirty="0"/>
               <a:t>Project Scoping guide</a:t>
             </a:r>
+          </a:p>
+          <a:p>
+            <a:pPr marL="596900" lvl="1" indent="0" algn="l" rtl="0">
+              <a:spcBef>
+                <a:spcPts val="0"/>
+              </a:spcBef>
+              <a:spcAft>
+                <a:spcPts val="0"/>
+              </a:spcAft>
+              <a:buSzPts val="1400"/>
+              <a:buNone/>
+            </a:pPr>
+            <a:endParaRPr lang="en" sz="1600" dirty="0"/>
           </a:p>
           <a:p>
             <a:pPr marL="596900" lvl="1" indent="0" algn="l" rtl="0">
@@ -13331,7 +13511,7 @@
           <a:p>
             <a:pPr lvl="0"/>
             <a:r>
-              <a:rPr lang="en-US" dirty="0"/>
+              <a:rPr lang="en-US" sz="2000" b="1" dirty="0"/>
               <a:t>Assignment</a:t>
             </a:r>
           </a:p>
@@ -13342,8 +13522,8 @@
               </a:spcBef>
             </a:pPr>
             <a:r>
-              <a:rPr lang="en-US" dirty="0"/>
-              <a:t>Project Team Selections (end of week): link in canvas</a:t>
+              <a:rPr lang="en-US" sz="1600" b="1" dirty="0"/>
+              <a:t>Project Team Creation (by the end of this week): link in canvas</a:t>
             </a:r>
           </a:p>
           <a:p>
@@ -13353,8 +13533,8 @@
               </a:spcBef>
             </a:pPr>
             <a:r>
-              <a:rPr lang="en-US" dirty="0"/>
-              <a:t>Individual project: First pass on the ML project (due next Tuesday)</a:t>
+              <a:rPr lang="en-US" sz="1600" b="1" dirty="0"/>
+              <a:t>Individual project: First pass on the ML project (due next Monday)</a:t>
             </a:r>
           </a:p>
           <a:p>
@@ -13363,7 +13543,7 @@
                 <a:spcPts val="0"/>
               </a:spcBef>
             </a:pPr>
-            <a:endParaRPr lang="en-US" dirty="0"/>
+            <a:endParaRPr lang="en-US" sz="1600" b="1" dirty="0"/>
           </a:p>
           <a:p>
             <a:pPr marL="139700" indent="0">
@@ -13526,7 +13706,12 @@
             <p:ph type="body" idx="1"/>
           </p:nvPr>
         </p:nvSpPr>
-        <p:spPr/>
+        <p:spPr>
+          <a:xfrm>
+            <a:off x="0" y="1152475"/>
+            <a:ext cx="8832300" cy="2349008"/>
+          </a:xfrm>
+        </p:spPr>
         <p:txBody>
           <a:bodyPr/>
           <a:lstStyle/>
@@ -13560,11 +13745,47 @@
               <a:t>Beyond general-purpose, one-size-fits-all setups</a:t>
             </a:r>
           </a:p>
+        </p:txBody>
+      </p:sp>
+      <p:sp>
+        <p:nvSpPr>
+          <p:cNvPr id="5" name="TextBox 4">
+            <a:extLst>
+              <a:ext uri="{FF2B5EF4-FFF2-40B4-BE49-F238E27FC236}">
+                <a16:creationId xmlns:a16="http://schemas.microsoft.com/office/drawing/2014/main" id="{93D6F8BF-5122-1CDF-6F6A-5C00236133C0}"/>
+              </a:ext>
+            </a:extLst>
+          </p:cNvPr>
+          <p:cNvSpPr txBox="1"/>
+          <p:nvPr/>
+        </p:nvSpPr>
+        <p:spPr>
+          <a:xfrm>
+            <a:off x="0" y="3501483"/>
+            <a:ext cx="8616175" cy="954107"/>
+          </a:xfrm>
+          <a:prstGeom prst="rect">
+            <a:avLst/>
+          </a:prstGeom>
+          <a:noFill/>
+        </p:spPr>
+        <p:txBody>
+          <a:bodyPr wrap="square">
+            <a:spAutoFit/>
+          </a:bodyPr>
+          <a:lstStyle/>
           <a:p>
-            <a:endParaRPr lang="en-US" dirty="0"/>
-          </a:p>
-          <a:p>
-            <a:endParaRPr lang="en-US" dirty="0"/>
+            <a:pPr marL="596900" lvl="1" indent="0" algn="ctr">
+              <a:buNone/>
+            </a:pPr>
+            <a:r>
+              <a:rPr lang="en-US" sz="2800" dirty="0">
+                <a:solidFill>
+                  <a:srgbClr val="C00000"/>
+                </a:solidFill>
+              </a:rPr>
+              <a:t>Our goal is to train you to expand the scope of what you do in your future careers</a:t>
+            </a:r>
           </a:p>
         </p:txBody>
       </p:sp>
@@ -13578,6 +13799,84 @@
   <p:clrMapOvr>
     <a:masterClrMapping/>
   </p:clrMapOvr>
+  <p:timing>
+    <p:tnLst>
+      <p:par>
+        <p:cTn id="1" dur="indefinite" restart="never" nodeType="tmRoot">
+          <p:childTnLst>
+            <p:seq concurrent="1" nextAc="seek">
+              <p:cTn id="2" dur="indefinite" nodeType="mainSeq">
+                <p:childTnLst>
+                  <p:par>
+                    <p:cTn id="3" fill="hold">
+                      <p:stCondLst>
+                        <p:cond delay="indefinite"/>
+                      </p:stCondLst>
+                      <p:childTnLst>
+                        <p:par>
+                          <p:cTn id="4" fill="hold">
+                            <p:stCondLst>
+                              <p:cond delay="0"/>
+                            </p:stCondLst>
+                            <p:childTnLst>
+                              <p:par>
+                                <p:cTn id="5" presetID="1" presetClass="entr" presetSubtype="0" fill="hold" grpId="0" nodeType="clickEffect">
+                                  <p:stCondLst>
+                                    <p:cond delay="0"/>
+                                  </p:stCondLst>
+                                  <p:childTnLst>
+                                    <p:set>
+                                      <p:cBhvr>
+                                        <p:cTn id="6" dur="1" fill="hold">
+                                          <p:stCondLst>
+                                            <p:cond delay="0"/>
+                                          </p:stCondLst>
+                                        </p:cTn>
+                                        <p:tgtEl>
+                                          <p:spTgt spid="5"/>
+                                        </p:tgtEl>
+                                        <p:attrNameLst>
+                                          <p:attrName>style.visibility</p:attrName>
+                                        </p:attrNameLst>
+                                      </p:cBhvr>
+                                      <p:to>
+                                        <p:strVal val="visible"/>
+                                      </p:to>
+                                    </p:set>
+                                  </p:childTnLst>
+                                </p:cTn>
+                              </p:par>
+                            </p:childTnLst>
+                          </p:cTn>
+                        </p:par>
+                      </p:childTnLst>
+                    </p:cTn>
+                  </p:par>
+                </p:childTnLst>
+              </p:cTn>
+              <p:prevCondLst>
+                <p:cond evt="onPrev" delay="0">
+                  <p:tgtEl>
+                    <p:sldTgt/>
+                  </p:tgtEl>
+                </p:cond>
+              </p:prevCondLst>
+              <p:nextCondLst>
+                <p:cond evt="onNext" delay="0">
+                  <p:tgtEl>
+                    <p:sldTgt/>
+                  </p:tgtEl>
+                </p:cond>
+              </p:nextCondLst>
+            </p:seq>
+          </p:childTnLst>
+        </p:cTn>
+      </p:par>
+    </p:tnLst>
+    <p:bldLst>
+      <p:bldP spid="5" grpId="0"/>
+    </p:bldLst>
+  </p:timing>
 </p:sld>
 </file>
 
@@ -14163,7 +14462,7 @@
           <a:p>
             <a:r>
               <a:rPr lang="en-US" dirty="0"/>
-              <a:t>We want the focus to be on learning and not on the grade. </a:t>
+              <a:t>We want the focus to be on learning and not on the grade but... </a:t>
             </a:r>
           </a:p>
           <a:p>
@@ -14566,7 +14865,7 @@
               <a:buNone/>
             </a:pPr>
             <a:r>
-              <a:rPr lang="en" sz="1600" b="1">
+              <a:rPr lang="en-US" sz="1600" b="1" dirty="0">
                 <a:solidFill>
                   <a:srgbClr val="FFFFFF"/>
                 </a:solidFill>
@@ -14575,41 +14874,9 @@
                 <a:cs typeface="Lato"/>
                 <a:sym typeface="Lato"/>
               </a:rPr>
-              <a:t>Computer Science &amp;</a:t>
+              <a:t>CS &amp; ML</a:t>
             </a:r>
-            <a:endParaRPr sz="1600" b="1">
-              <a:solidFill>
-                <a:srgbClr val="FFFFFF"/>
-              </a:solidFill>
-              <a:latin typeface="Lato"/>
-              <a:ea typeface="Lato"/>
-              <a:cs typeface="Lato"/>
-              <a:sym typeface="Lato"/>
-            </a:endParaRPr>
-          </a:p>
-          <a:p>
-            <a:pPr marL="0" lvl="0" indent="0" algn="ctr" rtl="0">
-              <a:spcBef>
-                <a:spcPts val="0"/>
-              </a:spcBef>
-              <a:spcAft>
-                <a:spcPts val="0"/>
-              </a:spcAft>
-              <a:buNone/>
-            </a:pPr>
-            <a:r>
-              <a:rPr lang="en" sz="1600" b="1">
-                <a:solidFill>
-                  <a:srgbClr val="FFFFFF"/>
-                </a:solidFill>
-                <a:latin typeface="Lato"/>
-                <a:ea typeface="Lato"/>
-                <a:cs typeface="Lato"/>
-                <a:sym typeface="Lato"/>
-              </a:rPr>
-              <a:t>Programming</a:t>
-            </a:r>
-            <a:endParaRPr sz="1600" b="1">
+            <a:endParaRPr sz="1600" b="1" dirty="0">
               <a:solidFill>
                 <a:srgbClr val="FFFFFF"/>
               </a:solidFill>
@@ -15041,7 +15308,7 @@
               <a:buNone/>
             </a:pPr>
             <a:r>
-              <a:rPr lang="en" sz="1600" b="1">
+              <a:rPr lang="en-US" sz="1600" b="1" dirty="0">
                 <a:solidFill>
                   <a:srgbClr val="FFFFFF"/>
                 </a:solidFill>
@@ -15050,41 +15317,9 @@
                 <a:cs typeface="Lato"/>
                 <a:sym typeface="Lato"/>
               </a:rPr>
-              <a:t>Computer Science &amp;</a:t>
+              <a:t>CS &amp; ML</a:t>
             </a:r>
-            <a:endParaRPr sz="1600" b="1">
-              <a:solidFill>
-                <a:srgbClr val="FFFFFF"/>
-              </a:solidFill>
-              <a:latin typeface="Lato"/>
-              <a:ea typeface="Lato"/>
-              <a:cs typeface="Lato"/>
-              <a:sym typeface="Lato"/>
-            </a:endParaRPr>
-          </a:p>
-          <a:p>
-            <a:pPr marL="0" lvl="0" indent="0" algn="ctr" rtl="0">
-              <a:spcBef>
-                <a:spcPts val="0"/>
-              </a:spcBef>
-              <a:spcAft>
-                <a:spcPts val="0"/>
-              </a:spcAft>
-              <a:buNone/>
-            </a:pPr>
-            <a:r>
-              <a:rPr lang="en" sz="1600" b="1">
-                <a:solidFill>
-                  <a:srgbClr val="FFFFFF"/>
-                </a:solidFill>
-                <a:latin typeface="Lato"/>
-                <a:ea typeface="Lato"/>
-                <a:cs typeface="Lato"/>
-                <a:sym typeface="Lato"/>
-              </a:rPr>
-              <a:t>Programming</a:t>
-            </a:r>
-            <a:endParaRPr sz="1600" b="1">
+            <a:endParaRPr sz="1600" b="1" dirty="0">
               <a:solidFill>
                 <a:srgbClr val="FFFFFF"/>
               </a:solidFill>

--- a/Lectures/Lecture1-ClassOverview.pptx
+++ b/Lectures/Lecture1-ClassOverview.pptx
@@ -5,36 +5,37 @@
     <p:sldMasterId id="2147483659" r:id="rId1"/>
   </p:sldMasterIdLst>
   <p:notesMasterIdLst>
-    <p:notesMasterId r:id="rId19"/>
+    <p:notesMasterId r:id="rId20"/>
   </p:notesMasterIdLst>
   <p:sldIdLst>
     <p:sldId id="256" r:id="rId2"/>
-    <p:sldId id="298" r:id="rId3"/>
+    <p:sldId id="300" r:id="rId3"/>
     <p:sldId id="296" r:id="rId4"/>
-    <p:sldId id="257" r:id="rId5"/>
-    <p:sldId id="261" r:id="rId6"/>
-    <p:sldId id="297" r:id="rId7"/>
-    <p:sldId id="260" r:id="rId8"/>
-    <p:sldId id="262" r:id="rId9"/>
-    <p:sldId id="263" r:id="rId10"/>
-    <p:sldId id="295" r:id="rId11"/>
-    <p:sldId id="299" r:id="rId12"/>
-    <p:sldId id="264" r:id="rId13"/>
-    <p:sldId id="267" r:id="rId14"/>
-    <p:sldId id="269" r:id="rId15"/>
-    <p:sldId id="270" r:id="rId16"/>
-    <p:sldId id="272" r:id="rId17"/>
-    <p:sldId id="273" r:id="rId18"/>
+    <p:sldId id="298" r:id="rId5"/>
+    <p:sldId id="257" r:id="rId6"/>
+    <p:sldId id="261" r:id="rId7"/>
+    <p:sldId id="297" r:id="rId8"/>
+    <p:sldId id="301" r:id="rId9"/>
+    <p:sldId id="262" r:id="rId10"/>
+    <p:sldId id="263" r:id="rId11"/>
+    <p:sldId id="295" r:id="rId12"/>
+    <p:sldId id="299" r:id="rId13"/>
+    <p:sldId id="264" r:id="rId14"/>
+    <p:sldId id="267" r:id="rId15"/>
+    <p:sldId id="269" r:id="rId16"/>
+    <p:sldId id="270" r:id="rId17"/>
+    <p:sldId id="272" r:id="rId18"/>
+    <p:sldId id="273" r:id="rId19"/>
   </p:sldIdLst>
   <p:sldSz cx="9144000" cy="5143500" type="screen16x9"/>
   <p:notesSz cx="6858000" cy="9144000"/>
   <p:embeddedFontLst>
     <p:embeddedFont>
       <p:font typeface="Lato" panose="020F0502020204030203" pitchFamily="34" charset="0"/>
-      <p:regular r:id="rId20"/>
-      <p:bold r:id="rId21"/>
-      <p:italic r:id="rId22"/>
-      <p:boldItalic r:id="rId23"/>
+      <p:regular r:id="rId21"/>
+      <p:bold r:id="rId22"/>
+      <p:italic r:id="rId23"/>
+      <p:boldItalic r:id="rId24"/>
     </p:embeddedFont>
   </p:embeddedFontLst>
   <p:defaultTextStyle>
@@ -5840,110 +5841,6 @@
   <p:cSld>
     <p:spTree>
       <p:nvGrpSpPr>
-        <p:cNvPr id="1" name="Shape 160"/>
-        <p:cNvGrpSpPr/>
-        <p:nvPr/>
-      </p:nvGrpSpPr>
-      <p:grpSpPr>
-        <a:xfrm>
-          <a:off x="0" y="0"/>
-          <a:ext cx="0" cy="0"/>
-          <a:chOff x="0" y="0"/>
-          <a:chExt cx="0" cy="0"/>
-        </a:xfrm>
-      </p:grpSpPr>
-      <p:sp>
-        <p:nvSpPr>
-          <p:cNvPr id="161" name="Google Shape;161;g6d8ed670a8_0_61:notes"/>
-          <p:cNvSpPr>
-            <a:spLocks noGrp="1" noRot="1" noChangeAspect="1"/>
-          </p:cNvSpPr>
-          <p:nvPr>
-            <p:ph type="sldImg" idx="2"/>
-          </p:nvPr>
-        </p:nvSpPr>
-        <p:spPr>
-          <a:xfrm>
-            <a:off x="381000" y="685800"/>
-            <a:ext cx="6096000" cy="3429000"/>
-          </a:xfrm>
-          <a:custGeom>
-            <a:avLst/>
-            <a:gdLst/>
-            <a:ahLst/>
-            <a:cxnLst/>
-            <a:rect l="l" t="t" r="r" b="b"/>
-            <a:pathLst>
-              <a:path w="120000" h="120000" extrusionOk="0">
-                <a:moveTo>
-                  <a:pt x="0" y="0"/>
-                </a:moveTo>
-                <a:lnTo>
-                  <a:pt x="120000" y="0"/>
-                </a:lnTo>
-                <a:lnTo>
-                  <a:pt x="120000" y="120000"/>
-                </a:lnTo>
-                <a:lnTo>
-                  <a:pt x="0" y="120000"/>
-                </a:lnTo>
-                <a:close/>
-              </a:path>
-            </a:pathLst>
-          </a:custGeom>
-        </p:spPr>
-      </p:sp>
-      <p:sp>
-        <p:nvSpPr>
-          <p:cNvPr id="162" name="Google Shape;162;g6d8ed670a8_0_61:notes"/>
-          <p:cNvSpPr txBox="1">
-            <a:spLocks noGrp="1"/>
-          </p:cNvSpPr>
-          <p:nvPr>
-            <p:ph type="body" idx="1"/>
-          </p:nvPr>
-        </p:nvSpPr>
-        <p:spPr>
-          <a:xfrm>
-            <a:off x="685800" y="4343400"/>
-            <a:ext cx="5486400" cy="4114800"/>
-          </a:xfrm>
-          <a:prstGeom prst="rect">
-            <a:avLst/>
-          </a:prstGeom>
-        </p:spPr>
-        <p:txBody>
-          <a:bodyPr spcFirstLastPara="1" wrap="square" lIns="91425" tIns="91425" rIns="91425" bIns="91425" anchor="t" anchorCtr="0">
-            <a:noAutofit/>
-          </a:bodyPr>
-          <a:lstStyle/>
-          <a:p>
-            <a:pPr marL="0" lvl="0" indent="0" algn="l" rtl="0">
-              <a:spcBef>
-                <a:spcPts val="0"/>
-              </a:spcBef>
-              <a:spcAft>
-                <a:spcPts val="0"/>
-              </a:spcAft>
-              <a:buNone/>
-            </a:pPr>
-            <a:endParaRPr/>
-          </a:p>
-        </p:txBody>
-      </p:sp>
-    </p:spTree>
-  </p:cSld>
-  <p:clrMapOvr>
-    <a:masterClrMapping/>
-  </p:clrMapOvr>
-</p:notes>
-</file>
-
-<file path=ppt/notesSlides/notesSlide11.xml><?xml version="1.0" encoding="utf-8"?>
-<p:notes xmlns:a="http://schemas.openxmlformats.org/drawingml/2006/main" xmlns:r="http://schemas.openxmlformats.org/officeDocument/2006/relationships" xmlns:p="http://schemas.openxmlformats.org/presentationml/2006/main" showMasterSp="0" showMasterPhAnim="0">
-  <p:cSld>
-    <p:spTree>
-      <p:nvGrpSpPr>
         <p:cNvPr id="1" name="Shape 172"/>
         <p:cNvGrpSpPr/>
         <p:nvPr/>
@@ -6043,7 +5940,7 @@
 </p:notes>
 </file>
 
-<file path=ppt/notesSlides/notesSlide12.xml><?xml version="1.0" encoding="utf-8"?>
+<file path=ppt/notesSlides/notesSlide11.xml><?xml version="1.0" encoding="utf-8"?>
 <p:notes xmlns:a="http://schemas.openxmlformats.org/drawingml/2006/main" xmlns:r="http://schemas.openxmlformats.org/officeDocument/2006/relationships" xmlns:p="http://schemas.openxmlformats.org/presentationml/2006/main" showMasterSp="0" showMasterPhAnim="0">
   <p:cSld>
     <p:spTree>
@@ -6364,110 +6261,6 @@
   <p:cSld>
     <p:spTree>
       <p:nvGrpSpPr>
-        <p:cNvPr id="1" name="Shape 77"/>
-        <p:cNvGrpSpPr/>
-        <p:nvPr/>
-      </p:nvGrpSpPr>
-      <p:grpSpPr>
-        <a:xfrm>
-          <a:off x="0" y="0"/>
-          <a:ext cx="0" cy="0"/>
-          <a:chOff x="0" y="0"/>
-          <a:chExt cx="0" cy="0"/>
-        </a:xfrm>
-      </p:grpSpPr>
-      <p:sp>
-        <p:nvSpPr>
-          <p:cNvPr id="78" name="Google Shape;78;g6d8ed670a8_0_16:notes"/>
-          <p:cNvSpPr>
-            <a:spLocks noGrp="1" noRot="1" noChangeAspect="1"/>
-          </p:cNvSpPr>
-          <p:nvPr>
-            <p:ph type="sldImg" idx="2"/>
-          </p:nvPr>
-        </p:nvSpPr>
-        <p:spPr>
-          <a:xfrm>
-            <a:off x="381000" y="685800"/>
-            <a:ext cx="6096000" cy="3429000"/>
-          </a:xfrm>
-          <a:custGeom>
-            <a:avLst/>
-            <a:gdLst/>
-            <a:ahLst/>
-            <a:cxnLst/>
-            <a:rect l="l" t="t" r="r" b="b"/>
-            <a:pathLst>
-              <a:path w="120000" h="120000" extrusionOk="0">
-                <a:moveTo>
-                  <a:pt x="0" y="0"/>
-                </a:moveTo>
-                <a:lnTo>
-                  <a:pt x="120000" y="0"/>
-                </a:lnTo>
-                <a:lnTo>
-                  <a:pt x="120000" y="120000"/>
-                </a:lnTo>
-                <a:lnTo>
-                  <a:pt x="0" y="120000"/>
-                </a:lnTo>
-                <a:close/>
-              </a:path>
-            </a:pathLst>
-          </a:custGeom>
-        </p:spPr>
-      </p:sp>
-      <p:sp>
-        <p:nvSpPr>
-          <p:cNvPr id="79" name="Google Shape;79;g6d8ed670a8_0_16:notes"/>
-          <p:cNvSpPr txBox="1">
-            <a:spLocks noGrp="1"/>
-          </p:cNvSpPr>
-          <p:nvPr>
-            <p:ph type="body" idx="1"/>
-          </p:nvPr>
-        </p:nvSpPr>
-        <p:spPr>
-          <a:xfrm>
-            <a:off x="685800" y="4343400"/>
-            <a:ext cx="5486400" cy="4114800"/>
-          </a:xfrm>
-          <a:prstGeom prst="rect">
-            <a:avLst/>
-          </a:prstGeom>
-        </p:spPr>
-        <p:txBody>
-          <a:bodyPr spcFirstLastPara="1" wrap="square" lIns="91425" tIns="91425" rIns="91425" bIns="91425" anchor="t" anchorCtr="0">
-            <a:noAutofit/>
-          </a:bodyPr>
-          <a:lstStyle/>
-          <a:p>
-            <a:pPr marL="0" lvl="0" indent="0" algn="l" rtl="0">
-              <a:spcBef>
-                <a:spcPts val="0"/>
-              </a:spcBef>
-              <a:spcAft>
-                <a:spcPts val="0"/>
-              </a:spcAft>
-              <a:buNone/>
-            </a:pPr>
-            <a:endParaRPr/>
-          </a:p>
-        </p:txBody>
-      </p:sp>
-    </p:spTree>
-  </p:cSld>
-  <p:clrMapOvr>
-    <a:masterClrMapping/>
-  </p:clrMapOvr>
-</p:notes>
-</file>
-
-<file path=ppt/notesSlides/notesSlide5.xml><?xml version="1.0" encoding="utf-8"?>
-<p:notes xmlns:a="http://schemas.openxmlformats.org/drawingml/2006/main" xmlns:r="http://schemas.openxmlformats.org/officeDocument/2006/relationships" xmlns:p="http://schemas.openxmlformats.org/presentationml/2006/main" showMasterSp="0" showMasterPhAnim="0">
-  <p:cSld>
-    <p:spTree>
-      <p:nvGrpSpPr>
         <p:cNvPr id="1" name="Shape 89"/>
         <p:cNvGrpSpPr/>
         <p:nvPr/>
@@ -6567,7 +6360,7 @@
 </p:notes>
 </file>
 
-<file path=ppt/notesSlides/notesSlide6.xml><?xml version="1.0" encoding="utf-8"?>
+<file path=ppt/notesSlides/notesSlide5.xml><?xml version="1.0" encoding="utf-8"?>
 <p:notes xmlns:a="http://schemas.openxmlformats.org/drawingml/2006/main" xmlns:r="http://schemas.openxmlformats.org/officeDocument/2006/relationships" xmlns:p="http://schemas.openxmlformats.org/presentationml/2006/main" showMasterSp="0" showMasterPhAnim="0">
   <p:cSld>
     <p:spTree>
@@ -6675,7 +6468,7 @@
 </p:notes>
 </file>
 
-<file path=ppt/notesSlides/notesSlide7.xml><?xml version="1.0" encoding="utf-8"?>
+<file path=ppt/notesSlides/notesSlide6.xml><?xml version="1.0" encoding="utf-8"?>
 <p:notes xmlns:a="http://schemas.openxmlformats.org/drawingml/2006/main" xmlns:r="http://schemas.openxmlformats.org/officeDocument/2006/relationships" xmlns:p="http://schemas.openxmlformats.org/presentationml/2006/main" showMasterSp="0" showMasterPhAnim="0">
   <p:cSld>
     <p:spTree>
@@ -6779,7 +6572,7 @@
 </p:notes>
 </file>
 
-<file path=ppt/notesSlides/notesSlide8.xml><?xml version="1.0" encoding="utf-8"?>
+<file path=ppt/notesSlides/notesSlide7.xml><?xml version="1.0" encoding="utf-8"?>
 <p:notes xmlns:a="http://schemas.openxmlformats.org/drawingml/2006/main" xmlns:r="http://schemas.openxmlformats.org/officeDocument/2006/relationships" xmlns:p="http://schemas.openxmlformats.org/presentationml/2006/main" showMasterSp="0" showMasterPhAnim="0">
   <p:cSld>
     <p:spTree>
@@ -6883,7 +6676,7 @@
 </p:notes>
 </file>
 
-<file path=ppt/notesSlides/notesSlide9.xml><?xml version="1.0" encoding="utf-8"?>
+<file path=ppt/notesSlides/notesSlide8.xml><?xml version="1.0" encoding="utf-8"?>
 <p:notes xmlns:a="http://schemas.openxmlformats.org/drawingml/2006/main" xmlns:r="http://schemas.openxmlformats.org/officeDocument/2006/relationships" xmlns:p="http://schemas.openxmlformats.org/presentationml/2006/main" showMasterSp="0" showMasterPhAnim="0">
   <p:cSld>
     <p:spTree>
@@ -6979,6 +6772,110 @@
               <a:rPr lang="en"/>
               <a:t>If you think you’re likely to drop, please let us know sooner rather than later so we can balance teams</a:t>
             </a:r>
+            <a:endParaRPr/>
+          </a:p>
+        </p:txBody>
+      </p:sp>
+    </p:spTree>
+  </p:cSld>
+  <p:clrMapOvr>
+    <a:masterClrMapping/>
+  </p:clrMapOvr>
+</p:notes>
+</file>
+
+<file path=ppt/notesSlides/notesSlide9.xml><?xml version="1.0" encoding="utf-8"?>
+<p:notes xmlns:a="http://schemas.openxmlformats.org/drawingml/2006/main" xmlns:r="http://schemas.openxmlformats.org/officeDocument/2006/relationships" xmlns:p="http://schemas.openxmlformats.org/presentationml/2006/main" showMasterSp="0" showMasterPhAnim="0">
+  <p:cSld>
+    <p:spTree>
+      <p:nvGrpSpPr>
+        <p:cNvPr id="1" name="Shape 160"/>
+        <p:cNvGrpSpPr/>
+        <p:nvPr/>
+      </p:nvGrpSpPr>
+      <p:grpSpPr>
+        <a:xfrm>
+          <a:off x="0" y="0"/>
+          <a:ext cx="0" cy="0"/>
+          <a:chOff x="0" y="0"/>
+          <a:chExt cx="0" cy="0"/>
+        </a:xfrm>
+      </p:grpSpPr>
+      <p:sp>
+        <p:nvSpPr>
+          <p:cNvPr id="161" name="Google Shape;161;g6d8ed670a8_0_61:notes"/>
+          <p:cNvSpPr>
+            <a:spLocks noGrp="1" noRot="1" noChangeAspect="1"/>
+          </p:cNvSpPr>
+          <p:nvPr>
+            <p:ph type="sldImg" idx="2"/>
+          </p:nvPr>
+        </p:nvSpPr>
+        <p:spPr>
+          <a:xfrm>
+            <a:off x="381000" y="685800"/>
+            <a:ext cx="6096000" cy="3429000"/>
+          </a:xfrm>
+          <a:custGeom>
+            <a:avLst/>
+            <a:gdLst/>
+            <a:ahLst/>
+            <a:cxnLst/>
+            <a:rect l="l" t="t" r="r" b="b"/>
+            <a:pathLst>
+              <a:path w="120000" h="120000" extrusionOk="0">
+                <a:moveTo>
+                  <a:pt x="0" y="0"/>
+                </a:moveTo>
+                <a:lnTo>
+                  <a:pt x="120000" y="0"/>
+                </a:lnTo>
+                <a:lnTo>
+                  <a:pt x="120000" y="120000"/>
+                </a:lnTo>
+                <a:lnTo>
+                  <a:pt x="0" y="120000"/>
+                </a:lnTo>
+                <a:close/>
+              </a:path>
+            </a:pathLst>
+          </a:custGeom>
+        </p:spPr>
+      </p:sp>
+      <p:sp>
+        <p:nvSpPr>
+          <p:cNvPr id="162" name="Google Shape;162;g6d8ed670a8_0_61:notes"/>
+          <p:cNvSpPr txBox="1">
+            <a:spLocks noGrp="1"/>
+          </p:cNvSpPr>
+          <p:nvPr>
+            <p:ph type="body" idx="1"/>
+          </p:nvPr>
+        </p:nvSpPr>
+        <p:spPr>
+          <a:xfrm>
+            <a:off x="685800" y="4343400"/>
+            <a:ext cx="5486400" cy="4114800"/>
+          </a:xfrm>
+          <a:prstGeom prst="rect">
+            <a:avLst/>
+          </a:prstGeom>
+        </p:spPr>
+        <p:txBody>
+          <a:bodyPr spcFirstLastPara="1" wrap="square" lIns="91425" tIns="91425" rIns="91425" bIns="91425" anchor="t" anchorCtr="0">
+            <a:noAutofit/>
+          </a:bodyPr>
+          <a:lstStyle/>
+          <a:p>
+            <a:pPr marL="0" lvl="0" indent="0" algn="l" rtl="0">
+              <a:spcBef>
+                <a:spcPts val="0"/>
+              </a:spcBef>
+              <a:spcAft>
+                <a:spcPts val="0"/>
+              </a:spcAft>
+              <a:buNone/>
+            </a:pPr>
             <a:endParaRPr/>
           </a:p>
         </p:txBody>
@@ -12080,3047 +11977,6 @@
   <p:cSld>
     <p:spTree>
       <p:nvGrpSpPr>
-        <p:cNvPr id="1" name=""/>
-        <p:cNvGrpSpPr/>
-        <p:nvPr/>
-      </p:nvGrpSpPr>
-      <p:grpSpPr>
-        <a:xfrm>
-          <a:off x="0" y="0"/>
-          <a:ext cx="0" cy="0"/>
-          <a:chOff x="0" y="0"/>
-          <a:chExt cx="0" cy="0"/>
-        </a:xfrm>
-      </p:grpSpPr>
-      <p:sp>
-        <p:nvSpPr>
-          <p:cNvPr id="2" name="Title 1">
-            <a:extLst>
-              <a:ext uri="{FF2B5EF4-FFF2-40B4-BE49-F238E27FC236}">
-                <a16:creationId xmlns:a16="http://schemas.microsoft.com/office/drawing/2014/main" id="{94CF2A94-A63F-6149-AA28-2E35B60E3D3E}"/>
-              </a:ext>
-            </a:extLst>
-          </p:cNvPr>
-          <p:cNvSpPr>
-            <a:spLocks noGrp="1"/>
-          </p:cNvSpPr>
-          <p:nvPr>
-            <p:ph type="title"/>
-          </p:nvPr>
-        </p:nvSpPr>
-        <p:spPr/>
-        <p:txBody>
-          <a:bodyPr/>
-          <a:lstStyle/>
-          <a:p>
-            <a:endParaRPr lang="en-US"/>
-          </a:p>
-        </p:txBody>
-      </p:sp>
-      <p:graphicFrame>
-        <p:nvGraphicFramePr>
-          <p:cNvPr id="3" name="Diagram 2">
-            <a:extLst>
-              <a:ext uri="{FF2B5EF4-FFF2-40B4-BE49-F238E27FC236}">
-                <a16:creationId xmlns:a16="http://schemas.microsoft.com/office/drawing/2014/main" id="{8E902576-68A9-6E48-B0FE-5B1889953DC8}"/>
-              </a:ext>
-            </a:extLst>
-          </p:cNvPr>
-          <p:cNvGraphicFramePr/>
-          <p:nvPr/>
-        </p:nvGraphicFramePr>
-        <p:xfrm>
-          <a:off x="135350" y="0"/>
-          <a:ext cx="8832300" cy="5143500"/>
-        </p:xfrm>
-        <a:graphic>
-          <a:graphicData uri="http://schemas.openxmlformats.org/drawingml/2006/diagram">
-            <dgm:relIds xmlns:dgm="http://schemas.openxmlformats.org/drawingml/2006/diagram" xmlns:r="http://schemas.openxmlformats.org/officeDocument/2006/relationships" r:dm="rId2" r:lo="rId3" r:qs="rId4" r:cs="rId5"/>
-          </a:graphicData>
-        </a:graphic>
-      </p:graphicFrame>
-      <p:sp>
-        <p:nvSpPr>
-          <p:cNvPr id="4" name="Rectangle 3">
-            <a:extLst>
-              <a:ext uri="{FF2B5EF4-FFF2-40B4-BE49-F238E27FC236}">
-                <a16:creationId xmlns:a16="http://schemas.microsoft.com/office/drawing/2014/main" id="{E2C99BF2-C81A-5246-89D3-E49BCDCAD699}"/>
-              </a:ext>
-            </a:extLst>
-          </p:cNvPr>
-          <p:cNvSpPr/>
-          <p:nvPr/>
-        </p:nvSpPr>
-        <p:spPr>
-          <a:xfrm>
-            <a:off x="-1" y="23649"/>
-            <a:ext cx="9088821" cy="3160986"/>
-          </a:xfrm>
-          <a:prstGeom prst="rect">
-            <a:avLst/>
-          </a:prstGeom>
-          <a:noFill/>
-          <a:ln w="76200">
-            <a:solidFill>
-              <a:srgbClr val="C00000"/>
-            </a:solidFill>
-          </a:ln>
-        </p:spPr>
-        <p:style>
-          <a:lnRef idx="2">
-            <a:schemeClr val="accent1">
-              <a:shade val="50000"/>
-            </a:schemeClr>
-          </a:lnRef>
-          <a:fillRef idx="1">
-            <a:schemeClr val="accent1"/>
-          </a:fillRef>
-          <a:effectRef idx="0">
-            <a:schemeClr val="accent1"/>
-          </a:effectRef>
-          <a:fontRef idx="minor">
-            <a:schemeClr val="lt1"/>
-          </a:fontRef>
-        </p:style>
-        <p:txBody>
-          <a:bodyPr rot="0" spcFirstLastPara="0" vertOverflow="overflow" horzOverflow="overflow" vert="horz" wrap="square" lIns="68580" tIns="34290" rIns="68580" bIns="34290" numCol="1" spcCol="0" rtlCol="0" fromWordArt="0" anchor="ctr" anchorCtr="0" forceAA="0" compatLnSpc="1">
-            <a:prstTxWarp prst="textNoShape">
-              <a:avLst/>
-            </a:prstTxWarp>
-            <a:noAutofit/>
-          </a:bodyPr>
-          <a:lstStyle/>
-          <a:p>
-            <a:pPr algn="ctr"/>
-            <a:endParaRPr lang="en-US" sz="1050"/>
-          </a:p>
-        </p:txBody>
-      </p:sp>
-    </p:spTree>
-    <p:extLst>
-      <p:ext uri="{BB962C8B-B14F-4D97-AF65-F5344CB8AC3E}">
-        <p14:creationId xmlns:p14="http://schemas.microsoft.com/office/powerpoint/2010/main" val="2404125560"/>
-      </p:ext>
-    </p:extLst>
-  </p:cSld>
-  <p:clrMapOvr>
-    <a:masterClrMapping/>
-  </p:clrMapOvr>
-</p:sld>
-</file>
-
-<file path=ppt/slides/slide11.xml><?xml version="1.0" encoding="utf-8"?>
-<p:sld xmlns:a="http://schemas.openxmlformats.org/drawingml/2006/main" xmlns:r="http://schemas.openxmlformats.org/officeDocument/2006/relationships" xmlns:p="http://schemas.openxmlformats.org/presentationml/2006/main">
-  <p:cSld>
-    <p:spTree>
-      <p:nvGrpSpPr>
-        <p:cNvPr id="1" name=""/>
-        <p:cNvGrpSpPr/>
-        <p:nvPr/>
-      </p:nvGrpSpPr>
-      <p:grpSpPr>
-        <a:xfrm>
-          <a:off x="0" y="0"/>
-          <a:ext cx="0" cy="0"/>
-          <a:chOff x="0" y="0"/>
-          <a:chExt cx="0" cy="0"/>
-        </a:xfrm>
-      </p:grpSpPr>
-      <p:sp>
-        <p:nvSpPr>
-          <p:cNvPr id="2" name="Title 1">
-            <a:extLst>
-              <a:ext uri="{FF2B5EF4-FFF2-40B4-BE49-F238E27FC236}">
-                <a16:creationId xmlns:a16="http://schemas.microsoft.com/office/drawing/2014/main" id="{7E982B01-FB65-BE45-B088-DBD593E54067}"/>
-              </a:ext>
-            </a:extLst>
-          </p:cNvPr>
-          <p:cNvSpPr>
-            <a:spLocks noGrp="1"/>
-          </p:cNvSpPr>
-          <p:nvPr>
-            <p:ph type="title"/>
-          </p:nvPr>
-        </p:nvSpPr>
-        <p:spPr/>
-        <p:txBody>
-          <a:bodyPr/>
-          <a:lstStyle/>
-          <a:p>
-            <a:r>
-              <a:rPr lang="en-US" dirty="0"/>
-              <a:t>Structure of the class</a:t>
-            </a:r>
-          </a:p>
-        </p:txBody>
-      </p:sp>
-      <p:sp>
-        <p:nvSpPr>
-          <p:cNvPr id="3" name="Text Placeholder 2">
-            <a:extLst>
-              <a:ext uri="{FF2B5EF4-FFF2-40B4-BE49-F238E27FC236}">
-                <a16:creationId xmlns:a16="http://schemas.microsoft.com/office/drawing/2014/main" id="{F1B1669A-E55D-9344-BE22-8F89B1EF08BA}"/>
-              </a:ext>
-            </a:extLst>
-          </p:cNvPr>
-          <p:cNvSpPr>
-            <a:spLocks noGrp="1"/>
-          </p:cNvSpPr>
-          <p:nvPr>
-            <p:ph type="body" idx="1"/>
-          </p:nvPr>
-        </p:nvSpPr>
-        <p:spPr/>
-        <p:txBody>
-          <a:bodyPr/>
-          <a:lstStyle/>
-          <a:p>
-            <a:r>
-              <a:rPr lang="en-US" dirty="0"/>
-              <a:t>Module 1: End-to-end ML Pipeline</a:t>
-            </a:r>
-          </a:p>
-          <a:p>
-            <a:pPr lvl="1"/>
-            <a:r>
-              <a:rPr lang="en-US" dirty="0"/>
-              <a:t>Formulation, Modeling Setup, Features, Models, Model Selection</a:t>
-            </a:r>
-          </a:p>
-          <a:p>
-            <a:endParaRPr lang="en-US" dirty="0"/>
-          </a:p>
-          <a:p>
-            <a:r>
-              <a:rPr lang="en-US" dirty="0"/>
-              <a:t>Module 2: Model Interpretability</a:t>
-            </a:r>
-          </a:p>
-          <a:p>
-            <a:endParaRPr lang="en-US" dirty="0"/>
-          </a:p>
-          <a:p>
-            <a:endParaRPr lang="en-US" dirty="0"/>
-          </a:p>
-          <a:p>
-            <a:r>
-              <a:rPr lang="en-US" dirty="0"/>
-              <a:t>Module 3: Fairness</a:t>
-            </a:r>
-          </a:p>
-          <a:p>
-            <a:pPr marL="114300" indent="0">
-              <a:buNone/>
-            </a:pPr>
-            <a:endParaRPr lang="en-US" dirty="0"/>
-          </a:p>
-        </p:txBody>
-      </p:sp>
-    </p:spTree>
-    <p:extLst>
-      <p:ext uri="{BB962C8B-B14F-4D97-AF65-F5344CB8AC3E}">
-        <p14:creationId xmlns:p14="http://schemas.microsoft.com/office/powerpoint/2010/main" val="3572938254"/>
-      </p:ext>
-    </p:extLst>
-  </p:cSld>
-  <p:clrMapOvr>
-    <a:masterClrMapping/>
-  </p:clrMapOvr>
-</p:sld>
-</file>
-
-<file path=ppt/slides/slide12.xml><?xml version="1.0" encoding="utf-8"?>
-<p:sld xmlns:a="http://schemas.openxmlformats.org/drawingml/2006/main" xmlns:r="http://schemas.openxmlformats.org/officeDocument/2006/relationships" xmlns:p="http://schemas.openxmlformats.org/presentationml/2006/main">
-  <p:cSld>
-    <p:spTree>
-      <p:nvGrpSpPr>
-        <p:cNvPr id="1" name="Shape 124"/>
-        <p:cNvGrpSpPr/>
-        <p:nvPr/>
-      </p:nvGrpSpPr>
-      <p:grpSpPr>
-        <a:xfrm>
-          <a:off x="0" y="0"/>
-          <a:ext cx="0" cy="0"/>
-          <a:chOff x="0" y="0"/>
-          <a:chExt cx="0" cy="0"/>
-        </a:xfrm>
-      </p:grpSpPr>
-      <p:sp>
-        <p:nvSpPr>
-          <p:cNvPr id="125" name="Google Shape;125;p21"/>
-          <p:cNvSpPr txBox="1">
-            <a:spLocks noGrp="1"/>
-          </p:cNvSpPr>
-          <p:nvPr>
-            <p:ph type="title"/>
-          </p:nvPr>
-        </p:nvSpPr>
-        <p:spPr>
-          <a:xfrm>
-            <a:off x="311700" y="445025"/>
-            <a:ext cx="8520600" cy="572700"/>
-          </a:xfrm>
-          <a:prstGeom prst="rect">
-            <a:avLst/>
-          </a:prstGeom>
-        </p:spPr>
-        <p:txBody>
-          <a:bodyPr spcFirstLastPara="1" wrap="square" lIns="91425" tIns="91425" rIns="91425" bIns="91425" anchor="t" anchorCtr="0">
-            <a:noAutofit/>
-          </a:bodyPr>
-          <a:lstStyle/>
-          <a:p>
-            <a:pPr marL="0" lvl="0" indent="0" algn="l" rtl="0">
-              <a:spcBef>
-                <a:spcPts val="0"/>
-              </a:spcBef>
-              <a:spcAft>
-                <a:spcPts val="0"/>
-              </a:spcAft>
-              <a:buNone/>
-            </a:pPr>
-            <a:r>
-              <a:rPr lang="en" dirty="0">
-                <a:solidFill>
-                  <a:schemeClr val="bg1"/>
-                </a:solidFill>
-                <a:hlinkClick r:id="rId3">
-                  <a:extLst>
-                    <a:ext uri="{A12FA001-AC4F-418D-AE19-62706E023703}">
-                      <ahyp:hlinkClr xmlns:ahyp="http://schemas.microsoft.com/office/drawing/2018/hyperlinkcolor" val="tx"/>
-                    </a:ext>
-                  </a:extLst>
-                </a:hlinkClick>
-              </a:rPr>
-              <a:t>Class Schedule</a:t>
-            </a:r>
-            <a:endParaRPr dirty="0">
-              <a:solidFill>
-                <a:schemeClr val="bg1"/>
-              </a:solidFill>
-            </a:endParaRPr>
-          </a:p>
-        </p:txBody>
-      </p:sp>
-      <p:pic>
-        <p:nvPicPr>
-          <p:cNvPr id="2" name="Picture 1">
-            <a:hlinkClick r:id="rId3"/>
-            <a:extLst>
-              <a:ext uri="{FF2B5EF4-FFF2-40B4-BE49-F238E27FC236}">
-                <a16:creationId xmlns:a16="http://schemas.microsoft.com/office/drawing/2014/main" id="{388C5A30-3E26-19C5-4481-4008EA7D2222}"/>
-              </a:ext>
-            </a:extLst>
-          </p:cNvPr>
-          <p:cNvPicPr>
-            <a:picLocks noChangeAspect="1"/>
-          </p:cNvPicPr>
-          <p:nvPr/>
-        </p:nvPicPr>
-        <p:blipFill>
-          <a:blip r:embed="rId4"/>
-          <a:stretch>
-            <a:fillRect/>
-          </a:stretch>
-        </p:blipFill>
-        <p:spPr>
-          <a:xfrm>
-            <a:off x="0" y="1081409"/>
-            <a:ext cx="4072781" cy="4062091"/>
-          </a:xfrm>
-          <a:prstGeom prst="rect">
-            <a:avLst/>
-          </a:prstGeom>
-        </p:spPr>
-      </p:pic>
-      <p:pic>
-        <p:nvPicPr>
-          <p:cNvPr id="3" name="Picture 2">
-            <a:hlinkClick r:id="rId3"/>
-            <a:extLst>
-              <a:ext uri="{FF2B5EF4-FFF2-40B4-BE49-F238E27FC236}">
-                <a16:creationId xmlns:a16="http://schemas.microsoft.com/office/drawing/2014/main" id="{D1D00F08-742A-06D1-514E-1BCE0521FE4D}"/>
-              </a:ext>
-            </a:extLst>
-          </p:cNvPr>
-          <p:cNvPicPr>
-            <a:picLocks noChangeAspect="1"/>
-          </p:cNvPicPr>
-          <p:nvPr/>
-        </p:nvPicPr>
-        <p:blipFill>
-          <a:blip r:embed="rId5"/>
-          <a:stretch>
-            <a:fillRect/>
-          </a:stretch>
-        </p:blipFill>
-        <p:spPr>
-          <a:xfrm>
-            <a:off x="4961402" y="1081409"/>
-            <a:ext cx="4182598" cy="4062091"/>
-          </a:xfrm>
-          <a:prstGeom prst="rect">
-            <a:avLst/>
-          </a:prstGeom>
-        </p:spPr>
-      </p:pic>
-    </p:spTree>
-  </p:cSld>
-  <p:clrMapOvr>
-    <a:masterClrMapping/>
-  </p:clrMapOvr>
-</p:sld>
-</file>
-
-<file path=ppt/slides/slide13.xml><?xml version="1.0" encoding="utf-8"?>
-<p:sld xmlns:a="http://schemas.openxmlformats.org/drawingml/2006/main" xmlns:r="http://schemas.openxmlformats.org/officeDocument/2006/relationships" xmlns:p="http://schemas.openxmlformats.org/presentationml/2006/main">
-  <p:cSld>
-    <p:spTree>
-      <p:nvGrpSpPr>
-        <p:cNvPr id="1" name="Shape 144"/>
-        <p:cNvGrpSpPr/>
-        <p:nvPr/>
-      </p:nvGrpSpPr>
-      <p:grpSpPr>
-        <a:xfrm>
-          <a:off x="0" y="0"/>
-          <a:ext cx="0" cy="0"/>
-          <a:chOff x="0" y="0"/>
-          <a:chExt cx="0" cy="0"/>
-        </a:xfrm>
-      </p:grpSpPr>
-      <p:sp>
-        <p:nvSpPr>
-          <p:cNvPr id="145" name="Google Shape;145;p24"/>
-          <p:cNvSpPr txBox="1">
-            <a:spLocks noGrp="1"/>
-          </p:cNvSpPr>
-          <p:nvPr>
-            <p:ph type="title"/>
-          </p:nvPr>
-        </p:nvSpPr>
-        <p:spPr>
-          <a:xfrm>
-            <a:off x="311700" y="445025"/>
-            <a:ext cx="8520600" cy="572700"/>
-          </a:xfrm>
-          <a:prstGeom prst="rect">
-            <a:avLst/>
-          </a:prstGeom>
-        </p:spPr>
-        <p:txBody>
-          <a:bodyPr spcFirstLastPara="1" wrap="square" lIns="91425" tIns="91425" rIns="91425" bIns="91425" anchor="t" anchorCtr="0">
-            <a:noAutofit/>
-          </a:bodyPr>
-          <a:lstStyle/>
-          <a:p>
-            <a:pPr marL="0" lvl="0" indent="0" algn="l" rtl="0">
-              <a:spcBef>
-                <a:spcPts val="0"/>
-              </a:spcBef>
-              <a:spcAft>
-                <a:spcPts val="0"/>
-              </a:spcAft>
-              <a:buNone/>
-            </a:pPr>
-            <a:r>
-              <a:rPr lang="en"/>
-              <a:t>Logistics</a:t>
-            </a:r>
-            <a:endParaRPr/>
-          </a:p>
-        </p:txBody>
-      </p:sp>
-      <p:sp>
-        <p:nvSpPr>
-          <p:cNvPr id="146" name="Google Shape;146;p24"/>
-          <p:cNvSpPr txBox="1">
-            <a:spLocks noGrp="1"/>
-          </p:cNvSpPr>
-          <p:nvPr>
-            <p:ph type="body" idx="1"/>
-          </p:nvPr>
-        </p:nvSpPr>
-        <p:spPr>
-          <a:xfrm>
-            <a:off x="311700" y="1152475"/>
-            <a:ext cx="8520600" cy="3416400"/>
-          </a:xfrm>
-          <a:prstGeom prst="rect">
-            <a:avLst/>
-          </a:prstGeom>
-        </p:spPr>
-        <p:txBody>
-          <a:bodyPr spcFirstLastPara="1" wrap="square" lIns="91425" tIns="91425" rIns="91425" bIns="91425" anchor="t" anchorCtr="0">
-            <a:noAutofit/>
-          </a:bodyPr>
-          <a:lstStyle/>
-          <a:p>
-            <a:pPr indent="-330200">
-              <a:spcBef>
-                <a:spcPts val="700"/>
-              </a:spcBef>
-              <a:buClr>
-                <a:schemeClr val="dk1"/>
-              </a:buClr>
-              <a:buSzPts val="1600"/>
-            </a:pPr>
-            <a:r>
-              <a:rPr lang="en-US" sz="1600" dirty="0">
-                <a:solidFill>
-                  <a:schemeClr val="dk1"/>
-                </a:solidFill>
-              </a:rPr>
-              <a:t>Attendance (is not optional)</a:t>
-            </a:r>
-          </a:p>
-          <a:p>
-            <a:pPr indent="-330200">
-              <a:spcBef>
-                <a:spcPts val="700"/>
-              </a:spcBef>
-              <a:buClr>
-                <a:schemeClr val="dk1"/>
-              </a:buClr>
-              <a:buSzPts val="1600"/>
-            </a:pPr>
-            <a:r>
-              <a:rPr lang="en-US" sz="1600" dirty="0">
-                <a:solidFill>
-                  <a:schemeClr val="dk1"/>
-                </a:solidFill>
-              </a:rPr>
-              <a:t>Platforms: </a:t>
-            </a:r>
-          </a:p>
-          <a:p>
-            <a:pPr lvl="1" indent="-330200">
-              <a:spcBef>
-                <a:spcPts val="700"/>
-              </a:spcBef>
-              <a:buClr>
-                <a:schemeClr val="dk1"/>
-              </a:buClr>
-              <a:buSzPts val="1600"/>
-            </a:pPr>
-            <a:r>
-              <a:rPr lang="en-US" sz="1600" dirty="0">
-                <a:solidFill>
-                  <a:schemeClr val="dk1"/>
-                </a:solidFill>
-              </a:rPr>
-              <a:t>Latest content will be on </a:t>
-            </a:r>
-            <a:r>
-              <a:rPr lang="en-US" sz="1600" b="1" dirty="0" err="1">
-                <a:solidFill>
-                  <a:schemeClr val="dk1"/>
-                </a:solidFill>
-              </a:rPr>
-              <a:t>github</a:t>
-            </a:r>
-            <a:endParaRPr lang="en-US" sz="1600" b="1" dirty="0">
-              <a:solidFill>
-                <a:schemeClr val="dk1"/>
-              </a:solidFill>
-            </a:endParaRPr>
-          </a:p>
-          <a:p>
-            <a:pPr lvl="1" indent="-330200">
-              <a:spcBef>
-                <a:spcPts val="700"/>
-              </a:spcBef>
-              <a:buClr>
-                <a:schemeClr val="dk1"/>
-              </a:buClr>
-              <a:buSzPts val="1600"/>
-            </a:pPr>
-            <a:r>
-              <a:rPr lang="en" sz="1600" b="1" dirty="0">
-                <a:solidFill>
-                  <a:schemeClr val="dk1"/>
-                </a:solidFill>
-              </a:rPr>
-              <a:t>Canvas</a:t>
-            </a:r>
-            <a:r>
-              <a:rPr lang="en" sz="1600" dirty="0">
-                <a:solidFill>
-                  <a:schemeClr val="dk1"/>
-                </a:solidFill>
-              </a:rPr>
-              <a:t> (for assignments)</a:t>
-            </a:r>
-          </a:p>
-          <a:p>
-            <a:pPr lvl="1" indent="-330200">
-              <a:spcBef>
-                <a:spcPts val="700"/>
-              </a:spcBef>
-              <a:buClr>
-                <a:schemeClr val="dk1"/>
-              </a:buClr>
-              <a:buSzPts val="1600"/>
-            </a:pPr>
-            <a:r>
-              <a:rPr lang="en" sz="1600" b="1" dirty="0">
-                <a:solidFill>
-                  <a:schemeClr val="dk1"/>
-                </a:solidFill>
-              </a:rPr>
-              <a:t>Slack (and email)</a:t>
-            </a:r>
-            <a:r>
-              <a:rPr lang="en" sz="1600" dirty="0">
-                <a:solidFill>
-                  <a:schemeClr val="dk1"/>
-                </a:solidFill>
-              </a:rPr>
-              <a:t> for communications and project and teamwork</a:t>
-            </a:r>
-          </a:p>
-          <a:p>
-            <a:pPr indent="-330200">
-              <a:spcBef>
-                <a:spcPts val="700"/>
-              </a:spcBef>
-              <a:buClr>
-                <a:schemeClr val="dk1"/>
-              </a:buClr>
-              <a:buSzPts val="1600"/>
-            </a:pPr>
-            <a:r>
-              <a:rPr lang="en" sz="1600" dirty="0">
-                <a:solidFill>
-                  <a:schemeClr val="dk1"/>
-                </a:solidFill>
-              </a:rPr>
-              <a:t>Office hours</a:t>
-            </a:r>
-          </a:p>
-          <a:p>
-            <a:pPr indent="-330200">
-              <a:spcBef>
-                <a:spcPts val="700"/>
-              </a:spcBef>
-              <a:buClr>
-                <a:schemeClr val="dk1"/>
-              </a:buClr>
-              <a:buSzPts val="1600"/>
-            </a:pPr>
-            <a:r>
-              <a:rPr lang="en-US" sz="1600" dirty="0">
-                <a:solidFill>
-                  <a:schemeClr val="dk1"/>
-                </a:solidFill>
-              </a:rPr>
-              <a:t>TA – Catalina </a:t>
-            </a:r>
-            <a:r>
-              <a:rPr lang="en-US" sz="1600" dirty="0" err="1">
-                <a:solidFill>
-                  <a:schemeClr val="dk1"/>
-                </a:solidFill>
-              </a:rPr>
-              <a:t>Vajiac</a:t>
-            </a:r>
-            <a:endParaRPr sz="1600" dirty="0"/>
-          </a:p>
-        </p:txBody>
-      </p:sp>
-      <p:pic>
-        <p:nvPicPr>
-          <p:cNvPr id="1026" name="Picture 2">
-            <a:extLst>
-              <a:ext uri="{FF2B5EF4-FFF2-40B4-BE49-F238E27FC236}">
-                <a16:creationId xmlns:a16="http://schemas.microsoft.com/office/drawing/2014/main" id="{DF4F63AC-266F-BE7E-7CC0-68EE4DB8B8E8}"/>
-              </a:ext>
-            </a:extLst>
-          </p:cNvPr>
-          <p:cNvPicPr>
-            <a:picLocks noChangeAspect="1" noChangeArrowheads="1"/>
-          </p:cNvPicPr>
-          <p:nvPr/>
-        </p:nvPicPr>
-        <p:blipFill>
-          <a:blip r:embed="rId3">
-            <a:extLst>
-              <a:ext uri="{28A0092B-C50C-407E-A947-70E740481C1C}">
-                <a14:useLocalDpi xmlns:a14="http://schemas.microsoft.com/office/drawing/2010/main" val="0"/>
-              </a:ext>
-            </a:extLst>
-          </a:blip>
-          <a:srcRect/>
-          <a:stretch>
-            <a:fillRect/>
-          </a:stretch>
-        </p:blipFill>
-        <p:spPr bwMode="auto">
-          <a:xfrm>
-            <a:off x="2865554" y="3612995"/>
-            <a:ext cx="1297104" cy="1297104"/>
-          </a:xfrm>
-          <a:prstGeom prst="rect">
-            <a:avLst/>
-          </a:prstGeom>
-          <a:noFill/>
-          <a:extLst>
-            <a:ext uri="{909E8E84-426E-40DD-AFC4-6F175D3DCCD1}">
-              <a14:hiddenFill xmlns:a14="http://schemas.microsoft.com/office/drawing/2010/main">
-                <a:solidFill>
-                  <a:srgbClr val="FFFFFF"/>
-                </a:solidFill>
-              </a14:hiddenFill>
-            </a:ext>
-          </a:extLst>
-        </p:spPr>
-      </p:pic>
-    </p:spTree>
-  </p:cSld>
-  <p:clrMapOvr>
-    <a:masterClrMapping/>
-  </p:clrMapOvr>
-</p:sld>
-</file>
-
-<file path=ppt/slides/slide14.xml><?xml version="1.0" encoding="utf-8"?>
-<p:sld xmlns:a="http://schemas.openxmlformats.org/drawingml/2006/main" xmlns:r="http://schemas.openxmlformats.org/officeDocument/2006/relationships" xmlns:p="http://schemas.openxmlformats.org/presentationml/2006/main">
-  <p:cSld>
-    <p:spTree>
-      <p:nvGrpSpPr>
-        <p:cNvPr id="1" name="Shape 157"/>
-        <p:cNvGrpSpPr/>
-        <p:nvPr/>
-      </p:nvGrpSpPr>
-      <p:grpSpPr>
-        <a:xfrm>
-          <a:off x="0" y="0"/>
-          <a:ext cx="0" cy="0"/>
-          <a:chOff x="0" y="0"/>
-          <a:chExt cx="0" cy="0"/>
-        </a:xfrm>
-      </p:grpSpPr>
-      <p:sp>
-        <p:nvSpPr>
-          <p:cNvPr id="158" name="Google Shape;158;p26"/>
-          <p:cNvSpPr txBox="1">
-            <a:spLocks noGrp="1"/>
-          </p:cNvSpPr>
-          <p:nvPr>
-            <p:ph type="title"/>
-          </p:nvPr>
-        </p:nvSpPr>
-        <p:spPr>
-          <a:xfrm>
-            <a:off x="311700" y="445025"/>
-            <a:ext cx="8520600" cy="572700"/>
-          </a:xfrm>
-          <a:prstGeom prst="rect">
-            <a:avLst/>
-          </a:prstGeom>
-        </p:spPr>
-        <p:txBody>
-          <a:bodyPr spcFirstLastPara="1" wrap="square" lIns="91425" tIns="91425" rIns="91425" bIns="91425" anchor="t" anchorCtr="0">
-            <a:noAutofit/>
-          </a:bodyPr>
-          <a:lstStyle/>
-          <a:p>
-            <a:pPr marL="0" lvl="0" indent="0" algn="l" rtl="0">
-              <a:spcBef>
-                <a:spcPts val="0"/>
-              </a:spcBef>
-              <a:spcAft>
-                <a:spcPts val="0"/>
-              </a:spcAft>
-              <a:buNone/>
-            </a:pPr>
-            <a:r>
-              <a:rPr lang="en"/>
-              <a:t>Project Teams</a:t>
-            </a:r>
-            <a:endParaRPr/>
-          </a:p>
-        </p:txBody>
-      </p:sp>
-      <p:sp>
-        <p:nvSpPr>
-          <p:cNvPr id="159" name="Google Shape;159;p26"/>
-          <p:cNvSpPr txBox="1">
-            <a:spLocks noGrp="1"/>
-          </p:cNvSpPr>
-          <p:nvPr>
-            <p:ph type="body" idx="1"/>
-          </p:nvPr>
-        </p:nvSpPr>
-        <p:spPr>
-          <a:xfrm>
-            <a:off x="311700" y="1152475"/>
-            <a:ext cx="8520600" cy="3416400"/>
-          </a:xfrm>
-          <a:prstGeom prst="rect">
-            <a:avLst/>
-          </a:prstGeom>
-        </p:spPr>
-        <p:txBody>
-          <a:bodyPr spcFirstLastPara="1" wrap="square" lIns="91425" tIns="91425" rIns="91425" bIns="91425" anchor="t" anchorCtr="0">
-            <a:noAutofit/>
-          </a:bodyPr>
-          <a:lstStyle/>
-          <a:p>
-            <a:pPr marL="114300" lvl="0" indent="0" algn="l" rtl="0">
-              <a:spcBef>
-                <a:spcPts val="0"/>
-              </a:spcBef>
-              <a:spcAft>
-                <a:spcPts val="0"/>
-              </a:spcAft>
-              <a:buSzPts val="1800"/>
-              <a:buNone/>
-            </a:pPr>
-            <a:endParaRPr lang="en" dirty="0">
-              <a:solidFill>
-                <a:schemeClr val="tx1"/>
-              </a:solidFill>
-            </a:endParaRPr>
-          </a:p>
-          <a:p>
-            <a:pPr marL="457200" lvl="0" indent="-342900" algn="l" rtl="0">
-              <a:spcBef>
-                <a:spcPts val="0"/>
-              </a:spcBef>
-              <a:spcAft>
-                <a:spcPts val="0"/>
-              </a:spcAft>
-              <a:buSzPts val="1800"/>
-              <a:buChar char="●"/>
-            </a:pPr>
-            <a:r>
-              <a:rPr lang="en" dirty="0">
-                <a:solidFill>
-                  <a:schemeClr val="tx1"/>
-                </a:solidFill>
-              </a:rPr>
-              <a:t>Y</a:t>
-            </a:r>
-            <a:r>
-              <a:rPr lang="en-US" dirty="0">
-                <a:solidFill>
-                  <a:schemeClr val="tx1"/>
-                </a:solidFill>
-              </a:rPr>
-              <a:t>o</a:t>
-            </a:r>
-            <a:r>
-              <a:rPr lang="en" dirty="0">
-                <a:solidFill>
-                  <a:schemeClr val="tx1"/>
-                </a:solidFill>
-              </a:rPr>
-              <a:t>u should create 5-person teams by the end of this week (and </a:t>
-            </a:r>
-            <a:r>
-              <a:rPr lang="en" dirty="0">
-                <a:solidFill>
-                  <a:schemeClr val="tx1"/>
-                </a:solidFill>
-                <a:hlinkClick r:id="rId3"/>
-              </a:rPr>
-              <a:t>fill out the spreadsheet</a:t>
-            </a:r>
-            <a:r>
-              <a:rPr lang="en" dirty="0">
-                <a:solidFill>
-                  <a:schemeClr val="tx1"/>
-                </a:solidFill>
-              </a:rPr>
-              <a:t> to let us know)</a:t>
-            </a:r>
-          </a:p>
-          <a:p>
-            <a:pPr marL="457200" lvl="0" indent="-342900" algn="l" rtl="0">
-              <a:spcBef>
-                <a:spcPts val="0"/>
-              </a:spcBef>
-              <a:spcAft>
-                <a:spcPts val="0"/>
-              </a:spcAft>
-              <a:buSzPts val="1800"/>
-              <a:buChar char="●"/>
-            </a:pPr>
-            <a:endParaRPr lang="en" dirty="0">
-              <a:solidFill>
-                <a:schemeClr val="tx1"/>
-              </a:solidFill>
-            </a:endParaRPr>
-          </a:p>
-          <a:p>
-            <a:pPr marL="457200" lvl="0" indent="-342900" algn="l" rtl="0">
-              <a:spcBef>
-                <a:spcPts val="0"/>
-              </a:spcBef>
-              <a:spcAft>
-                <a:spcPts val="0"/>
-              </a:spcAft>
-              <a:buSzPts val="1800"/>
-              <a:buChar char="●"/>
-            </a:pPr>
-            <a:r>
-              <a:rPr lang="en" dirty="0">
-                <a:solidFill>
-                  <a:schemeClr val="tx1"/>
-                </a:solidFill>
-              </a:rPr>
-              <a:t>If you think you might drop this course, do it soon and  keep that in mind when making teams</a:t>
-            </a:r>
-            <a:br>
-              <a:rPr lang="en" dirty="0">
-                <a:solidFill>
-                  <a:schemeClr val="tx1"/>
-                </a:solidFill>
-              </a:rPr>
-            </a:br>
-            <a:endParaRPr dirty="0">
-              <a:solidFill>
-                <a:schemeClr val="tx1"/>
-              </a:solidFill>
-            </a:endParaRPr>
-          </a:p>
-        </p:txBody>
-      </p:sp>
-    </p:spTree>
-  </p:cSld>
-  <p:clrMapOvr>
-    <a:masterClrMapping/>
-  </p:clrMapOvr>
-</p:sld>
-</file>
-
-<file path=ppt/slides/slide15.xml><?xml version="1.0" encoding="utf-8"?>
-<p:sld xmlns:a="http://schemas.openxmlformats.org/drawingml/2006/main" xmlns:r="http://schemas.openxmlformats.org/officeDocument/2006/relationships" xmlns:p="http://schemas.openxmlformats.org/presentationml/2006/main">
-  <p:cSld>
-    <p:spTree>
-      <p:nvGrpSpPr>
-        <p:cNvPr id="1" name="Shape 163"/>
-        <p:cNvGrpSpPr/>
-        <p:nvPr/>
-      </p:nvGrpSpPr>
-      <p:grpSpPr>
-        <a:xfrm>
-          <a:off x="0" y="0"/>
-          <a:ext cx="0" cy="0"/>
-          <a:chOff x="0" y="0"/>
-          <a:chExt cx="0" cy="0"/>
-        </a:xfrm>
-      </p:grpSpPr>
-      <p:sp>
-        <p:nvSpPr>
-          <p:cNvPr id="164" name="Google Shape;164;p27"/>
-          <p:cNvSpPr txBox="1">
-            <a:spLocks noGrp="1"/>
-          </p:cNvSpPr>
-          <p:nvPr>
-            <p:ph type="title"/>
-          </p:nvPr>
-        </p:nvSpPr>
-        <p:spPr>
-          <a:xfrm>
-            <a:off x="311700" y="445025"/>
-            <a:ext cx="8520600" cy="572700"/>
-          </a:xfrm>
-          <a:prstGeom prst="rect">
-            <a:avLst/>
-          </a:prstGeom>
-        </p:spPr>
-        <p:txBody>
-          <a:bodyPr spcFirstLastPara="1" wrap="square" lIns="91425" tIns="91425" rIns="91425" bIns="91425" anchor="t" anchorCtr="0">
-            <a:noAutofit/>
-          </a:bodyPr>
-          <a:lstStyle/>
-          <a:p>
-            <a:pPr marL="0" lvl="0" indent="0" algn="l" rtl="0">
-              <a:spcBef>
-                <a:spcPts val="0"/>
-              </a:spcBef>
-              <a:spcAft>
-                <a:spcPts val="0"/>
-              </a:spcAft>
-              <a:buNone/>
-            </a:pPr>
-            <a:r>
-              <a:rPr lang="en" dirty="0"/>
-              <a:t>Project</a:t>
-            </a:r>
-            <a:endParaRPr dirty="0"/>
-          </a:p>
-        </p:txBody>
-      </p:sp>
-      <p:sp>
-        <p:nvSpPr>
-          <p:cNvPr id="165" name="Google Shape;165;p27"/>
-          <p:cNvSpPr txBox="1">
-            <a:spLocks noGrp="1"/>
-          </p:cNvSpPr>
-          <p:nvPr>
-            <p:ph type="body" idx="1"/>
-          </p:nvPr>
-        </p:nvSpPr>
-        <p:spPr>
-          <a:xfrm>
-            <a:off x="311700" y="1152475"/>
-            <a:ext cx="8520600" cy="3416400"/>
-          </a:xfrm>
-          <a:prstGeom prst="rect">
-            <a:avLst/>
-          </a:prstGeom>
-        </p:spPr>
-        <p:txBody>
-          <a:bodyPr spcFirstLastPara="1" wrap="square" lIns="91425" tIns="91425" rIns="91425" bIns="91425" anchor="t" anchorCtr="0">
-            <a:noAutofit/>
-          </a:bodyPr>
-          <a:lstStyle/>
-          <a:p>
-            <a:pPr marL="127000" lvl="0" indent="0" algn="l" rtl="0">
-              <a:lnSpc>
-                <a:spcPct val="146250"/>
-              </a:lnSpc>
-              <a:spcBef>
-                <a:spcPts val="0"/>
-              </a:spcBef>
-              <a:spcAft>
-                <a:spcPts val="0"/>
-              </a:spcAft>
-              <a:buClr>
-                <a:srgbClr val="444444"/>
-              </a:buClr>
-              <a:buSzPts val="1600"/>
-              <a:buNone/>
-            </a:pPr>
-            <a:endParaRPr dirty="0">
-              <a:solidFill>
-                <a:srgbClr val="222222"/>
-              </a:solidFill>
-              <a:highlight>
-                <a:srgbClr val="FFFFFF"/>
-              </a:highlight>
-            </a:endParaRPr>
-          </a:p>
-        </p:txBody>
-      </p:sp>
-      <p:pic>
-        <p:nvPicPr>
-          <p:cNvPr id="2" name="Picture 1">
-            <a:hlinkClick r:id="rId3"/>
-            <a:extLst>
-              <a:ext uri="{FF2B5EF4-FFF2-40B4-BE49-F238E27FC236}">
-                <a16:creationId xmlns:a16="http://schemas.microsoft.com/office/drawing/2014/main" id="{7754616C-B13B-734C-9D90-D3E25C1D842B}"/>
-              </a:ext>
-            </a:extLst>
-          </p:cNvPr>
-          <p:cNvPicPr>
-            <a:picLocks noChangeAspect="1"/>
-          </p:cNvPicPr>
-          <p:nvPr/>
-        </p:nvPicPr>
-        <p:blipFill>
-          <a:blip r:embed="rId4"/>
-          <a:stretch>
-            <a:fillRect/>
-          </a:stretch>
-        </p:blipFill>
-        <p:spPr>
-          <a:xfrm>
-            <a:off x="0" y="1017724"/>
-            <a:ext cx="9144000" cy="4125775"/>
-          </a:xfrm>
-          <a:prstGeom prst="rect">
-            <a:avLst/>
-          </a:prstGeom>
-        </p:spPr>
-      </p:pic>
-      <p:pic>
-        <p:nvPicPr>
-          <p:cNvPr id="1026" name="Picture 2" descr="DonorsChoose: Support a classroom. Build a future.">
-            <a:extLst>
-              <a:ext uri="{FF2B5EF4-FFF2-40B4-BE49-F238E27FC236}">
-                <a16:creationId xmlns:a16="http://schemas.microsoft.com/office/drawing/2014/main" id="{63585741-D5E1-0C49-9B35-C444E3CCF154}"/>
-              </a:ext>
-            </a:extLst>
-          </p:cNvPr>
-          <p:cNvPicPr>
-            <a:picLocks noChangeAspect="1" noChangeArrowheads="1"/>
-          </p:cNvPicPr>
-          <p:nvPr/>
-        </p:nvPicPr>
-        <p:blipFill>
-          <a:blip r:embed="rId5">
-            <a:extLst>
-              <a:ext uri="{28A0092B-C50C-407E-A947-70E740481C1C}">
-                <a14:useLocalDpi xmlns:a14="http://schemas.microsoft.com/office/drawing/2010/main" val="0"/>
-              </a:ext>
-            </a:extLst>
-          </a:blip>
-          <a:srcRect/>
-          <a:stretch>
-            <a:fillRect/>
-          </a:stretch>
-        </p:blipFill>
-        <p:spPr bwMode="auto">
-          <a:xfrm>
-            <a:off x="6653927" y="1033625"/>
-            <a:ext cx="2490073" cy="1307288"/>
-          </a:xfrm>
-          <a:prstGeom prst="rect">
-            <a:avLst/>
-          </a:prstGeom>
-          <a:noFill/>
-          <a:extLst>
-            <a:ext uri="{909E8E84-426E-40DD-AFC4-6F175D3DCCD1}">
-              <a14:hiddenFill xmlns:a14="http://schemas.microsoft.com/office/drawing/2010/main">
-                <a:solidFill>
-                  <a:srgbClr val="FFFFFF"/>
-                </a:solidFill>
-              </a14:hiddenFill>
-            </a:ext>
-          </a:extLst>
-        </p:spPr>
-      </p:pic>
-    </p:spTree>
-  </p:cSld>
-  <p:clrMapOvr>
-    <a:masterClrMapping/>
-  </p:clrMapOvr>
-</p:sld>
-</file>
-
-<file path=ppt/slides/slide16.xml><?xml version="1.0" encoding="utf-8"?>
-<p:sld xmlns:a="http://schemas.openxmlformats.org/drawingml/2006/main" xmlns:r="http://schemas.openxmlformats.org/officeDocument/2006/relationships" xmlns:p="http://schemas.openxmlformats.org/presentationml/2006/main">
-  <p:cSld>
-    <p:spTree>
-      <p:nvGrpSpPr>
-        <p:cNvPr id="1" name="Shape 175"/>
-        <p:cNvGrpSpPr/>
-        <p:nvPr/>
-      </p:nvGrpSpPr>
-      <p:grpSpPr>
-        <a:xfrm>
-          <a:off x="0" y="0"/>
-          <a:ext cx="0" cy="0"/>
-          <a:chOff x="0" y="0"/>
-          <a:chExt cx="0" cy="0"/>
-        </a:xfrm>
-      </p:grpSpPr>
-      <p:sp>
-        <p:nvSpPr>
-          <p:cNvPr id="176" name="Google Shape;176;p29"/>
-          <p:cNvSpPr txBox="1">
-            <a:spLocks noGrp="1"/>
-          </p:cNvSpPr>
-          <p:nvPr>
-            <p:ph type="title"/>
-          </p:nvPr>
-        </p:nvSpPr>
-        <p:spPr>
-          <a:xfrm>
-            <a:off x="311700" y="445025"/>
-            <a:ext cx="8520600" cy="572700"/>
-          </a:xfrm>
-          <a:prstGeom prst="rect">
-            <a:avLst/>
-          </a:prstGeom>
-        </p:spPr>
-        <p:txBody>
-          <a:bodyPr spcFirstLastPara="1" wrap="square" lIns="91425" tIns="91425" rIns="91425" bIns="91425" anchor="t" anchorCtr="0">
-            <a:noAutofit/>
-          </a:bodyPr>
-          <a:lstStyle/>
-          <a:p>
-            <a:pPr marL="0" lvl="0" indent="0" algn="l" rtl="0">
-              <a:spcBef>
-                <a:spcPts val="0"/>
-              </a:spcBef>
-              <a:spcAft>
-                <a:spcPts val="0"/>
-              </a:spcAft>
-              <a:buNone/>
-            </a:pPr>
-            <a:r>
-              <a:rPr lang="en" dirty="0"/>
-              <a:t>Tech Setup Options</a:t>
-            </a:r>
-            <a:endParaRPr dirty="0"/>
-          </a:p>
-        </p:txBody>
-      </p:sp>
-      <p:sp>
-        <p:nvSpPr>
-          <p:cNvPr id="177" name="Google Shape;177;p29"/>
-          <p:cNvSpPr txBox="1">
-            <a:spLocks noGrp="1"/>
-          </p:cNvSpPr>
-          <p:nvPr>
-            <p:ph type="body" idx="1"/>
-          </p:nvPr>
-        </p:nvSpPr>
-        <p:spPr>
-          <a:xfrm>
-            <a:off x="58282" y="1017725"/>
-            <a:ext cx="8774018" cy="3880278"/>
-          </a:xfrm>
-          <a:prstGeom prst="rect">
-            <a:avLst/>
-          </a:prstGeom>
-        </p:spPr>
-        <p:txBody>
-          <a:bodyPr spcFirstLastPara="1" wrap="square" lIns="91425" tIns="91425" rIns="91425" bIns="91425" anchor="t" anchorCtr="0">
-            <a:noAutofit/>
-          </a:bodyPr>
-          <a:lstStyle/>
-          <a:p>
-            <a:pPr marL="457200" lvl="0" indent="-342900" algn="l" rtl="0">
-              <a:spcBef>
-                <a:spcPts val="0"/>
-              </a:spcBef>
-              <a:spcAft>
-                <a:spcPts val="0"/>
-              </a:spcAft>
-              <a:buSzPts val="1800"/>
-              <a:buChar char="●"/>
-            </a:pPr>
-            <a:r>
-              <a:rPr lang="en-US" dirty="0"/>
-              <a:t>Get set up on </a:t>
-            </a:r>
-            <a:r>
-              <a:rPr lang="en-US" dirty="0" err="1"/>
-              <a:t>github</a:t>
-            </a:r>
-            <a:r>
-              <a:rPr lang="en-US" dirty="0"/>
-              <a:t> for your project</a:t>
-            </a:r>
-            <a:endParaRPr b="1" dirty="0"/>
-          </a:p>
-          <a:p>
-            <a:pPr marL="457200" lvl="0" indent="-342900" algn="l" rtl="0">
-              <a:spcBef>
-                <a:spcPts val="0"/>
-              </a:spcBef>
-              <a:spcAft>
-                <a:spcPts val="0"/>
-              </a:spcAft>
-              <a:buSzPts val="1800"/>
-              <a:buChar char="●"/>
-            </a:pPr>
-            <a:r>
-              <a:rPr lang="en" dirty="0"/>
-              <a:t>Nice to have: get familiar with</a:t>
-            </a:r>
-            <a:endParaRPr dirty="0"/>
-          </a:p>
-          <a:p>
-            <a:pPr marL="914400" lvl="1" indent="-317500" algn="l" rtl="0">
-              <a:spcBef>
-                <a:spcPts val="0"/>
-              </a:spcBef>
-              <a:spcAft>
-                <a:spcPts val="0"/>
-              </a:spcAft>
-              <a:buSzPts val="1400"/>
-              <a:buChar char="○"/>
-            </a:pPr>
-            <a:r>
-              <a:rPr lang="en" dirty="0" err="1"/>
-              <a:t>Postgresql</a:t>
-            </a:r>
-            <a:r>
-              <a:rPr lang="en" dirty="0"/>
-              <a:t> (to analyze and query data)</a:t>
-            </a:r>
-            <a:endParaRPr dirty="0"/>
-          </a:p>
-          <a:p>
-            <a:pPr marL="914400" lvl="1" indent="-317500" algn="l" rtl="0">
-              <a:spcBef>
-                <a:spcPts val="0"/>
-              </a:spcBef>
-              <a:spcAft>
-                <a:spcPts val="0"/>
-              </a:spcAft>
-              <a:buSzPts val="1400"/>
-              <a:buChar char="○"/>
-            </a:pPr>
-            <a:r>
-              <a:rPr lang="en" dirty="0"/>
-              <a:t>*nix command line</a:t>
-            </a:r>
-            <a:endParaRPr dirty="0"/>
-          </a:p>
-        </p:txBody>
-      </p:sp>
-    </p:spTree>
-  </p:cSld>
-  <p:clrMapOvr>
-    <a:masterClrMapping/>
-  </p:clrMapOvr>
-</p:sld>
-</file>
-
-<file path=ppt/slides/slide17.xml><?xml version="1.0" encoding="utf-8"?>
-<p:sld xmlns:a="http://schemas.openxmlformats.org/drawingml/2006/main" xmlns:r="http://schemas.openxmlformats.org/officeDocument/2006/relationships" xmlns:p="http://schemas.openxmlformats.org/presentationml/2006/main">
-  <p:cSld>
-    <p:spTree>
-      <p:nvGrpSpPr>
-        <p:cNvPr id="1" name="Shape 183"/>
-        <p:cNvGrpSpPr/>
-        <p:nvPr/>
-      </p:nvGrpSpPr>
-      <p:grpSpPr>
-        <a:xfrm>
-          <a:off x="0" y="0"/>
-          <a:ext cx="0" cy="0"/>
-          <a:chOff x="0" y="0"/>
-          <a:chExt cx="0" cy="0"/>
-        </a:xfrm>
-      </p:grpSpPr>
-      <p:sp>
-        <p:nvSpPr>
-          <p:cNvPr id="184" name="Google Shape;184;p30"/>
-          <p:cNvSpPr txBox="1">
-            <a:spLocks noGrp="1"/>
-          </p:cNvSpPr>
-          <p:nvPr>
-            <p:ph type="title"/>
-          </p:nvPr>
-        </p:nvSpPr>
-        <p:spPr>
-          <a:xfrm>
-            <a:off x="311700" y="445025"/>
-            <a:ext cx="8520600" cy="572700"/>
-          </a:xfrm>
-          <a:prstGeom prst="rect">
-            <a:avLst/>
-          </a:prstGeom>
-        </p:spPr>
-        <p:txBody>
-          <a:bodyPr spcFirstLastPara="1" wrap="square" lIns="91425" tIns="91425" rIns="91425" bIns="91425" anchor="t" anchorCtr="0">
-            <a:noAutofit/>
-          </a:bodyPr>
-          <a:lstStyle/>
-          <a:p>
-            <a:pPr marL="0" lvl="0" indent="0" algn="l" rtl="0">
-              <a:spcBef>
-                <a:spcPts val="0"/>
-              </a:spcBef>
-              <a:spcAft>
-                <a:spcPts val="0"/>
-              </a:spcAft>
-              <a:buNone/>
-            </a:pPr>
-            <a:r>
-              <a:rPr lang="en"/>
-              <a:t>Prep for next class</a:t>
-            </a:r>
-            <a:endParaRPr/>
-          </a:p>
-        </p:txBody>
-      </p:sp>
-      <p:sp>
-        <p:nvSpPr>
-          <p:cNvPr id="185" name="Google Shape;185;p30"/>
-          <p:cNvSpPr txBox="1">
-            <a:spLocks noGrp="1"/>
-          </p:cNvSpPr>
-          <p:nvPr>
-            <p:ph type="body" idx="1"/>
-          </p:nvPr>
-        </p:nvSpPr>
-        <p:spPr>
-          <a:xfrm>
-            <a:off x="311700" y="1152475"/>
-            <a:ext cx="8520600" cy="3416400"/>
-          </a:xfrm>
-          <a:prstGeom prst="rect">
-            <a:avLst/>
-          </a:prstGeom>
-        </p:spPr>
-        <p:txBody>
-          <a:bodyPr spcFirstLastPara="1" wrap="square" lIns="91425" tIns="91425" rIns="91425" bIns="91425" anchor="t" anchorCtr="0">
-            <a:noAutofit/>
-          </a:bodyPr>
-          <a:lstStyle/>
-          <a:p>
-            <a:pPr marL="457200" lvl="0" indent="-342900" algn="l" rtl="0">
-              <a:spcBef>
-                <a:spcPts val="0"/>
-              </a:spcBef>
-              <a:spcAft>
-                <a:spcPts val="0"/>
-              </a:spcAft>
-              <a:buSzPts val="1800"/>
-              <a:buChar char="●"/>
-            </a:pPr>
-            <a:r>
-              <a:rPr lang="en" sz="2000" dirty="0"/>
-              <a:t>Reading</a:t>
-            </a:r>
-            <a:endParaRPr sz="2000" dirty="0"/>
-          </a:p>
-          <a:p>
-            <a:pPr marL="914400" lvl="1" indent="-317500" algn="l" rtl="0">
-              <a:spcBef>
-                <a:spcPts val="0"/>
-              </a:spcBef>
-              <a:spcAft>
-                <a:spcPts val="0"/>
-              </a:spcAft>
-              <a:buSzPts val="1400"/>
-              <a:buChar char="○"/>
-            </a:pPr>
-            <a:r>
-              <a:rPr lang="en" sz="1600" dirty="0"/>
-              <a:t>Project Scoping guide</a:t>
-            </a:r>
-          </a:p>
-          <a:p>
-            <a:pPr marL="596900" lvl="1" indent="0" algn="l" rtl="0">
-              <a:spcBef>
-                <a:spcPts val="0"/>
-              </a:spcBef>
-              <a:spcAft>
-                <a:spcPts val="0"/>
-              </a:spcAft>
-              <a:buSzPts val="1400"/>
-              <a:buNone/>
-            </a:pPr>
-            <a:endParaRPr lang="en" sz="1600" dirty="0"/>
-          </a:p>
-          <a:p>
-            <a:pPr marL="596900" lvl="1" indent="0" algn="l" rtl="0">
-              <a:spcBef>
-                <a:spcPts val="0"/>
-              </a:spcBef>
-              <a:spcAft>
-                <a:spcPts val="0"/>
-              </a:spcAft>
-              <a:buSzPts val="1400"/>
-              <a:buNone/>
-            </a:pPr>
-            <a:endParaRPr lang="en" dirty="0"/>
-          </a:p>
-          <a:p>
-            <a:pPr lvl="0"/>
-            <a:r>
-              <a:rPr lang="en-US" sz="2000" b="1" dirty="0"/>
-              <a:t>Assignment</a:t>
-            </a:r>
-          </a:p>
-          <a:p>
-            <a:pPr lvl="1">
-              <a:spcBef>
-                <a:spcPts val="0"/>
-              </a:spcBef>
-            </a:pPr>
-            <a:r>
-              <a:rPr lang="en-US" sz="1600" b="1" dirty="0"/>
-              <a:t>Project Team Creation (by the end of this week): link in canvas</a:t>
-            </a:r>
-          </a:p>
-          <a:p>
-            <a:pPr lvl="1">
-              <a:spcBef>
-                <a:spcPts val="0"/>
-              </a:spcBef>
-            </a:pPr>
-            <a:r>
-              <a:rPr lang="en-US" sz="1600" b="1" dirty="0"/>
-              <a:t>Individual project: First pass on the ML project (due next Monday)</a:t>
-            </a:r>
-          </a:p>
-          <a:p>
-            <a:pPr lvl="1">
-              <a:spcBef>
-                <a:spcPts val="0"/>
-              </a:spcBef>
-            </a:pPr>
-            <a:endParaRPr lang="en-US" sz="1600" b="1" dirty="0"/>
-          </a:p>
-          <a:p>
-            <a:pPr marL="139700" indent="0">
-              <a:buSzPts val="1400"/>
-              <a:buNone/>
-            </a:pPr>
-            <a:endParaRPr lang="en" dirty="0"/>
-          </a:p>
-        </p:txBody>
-      </p:sp>
-    </p:spTree>
-  </p:cSld>
-  <p:clrMapOvr>
-    <a:masterClrMapping/>
-  </p:clrMapOvr>
-</p:sld>
-</file>
-
-<file path=ppt/slides/slide2.xml><?xml version="1.0" encoding="utf-8"?>
-<p:sld xmlns:a="http://schemas.openxmlformats.org/drawingml/2006/main" xmlns:r="http://schemas.openxmlformats.org/officeDocument/2006/relationships" xmlns:p="http://schemas.openxmlformats.org/presentationml/2006/main">
-  <p:cSld>
-    <p:spTree>
-      <p:nvGrpSpPr>
-        <p:cNvPr id="1" name=""/>
-        <p:cNvGrpSpPr/>
-        <p:nvPr/>
-      </p:nvGrpSpPr>
-      <p:grpSpPr>
-        <a:xfrm>
-          <a:off x="0" y="0"/>
-          <a:ext cx="0" cy="0"/>
-          <a:chOff x="0" y="0"/>
-          <a:chExt cx="0" cy="0"/>
-        </a:xfrm>
-      </p:grpSpPr>
-      <p:sp>
-        <p:nvSpPr>
-          <p:cNvPr id="2" name="Title 1">
-            <a:extLst>
-              <a:ext uri="{FF2B5EF4-FFF2-40B4-BE49-F238E27FC236}">
-                <a16:creationId xmlns:a16="http://schemas.microsoft.com/office/drawing/2014/main" id="{F9ABABBF-84F2-1548-81DC-DF68B68C4770}"/>
-              </a:ext>
-            </a:extLst>
-          </p:cNvPr>
-          <p:cNvSpPr>
-            <a:spLocks noGrp="1"/>
-          </p:cNvSpPr>
-          <p:nvPr>
-            <p:ph type="title"/>
-          </p:nvPr>
-        </p:nvSpPr>
-        <p:spPr/>
-        <p:txBody>
-          <a:bodyPr/>
-          <a:lstStyle/>
-          <a:p>
-            <a:r>
-              <a:rPr lang="en-US" dirty="0"/>
-              <a:t>What do you want/expect to learn from this class?</a:t>
-            </a:r>
-          </a:p>
-        </p:txBody>
-      </p:sp>
-      <p:sp>
-        <p:nvSpPr>
-          <p:cNvPr id="3" name="Text Placeholder 2">
-            <a:extLst>
-              <a:ext uri="{FF2B5EF4-FFF2-40B4-BE49-F238E27FC236}">
-                <a16:creationId xmlns:a16="http://schemas.microsoft.com/office/drawing/2014/main" id="{5F8B2B04-87BF-BC4F-A364-35F45920A00F}"/>
-              </a:ext>
-            </a:extLst>
-          </p:cNvPr>
-          <p:cNvSpPr>
-            <a:spLocks noGrp="1"/>
-          </p:cNvSpPr>
-          <p:nvPr>
-            <p:ph type="body" idx="1"/>
-          </p:nvPr>
-        </p:nvSpPr>
-        <p:spPr/>
-        <p:txBody>
-          <a:bodyPr/>
-          <a:lstStyle/>
-          <a:p>
-            <a:endParaRPr lang="en-US"/>
-          </a:p>
-        </p:txBody>
-      </p:sp>
-    </p:spTree>
-    <p:extLst>
-      <p:ext uri="{BB962C8B-B14F-4D97-AF65-F5344CB8AC3E}">
-        <p14:creationId xmlns:p14="http://schemas.microsoft.com/office/powerpoint/2010/main" val="4041559888"/>
-      </p:ext>
-    </p:extLst>
-  </p:cSld>
-  <p:clrMapOvr>
-    <a:masterClrMapping/>
-  </p:clrMapOvr>
-</p:sld>
-</file>
-
-<file path=ppt/slides/slide3.xml><?xml version="1.0" encoding="utf-8"?>
-<p:sld xmlns:a="http://schemas.openxmlformats.org/drawingml/2006/main" xmlns:r="http://schemas.openxmlformats.org/officeDocument/2006/relationships" xmlns:p="http://schemas.openxmlformats.org/presentationml/2006/main">
-  <p:cSld>
-    <p:spTree>
-      <p:nvGrpSpPr>
-        <p:cNvPr id="1" name=""/>
-        <p:cNvGrpSpPr/>
-        <p:nvPr/>
-      </p:nvGrpSpPr>
-      <p:grpSpPr>
-        <a:xfrm>
-          <a:off x="0" y="0"/>
-          <a:ext cx="0" cy="0"/>
-          <a:chOff x="0" y="0"/>
-          <a:chExt cx="0" cy="0"/>
-        </a:xfrm>
-      </p:grpSpPr>
-      <p:sp>
-        <p:nvSpPr>
-          <p:cNvPr id="2" name="Title 1">
-            <a:extLst>
-              <a:ext uri="{FF2B5EF4-FFF2-40B4-BE49-F238E27FC236}">
-                <a16:creationId xmlns:a16="http://schemas.microsoft.com/office/drawing/2014/main" id="{8018D306-3C8A-6D45-BCD9-A0B65409FA3D}"/>
-              </a:ext>
-            </a:extLst>
-          </p:cNvPr>
-          <p:cNvSpPr>
-            <a:spLocks noGrp="1"/>
-          </p:cNvSpPr>
-          <p:nvPr>
-            <p:ph type="title"/>
-          </p:nvPr>
-        </p:nvSpPr>
-        <p:spPr/>
-        <p:txBody>
-          <a:bodyPr/>
-          <a:lstStyle/>
-          <a:p>
-            <a:r>
-              <a:rPr lang="en-US" dirty="0"/>
-              <a:t>Why does this class exist?</a:t>
-            </a:r>
-          </a:p>
-        </p:txBody>
-      </p:sp>
-      <p:sp>
-        <p:nvSpPr>
-          <p:cNvPr id="3" name="Text Placeholder 2">
-            <a:extLst>
-              <a:ext uri="{FF2B5EF4-FFF2-40B4-BE49-F238E27FC236}">
-                <a16:creationId xmlns:a16="http://schemas.microsoft.com/office/drawing/2014/main" id="{4F850762-270A-9D48-9911-FB65D98E56D1}"/>
-              </a:ext>
-            </a:extLst>
-          </p:cNvPr>
-          <p:cNvSpPr>
-            <a:spLocks noGrp="1"/>
-          </p:cNvSpPr>
-          <p:nvPr>
-            <p:ph type="body" idx="1"/>
-          </p:nvPr>
-        </p:nvSpPr>
-        <p:spPr>
-          <a:xfrm>
-            <a:off x="0" y="1152475"/>
-            <a:ext cx="8832300" cy="2349008"/>
-          </a:xfrm>
-        </p:spPr>
-        <p:txBody>
-          <a:bodyPr/>
-          <a:lstStyle/>
-          <a:p>
-            <a:r>
-              <a:rPr lang="en-US" dirty="0"/>
-              <a:t>Exposure and experience solving end-to-end real-world problems with ML</a:t>
-            </a:r>
-          </a:p>
-          <a:p>
-            <a:endParaRPr lang="en-US" dirty="0"/>
-          </a:p>
-          <a:p>
-            <a:pPr lvl="1"/>
-            <a:r>
-              <a:rPr lang="en-US" dirty="0"/>
-              <a:t>Beyond methods and models</a:t>
-            </a:r>
-          </a:p>
-          <a:p>
-            <a:pPr lvl="1"/>
-            <a:r>
-              <a:rPr lang="en-US" dirty="0"/>
-              <a:t>Beyond simplifying assumptions</a:t>
-            </a:r>
-          </a:p>
-          <a:p>
-            <a:pPr lvl="1"/>
-            <a:r>
-              <a:rPr lang="en-US" dirty="0"/>
-              <a:t>Beyond general-purpose, one-size-fits-all setups</a:t>
-            </a:r>
-          </a:p>
-        </p:txBody>
-      </p:sp>
-      <p:sp>
-        <p:nvSpPr>
-          <p:cNvPr id="5" name="TextBox 4">
-            <a:extLst>
-              <a:ext uri="{FF2B5EF4-FFF2-40B4-BE49-F238E27FC236}">
-                <a16:creationId xmlns:a16="http://schemas.microsoft.com/office/drawing/2014/main" id="{93D6F8BF-5122-1CDF-6F6A-5C00236133C0}"/>
-              </a:ext>
-            </a:extLst>
-          </p:cNvPr>
-          <p:cNvSpPr txBox="1"/>
-          <p:nvPr/>
-        </p:nvSpPr>
-        <p:spPr>
-          <a:xfrm>
-            <a:off x="0" y="3501483"/>
-            <a:ext cx="8616175" cy="954107"/>
-          </a:xfrm>
-          <a:prstGeom prst="rect">
-            <a:avLst/>
-          </a:prstGeom>
-          <a:noFill/>
-        </p:spPr>
-        <p:txBody>
-          <a:bodyPr wrap="square">
-            <a:spAutoFit/>
-          </a:bodyPr>
-          <a:lstStyle/>
-          <a:p>
-            <a:pPr marL="596900" lvl="1" indent="0" algn="ctr">
-              <a:buNone/>
-            </a:pPr>
-            <a:r>
-              <a:rPr lang="en-US" sz="2800" dirty="0">
-                <a:solidFill>
-                  <a:srgbClr val="C00000"/>
-                </a:solidFill>
-              </a:rPr>
-              <a:t>Our goal is to train you to expand the scope of what you do in your future careers</a:t>
-            </a:r>
-          </a:p>
-        </p:txBody>
-      </p:sp>
-    </p:spTree>
-    <p:extLst>
-      <p:ext uri="{BB962C8B-B14F-4D97-AF65-F5344CB8AC3E}">
-        <p14:creationId xmlns:p14="http://schemas.microsoft.com/office/powerpoint/2010/main" val="185020412"/>
-      </p:ext>
-    </p:extLst>
-  </p:cSld>
-  <p:clrMapOvr>
-    <a:masterClrMapping/>
-  </p:clrMapOvr>
-  <p:timing>
-    <p:tnLst>
-      <p:par>
-        <p:cTn id="1" dur="indefinite" restart="never" nodeType="tmRoot">
-          <p:childTnLst>
-            <p:seq concurrent="1" nextAc="seek">
-              <p:cTn id="2" dur="indefinite" nodeType="mainSeq">
-                <p:childTnLst>
-                  <p:par>
-                    <p:cTn id="3" fill="hold">
-                      <p:stCondLst>
-                        <p:cond delay="indefinite"/>
-                      </p:stCondLst>
-                      <p:childTnLst>
-                        <p:par>
-                          <p:cTn id="4" fill="hold">
-                            <p:stCondLst>
-                              <p:cond delay="0"/>
-                            </p:stCondLst>
-                            <p:childTnLst>
-                              <p:par>
-                                <p:cTn id="5" presetID="1" presetClass="entr" presetSubtype="0" fill="hold" grpId="0" nodeType="clickEffect">
-                                  <p:stCondLst>
-                                    <p:cond delay="0"/>
-                                  </p:stCondLst>
-                                  <p:childTnLst>
-                                    <p:set>
-                                      <p:cBhvr>
-                                        <p:cTn id="6" dur="1" fill="hold">
-                                          <p:stCondLst>
-                                            <p:cond delay="0"/>
-                                          </p:stCondLst>
-                                        </p:cTn>
-                                        <p:tgtEl>
-                                          <p:spTgt spid="5"/>
-                                        </p:tgtEl>
-                                        <p:attrNameLst>
-                                          <p:attrName>style.visibility</p:attrName>
-                                        </p:attrNameLst>
-                                      </p:cBhvr>
-                                      <p:to>
-                                        <p:strVal val="visible"/>
-                                      </p:to>
-                                    </p:set>
-                                  </p:childTnLst>
-                                </p:cTn>
-                              </p:par>
-                            </p:childTnLst>
-                          </p:cTn>
-                        </p:par>
-                      </p:childTnLst>
-                    </p:cTn>
-                  </p:par>
-                </p:childTnLst>
-              </p:cTn>
-              <p:prevCondLst>
-                <p:cond evt="onPrev" delay="0">
-                  <p:tgtEl>
-                    <p:sldTgt/>
-                  </p:tgtEl>
-                </p:cond>
-              </p:prevCondLst>
-              <p:nextCondLst>
-                <p:cond evt="onNext" delay="0">
-                  <p:tgtEl>
-                    <p:sldTgt/>
-                  </p:tgtEl>
-                </p:cond>
-              </p:nextCondLst>
-            </p:seq>
-          </p:childTnLst>
-        </p:cTn>
-      </p:par>
-    </p:tnLst>
-    <p:bldLst>
-      <p:bldP spid="5" grpId="0"/>
-    </p:bldLst>
-  </p:timing>
-</p:sld>
-</file>
-
-<file path=ppt/slides/slide4.xml><?xml version="1.0" encoding="utf-8"?>
-<p:sld xmlns:a="http://schemas.openxmlformats.org/drawingml/2006/main" xmlns:r="http://schemas.openxmlformats.org/officeDocument/2006/relationships" xmlns:p="http://schemas.openxmlformats.org/presentationml/2006/main">
-  <p:cSld>
-    <p:spTree>
-      <p:nvGrpSpPr>
-        <p:cNvPr id="1" name="Shape 63"/>
-        <p:cNvGrpSpPr/>
-        <p:nvPr/>
-      </p:nvGrpSpPr>
-      <p:grpSpPr>
-        <a:xfrm>
-          <a:off x="0" y="0"/>
-          <a:ext cx="0" cy="0"/>
-          <a:chOff x="0" y="0"/>
-          <a:chExt cx="0" cy="0"/>
-        </a:xfrm>
-      </p:grpSpPr>
-      <p:sp>
-        <p:nvSpPr>
-          <p:cNvPr id="64" name="Google Shape;64;p14"/>
-          <p:cNvSpPr txBox="1">
-            <a:spLocks noGrp="1"/>
-          </p:cNvSpPr>
-          <p:nvPr>
-            <p:ph type="title"/>
-          </p:nvPr>
-        </p:nvSpPr>
-        <p:spPr>
-          <a:xfrm>
-            <a:off x="311700" y="445025"/>
-            <a:ext cx="8520600" cy="572700"/>
-          </a:xfrm>
-          <a:prstGeom prst="rect">
-            <a:avLst/>
-          </a:prstGeom>
-        </p:spPr>
-        <p:txBody>
-          <a:bodyPr spcFirstLastPara="1" wrap="square" lIns="91425" tIns="91425" rIns="91425" bIns="91425" anchor="t" anchorCtr="0">
-            <a:noAutofit/>
-          </a:bodyPr>
-          <a:lstStyle/>
-          <a:p>
-            <a:pPr marL="0" lvl="0" indent="0" algn="l" rtl="0">
-              <a:spcBef>
-                <a:spcPts val="0"/>
-              </a:spcBef>
-              <a:spcAft>
-                <a:spcPts val="0"/>
-              </a:spcAft>
-              <a:buNone/>
-            </a:pPr>
-            <a:r>
-              <a:rPr lang="en"/>
-              <a:t>What we want you to learn from this class</a:t>
-            </a:r>
-            <a:endParaRPr/>
-          </a:p>
-        </p:txBody>
-      </p:sp>
-      <p:sp>
-        <p:nvSpPr>
-          <p:cNvPr id="65" name="Google Shape;65;p14"/>
-          <p:cNvSpPr txBox="1">
-            <a:spLocks noGrp="1"/>
-          </p:cNvSpPr>
-          <p:nvPr>
-            <p:ph type="body" idx="1"/>
-          </p:nvPr>
-        </p:nvSpPr>
-        <p:spPr>
-          <a:xfrm>
-            <a:off x="311700" y="1152475"/>
-            <a:ext cx="8520600" cy="3416400"/>
-          </a:xfrm>
-          <a:prstGeom prst="rect">
-            <a:avLst/>
-          </a:prstGeom>
-        </p:spPr>
-        <p:txBody>
-          <a:bodyPr spcFirstLastPara="1" wrap="square" lIns="91425" tIns="91425" rIns="91425" bIns="91425" anchor="t" anchorCtr="0">
-            <a:noAutofit/>
-          </a:bodyPr>
-          <a:lstStyle/>
-          <a:p>
-            <a:pPr marL="457200" lvl="0" indent="-342900" algn="l" rtl="0">
-              <a:lnSpc>
-                <a:spcPct val="150000"/>
-              </a:lnSpc>
-              <a:spcBef>
-                <a:spcPts val="0"/>
-              </a:spcBef>
-              <a:spcAft>
-                <a:spcPts val="0"/>
-              </a:spcAft>
-              <a:buSzPts val="1800"/>
-              <a:buChar char="●"/>
-            </a:pPr>
-            <a:r>
-              <a:rPr lang="en" dirty="0">
-                <a:solidFill>
-                  <a:schemeClr val="tx1"/>
-                </a:solidFill>
-              </a:rPr>
-              <a:t>How to responsibly and effectively solve real-world problems using ML</a:t>
-            </a:r>
-          </a:p>
-          <a:p>
-            <a:pPr marL="857250" lvl="1" indent="-285750">
-              <a:lnSpc>
-                <a:spcPct val="150000"/>
-              </a:lnSpc>
-              <a:spcBef>
-                <a:spcPts val="0"/>
-              </a:spcBef>
-              <a:buSzPts val="1800"/>
-            </a:pPr>
-            <a:r>
-              <a:rPr lang="en" sz="1600" dirty="0">
-                <a:solidFill>
-                  <a:schemeClr val="tx1"/>
-                </a:solidFill>
-              </a:rPr>
-              <a:t>Understand the *entire* Machine Learning process (and get hands-on e</a:t>
-            </a:r>
-            <a:r>
-              <a:rPr lang="en-US" sz="1600" dirty="0" err="1">
-                <a:solidFill>
-                  <a:schemeClr val="tx1"/>
-                </a:solidFill>
-              </a:rPr>
-              <a:t>xp</a:t>
-            </a:r>
-            <a:r>
-              <a:rPr lang="en" sz="1600" dirty="0" err="1">
-                <a:solidFill>
-                  <a:schemeClr val="tx1"/>
-                </a:solidFill>
-              </a:rPr>
-              <a:t>erience</a:t>
-            </a:r>
-            <a:r>
-              <a:rPr lang="en" sz="1600" dirty="0">
-                <a:solidFill>
-                  <a:schemeClr val="tx1"/>
-                </a:solidFill>
-              </a:rPr>
-              <a:t> doing a lot of it)</a:t>
-            </a:r>
-          </a:p>
-          <a:p>
-            <a:pPr marL="857250" lvl="1" indent="-285750">
-              <a:lnSpc>
-                <a:spcPct val="150000"/>
-              </a:lnSpc>
-              <a:spcBef>
-                <a:spcPts val="0"/>
-              </a:spcBef>
-              <a:buSzPts val="1800"/>
-            </a:pPr>
-            <a:r>
-              <a:rPr lang="en-US" sz="1600" dirty="0">
-                <a:solidFill>
-                  <a:schemeClr val="tx1"/>
-                </a:solidFill>
-              </a:rPr>
-              <a:t>Build (and use) reusable ML pipelines</a:t>
-            </a:r>
-          </a:p>
-          <a:p>
-            <a:pPr marL="857250" lvl="1" indent="-285750">
-              <a:lnSpc>
-                <a:spcPct val="150000"/>
-              </a:lnSpc>
-              <a:spcBef>
-                <a:spcPts val="0"/>
-              </a:spcBef>
-              <a:buSzPts val="1800"/>
-            </a:pPr>
-            <a:r>
-              <a:rPr lang="en-US" sz="1600" dirty="0">
-                <a:solidFill>
-                  <a:schemeClr val="tx1"/>
-                </a:solidFill>
-              </a:rPr>
-              <a:t>Learn how to formulate ML problems, use, understand, evaluate, and communicate ML methods (that you have covered in earlier classes) in the context of a real problem</a:t>
-            </a:r>
-          </a:p>
-          <a:p>
-            <a:pPr lvl="1" indent="-342900">
-              <a:lnSpc>
-                <a:spcPct val="150000"/>
-              </a:lnSpc>
-              <a:spcBef>
-                <a:spcPts val="0"/>
-              </a:spcBef>
-              <a:buSzPts val="1800"/>
-            </a:pPr>
-            <a:endParaRPr sz="1600" dirty="0"/>
-          </a:p>
-          <a:p>
-            <a:pPr marL="0" lvl="0" indent="0" algn="l" rtl="0">
-              <a:spcBef>
-                <a:spcPts val="1600"/>
-              </a:spcBef>
-              <a:spcAft>
-                <a:spcPts val="0"/>
-              </a:spcAft>
-              <a:buClr>
-                <a:schemeClr val="dk1"/>
-              </a:buClr>
-              <a:buSzPts val="1100"/>
-              <a:buFont typeface="Arial"/>
-              <a:buNone/>
-            </a:pPr>
-            <a:endParaRPr dirty="0"/>
-          </a:p>
-          <a:p>
-            <a:pPr marL="0" lvl="0" indent="0" algn="l" rtl="0">
-              <a:spcBef>
-                <a:spcPts val="1600"/>
-              </a:spcBef>
-              <a:spcAft>
-                <a:spcPts val="1600"/>
-              </a:spcAft>
-              <a:buNone/>
-            </a:pPr>
-            <a:endParaRPr dirty="0"/>
-          </a:p>
-        </p:txBody>
-      </p:sp>
-    </p:spTree>
-  </p:cSld>
-  <p:clrMapOvr>
-    <a:masterClrMapping/>
-  </p:clrMapOvr>
-</p:sld>
-</file>
-
-<file path=ppt/slides/slide5.xml><?xml version="1.0" encoding="utf-8"?>
-<p:sld xmlns:a="http://schemas.openxmlformats.org/drawingml/2006/main" xmlns:r="http://schemas.openxmlformats.org/officeDocument/2006/relationships" xmlns:p="http://schemas.openxmlformats.org/presentationml/2006/main">
-  <p:cSld>
-    <p:spTree>
-      <p:nvGrpSpPr>
-        <p:cNvPr id="1" name="Shape 86"/>
-        <p:cNvGrpSpPr/>
-        <p:nvPr/>
-      </p:nvGrpSpPr>
-      <p:grpSpPr>
-        <a:xfrm>
-          <a:off x="0" y="0"/>
-          <a:ext cx="0" cy="0"/>
-          <a:chOff x="0" y="0"/>
-          <a:chExt cx="0" cy="0"/>
-        </a:xfrm>
-      </p:grpSpPr>
-      <p:sp>
-        <p:nvSpPr>
-          <p:cNvPr id="87" name="Google Shape;87;p18"/>
-          <p:cNvSpPr txBox="1">
-            <a:spLocks noGrp="1"/>
-          </p:cNvSpPr>
-          <p:nvPr>
-            <p:ph type="title"/>
-          </p:nvPr>
-        </p:nvSpPr>
-        <p:spPr>
-          <a:xfrm>
-            <a:off x="200382" y="1925"/>
-            <a:ext cx="8520600" cy="572700"/>
-          </a:xfrm>
-          <a:prstGeom prst="rect">
-            <a:avLst/>
-          </a:prstGeom>
-        </p:spPr>
-        <p:txBody>
-          <a:bodyPr spcFirstLastPara="1" wrap="square" lIns="91425" tIns="91425" rIns="91425" bIns="91425" anchor="t" anchorCtr="0">
-            <a:noAutofit/>
-          </a:bodyPr>
-          <a:lstStyle/>
-          <a:p>
-            <a:pPr marL="0" lvl="0" indent="0" algn="l" rtl="0">
-              <a:spcBef>
-                <a:spcPts val="0"/>
-              </a:spcBef>
-              <a:spcAft>
-                <a:spcPts val="0"/>
-              </a:spcAft>
-              <a:buNone/>
-            </a:pPr>
-            <a:r>
-              <a:rPr lang="en" dirty="0"/>
-              <a:t>How is this course different than typical ML classes you’ve taken before?</a:t>
-            </a:r>
-            <a:endParaRPr dirty="0"/>
-          </a:p>
-        </p:txBody>
-      </p:sp>
-      <p:sp>
-        <p:nvSpPr>
-          <p:cNvPr id="88" name="Google Shape;88;p18"/>
-          <p:cNvSpPr txBox="1">
-            <a:spLocks noGrp="1"/>
-          </p:cNvSpPr>
-          <p:nvPr>
-            <p:ph type="body" idx="1"/>
-          </p:nvPr>
-        </p:nvSpPr>
-        <p:spPr>
-          <a:xfrm>
-            <a:off x="311700" y="1152475"/>
-            <a:ext cx="8520600" cy="3416400"/>
-          </a:xfrm>
-          <a:prstGeom prst="rect">
-            <a:avLst/>
-          </a:prstGeom>
-        </p:spPr>
-        <p:txBody>
-          <a:bodyPr spcFirstLastPara="1" wrap="square" lIns="91425" tIns="91425" rIns="91425" bIns="91425" anchor="t" anchorCtr="0">
-            <a:noAutofit/>
-          </a:bodyPr>
-          <a:lstStyle/>
-          <a:p>
-            <a:pPr marL="0" lvl="0" indent="0" algn="l" rtl="0">
-              <a:spcBef>
-                <a:spcPts val="600"/>
-              </a:spcBef>
-              <a:spcAft>
-                <a:spcPts val="0"/>
-              </a:spcAft>
-              <a:buClr>
-                <a:schemeClr val="dk1"/>
-              </a:buClr>
-              <a:buSzPts val="1100"/>
-              <a:buFont typeface="Arial"/>
-              <a:buNone/>
-            </a:pPr>
-            <a:r>
-              <a:rPr lang="en" sz="2400" dirty="0">
-                <a:solidFill>
-                  <a:schemeClr val="dk1"/>
-                </a:solidFill>
-              </a:rPr>
-              <a:t>We’ll assume everyone knows </a:t>
-            </a:r>
-          </a:p>
-          <a:p>
-            <a:pPr marL="342900">
-              <a:spcBef>
-                <a:spcPts val="600"/>
-              </a:spcBef>
-              <a:buClr>
-                <a:schemeClr val="dk1"/>
-              </a:buClr>
-              <a:buSzPts val="1100"/>
-            </a:pPr>
-            <a:r>
-              <a:rPr lang="en-US" sz="2000" dirty="0">
-                <a:solidFill>
-                  <a:schemeClr val="dk1"/>
-                </a:solidFill>
-              </a:rPr>
-              <a:t>M</a:t>
-            </a:r>
-            <a:r>
-              <a:rPr lang="en" sz="2000" dirty="0" err="1">
-                <a:solidFill>
-                  <a:schemeClr val="dk1"/>
-                </a:solidFill>
-              </a:rPr>
-              <a:t>ethods</a:t>
-            </a:r>
-            <a:r>
-              <a:rPr lang="en" sz="2000" dirty="0">
-                <a:solidFill>
-                  <a:schemeClr val="dk1"/>
-                </a:solidFill>
-              </a:rPr>
-              <a:t>/algorithms/models</a:t>
-            </a:r>
-          </a:p>
-          <a:p>
-            <a:pPr marL="342900">
-              <a:spcBef>
-                <a:spcPts val="600"/>
-              </a:spcBef>
-              <a:buClr>
-                <a:schemeClr val="dk1"/>
-              </a:buClr>
-              <a:buSzPts val="1100"/>
-            </a:pPr>
-            <a:r>
-              <a:rPr lang="en-US" sz="2000" dirty="0">
-                <a:solidFill>
-                  <a:schemeClr val="dk1"/>
-                </a:solidFill>
-              </a:rPr>
-              <a:t>A</a:t>
-            </a:r>
-            <a:r>
-              <a:rPr lang="en" sz="2000" dirty="0" err="1">
-                <a:solidFill>
-                  <a:schemeClr val="dk1"/>
-                </a:solidFill>
-              </a:rPr>
-              <a:t>ssumptions</a:t>
-            </a:r>
-            <a:r>
-              <a:rPr lang="en" sz="2000" dirty="0">
-                <a:solidFill>
-                  <a:schemeClr val="dk1"/>
-                </a:solidFill>
-              </a:rPr>
-              <a:t> behind them</a:t>
-            </a:r>
-          </a:p>
-          <a:p>
-            <a:pPr marL="342900">
-              <a:spcBef>
-                <a:spcPts val="600"/>
-              </a:spcBef>
-              <a:buClr>
-                <a:schemeClr val="dk1"/>
-              </a:buClr>
-              <a:buSzPts val="1100"/>
-            </a:pPr>
-            <a:r>
-              <a:rPr lang="en-US" sz="2000" dirty="0">
-                <a:solidFill>
-                  <a:schemeClr val="dk1"/>
-                </a:solidFill>
-              </a:rPr>
-              <a:t>H</a:t>
-            </a:r>
-            <a:r>
-              <a:rPr lang="en" sz="2000" dirty="0">
-                <a:solidFill>
-                  <a:schemeClr val="dk1"/>
-                </a:solidFill>
-              </a:rPr>
-              <a:t>ow to implement them </a:t>
-            </a:r>
-          </a:p>
-          <a:p>
-            <a:pPr marL="342900">
-              <a:spcBef>
-                <a:spcPts val="600"/>
-              </a:spcBef>
-              <a:buClr>
-                <a:schemeClr val="dk1"/>
-              </a:buClr>
-              <a:buSzPts val="1100"/>
-            </a:pPr>
-            <a:endParaRPr lang="en" sz="2400" dirty="0">
-              <a:solidFill>
-                <a:schemeClr val="dk1"/>
-              </a:solidFill>
-            </a:endParaRPr>
-          </a:p>
-          <a:p>
-            <a:pPr marL="0" indent="0">
-              <a:spcBef>
-                <a:spcPts val="600"/>
-              </a:spcBef>
-              <a:buClr>
-                <a:schemeClr val="dk1"/>
-              </a:buClr>
-              <a:buSzPts val="1100"/>
-              <a:buNone/>
-            </a:pPr>
-            <a:r>
-              <a:rPr lang="en" sz="2400" dirty="0">
-                <a:solidFill>
-                  <a:schemeClr val="dk1"/>
-                </a:solidFill>
-              </a:rPr>
-              <a:t>And focus on everything else that comes before the matrix and after the models are built (99% of the work done in a real-world project)</a:t>
-            </a:r>
-            <a:endParaRPr sz="2400" dirty="0">
-              <a:solidFill>
-                <a:schemeClr val="dk1"/>
-              </a:solidFill>
-            </a:endParaRPr>
-          </a:p>
-          <a:p>
-            <a:pPr marL="0" lvl="0" indent="0" algn="l" rtl="0">
-              <a:spcBef>
-                <a:spcPts val="0"/>
-              </a:spcBef>
-              <a:spcAft>
-                <a:spcPts val="1600"/>
-              </a:spcAft>
-              <a:buNone/>
-            </a:pPr>
-            <a:endParaRPr sz="2400" dirty="0"/>
-          </a:p>
-        </p:txBody>
-      </p:sp>
-    </p:spTree>
-  </p:cSld>
-  <p:clrMapOvr>
-    <a:masterClrMapping/>
-  </p:clrMapOvr>
-</p:sld>
-</file>
-
-<file path=ppt/slides/slide6.xml><?xml version="1.0" encoding="utf-8"?>
-<p:sld xmlns:a="http://schemas.openxmlformats.org/drawingml/2006/main" xmlns:r="http://schemas.openxmlformats.org/officeDocument/2006/relationships" xmlns:p="http://schemas.openxmlformats.org/presentationml/2006/main">
-  <p:cSld>
-    <p:spTree>
-      <p:nvGrpSpPr>
-        <p:cNvPr id="1" name=""/>
-        <p:cNvGrpSpPr/>
-        <p:nvPr/>
-      </p:nvGrpSpPr>
-      <p:grpSpPr>
-        <a:xfrm>
-          <a:off x="0" y="0"/>
-          <a:ext cx="0" cy="0"/>
-          <a:chOff x="0" y="0"/>
-          <a:chExt cx="0" cy="0"/>
-        </a:xfrm>
-      </p:grpSpPr>
-      <p:sp>
-        <p:nvSpPr>
-          <p:cNvPr id="2" name="Title 1">
-            <a:extLst>
-              <a:ext uri="{FF2B5EF4-FFF2-40B4-BE49-F238E27FC236}">
-                <a16:creationId xmlns:a16="http://schemas.microsoft.com/office/drawing/2014/main" id="{E99E00A9-8548-B248-98B9-9D00329A8802}"/>
-              </a:ext>
-            </a:extLst>
-          </p:cNvPr>
-          <p:cNvSpPr>
-            <a:spLocks noGrp="1"/>
-          </p:cNvSpPr>
-          <p:nvPr>
-            <p:ph type="title"/>
-          </p:nvPr>
-        </p:nvSpPr>
-        <p:spPr/>
-        <p:txBody>
-          <a:bodyPr/>
-          <a:lstStyle/>
-          <a:p>
-            <a:r>
-              <a:rPr lang="en-US" dirty="0"/>
-              <a:t>Grading</a:t>
-            </a:r>
-          </a:p>
-        </p:txBody>
-      </p:sp>
-      <p:sp>
-        <p:nvSpPr>
-          <p:cNvPr id="3" name="Text Placeholder 2">
-            <a:extLst>
-              <a:ext uri="{FF2B5EF4-FFF2-40B4-BE49-F238E27FC236}">
-                <a16:creationId xmlns:a16="http://schemas.microsoft.com/office/drawing/2014/main" id="{15D3EC99-8347-3241-AC32-A2F7A07D61B3}"/>
-              </a:ext>
-            </a:extLst>
-          </p:cNvPr>
-          <p:cNvSpPr>
-            <a:spLocks noGrp="1"/>
-          </p:cNvSpPr>
-          <p:nvPr>
-            <p:ph type="body" idx="1"/>
-          </p:nvPr>
-        </p:nvSpPr>
-        <p:spPr/>
-        <p:txBody>
-          <a:bodyPr/>
-          <a:lstStyle/>
-          <a:p>
-            <a:r>
-              <a:rPr lang="en-US" dirty="0"/>
-              <a:t>Pass/Fail</a:t>
-            </a:r>
-          </a:p>
-          <a:p>
-            <a:endParaRPr lang="en-US" dirty="0"/>
-          </a:p>
-          <a:p>
-            <a:r>
-              <a:rPr lang="en-US" dirty="0"/>
-              <a:t>We want the focus to be on learning and not on the grade but... </a:t>
-            </a:r>
-          </a:p>
-          <a:p>
-            <a:endParaRPr lang="en-US" dirty="0"/>
-          </a:p>
-          <a:p>
-            <a:r>
-              <a:rPr lang="en-US" dirty="0"/>
-              <a:t>Levels of learning</a:t>
-            </a:r>
-          </a:p>
-          <a:p>
-            <a:pPr lvl="1"/>
-            <a:r>
-              <a:rPr lang="en-US" dirty="0"/>
-              <a:t>Exposed to information covered in this course</a:t>
-            </a:r>
-          </a:p>
-          <a:p>
-            <a:pPr lvl="1"/>
-            <a:r>
-              <a:rPr lang="en-US" dirty="0"/>
-              <a:t>Applying the information (correctly) covered to the class project</a:t>
-            </a:r>
-          </a:p>
-          <a:p>
-            <a:pPr lvl="1"/>
-            <a:r>
-              <a:rPr lang="en-US" dirty="0"/>
-              <a:t>Generalizing to the next ML problem you tackle</a:t>
-            </a:r>
-          </a:p>
-        </p:txBody>
-      </p:sp>
-    </p:spTree>
-    <p:extLst>
-      <p:ext uri="{BB962C8B-B14F-4D97-AF65-F5344CB8AC3E}">
-        <p14:creationId xmlns:p14="http://schemas.microsoft.com/office/powerpoint/2010/main" val="4074847045"/>
-      </p:ext>
-    </p:extLst>
-  </p:cSld>
-  <p:clrMapOvr>
-    <a:masterClrMapping/>
-  </p:clrMapOvr>
-</p:sld>
-</file>
-
-<file path=ppt/slides/slide7.xml><?xml version="1.0" encoding="utf-8"?>
-<p:sld xmlns:a="http://schemas.openxmlformats.org/drawingml/2006/main" xmlns:r="http://schemas.openxmlformats.org/officeDocument/2006/relationships" xmlns:p="http://schemas.openxmlformats.org/presentationml/2006/main">
-  <p:cSld>
-    <p:spTree>
-      <p:nvGrpSpPr>
-        <p:cNvPr id="1" name="Shape 80"/>
-        <p:cNvGrpSpPr/>
-        <p:nvPr/>
-      </p:nvGrpSpPr>
-      <p:grpSpPr>
-        <a:xfrm>
-          <a:off x="0" y="0"/>
-          <a:ext cx="0" cy="0"/>
-          <a:chOff x="0" y="0"/>
-          <a:chExt cx="0" cy="0"/>
-        </a:xfrm>
-      </p:grpSpPr>
-      <p:sp>
-        <p:nvSpPr>
-          <p:cNvPr id="81" name="Google Shape;81;p17"/>
-          <p:cNvSpPr txBox="1">
-            <a:spLocks noGrp="1"/>
-          </p:cNvSpPr>
-          <p:nvPr>
-            <p:ph type="title"/>
-          </p:nvPr>
-        </p:nvSpPr>
-        <p:spPr>
-          <a:xfrm>
-            <a:off x="311700" y="445025"/>
-            <a:ext cx="8520600" cy="572700"/>
-          </a:xfrm>
-          <a:prstGeom prst="rect">
-            <a:avLst/>
-          </a:prstGeom>
-        </p:spPr>
-        <p:txBody>
-          <a:bodyPr spcFirstLastPara="1" wrap="square" lIns="91425" tIns="91425" rIns="91425" bIns="91425" anchor="t" anchorCtr="0">
-            <a:noAutofit/>
-          </a:bodyPr>
-          <a:lstStyle/>
-          <a:p>
-            <a:pPr marL="0" lvl="0" indent="0" algn="l" rtl="0">
-              <a:spcBef>
-                <a:spcPts val="0"/>
-              </a:spcBef>
-              <a:spcAft>
-                <a:spcPts val="0"/>
-              </a:spcAft>
-              <a:buNone/>
-            </a:pPr>
-            <a:r>
-              <a:rPr lang="en"/>
-              <a:t>Pre-requisites</a:t>
-            </a:r>
-            <a:endParaRPr/>
-          </a:p>
-        </p:txBody>
-      </p:sp>
-      <p:sp>
-        <p:nvSpPr>
-          <p:cNvPr id="82" name="Google Shape;82;p17"/>
-          <p:cNvSpPr txBox="1">
-            <a:spLocks noGrp="1"/>
-          </p:cNvSpPr>
-          <p:nvPr>
-            <p:ph type="body" idx="1"/>
-          </p:nvPr>
-        </p:nvSpPr>
-        <p:spPr>
-          <a:xfrm>
-            <a:off x="311700" y="1152475"/>
-            <a:ext cx="8520600" cy="3416400"/>
-          </a:xfrm>
-          <a:prstGeom prst="rect">
-            <a:avLst/>
-          </a:prstGeom>
-        </p:spPr>
-        <p:txBody>
-          <a:bodyPr spcFirstLastPara="1" wrap="square" lIns="91425" tIns="91425" rIns="91425" bIns="91425" anchor="t" anchorCtr="0">
-            <a:noAutofit/>
-          </a:bodyPr>
-          <a:lstStyle/>
-          <a:p>
-            <a:r>
-              <a:rPr lang="en" dirty="0"/>
-              <a:t>Machine Learning (methods and </a:t>
-            </a:r>
-            <a:r>
-              <a:rPr lang="en" dirty="0" err="1"/>
-              <a:t>overal</a:t>
-            </a:r>
-            <a:r>
-              <a:rPr lang="en-US" dirty="0"/>
-              <a:t>l</a:t>
-            </a:r>
-            <a:r>
-              <a:rPr lang="en" dirty="0"/>
-              <a:t> process)</a:t>
-            </a:r>
-          </a:p>
-          <a:p>
-            <a:endParaRPr lang="en" dirty="0"/>
-          </a:p>
-          <a:p>
-            <a:pPr marL="457200" lvl="0" indent="-342900" algn="l" rtl="0">
-              <a:spcBef>
-                <a:spcPts val="0"/>
-              </a:spcBef>
-              <a:spcAft>
-                <a:spcPts val="0"/>
-              </a:spcAft>
-              <a:buSzPts val="1800"/>
-              <a:buChar char="●"/>
-            </a:pPr>
-            <a:r>
-              <a:rPr lang="en" dirty="0"/>
-              <a:t>Python (pandas, </a:t>
-            </a:r>
-            <a:r>
-              <a:rPr lang="en" dirty="0" err="1"/>
-              <a:t>sklearn</a:t>
-            </a:r>
-            <a:r>
-              <a:rPr lang="en" dirty="0"/>
-              <a:t>, </a:t>
-            </a:r>
-            <a:r>
-              <a:rPr lang="en" dirty="0" err="1"/>
-              <a:t>tensorflow</a:t>
-            </a:r>
-            <a:r>
-              <a:rPr lang="en" dirty="0"/>
-              <a:t>, matplotlib)</a:t>
-            </a:r>
-            <a:endParaRPr dirty="0"/>
-          </a:p>
-          <a:p>
-            <a:pPr marL="457200" lvl="0" indent="-342900" algn="l" rtl="0">
-              <a:spcBef>
-                <a:spcPts val="0"/>
-              </a:spcBef>
-              <a:spcAft>
-                <a:spcPts val="0"/>
-              </a:spcAft>
-              <a:buSzPts val="1800"/>
-              <a:buChar char="●"/>
-            </a:pPr>
-            <a:endParaRPr lang="en" dirty="0"/>
-          </a:p>
-          <a:p>
-            <a:pPr marL="457200" lvl="0" indent="-342900" algn="l" rtl="0">
-              <a:spcBef>
-                <a:spcPts val="0"/>
-              </a:spcBef>
-              <a:spcAft>
-                <a:spcPts val="0"/>
-              </a:spcAft>
-              <a:buSzPts val="1800"/>
-              <a:buChar char="●"/>
-            </a:pPr>
-            <a:r>
-              <a:rPr lang="en" dirty="0"/>
-              <a:t>Ideally: experience with SQL, command line (bash), git(hub), working on remote servers</a:t>
-            </a:r>
-          </a:p>
-          <a:p>
-            <a:pPr marL="457200" lvl="0" indent="-342900" algn="l" rtl="0">
-              <a:spcBef>
-                <a:spcPts val="0"/>
-              </a:spcBef>
-              <a:spcAft>
-                <a:spcPts val="0"/>
-              </a:spcAft>
-              <a:buSzPts val="1800"/>
-              <a:buChar char="●"/>
-            </a:pPr>
-            <a:endParaRPr dirty="0"/>
-          </a:p>
-        </p:txBody>
-      </p:sp>
-    </p:spTree>
-  </p:cSld>
-  <p:clrMapOvr>
-    <a:masterClrMapping/>
-  </p:clrMapOvr>
-</p:sld>
-</file>
-
-<file path=ppt/slides/slide8.xml><?xml version="1.0" encoding="utf-8"?>
-<p:sld xmlns:a="http://schemas.openxmlformats.org/drawingml/2006/main" xmlns:r="http://schemas.openxmlformats.org/officeDocument/2006/relationships" xmlns:p="http://schemas.openxmlformats.org/presentationml/2006/main">
-  <p:cSld>
-    <p:spTree>
-      <p:nvGrpSpPr>
-        <p:cNvPr id="1" name="Shape 92"/>
-        <p:cNvGrpSpPr/>
-        <p:nvPr/>
-      </p:nvGrpSpPr>
-      <p:grpSpPr>
-        <a:xfrm>
-          <a:off x="0" y="0"/>
-          <a:ext cx="0" cy="0"/>
-          <a:chOff x="0" y="0"/>
-          <a:chExt cx="0" cy="0"/>
-        </a:xfrm>
-      </p:grpSpPr>
-      <p:sp>
-        <p:nvSpPr>
-          <p:cNvPr id="93" name="Google Shape;93;p19"/>
-          <p:cNvSpPr txBox="1">
-            <a:spLocks noGrp="1"/>
-          </p:cNvSpPr>
-          <p:nvPr>
-            <p:ph type="title"/>
-          </p:nvPr>
-        </p:nvSpPr>
-        <p:spPr>
-          <a:xfrm>
-            <a:off x="311700" y="445025"/>
-            <a:ext cx="8520600" cy="572700"/>
-          </a:xfrm>
-          <a:prstGeom prst="rect">
-            <a:avLst/>
-          </a:prstGeom>
-        </p:spPr>
-        <p:txBody>
-          <a:bodyPr spcFirstLastPara="1" wrap="square" lIns="91425" tIns="91425" rIns="91425" bIns="91425" anchor="t" anchorCtr="0">
-            <a:noAutofit/>
-          </a:bodyPr>
-          <a:lstStyle/>
-          <a:p>
-            <a:pPr marL="0" lvl="0" indent="0" algn="l" rtl="0">
-              <a:spcBef>
-                <a:spcPts val="0"/>
-              </a:spcBef>
-              <a:spcAft>
-                <a:spcPts val="0"/>
-              </a:spcAft>
-              <a:buNone/>
-            </a:pPr>
-            <a:r>
-              <a:rPr lang="en" dirty="0"/>
-              <a:t>Skills needed to solve real-world problems (with ML)</a:t>
-            </a:r>
-            <a:endParaRPr dirty="0"/>
-          </a:p>
-        </p:txBody>
-      </p:sp>
-      <p:sp>
-        <p:nvSpPr>
-          <p:cNvPr id="94" name="Google Shape;94;p19"/>
-          <p:cNvSpPr/>
-          <p:nvPr/>
-        </p:nvSpPr>
-        <p:spPr>
-          <a:xfrm>
-            <a:off x="4053800" y="2731425"/>
-            <a:ext cx="1134600" cy="806100"/>
-          </a:xfrm>
-          <a:prstGeom prst="roundRect">
-            <a:avLst>
-              <a:gd name="adj" fmla="val 16667"/>
-            </a:avLst>
-          </a:prstGeom>
-          <a:solidFill>
-            <a:srgbClr val="FCE5CD"/>
-          </a:solidFill>
-          <a:ln w="9525" cap="flat" cmpd="sng">
-            <a:solidFill>
-              <a:schemeClr val="dk2"/>
-            </a:solidFill>
-            <a:prstDash val="solid"/>
-            <a:round/>
-            <a:headEnd type="none" w="sm" len="sm"/>
-            <a:tailEnd type="none" w="sm" len="sm"/>
-          </a:ln>
-        </p:spPr>
-        <p:txBody>
-          <a:bodyPr spcFirstLastPara="1" wrap="square" lIns="91425" tIns="91425" rIns="91425" bIns="91425" anchor="ctr" anchorCtr="0">
-            <a:noAutofit/>
-          </a:bodyPr>
-          <a:lstStyle/>
-          <a:p>
-            <a:pPr marL="0" lvl="0" indent="0" algn="ctr" rtl="0">
-              <a:spcBef>
-                <a:spcPts val="0"/>
-              </a:spcBef>
-              <a:spcAft>
-                <a:spcPts val="0"/>
-              </a:spcAft>
-              <a:buNone/>
-            </a:pPr>
-            <a:r>
-              <a:rPr lang="en" b="1">
-                <a:latin typeface="Lato"/>
-                <a:ea typeface="Lato"/>
-                <a:cs typeface="Lato"/>
-                <a:sym typeface="Lato"/>
-              </a:rPr>
-              <a:t>Classes</a:t>
-            </a:r>
-            <a:endParaRPr b="1">
-              <a:latin typeface="Lato"/>
-              <a:ea typeface="Lato"/>
-              <a:cs typeface="Lato"/>
-              <a:sym typeface="Lato"/>
-            </a:endParaRPr>
-          </a:p>
-        </p:txBody>
-      </p:sp>
-      <p:sp>
-        <p:nvSpPr>
-          <p:cNvPr id="95" name="Google Shape;95;p19"/>
-          <p:cNvSpPr/>
-          <p:nvPr/>
-        </p:nvSpPr>
-        <p:spPr>
-          <a:xfrm>
-            <a:off x="3562550" y="1159900"/>
-            <a:ext cx="2117100" cy="632400"/>
-          </a:xfrm>
-          <a:prstGeom prst="roundRect">
-            <a:avLst>
-              <a:gd name="adj" fmla="val 16667"/>
-            </a:avLst>
-          </a:prstGeom>
-          <a:solidFill>
-            <a:srgbClr val="B45F06"/>
-          </a:solidFill>
-          <a:ln w="9525" cap="flat" cmpd="sng">
-            <a:solidFill>
-              <a:schemeClr val="dk2"/>
-            </a:solidFill>
-            <a:prstDash val="solid"/>
-            <a:round/>
-            <a:headEnd type="none" w="sm" len="sm"/>
-            <a:tailEnd type="none" w="sm" len="sm"/>
-          </a:ln>
-        </p:spPr>
-        <p:txBody>
-          <a:bodyPr spcFirstLastPara="1" wrap="square" lIns="91425" tIns="91425" rIns="91425" bIns="91425" anchor="ctr" anchorCtr="0">
-            <a:noAutofit/>
-          </a:bodyPr>
-          <a:lstStyle/>
-          <a:p>
-            <a:pPr marL="0" lvl="0" indent="0" algn="ctr" rtl="0">
-              <a:spcBef>
-                <a:spcPts val="0"/>
-              </a:spcBef>
-              <a:spcAft>
-                <a:spcPts val="0"/>
-              </a:spcAft>
-              <a:buNone/>
-            </a:pPr>
-            <a:r>
-              <a:rPr lang="en-US" sz="1600" b="1" dirty="0">
-                <a:solidFill>
-                  <a:srgbClr val="FFFFFF"/>
-                </a:solidFill>
-                <a:latin typeface="Lato"/>
-                <a:ea typeface="Lato"/>
-                <a:cs typeface="Lato"/>
-                <a:sym typeface="Lato"/>
-              </a:rPr>
-              <a:t>CS &amp; ML</a:t>
-            </a:r>
-            <a:endParaRPr sz="1600" b="1" dirty="0">
-              <a:solidFill>
-                <a:srgbClr val="FFFFFF"/>
-              </a:solidFill>
-              <a:latin typeface="Lato"/>
-              <a:ea typeface="Lato"/>
-              <a:cs typeface="Lato"/>
-              <a:sym typeface="Lato"/>
-            </a:endParaRPr>
-          </a:p>
-        </p:txBody>
-      </p:sp>
-      <p:sp>
-        <p:nvSpPr>
-          <p:cNvPr id="96" name="Google Shape;96;p19"/>
-          <p:cNvSpPr/>
-          <p:nvPr/>
-        </p:nvSpPr>
-        <p:spPr>
-          <a:xfrm>
-            <a:off x="6111725" y="1439575"/>
-            <a:ext cx="2117100" cy="632400"/>
-          </a:xfrm>
-          <a:prstGeom prst="roundRect">
-            <a:avLst>
-              <a:gd name="adj" fmla="val 16667"/>
-            </a:avLst>
-          </a:prstGeom>
-          <a:solidFill>
-            <a:srgbClr val="B45F06"/>
-          </a:solidFill>
-          <a:ln w="9525" cap="flat" cmpd="sng">
-            <a:solidFill>
-              <a:schemeClr val="dk2"/>
-            </a:solidFill>
-            <a:prstDash val="solid"/>
-            <a:round/>
-            <a:headEnd type="none" w="sm" len="sm"/>
-            <a:tailEnd type="none" w="sm" len="sm"/>
-          </a:ln>
-        </p:spPr>
-        <p:txBody>
-          <a:bodyPr spcFirstLastPara="1" wrap="square" lIns="91425" tIns="91425" rIns="91425" bIns="91425" anchor="ctr" anchorCtr="0">
-            <a:noAutofit/>
-          </a:bodyPr>
-          <a:lstStyle/>
-          <a:p>
-            <a:pPr marL="0" lvl="0" indent="0" algn="ctr" rtl="0">
-              <a:spcBef>
-                <a:spcPts val="0"/>
-              </a:spcBef>
-              <a:spcAft>
-                <a:spcPts val="0"/>
-              </a:spcAft>
-              <a:buNone/>
-            </a:pPr>
-            <a:r>
-              <a:rPr lang="en" sz="1600" b="1">
-                <a:solidFill>
-                  <a:srgbClr val="FFFFFF"/>
-                </a:solidFill>
-                <a:latin typeface="Lato"/>
-                <a:ea typeface="Lato"/>
-                <a:cs typeface="Lato"/>
-                <a:sym typeface="Lato"/>
-              </a:rPr>
-              <a:t>Statistics</a:t>
-            </a:r>
-            <a:endParaRPr sz="1600" b="1">
-              <a:solidFill>
-                <a:srgbClr val="FFFFFF"/>
-              </a:solidFill>
-              <a:latin typeface="Lato"/>
-              <a:ea typeface="Lato"/>
-              <a:cs typeface="Lato"/>
-              <a:sym typeface="Lato"/>
-            </a:endParaRPr>
-          </a:p>
-        </p:txBody>
-      </p:sp>
-      <p:sp>
-        <p:nvSpPr>
-          <p:cNvPr id="97" name="Google Shape;97;p19"/>
-          <p:cNvSpPr/>
-          <p:nvPr/>
-        </p:nvSpPr>
-        <p:spPr>
-          <a:xfrm>
-            <a:off x="6741350" y="2818275"/>
-            <a:ext cx="2117100" cy="632400"/>
-          </a:xfrm>
-          <a:prstGeom prst="roundRect">
-            <a:avLst>
-              <a:gd name="adj" fmla="val 16667"/>
-            </a:avLst>
-          </a:prstGeom>
-          <a:solidFill>
-            <a:srgbClr val="B45F06"/>
-          </a:solidFill>
-          <a:ln w="9525" cap="flat" cmpd="sng">
-            <a:solidFill>
-              <a:schemeClr val="dk2"/>
-            </a:solidFill>
-            <a:prstDash val="solid"/>
-            <a:round/>
-            <a:headEnd type="none" w="sm" len="sm"/>
-            <a:tailEnd type="none" w="sm" len="sm"/>
-          </a:ln>
-        </p:spPr>
-        <p:txBody>
-          <a:bodyPr spcFirstLastPara="1" wrap="square" lIns="91425" tIns="91425" rIns="91425" bIns="91425" anchor="ctr" anchorCtr="0">
-            <a:noAutofit/>
-          </a:bodyPr>
-          <a:lstStyle/>
-          <a:p>
-            <a:pPr marL="0" lvl="0" indent="0" algn="ctr" rtl="0">
-              <a:spcBef>
-                <a:spcPts val="0"/>
-              </a:spcBef>
-              <a:spcAft>
-                <a:spcPts val="0"/>
-              </a:spcAft>
-              <a:buNone/>
-            </a:pPr>
-            <a:r>
-              <a:rPr lang="en" sz="1600" b="1">
-                <a:solidFill>
-                  <a:srgbClr val="FFFFFF"/>
-                </a:solidFill>
-                <a:latin typeface="Lato"/>
-                <a:ea typeface="Lato"/>
-                <a:cs typeface="Lato"/>
-                <a:sym typeface="Lato"/>
-              </a:rPr>
-              <a:t>Social Sciences</a:t>
-            </a:r>
-            <a:endParaRPr sz="1600" b="1">
-              <a:solidFill>
-                <a:srgbClr val="FFFFFF"/>
-              </a:solidFill>
-              <a:latin typeface="Lato"/>
-              <a:ea typeface="Lato"/>
-              <a:cs typeface="Lato"/>
-              <a:sym typeface="Lato"/>
-            </a:endParaRPr>
-          </a:p>
-        </p:txBody>
-      </p:sp>
-      <p:cxnSp>
-        <p:nvCxnSpPr>
-          <p:cNvPr id="98" name="Google Shape;98;p19"/>
-          <p:cNvCxnSpPr>
-            <a:stCxn id="95" idx="2"/>
-            <a:endCxn id="94" idx="0"/>
-          </p:cNvCxnSpPr>
-          <p:nvPr/>
-        </p:nvCxnSpPr>
-        <p:spPr>
-          <a:xfrm>
-            <a:off x="4621100" y="1792300"/>
-            <a:ext cx="0" cy="939000"/>
-          </a:xfrm>
-          <a:prstGeom prst="straightConnector1">
-            <a:avLst/>
-          </a:prstGeom>
-          <a:noFill/>
-          <a:ln w="28575" cap="flat" cmpd="sng">
-            <a:solidFill>
-              <a:schemeClr val="dk2"/>
-            </a:solidFill>
-            <a:prstDash val="solid"/>
-            <a:round/>
-            <a:headEnd type="none" w="med" len="med"/>
-            <a:tailEnd type="none" w="med" len="med"/>
-          </a:ln>
-        </p:spPr>
-      </p:cxnSp>
-      <p:cxnSp>
-        <p:nvCxnSpPr>
-          <p:cNvPr id="99" name="Google Shape;99;p19"/>
-          <p:cNvCxnSpPr/>
-          <p:nvPr/>
-        </p:nvCxnSpPr>
-        <p:spPr>
-          <a:xfrm flipH="1">
-            <a:off x="5171275" y="2078600"/>
-            <a:ext cx="986400" cy="678900"/>
-          </a:xfrm>
-          <a:prstGeom prst="straightConnector1">
-            <a:avLst/>
-          </a:prstGeom>
-          <a:noFill/>
-          <a:ln w="28575" cap="flat" cmpd="sng">
-            <a:solidFill>
-              <a:schemeClr val="dk2"/>
-            </a:solidFill>
-            <a:prstDash val="solid"/>
-            <a:round/>
-            <a:headEnd type="none" w="med" len="med"/>
-            <a:tailEnd type="none" w="med" len="med"/>
-          </a:ln>
-        </p:spPr>
-      </p:cxnSp>
-      <p:cxnSp>
-        <p:nvCxnSpPr>
-          <p:cNvPr id="100" name="Google Shape;100;p19"/>
-          <p:cNvCxnSpPr>
-            <a:stCxn id="97" idx="1"/>
-            <a:endCxn id="94" idx="3"/>
-          </p:cNvCxnSpPr>
-          <p:nvPr/>
-        </p:nvCxnSpPr>
-        <p:spPr>
-          <a:xfrm rot="10800000">
-            <a:off x="5188250" y="3134475"/>
-            <a:ext cx="1553100" cy="0"/>
-          </a:xfrm>
-          <a:prstGeom prst="straightConnector1">
-            <a:avLst/>
-          </a:prstGeom>
-          <a:noFill/>
-          <a:ln w="28575" cap="flat" cmpd="sng">
-            <a:solidFill>
-              <a:schemeClr val="dk2"/>
-            </a:solidFill>
-            <a:prstDash val="solid"/>
-            <a:round/>
-            <a:headEnd type="none" w="med" len="med"/>
-            <a:tailEnd type="none" w="med" len="med"/>
-          </a:ln>
-        </p:spPr>
-      </p:cxnSp>
-    </p:spTree>
-  </p:cSld>
-  <p:clrMapOvr>
-    <a:masterClrMapping/>
-  </p:clrMapOvr>
-</p:sld>
-</file>
-
-<file path=ppt/slides/slide9.xml><?xml version="1.0" encoding="utf-8"?>
-<p:sld xmlns:a="http://schemas.openxmlformats.org/drawingml/2006/main" xmlns:r="http://schemas.openxmlformats.org/officeDocument/2006/relationships" xmlns:p="http://schemas.openxmlformats.org/presentationml/2006/main">
-  <p:cSld>
-    <p:spTree>
-      <p:nvGrpSpPr>
         <p:cNvPr id="1" name="Shape 104"/>
         <p:cNvGrpSpPr/>
         <p:nvPr/>
@@ -16010,6 +12866,2946 @@
           <a:xfrm>
             <a:off x="3139125" y="2110425"/>
             <a:ext cx="954600" cy="646800"/>
+          </a:xfrm>
+          <a:prstGeom prst="straightConnector1">
+            <a:avLst/>
+          </a:prstGeom>
+          <a:noFill/>
+          <a:ln w="28575" cap="flat" cmpd="sng">
+            <a:solidFill>
+              <a:schemeClr val="dk2"/>
+            </a:solidFill>
+            <a:prstDash val="solid"/>
+            <a:round/>
+            <a:headEnd type="none" w="med" len="med"/>
+            <a:tailEnd type="none" w="med" len="med"/>
+          </a:ln>
+        </p:spPr>
+      </p:cxnSp>
+    </p:spTree>
+  </p:cSld>
+  <p:clrMapOvr>
+    <a:masterClrMapping/>
+  </p:clrMapOvr>
+</p:sld>
+</file>
+
+<file path=ppt/slides/slide11.xml><?xml version="1.0" encoding="utf-8"?>
+<p:sld xmlns:a="http://schemas.openxmlformats.org/drawingml/2006/main" xmlns:r="http://schemas.openxmlformats.org/officeDocument/2006/relationships" xmlns:p="http://schemas.openxmlformats.org/presentationml/2006/main">
+  <p:cSld>
+    <p:spTree>
+      <p:nvGrpSpPr>
+        <p:cNvPr id="1" name=""/>
+        <p:cNvGrpSpPr/>
+        <p:nvPr/>
+      </p:nvGrpSpPr>
+      <p:grpSpPr>
+        <a:xfrm>
+          <a:off x="0" y="0"/>
+          <a:ext cx="0" cy="0"/>
+          <a:chOff x="0" y="0"/>
+          <a:chExt cx="0" cy="0"/>
+        </a:xfrm>
+      </p:grpSpPr>
+      <p:sp>
+        <p:nvSpPr>
+          <p:cNvPr id="2" name="Title 1">
+            <a:extLst>
+              <a:ext uri="{FF2B5EF4-FFF2-40B4-BE49-F238E27FC236}">
+                <a16:creationId xmlns:a16="http://schemas.microsoft.com/office/drawing/2014/main" id="{94CF2A94-A63F-6149-AA28-2E35B60E3D3E}"/>
+              </a:ext>
+            </a:extLst>
+          </p:cNvPr>
+          <p:cNvSpPr>
+            <a:spLocks noGrp="1"/>
+          </p:cNvSpPr>
+          <p:nvPr>
+            <p:ph type="title"/>
+          </p:nvPr>
+        </p:nvSpPr>
+        <p:spPr/>
+        <p:txBody>
+          <a:bodyPr/>
+          <a:lstStyle/>
+          <a:p>
+            <a:endParaRPr lang="en-US"/>
+          </a:p>
+        </p:txBody>
+      </p:sp>
+      <p:graphicFrame>
+        <p:nvGraphicFramePr>
+          <p:cNvPr id="3" name="Diagram 2">
+            <a:extLst>
+              <a:ext uri="{FF2B5EF4-FFF2-40B4-BE49-F238E27FC236}">
+                <a16:creationId xmlns:a16="http://schemas.microsoft.com/office/drawing/2014/main" id="{8E902576-68A9-6E48-B0FE-5B1889953DC8}"/>
+              </a:ext>
+            </a:extLst>
+          </p:cNvPr>
+          <p:cNvGraphicFramePr/>
+          <p:nvPr/>
+        </p:nvGraphicFramePr>
+        <p:xfrm>
+          <a:off x="135350" y="0"/>
+          <a:ext cx="8832300" cy="5143500"/>
+        </p:xfrm>
+        <a:graphic>
+          <a:graphicData uri="http://schemas.openxmlformats.org/drawingml/2006/diagram">
+            <dgm:relIds xmlns:dgm="http://schemas.openxmlformats.org/drawingml/2006/diagram" xmlns:r="http://schemas.openxmlformats.org/officeDocument/2006/relationships" r:dm="rId2" r:lo="rId3" r:qs="rId4" r:cs="rId5"/>
+          </a:graphicData>
+        </a:graphic>
+      </p:graphicFrame>
+      <p:sp>
+        <p:nvSpPr>
+          <p:cNvPr id="4" name="Rectangle 3">
+            <a:extLst>
+              <a:ext uri="{FF2B5EF4-FFF2-40B4-BE49-F238E27FC236}">
+                <a16:creationId xmlns:a16="http://schemas.microsoft.com/office/drawing/2014/main" id="{E2C99BF2-C81A-5246-89D3-E49BCDCAD699}"/>
+              </a:ext>
+            </a:extLst>
+          </p:cNvPr>
+          <p:cNvSpPr/>
+          <p:nvPr/>
+        </p:nvSpPr>
+        <p:spPr>
+          <a:xfrm>
+            <a:off x="-1" y="23649"/>
+            <a:ext cx="9088821" cy="3160986"/>
+          </a:xfrm>
+          <a:prstGeom prst="rect">
+            <a:avLst/>
+          </a:prstGeom>
+          <a:noFill/>
+          <a:ln w="76200">
+            <a:solidFill>
+              <a:srgbClr val="C00000"/>
+            </a:solidFill>
+          </a:ln>
+        </p:spPr>
+        <p:style>
+          <a:lnRef idx="2">
+            <a:schemeClr val="accent1">
+              <a:shade val="50000"/>
+            </a:schemeClr>
+          </a:lnRef>
+          <a:fillRef idx="1">
+            <a:schemeClr val="accent1"/>
+          </a:fillRef>
+          <a:effectRef idx="0">
+            <a:schemeClr val="accent1"/>
+          </a:effectRef>
+          <a:fontRef idx="minor">
+            <a:schemeClr val="lt1"/>
+          </a:fontRef>
+        </p:style>
+        <p:txBody>
+          <a:bodyPr rot="0" spcFirstLastPara="0" vertOverflow="overflow" horzOverflow="overflow" vert="horz" wrap="square" lIns="68580" tIns="34290" rIns="68580" bIns="34290" numCol="1" spcCol="0" rtlCol="0" fromWordArt="0" anchor="ctr" anchorCtr="0" forceAA="0" compatLnSpc="1">
+            <a:prstTxWarp prst="textNoShape">
+              <a:avLst/>
+            </a:prstTxWarp>
+            <a:noAutofit/>
+          </a:bodyPr>
+          <a:lstStyle/>
+          <a:p>
+            <a:pPr algn="ctr"/>
+            <a:endParaRPr lang="en-US" sz="1050"/>
+          </a:p>
+        </p:txBody>
+      </p:sp>
+    </p:spTree>
+    <p:extLst>
+      <p:ext uri="{BB962C8B-B14F-4D97-AF65-F5344CB8AC3E}">
+        <p14:creationId xmlns:p14="http://schemas.microsoft.com/office/powerpoint/2010/main" val="2404125560"/>
+      </p:ext>
+    </p:extLst>
+  </p:cSld>
+  <p:clrMapOvr>
+    <a:masterClrMapping/>
+  </p:clrMapOvr>
+</p:sld>
+</file>
+
+<file path=ppt/slides/slide12.xml><?xml version="1.0" encoding="utf-8"?>
+<p:sld xmlns:a="http://schemas.openxmlformats.org/drawingml/2006/main" xmlns:r="http://schemas.openxmlformats.org/officeDocument/2006/relationships" xmlns:p="http://schemas.openxmlformats.org/presentationml/2006/main">
+  <p:cSld>
+    <p:spTree>
+      <p:nvGrpSpPr>
+        <p:cNvPr id="1" name=""/>
+        <p:cNvGrpSpPr/>
+        <p:nvPr/>
+      </p:nvGrpSpPr>
+      <p:grpSpPr>
+        <a:xfrm>
+          <a:off x="0" y="0"/>
+          <a:ext cx="0" cy="0"/>
+          <a:chOff x="0" y="0"/>
+          <a:chExt cx="0" cy="0"/>
+        </a:xfrm>
+      </p:grpSpPr>
+      <p:sp>
+        <p:nvSpPr>
+          <p:cNvPr id="2" name="Title 1">
+            <a:extLst>
+              <a:ext uri="{FF2B5EF4-FFF2-40B4-BE49-F238E27FC236}">
+                <a16:creationId xmlns:a16="http://schemas.microsoft.com/office/drawing/2014/main" id="{7E982B01-FB65-BE45-B088-DBD593E54067}"/>
+              </a:ext>
+            </a:extLst>
+          </p:cNvPr>
+          <p:cNvSpPr>
+            <a:spLocks noGrp="1"/>
+          </p:cNvSpPr>
+          <p:nvPr>
+            <p:ph type="title"/>
+          </p:nvPr>
+        </p:nvSpPr>
+        <p:spPr/>
+        <p:txBody>
+          <a:bodyPr/>
+          <a:lstStyle/>
+          <a:p>
+            <a:r>
+              <a:rPr lang="en-US" dirty="0"/>
+              <a:t>Structure of the class</a:t>
+            </a:r>
+          </a:p>
+        </p:txBody>
+      </p:sp>
+      <p:sp>
+        <p:nvSpPr>
+          <p:cNvPr id="3" name="Text Placeholder 2">
+            <a:extLst>
+              <a:ext uri="{FF2B5EF4-FFF2-40B4-BE49-F238E27FC236}">
+                <a16:creationId xmlns:a16="http://schemas.microsoft.com/office/drawing/2014/main" id="{F1B1669A-E55D-9344-BE22-8F89B1EF08BA}"/>
+              </a:ext>
+            </a:extLst>
+          </p:cNvPr>
+          <p:cNvSpPr>
+            <a:spLocks noGrp="1"/>
+          </p:cNvSpPr>
+          <p:nvPr>
+            <p:ph type="body" idx="1"/>
+          </p:nvPr>
+        </p:nvSpPr>
+        <p:spPr/>
+        <p:txBody>
+          <a:bodyPr/>
+          <a:lstStyle/>
+          <a:p>
+            <a:r>
+              <a:rPr lang="en-US" dirty="0"/>
+              <a:t>Module 1: End-to-end ML Pipeline</a:t>
+            </a:r>
+          </a:p>
+          <a:p>
+            <a:pPr lvl="1"/>
+            <a:r>
+              <a:rPr lang="en-US" dirty="0"/>
+              <a:t>Formulation, Modeling Setup, Features, Models, Model Selection</a:t>
+            </a:r>
+          </a:p>
+          <a:p>
+            <a:endParaRPr lang="en-US" dirty="0"/>
+          </a:p>
+          <a:p>
+            <a:r>
+              <a:rPr lang="en-US" dirty="0"/>
+              <a:t>Module 2: Model Interpretability</a:t>
+            </a:r>
+          </a:p>
+          <a:p>
+            <a:endParaRPr lang="en-US" dirty="0"/>
+          </a:p>
+          <a:p>
+            <a:endParaRPr lang="en-US" dirty="0"/>
+          </a:p>
+          <a:p>
+            <a:r>
+              <a:rPr lang="en-US" dirty="0"/>
+              <a:t>Module 3: Fairness</a:t>
+            </a:r>
+          </a:p>
+          <a:p>
+            <a:pPr marL="114300" indent="0">
+              <a:buNone/>
+            </a:pPr>
+            <a:endParaRPr lang="en-US" dirty="0"/>
+          </a:p>
+        </p:txBody>
+      </p:sp>
+    </p:spTree>
+    <p:extLst>
+      <p:ext uri="{BB962C8B-B14F-4D97-AF65-F5344CB8AC3E}">
+        <p14:creationId xmlns:p14="http://schemas.microsoft.com/office/powerpoint/2010/main" val="3572938254"/>
+      </p:ext>
+    </p:extLst>
+  </p:cSld>
+  <p:clrMapOvr>
+    <a:masterClrMapping/>
+  </p:clrMapOvr>
+</p:sld>
+</file>
+
+<file path=ppt/slides/slide13.xml><?xml version="1.0" encoding="utf-8"?>
+<p:sld xmlns:a="http://schemas.openxmlformats.org/drawingml/2006/main" xmlns:r="http://schemas.openxmlformats.org/officeDocument/2006/relationships" xmlns:p="http://schemas.openxmlformats.org/presentationml/2006/main">
+  <p:cSld>
+    <p:spTree>
+      <p:nvGrpSpPr>
+        <p:cNvPr id="1" name="Shape 124"/>
+        <p:cNvGrpSpPr/>
+        <p:nvPr/>
+      </p:nvGrpSpPr>
+      <p:grpSpPr>
+        <a:xfrm>
+          <a:off x="0" y="0"/>
+          <a:ext cx="0" cy="0"/>
+          <a:chOff x="0" y="0"/>
+          <a:chExt cx="0" cy="0"/>
+        </a:xfrm>
+      </p:grpSpPr>
+      <p:sp>
+        <p:nvSpPr>
+          <p:cNvPr id="125" name="Google Shape;125;p21"/>
+          <p:cNvSpPr txBox="1">
+            <a:spLocks noGrp="1"/>
+          </p:cNvSpPr>
+          <p:nvPr>
+            <p:ph type="title"/>
+          </p:nvPr>
+        </p:nvSpPr>
+        <p:spPr>
+          <a:xfrm>
+            <a:off x="311700" y="445025"/>
+            <a:ext cx="8520600" cy="572700"/>
+          </a:xfrm>
+          <a:prstGeom prst="rect">
+            <a:avLst/>
+          </a:prstGeom>
+        </p:spPr>
+        <p:txBody>
+          <a:bodyPr spcFirstLastPara="1" wrap="square" lIns="91425" tIns="91425" rIns="91425" bIns="91425" anchor="t" anchorCtr="0">
+            <a:noAutofit/>
+          </a:bodyPr>
+          <a:lstStyle/>
+          <a:p>
+            <a:pPr marL="0" lvl="0" indent="0" algn="l" rtl="0">
+              <a:spcBef>
+                <a:spcPts val="0"/>
+              </a:spcBef>
+              <a:spcAft>
+                <a:spcPts val="0"/>
+              </a:spcAft>
+              <a:buNone/>
+            </a:pPr>
+            <a:r>
+              <a:rPr lang="en" dirty="0">
+                <a:solidFill>
+                  <a:schemeClr val="bg1"/>
+                </a:solidFill>
+                <a:hlinkClick r:id="rId3">
+                  <a:extLst>
+                    <a:ext uri="{A12FA001-AC4F-418D-AE19-62706E023703}">
+                      <ahyp:hlinkClr xmlns:ahyp="http://schemas.microsoft.com/office/drawing/2018/hyperlinkcolor" val="tx"/>
+                    </a:ext>
+                  </a:extLst>
+                </a:hlinkClick>
+              </a:rPr>
+              <a:t>Class Schedule</a:t>
+            </a:r>
+            <a:endParaRPr dirty="0">
+              <a:solidFill>
+                <a:schemeClr val="bg1"/>
+              </a:solidFill>
+            </a:endParaRPr>
+          </a:p>
+        </p:txBody>
+      </p:sp>
+      <p:pic>
+        <p:nvPicPr>
+          <p:cNvPr id="2" name="Picture 1">
+            <a:hlinkClick r:id="rId3"/>
+            <a:extLst>
+              <a:ext uri="{FF2B5EF4-FFF2-40B4-BE49-F238E27FC236}">
+                <a16:creationId xmlns:a16="http://schemas.microsoft.com/office/drawing/2014/main" id="{388C5A30-3E26-19C5-4481-4008EA7D2222}"/>
+              </a:ext>
+            </a:extLst>
+          </p:cNvPr>
+          <p:cNvPicPr>
+            <a:picLocks noChangeAspect="1"/>
+          </p:cNvPicPr>
+          <p:nvPr/>
+        </p:nvPicPr>
+        <p:blipFill>
+          <a:blip r:embed="rId4"/>
+          <a:stretch>
+            <a:fillRect/>
+          </a:stretch>
+        </p:blipFill>
+        <p:spPr>
+          <a:xfrm>
+            <a:off x="0" y="1081409"/>
+            <a:ext cx="4072781" cy="4062091"/>
+          </a:xfrm>
+          <a:prstGeom prst="rect">
+            <a:avLst/>
+          </a:prstGeom>
+        </p:spPr>
+      </p:pic>
+      <p:pic>
+        <p:nvPicPr>
+          <p:cNvPr id="3" name="Picture 2">
+            <a:hlinkClick r:id="rId3"/>
+            <a:extLst>
+              <a:ext uri="{FF2B5EF4-FFF2-40B4-BE49-F238E27FC236}">
+                <a16:creationId xmlns:a16="http://schemas.microsoft.com/office/drawing/2014/main" id="{D1D00F08-742A-06D1-514E-1BCE0521FE4D}"/>
+              </a:ext>
+            </a:extLst>
+          </p:cNvPr>
+          <p:cNvPicPr>
+            <a:picLocks noChangeAspect="1"/>
+          </p:cNvPicPr>
+          <p:nvPr/>
+        </p:nvPicPr>
+        <p:blipFill>
+          <a:blip r:embed="rId5"/>
+          <a:stretch>
+            <a:fillRect/>
+          </a:stretch>
+        </p:blipFill>
+        <p:spPr>
+          <a:xfrm>
+            <a:off x="4961402" y="1081409"/>
+            <a:ext cx="4182598" cy="4062091"/>
+          </a:xfrm>
+          <a:prstGeom prst="rect">
+            <a:avLst/>
+          </a:prstGeom>
+        </p:spPr>
+      </p:pic>
+    </p:spTree>
+  </p:cSld>
+  <p:clrMapOvr>
+    <a:masterClrMapping/>
+  </p:clrMapOvr>
+</p:sld>
+</file>
+
+<file path=ppt/slides/slide14.xml><?xml version="1.0" encoding="utf-8"?>
+<p:sld xmlns:a="http://schemas.openxmlformats.org/drawingml/2006/main" xmlns:r="http://schemas.openxmlformats.org/officeDocument/2006/relationships" xmlns:p="http://schemas.openxmlformats.org/presentationml/2006/main">
+  <p:cSld>
+    <p:spTree>
+      <p:nvGrpSpPr>
+        <p:cNvPr id="1" name="Shape 144"/>
+        <p:cNvGrpSpPr/>
+        <p:nvPr/>
+      </p:nvGrpSpPr>
+      <p:grpSpPr>
+        <a:xfrm>
+          <a:off x="0" y="0"/>
+          <a:ext cx="0" cy="0"/>
+          <a:chOff x="0" y="0"/>
+          <a:chExt cx="0" cy="0"/>
+        </a:xfrm>
+      </p:grpSpPr>
+      <p:sp>
+        <p:nvSpPr>
+          <p:cNvPr id="145" name="Google Shape;145;p24"/>
+          <p:cNvSpPr txBox="1">
+            <a:spLocks noGrp="1"/>
+          </p:cNvSpPr>
+          <p:nvPr>
+            <p:ph type="title"/>
+          </p:nvPr>
+        </p:nvSpPr>
+        <p:spPr>
+          <a:xfrm>
+            <a:off x="311700" y="445025"/>
+            <a:ext cx="8520600" cy="572700"/>
+          </a:xfrm>
+          <a:prstGeom prst="rect">
+            <a:avLst/>
+          </a:prstGeom>
+        </p:spPr>
+        <p:txBody>
+          <a:bodyPr spcFirstLastPara="1" wrap="square" lIns="91425" tIns="91425" rIns="91425" bIns="91425" anchor="t" anchorCtr="0">
+            <a:noAutofit/>
+          </a:bodyPr>
+          <a:lstStyle/>
+          <a:p>
+            <a:pPr marL="0" lvl="0" indent="0" algn="l" rtl="0">
+              <a:spcBef>
+                <a:spcPts val="0"/>
+              </a:spcBef>
+              <a:spcAft>
+                <a:spcPts val="0"/>
+              </a:spcAft>
+              <a:buNone/>
+            </a:pPr>
+            <a:r>
+              <a:rPr lang="en"/>
+              <a:t>Logistics</a:t>
+            </a:r>
+            <a:endParaRPr/>
+          </a:p>
+        </p:txBody>
+      </p:sp>
+      <p:sp>
+        <p:nvSpPr>
+          <p:cNvPr id="146" name="Google Shape;146;p24"/>
+          <p:cNvSpPr txBox="1">
+            <a:spLocks noGrp="1"/>
+          </p:cNvSpPr>
+          <p:nvPr>
+            <p:ph type="body" idx="1"/>
+          </p:nvPr>
+        </p:nvSpPr>
+        <p:spPr>
+          <a:xfrm>
+            <a:off x="311700" y="1152475"/>
+            <a:ext cx="8520600" cy="3416400"/>
+          </a:xfrm>
+          <a:prstGeom prst="rect">
+            <a:avLst/>
+          </a:prstGeom>
+        </p:spPr>
+        <p:txBody>
+          <a:bodyPr spcFirstLastPara="1" wrap="square" lIns="91425" tIns="91425" rIns="91425" bIns="91425" anchor="t" anchorCtr="0">
+            <a:noAutofit/>
+          </a:bodyPr>
+          <a:lstStyle/>
+          <a:p>
+            <a:pPr indent="-330200">
+              <a:spcBef>
+                <a:spcPts val="700"/>
+              </a:spcBef>
+              <a:buClr>
+                <a:schemeClr val="dk1"/>
+              </a:buClr>
+              <a:buSzPts val="1600"/>
+            </a:pPr>
+            <a:r>
+              <a:rPr lang="en-US" sz="1600" dirty="0">
+                <a:solidFill>
+                  <a:schemeClr val="dk1"/>
+                </a:solidFill>
+              </a:rPr>
+              <a:t>Attendance (is not optional)</a:t>
+            </a:r>
+          </a:p>
+          <a:p>
+            <a:pPr indent="-330200">
+              <a:spcBef>
+                <a:spcPts val="700"/>
+              </a:spcBef>
+              <a:buClr>
+                <a:schemeClr val="dk1"/>
+              </a:buClr>
+              <a:buSzPts val="1600"/>
+            </a:pPr>
+            <a:r>
+              <a:rPr lang="en-US" sz="1600" dirty="0">
+                <a:solidFill>
+                  <a:schemeClr val="dk1"/>
+                </a:solidFill>
+              </a:rPr>
+              <a:t>Platforms: </a:t>
+            </a:r>
+          </a:p>
+          <a:p>
+            <a:pPr lvl="1" indent="-330200">
+              <a:spcBef>
+                <a:spcPts val="700"/>
+              </a:spcBef>
+              <a:buClr>
+                <a:schemeClr val="dk1"/>
+              </a:buClr>
+              <a:buSzPts val="1600"/>
+            </a:pPr>
+            <a:r>
+              <a:rPr lang="en-US" sz="1600" dirty="0">
+                <a:solidFill>
+                  <a:schemeClr val="dk1"/>
+                </a:solidFill>
+              </a:rPr>
+              <a:t>Latest content will be on </a:t>
+            </a:r>
+            <a:r>
+              <a:rPr lang="en-US" sz="1600" b="1" dirty="0" err="1">
+                <a:solidFill>
+                  <a:schemeClr val="dk1"/>
+                </a:solidFill>
+              </a:rPr>
+              <a:t>github</a:t>
+            </a:r>
+            <a:endParaRPr lang="en-US" sz="1600" b="1" dirty="0">
+              <a:solidFill>
+                <a:schemeClr val="dk1"/>
+              </a:solidFill>
+            </a:endParaRPr>
+          </a:p>
+          <a:p>
+            <a:pPr lvl="1" indent="-330200">
+              <a:spcBef>
+                <a:spcPts val="700"/>
+              </a:spcBef>
+              <a:buClr>
+                <a:schemeClr val="dk1"/>
+              </a:buClr>
+              <a:buSzPts val="1600"/>
+            </a:pPr>
+            <a:r>
+              <a:rPr lang="en" sz="1600" b="1" dirty="0">
+                <a:solidFill>
+                  <a:schemeClr val="dk1"/>
+                </a:solidFill>
+              </a:rPr>
+              <a:t>Canvas</a:t>
+            </a:r>
+            <a:r>
+              <a:rPr lang="en" sz="1600" dirty="0">
+                <a:solidFill>
+                  <a:schemeClr val="dk1"/>
+                </a:solidFill>
+              </a:rPr>
+              <a:t> (for assignments)</a:t>
+            </a:r>
+          </a:p>
+          <a:p>
+            <a:pPr lvl="1" indent="-330200">
+              <a:spcBef>
+                <a:spcPts val="700"/>
+              </a:spcBef>
+              <a:buClr>
+                <a:schemeClr val="dk1"/>
+              </a:buClr>
+              <a:buSzPts val="1600"/>
+            </a:pPr>
+            <a:r>
+              <a:rPr lang="en" sz="1600" b="1" dirty="0">
+                <a:solidFill>
+                  <a:schemeClr val="dk1"/>
+                </a:solidFill>
+              </a:rPr>
+              <a:t>Piazza (and email)</a:t>
+            </a:r>
+            <a:r>
+              <a:rPr lang="en" sz="1600" dirty="0">
+                <a:solidFill>
+                  <a:schemeClr val="dk1"/>
+                </a:solidFill>
+              </a:rPr>
+              <a:t> for communications and project and teamwork</a:t>
+            </a:r>
+          </a:p>
+          <a:p>
+            <a:pPr indent="-330200">
+              <a:spcBef>
+                <a:spcPts val="700"/>
+              </a:spcBef>
+              <a:buClr>
+                <a:schemeClr val="dk1"/>
+              </a:buClr>
+              <a:buSzPts val="1600"/>
+            </a:pPr>
+            <a:r>
+              <a:rPr lang="en" sz="1600" dirty="0">
+                <a:solidFill>
+                  <a:schemeClr val="dk1"/>
+                </a:solidFill>
+              </a:rPr>
+              <a:t>Office hours</a:t>
+            </a:r>
+          </a:p>
+          <a:p>
+            <a:pPr indent="-330200">
+              <a:spcBef>
+                <a:spcPts val="700"/>
+              </a:spcBef>
+              <a:buClr>
+                <a:schemeClr val="dk1"/>
+              </a:buClr>
+              <a:buSzPts val="1600"/>
+            </a:pPr>
+            <a:r>
+              <a:rPr lang="en-US" sz="1600" dirty="0">
+                <a:solidFill>
+                  <a:schemeClr val="dk1"/>
+                </a:solidFill>
+              </a:rPr>
+              <a:t>TAs – </a:t>
+            </a:r>
+            <a:endParaRPr sz="1600" dirty="0"/>
+          </a:p>
+        </p:txBody>
+      </p:sp>
+    </p:spTree>
+  </p:cSld>
+  <p:clrMapOvr>
+    <a:masterClrMapping/>
+  </p:clrMapOvr>
+</p:sld>
+</file>
+
+<file path=ppt/slides/slide15.xml><?xml version="1.0" encoding="utf-8"?>
+<p:sld xmlns:a="http://schemas.openxmlformats.org/drawingml/2006/main" xmlns:r="http://schemas.openxmlformats.org/officeDocument/2006/relationships" xmlns:p="http://schemas.openxmlformats.org/presentationml/2006/main">
+  <p:cSld>
+    <p:spTree>
+      <p:nvGrpSpPr>
+        <p:cNvPr id="1" name="Shape 157"/>
+        <p:cNvGrpSpPr/>
+        <p:nvPr/>
+      </p:nvGrpSpPr>
+      <p:grpSpPr>
+        <a:xfrm>
+          <a:off x="0" y="0"/>
+          <a:ext cx="0" cy="0"/>
+          <a:chOff x="0" y="0"/>
+          <a:chExt cx="0" cy="0"/>
+        </a:xfrm>
+      </p:grpSpPr>
+      <p:sp>
+        <p:nvSpPr>
+          <p:cNvPr id="158" name="Google Shape;158;p26"/>
+          <p:cNvSpPr txBox="1">
+            <a:spLocks noGrp="1"/>
+          </p:cNvSpPr>
+          <p:nvPr>
+            <p:ph type="title"/>
+          </p:nvPr>
+        </p:nvSpPr>
+        <p:spPr>
+          <a:xfrm>
+            <a:off x="311700" y="445025"/>
+            <a:ext cx="8520600" cy="572700"/>
+          </a:xfrm>
+          <a:prstGeom prst="rect">
+            <a:avLst/>
+          </a:prstGeom>
+        </p:spPr>
+        <p:txBody>
+          <a:bodyPr spcFirstLastPara="1" wrap="square" lIns="91425" tIns="91425" rIns="91425" bIns="91425" anchor="t" anchorCtr="0">
+            <a:noAutofit/>
+          </a:bodyPr>
+          <a:lstStyle/>
+          <a:p>
+            <a:pPr marL="0" lvl="0" indent="0" algn="l" rtl="0">
+              <a:spcBef>
+                <a:spcPts val="0"/>
+              </a:spcBef>
+              <a:spcAft>
+                <a:spcPts val="0"/>
+              </a:spcAft>
+              <a:buNone/>
+            </a:pPr>
+            <a:r>
+              <a:rPr lang="en"/>
+              <a:t>Project Teams</a:t>
+            </a:r>
+            <a:endParaRPr/>
+          </a:p>
+        </p:txBody>
+      </p:sp>
+      <p:sp>
+        <p:nvSpPr>
+          <p:cNvPr id="159" name="Google Shape;159;p26"/>
+          <p:cNvSpPr txBox="1">
+            <a:spLocks noGrp="1"/>
+          </p:cNvSpPr>
+          <p:nvPr>
+            <p:ph type="body" idx="1"/>
+          </p:nvPr>
+        </p:nvSpPr>
+        <p:spPr>
+          <a:xfrm>
+            <a:off x="311700" y="1152475"/>
+            <a:ext cx="8520600" cy="3416400"/>
+          </a:xfrm>
+          <a:prstGeom prst="rect">
+            <a:avLst/>
+          </a:prstGeom>
+        </p:spPr>
+        <p:txBody>
+          <a:bodyPr spcFirstLastPara="1" wrap="square" lIns="91425" tIns="91425" rIns="91425" bIns="91425" anchor="t" anchorCtr="0">
+            <a:noAutofit/>
+          </a:bodyPr>
+          <a:lstStyle/>
+          <a:p>
+            <a:pPr marL="114300" lvl="0" indent="0" algn="l" rtl="0">
+              <a:spcBef>
+                <a:spcPts val="0"/>
+              </a:spcBef>
+              <a:spcAft>
+                <a:spcPts val="0"/>
+              </a:spcAft>
+              <a:buSzPts val="1800"/>
+              <a:buNone/>
+            </a:pPr>
+            <a:endParaRPr lang="en" dirty="0">
+              <a:solidFill>
+                <a:schemeClr val="tx1"/>
+              </a:solidFill>
+            </a:endParaRPr>
+          </a:p>
+          <a:p>
+            <a:pPr marL="457200" lvl="0" indent="-342900" algn="l" rtl="0">
+              <a:spcBef>
+                <a:spcPts val="0"/>
+              </a:spcBef>
+              <a:spcAft>
+                <a:spcPts val="0"/>
+              </a:spcAft>
+              <a:buSzPts val="1800"/>
+              <a:buChar char="●"/>
+            </a:pPr>
+            <a:r>
+              <a:rPr lang="en" dirty="0">
+                <a:solidFill>
+                  <a:schemeClr val="tx1"/>
+                </a:solidFill>
+              </a:rPr>
+              <a:t>Y</a:t>
+            </a:r>
+            <a:r>
+              <a:rPr lang="en-US" dirty="0">
+                <a:solidFill>
+                  <a:schemeClr val="tx1"/>
+                </a:solidFill>
+              </a:rPr>
+              <a:t>o</a:t>
+            </a:r>
+            <a:r>
+              <a:rPr lang="en" dirty="0">
+                <a:solidFill>
+                  <a:schemeClr val="tx1"/>
+                </a:solidFill>
+              </a:rPr>
+              <a:t>u should create 4-person teams by the end of this week (and fill out the spreadsheet to let us know)</a:t>
+            </a:r>
+          </a:p>
+          <a:p>
+            <a:pPr marL="457200" lvl="0" indent="-342900" algn="l" rtl="0">
+              <a:spcBef>
+                <a:spcPts val="0"/>
+              </a:spcBef>
+              <a:spcAft>
+                <a:spcPts val="0"/>
+              </a:spcAft>
+              <a:buSzPts val="1800"/>
+              <a:buChar char="●"/>
+            </a:pPr>
+            <a:endParaRPr lang="en" dirty="0">
+              <a:solidFill>
+                <a:schemeClr val="tx1"/>
+              </a:solidFill>
+            </a:endParaRPr>
+          </a:p>
+          <a:p>
+            <a:pPr marL="457200" lvl="0" indent="-342900" algn="l" rtl="0">
+              <a:spcBef>
+                <a:spcPts val="0"/>
+              </a:spcBef>
+              <a:spcAft>
+                <a:spcPts val="0"/>
+              </a:spcAft>
+              <a:buSzPts val="1800"/>
+              <a:buChar char="●"/>
+            </a:pPr>
+            <a:r>
+              <a:rPr lang="en" dirty="0">
+                <a:solidFill>
+                  <a:schemeClr val="tx1"/>
+                </a:solidFill>
+              </a:rPr>
+              <a:t>If you think you might drop this course, do it soon and  keep that in mind when making teams</a:t>
+            </a:r>
+            <a:br>
+              <a:rPr lang="en" dirty="0">
+                <a:solidFill>
+                  <a:schemeClr val="tx1"/>
+                </a:solidFill>
+              </a:rPr>
+            </a:br>
+            <a:endParaRPr dirty="0">
+              <a:solidFill>
+                <a:schemeClr val="tx1"/>
+              </a:solidFill>
+            </a:endParaRPr>
+          </a:p>
+        </p:txBody>
+      </p:sp>
+    </p:spTree>
+  </p:cSld>
+  <p:clrMapOvr>
+    <a:masterClrMapping/>
+  </p:clrMapOvr>
+</p:sld>
+</file>
+
+<file path=ppt/slides/slide16.xml><?xml version="1.0" encoding="utf-8"?>
+<p:sld xmlns:a="http://schemas.openxmlformats.org/drawingml/2006/main" xmlns:r="http://schemas.openxmlformats.org/officeDocument/2006/relationships" xmlns:p="http://schemas.openxmlformats.org/presentationml/2006/main">
+  <p:cSld>
+    <p:spTree>
+      <p:nvGrpSpPr>
+        <p:cNvPr id="1" name="Shape 163"/>
+        <p:cNvGrpSpPr/>
+        <p:nvPr/>
+      </p:nvGrpSpPr>
+      <p:grpSpPr>
+        <a:xfrm>
+          <a:off x="0" y="0"/>
+          <a:ext cx="0" cy="0"/>
+          <a:chOff x="0" y="0"/>
+          <a:chExt cx="0" cy="0"/>
+        </a:xfrm>
+      </p:grpSpPr>
+      <p:sp>
+        <p:nvSpPr>
+          <p:cNvPr id="164" name="Google Shape;164;p27"/>
+          <p:cNvSpPr txBox="1">
+            <a:spLocks noGrp="1"/>
+          </p:cNvSpPr>
+          <p:nvPr>
+            <p:ph type="title"/>
+          </p:nvPr>
+        </p:nvSpPr>
+        <p:spPr>
+          <a:xfrm>
+            <a:off x="311700" y="445025"/>
+            <a:ext cx="8520600" cy="572700"/>
+          </a:xfrm>
+          <a:prstGeom prst="rect">
+            <a:avLst/>
+          </a:prstGeom>
+        </p:spPr>
+        <p:txBody>
+          <a:bodyPr spcFirstLastPara="1" wrap="square" lIns="91425" tIns="91425" rIns="91425" bIns="91425" anchor="t" anchorCtr="0">
+            <a:noAutofit/>
+          </a:bodyPr>
+          <a:lstStyle/>
+          <a:p>
+            <a:pPr marL="0" lvl="0" indent="0" algn="l" rtl="0">
+              <a:spcBef>
+                <a:spcPts val="0"/>
+              </a:spcBef>
+              <a:spcAft>
+                <a:spcPts val="0"/>
+              </a:spcAft>
+              <a:buNone/>
+            </a:pPr>
+            <a:r>
+              <a:rPr lang="en" dirty="0"/>
+              <a:t>Project</a:t>
+            </a:r>
+            <a:endParaRPr dirty="0"/>
+          </a:p>
+        </p:txBody>
+      </p:sp>
+      <p:sp>
+        <p:nvSpPr>
+          <p:cNvPr id="165" name="Google Shape;165;p27"/>
+          <p:cNvSpPr txBox="1">
+            <a:spLocks noGrp="1"/>
+          </p:cNvSpPr>
+          <p:nvPr>
+            <p:ph type="body" idx="1"/>
+          </p:nvPr>
+        </p:nvSpPr>
+        <p:spPr>
+          <a:xfrm>
+            <a:off x="311700" y="1152475"/>
+            <a:ext cx="8520600" cy="3416400"/>
+          </a:xfrm>
+          <a:prstGeom prst="rect">
+            <a:avLst/>
+          </a:prstGeom>
+        </p:spPr>
+        <p:txBody>
+          <a:bodyPr spcFirstLastPara="1" wrap="square" lIns="91425" tIns="91425" rIns="91425" bIns="91425" anchor="t" anchorCtr="0">
+            <a:noAutofit/>
+          </a:bodyPr>
+          <a:lstStyle/>
+          <a:p>
+            <a:pPr marL="127000" lvl="0" indent="0" algn="l" rtl="0">
+              <a:lnSpc>
+                <a:spcPct val="146250"/>
+              </a:lnSpc>
+              <a:spcBef>
+                <a:spcPts val="0"/>
+              </a:spcBef>
+              <a:spcAft>
+                <a:spcPts val="0"/>
+              </a:spcAft>
+              <a:buClr>
+                <a:srgbClr val="444444"/>
+              </a:buClr>
+              <a:buSzPts val="1600"/>
+              <a:buNone/>
+            </a:pPr>
+            <a:endParaRPr dirty="0">
+              <a:solidFill>
+                <a:srgbClr val="222222"/>
+              </a:solidFill>
+              <a:highlight>
+                <a:srgbClr val="FFFFFF"/>
+              </a:highlight>
+            </a:endParaRPr>
+          </a:p>
+        </p:txBody>
+      </p:sp>
+      <p:pic>
+        <p:nvPicPr>
+          <p:cNvPr id="2" name="Picture 1">
+            <a:hlinkClick r:id="rId3"/>
+            <a:extLst>
+              <a:ext uri="{FF2B5EF4-FFF2-40B4-BE49-F238E27FC236}">
+                <a16:creationId xmlns:a16="http://schemas.microsoft.com/office/drawing/2014/main" id="{7754616C-B13B-734C-9D90-D3E25C1D842B}"/>
+              </a:ext>
+            </a:extLst>
+          </p:cNvPr>
+          <p:cNvPicPr>
+            <a:picLocks noChangeAspect="1"/>
+          </p:cNvPicPr>
+          <p:nvPr/>
+        </p:nvPicPr>
+        <p:blipFill>
+          <a:blip r:embed="rId4"/>
+          <a:stretch>
+            <a:fillRect/>
+          </a:stretch>
+        </p:blipFill>
+        <p:spPr>
+          <a:xfrm>
+            <a:off x="0" y="1017724"/>
+            <a:ext cx="9144000" cy="4125775"/>
+          </a:xfrm>
+          <a:prstGeom prst="rect">
+            <a:avLst/>
+          </a:prstGeom>
+        </p:spPr>
+      </p:pic>
+      <p:pic>
+        <p:nvPicPr>
+          <p:cNvPr id="1026" name="Picture 2" descr="DonorsChoose: Support a classroom. Build a future.">
+            <a:extLst>
+              <a:ext uri="{FF2B5EF4-FFF2-40B4-BE49-F238E27FC236}">
+                <a16:creationId xmlns:a16="http://schemas.microsoft.com/office/drawing/2014/main" id="{63585741-D5E1-0C49-9B35-C444E3CCF154}"/>
+              </a:ext>
+            </a:extLst>
+          </p:cNvPr>
+          <p:cNvPicPr>
+            <a:picLocks noChangeAspect="1" noChangeArrowheads="1"/>
+          </p:cNvPicPr>
+          <p:nvPr/>
+        </p:nvPicPr>
+        <p:blipFill>
+          <a:blip r:embed="rId5">
+            <a:extLst>
+              <a:ext uri="{28A0092B-C50C-407E-A947-70E740481C1C}">
+                <a14:useLocalDpi xmlns:a14="http://schemas.microsoft.com/office/drawing/2010/main" val="0"/>
+              </a:ext>
+            </a:extLst>
+          </a:blip>
+          <a:srcRect/>
+          <a:stretch>
+            <a:fillRect/>
+          </a:stretch>
+        </p:blipFill>
+        <p:spPr bwMode="auto">
+          <a:xfrm>
+            <a:off x="6653927" y="1033625"/>
+            <a:ext cx="2490073" cy="1307288"/>
+          </a:xfrm>
+          <a:prstGeom prst="rect">
+            <a:avLst/>
+          </a:prstGeom>
+          <a:noFill/>
+          <a:extLst>
+            <a:ext uri="{909E8E84-426E-40DD-AFC4-6F175D3DCCD1}">
+              <a14:hiddenFill xmlns:a14="http://schemas.microsoft.com/office/drawing/2010/main">
+                <a:solidFill>
+                  <a:srgbClr val="FFFFFF"/>
+                </a:solidFill>
+              </a14:hiddenFill>
+            </a:ext>
+          </a:extLst>
+        </p:spPr>
+      </p:pic>
+    </p:spTree>
+  </p:cSld>
+  <p:clrMapOvr>
+    <a:masterClrMapping/>
+  </p:clrMapOvr>
+</p:sld>
+</file>
+
+<file path=ppt/slides/slide17.xml><?xml version="1.0" encoding="utf-8"?>
+<p:sld xmlns:a="http://schemas.openxmlformats.org/drawingml/2006/main" xmlns:r="http://schemas.openxmlformats.org/officeDocument/2006/relationships" xmlns:p="http://schemas.openxmlformats.org/presentationml/2006/main">
+  <p:cSld>
+    <p:spTree>
+      <p:nvGrpSpPr>
+        <p:cNvPr id="1" name="Shape 175"/>
+        <p:cNvGrpSpPr/>
+        <p:nvPr/>
+      </p:nvGrpSpPr>
+      <p:grpSpPr>
+        <a:xfrm>
+          <a:off x="0" y="0"/>
+          <a:ext cx="0" cy="0"/>
+          <a:chOff x="0" y="0"/>
+          <a:chExt cx="0" cy="0"/>
+        </a:xfrm>
+      </p:grpSpPr>
+      <p:sp>
+        <p:nvSpPr>
+          <p:cNvPr id="176" name="Google Shape;176;p29"/>
+          <p:cNvSpPr txBox="1">
+            <a:spLocks noGrp="1"/>
+          </p:cNvSpPr>
+          <p:nvPr>
+            <p:ph type="title"/>
+          </p:nvPr>
+        </p:nvSpPr>
+        <p:spPr>
+          <a:xfrm>
+            <a:off x="311700" y="445025"/>
+            <a:ext cx="8520600" cy="572700"/>
+          </a:xfrm>
+          <a:prstGeom prst="rect">
+            <a:avLst/>
+          </a:prstGeom>
+        </p:spPr>
+        <p:txBody>
+          <a:bodyPr spcFirstLastPara="1" wrap="square" lIns="91425" tIns="91425" rIns="91425" bIns="91425" anchor="t" anchorCtr="0">
+            <a:noAutofit/>
+          </a:bodyPr>
+          <a:lstStyle/>
+          <a:p>
+            <a:pPr marL="0" lvl="0" indent="0" algn="l" rtl="0">
+              <a:spcBef>
+                <a:spcPts val="0"/>
+              </a:spcBef>
+              <a:spcAft>
+                <a:spcPts val="0"/>
+              </a:spcAft>
+              <a:buNone/>
+            </a:pPr>
+            <a:r>
+              <a:rPr lang="en" dirty="0"/>
+              <a:t>Tech Setup Options</a:t>
+            </a:r>
+            <a:endParaRPr dirty="0"/>
+          </a:p>
+        </p:txBody>
+      </p:sp>
+      <p:sp>
+        <p:nvSpPr>
+          <p:cNvPr id="177" name="Google Shape;177;p29"/>
+          <p:cNvSpPr txBox="1">
+            <a:spLocks noGrp="1"/>
+          </p:cNvSpPr>
+          <p:nvPr>
+            <p:ph type="body" idx="1"/>
+          </p:nvPr>
+        </p:nvSpPr>
+        <p:spPr>
+          <a:xfrm>
+            <a:off x="58282" y="1017725"/>
+            <a:ext cx="8774018" cy="3880278"/>
+          </a:xfrm>
+          <a:prstGeom prst="rect">
+            <a:avLst/>
+          </a:prstGeom>
+        </p:spPr>
+        <p:txBody>
+          <a:bodyPr spcFirstLastPara="1" wrap="square" lIns="91425" tIns="91425" rIns="91425" bIns="91425" anchor="t" anchorCtr="0">
+            <a:noAutofit/>
+          </a:bodyPr>
+          <a:lstStyle/>
+          <a:p>
+            <a:pPr marL="457200" lvl="0" indent="-342900" algn="l" rtl="0">
+              <a:spcBef>
+                <a:spcPts val="0"/>
+              </a:spcBef>
+              <a:spcAft>
+                <a:spcPts val="0"/>
+              </a:spcAft>
+              <a:buSzPts val="1800"/>
+              <a:buChar char="●"/>
+            </a:pPr>
+            <a:r>
+              <a:rPr lang="en-US" dirty="0"/>
+              <a:t>Get set up on </a:t>
+            </a:r>
+            <a:r>
+              <a:rPr lang="en-US" dirty="0" err="1"/>
+              <a:t>github</a:t>
+            </a:r>
+            <a:r>
+              <a:rPr lang="en-US" dirty="0"/>
+              <a:t> for your project</a:t>
+            </a:r>
+            <a:endParaRPr b="1" dirty="0"/>
+          </a:p>
+          <a:p>
+            <a:pPr marL="457200" lvl="0" indent="-342900" algn="l" rtl="0">
+              <a:spcBef>
+                <a:spcPts val="0"/>
+              </a:spcBef>
+              <a:spcAft>
+                <a:spcPts val="0"/>
+              </a:spcAft>
+              <a:buSzPts val="1800"/>
+              <a:buChar char="●"/>
+            </a:pPr>
+            <a:r>
+              <a:rPr lang="en" dirty="0"/>
+              <a:t>Nice to have: get familiar with</a:t>
+            </a:r>
+            <a:endParaRPr dirty="0"/>
+          </a:p>
+          <a:p>
+            <a:pPr marL="914400" lvl="1" indent="-317500" algn="l" rtl="0">
+              <a:spcBef>
+                <a:spcPts val="0"/>
+              </a:spcBef>
+              <a:spcAft>
+                <a:spcPts val="0"/>
+              </a:spcAft>
+              <a:buSzPts val="1400"/>
+              <a:buChar char="○"/>
+            </a:pPr>
+            <a:r>
+              <a:rPr lang="en" dirty="0" err="1"/>
+              <a:t>Postgresql</a:t>
+            </a:r>
+            <a:r>
+              <a:rPr lang="en" dirty="0"/>
+              <a:t> (to analyze and query data)</a:t>
+            </a:r>
+            <a:endParaRPr dirty="0"/>
+          </a:p>
+          <a:p>
+            <a:pPr marL="914400" lvl="1" indent="-317500" algn="l" rtl="0">
+              <a:spcBef>
+                <a:spcPts val="0"/>
+              </a:spcBef>
+              <a:spcAft>
+                <a:spcPts val="0"/>
+              </a:spcAft>
+              <a:buSzPts val="1400"/>
+              <a:buChar char="○"/>
+            </a:pPr>
+            <a:r>
+              <a:rPr lang="en" dirty="0"/>
+              <a:t>*nix command line</a:t>
+            </a:r>
+            <a:endParaRPr dirty="0"/>
+          </a:p>
+        </p:txBody>
+      </p:sp>
+    </p:spTree>
+  </p:cSld>
+  <p:clrMapOvr>
+    <a:masterClrMapping/>
+  </p:clrMapOvr>
+</p:sld>
+</file>
+
+<file path=ppt/slides/slide18.xml><?xml version="1.0" encoding="utf-8"?>
+<p:sld xmlns:a="http://schemas.openxmlformats.org/drawingml/2006/main" xmlns:r="http://schemas.openxmlformats.org/officeDocument/2006/relationships" xmlns:p="http://schemas.openxmlformats.org/presentationml/2006/main">
+  <p:cSld>
+    <p:spTree>
+      <p:nvGrpSpPr>
+        <p:cNvPr id="1" name="Shape 183"/>
+        <p:cNvGrpSpPr/>
+        <p:nvPr/>
+      </p:nvGrpSpPr>
+      <p:grpSpPr>
+        <a:xfrm>
+          <a:off x="0" y="0"/>
+          <a:ext cx="0" cy="0"/>
+          <a:chOff x="0" y="0"/>
+          <a:chExt cx="0" cy="0"/>
+        </a:xfrm>
+      </p:grpSpPr>
+      <p:sp>
+        <p:nvSpPr>
+          <p:cNvPr id="184" name="Google Shape;184;p30"/>
+          <p:cNvSpPr txBox="1">
+            <a:spLocks noGrp="1"/>
+          </p:cNvSpPr>
+          <p:nvPr>
+            <p:ph type="title"/>
+          </p:nvPr>
+        </p:nvSpPr>
+        <p:spPr>
+          <a:xfrm>
+            <a:off x="311700" y="445025"/>
+            <a:ext cx="8520600" cy="572700"/>
+          </a:xfrm>
+          <a:prstGeom prst="rect">
+            <a:avLst/>
+          </a:prstGeom>
+        </p:spPr>
+        <p:txBody>
+          <a:bodyPr spcFirstLastPara="1" wrap="square" lIns="91425" tIns="91425" rIns="91425" bIns="91425" anchor="t" anchorCtr="0">
+            <a:noAutofit/>
+          </a:bodyPr>
+          <a:lstStyle/>
+          <a:p>
+            <a:pPr marL="0" lvl="0" indent="0" algn="l" rtl="0">
+              <a:spcBef>
+                <a:spcPts val="0"/>
+              </a:spcBef>
+              <a:spcAft>
+                <a:spcPts val="0"/>
+              </a:spcAft>
+              <a:buNone/>
+            </a:pPr>
+            <a:r>
+              <a:rPr lang="en"/>
+              <a:t>Prep for next class</a:t>
+            </a:r>
+            <a:endParaRPr/>
+          </a:p>
+        </p:txBody>
+      </p:sp>
+      <p:sp>
+        <p:nvSpPr>
+          <p:cNvPr id="185" name="Google Shape;185;p30"/>
+          <p:cNvSpPr txBox="1">
+            <a:spLocks noGrp="1"/>
+          </p:cNvSpPr>
+          <p:nvPr>
+            <p:ph type="body" idx="1"/>
+          </p:nvPr>
+        </p:nvSpPr>
+        <p:spPr>
+          <a:xfrm>
+            <a:off x="311700" y="1152475"/>
+            <a:ext cx="8520600" cy="3416400"/>
+          </a:xfrm>
+          <a:prstGeom prst="rect">
+            <a:avLst/>
+          </a:prstGeom>
+        </p:spPr>
+        <p:txBody>
+          <a:bodyPr spcFirstLastPara="1" wrap="square" lIns="91425" tIns="91425" rIns="91425" bIns="91425" anchor="t" anchorCtr="0">
+            <a:noAutofit/>
+          </a:bodyPr>
+          <a:lstStyle/>
+          <a:p>
+            <a:pPr marL="457200" lvl="0" indent="-342900" algn="l" rtl="0">
+              <a:spcBef>
+                <a:spcPts val="0"/>
+              </a:spcBef>
+              <a:spcAft>
+                <a:spcPts val="0"/>
+              </a:spcAft>
+              <a:buSzPts val="1800"/>
+              <a:buChar char="●"/>
+            </a:pPr>
+            <a:r>
+              <a:rPr lang="en" sz="2000" dirty="0"/>
+              <a:t>Reading</a:t>
+            </a:r>
+            <a:endParaRPr sz="2000" dirty="0"/>
+          </a:p>
+          <a:p>
+            <a:pPr marL="914400" lvl="1" indent="-317500" algn="l" rtl="0">
+              <a:spcBef>
+                <a:spcPts val="0"/>
+              </a:spcBef>
+              <a:spcAft>
+                <a:spcPts val="0"/>
+              </a:spcAft>
+              <a:buSzPts val="1400"/>
+              <a:buChar char="○"/>
+            </a:pPr>
+            <a:r>
+              <a:rPr lang="en" sz="1600" dirty="0"/>
+              <a:t>Project Scoping guide</a:t>
+            </a:r>
+          </a:p>
+          <a:p>
+            <a:pPr marL="596900" lvl="1" indent="0" algn="l" rtl="0">
+              <a:spcBef>
+                <a:spcPts val="0"/>
+              </a:spcBef>
+              <a:spcAft>
+                <a:spcPts val="0"/>
+              </a:spcAft>
+              <a:buSzPts val="1400"/>
+              <a:buNone/>
+            </a:pPr>
+            <a:endParaRPr lang="en" sz="1600" dirty="0"/>
+          </a:p>
+          <a:p>
+            <a:pPr marL="596900" lvl="1" indent="0" algn="l" rtl="0">
+              <a:spcBef>
+                <a:spcPts val="0"/>
+              </a:spcBef>
+              <a:spcAft>
+                <a:spcPts val="0"/>
+              </a:spcAft>
+              <a:buSzPts val="1400"/>
+              <a:buNone/>
+            </a:pPr>
+            <a:endParaRPr lang="en" dirty="0"/>
+          </a:p>
+          <a:p>
+            <a:pPr lvl="0"/>
+            <a:r>
+              <a:rPr lang="en-US" sz="2000" b="1" dirty="0"/>
+              <a:t>Assignment</a:t>
+            </a:r>
+          </a:p>
+          <a:p>
+            <a:pPr lvl="1">
+              <a:spcBef>
+                <a:spcPts val="0"/>
+              </a:spcBef>
+            </a:pPr>
+            <a:r>
+              <a:rPr lang="en-US" sz="1600" b="1" dirty="0"/>
+              <a:t>Project Team Creation: ink in canvas</a:t>
+            </a:r>
+          </a:p>
+          <a:p>
+            <a:pPr lvl="1">
+              <a:spcBef>
+                <a:spcPts val="0"/>
+              </a:spcBef>
+            </a:pPr>
+            <a:r>
+              <a:rPr lang="en-US" sz="1600" b="1" dirty="0"/>
+              <a:t>Individual project: First pass on the ML project (due next Tuesday)</a:t>
+            </a:r>
+          </a:p>
+          <a:p>
+            <a:pPr lvl="1">
+              <a:spcBef>
+                <a:spcPts val="0"/>
+              </a:spcBef>
+            </a:pPr>
+            <a:endParaRPr lang="en-US" sz="1600" b="1" dirty="0"/>
+          </a:p>
+          <a:p>
+            <a:pPr marL="139700" indent="0">
+              <a:buSzPts val="1400"/>
+              <a:buNone/>
+            </a:pPr>
+            <a:endParaRPr lang="en" dirty="0"/>
+          </a:p>
+        </p:txBody>
+      </p:sp>
+    </p:spTree>
+  </p:cSld>
+  <p:clrMapOvr>
+    <a:masterClrMapping/>
+  </p:clrMapOvr>
+</p:sld>
+</file>
+
+<file path=ppt/slides/slide2.xml><?xml version="1.0" encoding="utf-8"?>
+<p:sld xmlns:a="http://schemas.openxmlformats.org/drawingml/2006/main" xmlns:r="http://schemas.openxmlformats.org/officeDocument/2006/relationships" xmlns:p="http://schemas.openxmlformats.org/presentationml/2006/main">
+  <p:cSld>
+    <p:spTree>
+      <p:nvGrpSpPr>
+        <p:cNvPr id="1" name=""/>
+        <p:cNvGrpSpPr/>
+        <p:nvPr/>
+      </p:nvGrpSpPr>
+      <p:grpSpPr>
+        <a:xfrm>
+          <a:off x="0" y="0"/>
+          <a:ext cx="0" cy="0"/>
+          <a:chOff x="0" y="0"/>
+          <a:chExt cx="0" cy="0"/>
+        </a:xfrm>
+      </p:grpSpPr>
+      <p:sp>
+        <p:nvSpPr>
+          <p:cNvPr id="2" name="Title 1">
+            <a:extLst>
+              <a:ext uri="{FF2B5EF4-FFF2-40B4-BE49-F238E27FC236}">
+                <a16:creationId xmlns:a16="http://schemas.microsoft.com/office/drawing/2014/main" id="{828069B6-872F-4122-9EA5-42B9616573FD}"/>
+              </a:ext>
+            </a:extLst>
+          </p:cNvPr>
+          <p:cNvSpPr>
+            <a:spLocks noGrp="1"/>
+          </p:cNvSpPr>
+          <p:nvPr>
+            <p:ph type="title"/>
+          </p:nvPr>
+        </p:nvSpPr>
+        <p:spPr/>
+        <p:txBody>
+          <a:bodyPr/>
+          <a:lstStyle/>
+          <a:p>
+            <a:r>
+              <a:rPr lang="en-US" dirty="0"/>
+              <a:t>History of this class</a:t>
+            </a:r>
+          </a:p>
+        </p:txBody>
+      </p:sp>
+      <p:sp>
+        <p:nvSpPr>
+          <p:cNvPr id="3" name="Text Placeholder 2">
+            <a:extLst>
+              <a:ext uri="{FF2B5EF4-FFF2-40B4-BE49-F238E27FC236}">
+                <a16:creationId xmlns:a16="http://schemas.microsoft.com/office/drawing/2014/main" id="{1059C518-FF31-4521-FB00-EEC8F73E7F98}"/>
+              </a:ext>
+            </a:extLst>
+          </p:cNvPr>
+          <p:cNvSpPr>
+            <a:spLocks noGrp="1"/>
+          </p:cNvSpPr>
+          <p:nvPr>
+            <p:ph type="body" idx="1"/>
+          </p:nvPr>
+        </p:nvSpPr>
+        <p:spPr/>
+        <p:txBody>
+          <a:bodyPr/>
+          <a:lstStyle/>
+          <a:p>
+            <a:endParaRPr lang="en-US"/>
+          </a:p>
+        </p:txBody>
+      </p:sp>
+    </p:spTree>
+    <p:extLst>
+      <p:ext uri="{BB962C8B-B14F-4D97-AF65-F5344CB8AC3E}">
+        <p14:creationId xmlns:p14="http://schemas.microsoft.com/office/powerpoint/2010/main" val="2835411929"/>
+      </p:ext>
+    </p:extLst>
+  </p:cSld>
+  <p:clrMapOvr>
+    <a:masterClrMapping/>
+  </p:clrMapOvr>
+</p:sld>
+</file>
+
+<file path=ppt/slides/slide3.xml><?xml version="1.0" encoding="utf-8"?>
+<p:sld xmlns:a="http://schemas.openxmlformats.org/drawingml/2006/main" xmlns:r="http://schemas.openxmlformats.org/officeDocument/2006/relationships" xmlns:p="http://schemas.openxmlformats.org/presentationml/2006/main">
+  <p:cSld>
+    <p:spTree>
+      <p:nvGrpSpPr>
+        <p:cNvPr id="1" name=""/>
+        <p:cNvGrpSpPr/>
+        <p:nvPr/>
+      </p:nvGrpSpPr>
+      <p:grpSpPr>
+        <a:xfrm>
+          <a:off x="0" y="0"/>
+          <a:ext cx="0" cy="0"/>
+          <a:chOff x="0" y="0"/>
+          <a:chExt cx="0" cy="0"/>
+        </a:xfrm>
+      </p:grpSpPr>
+      <p:sp>
+        <p:nvSpPr>
+          <p:cNvPr id="2" name="Title 1">
+            <a:extLst>
+              <a:ext uri="{FF2B5EF4-FFF2-40B4-BE49-F238E27FC236}">
+                <a16:creationId xmlns:a16="http://schemas.microsoft.com/office/drawing/2014/main" id="{8018D306-3C8A-6D45-BCD9-A0B65409FA3D}"/>
+              </a:ext>
+            </a:extLst>
+          </p:cNvPr>
+          <p:cNvSpPr>
+            <a:spLocks noGrp="1"/>
+          </p:cNvSpPr>
+          <p:nvPr>
+            <p:ph type="title"/>
+          </p:nvPr>
+        </p:nvSpPr>
+        <p:spPr/>
+        <p:txBody>
+          <a:bodyPr/>
+          <a:lstStyle/>
+          <a:p>
+            <a:r>
+              <a:rPr lang="en-US" dirty="0"/>
+              <a:t>Why does this class exist?</a:t>
+            </a:r>
+          </a:p>
+        </p:txBody>
+      </p:sp>
+      <p:sp>
+        <p:nvSpPr>
+          <p:cNvPr id="3" name="Text Placeholder 2">
+            <a:extLst>
+              <a:ext uri="{FF2B5EF4-FFF2-40B4-BE49-F238E27FC236}">
+                <a16:creationId xmlns:a16="http://schemas.microsoft.com/office/drawing/2014/main" id="{4F850762-270A-9D48-9911-FB65D98E56D1}"/>
+              </a:ext>
+            </a:extLst>
+          </p:cNvPr>
+          <p:cNvSpPr>
+            <a:spLocks noGrp="1"/>
+          </p:cNvSpPr>
+          <p:nvPr>
+            <p:ph type="body" idx="1"/>
+          </p:nvPr>
+        </p:nvSpPr>
+        <p:spPr>
+          <a:xfrm>
+            <a:off x="0" y="1152475"/>
+            <a:ext cx="8832300" cy="2349008"/>
+          </a:xfrm>
+        </p:spPr>
+        <p:txBody>
+          <a:bodyPr/>
+          <a:lstStyle/>
+          <a:p>
+            <a:r>
+              <a:rPr lang="en-US" dirty="0"/>
+              <a:t>Exposure and experience solving end-to-end real-world problems with ML</a:t>
+            </a:r>
+          </a:p>
+          <a:p>
+            <a:endParaRPr lang="en-US" dirty="0"/>
+          </a:p>
+          <a:p>
+            <a:pPr lvl="1"/>
+            <a:r>
+              <a:rPr lang="en-US" dirty="0"/>
+              <a:t>Beyond methods and models</a:t>
+            </a:r>
+          </a:p>
+          <a:p>
+            <a:pPr lvl="1"/>
+            <a:r>
+              <a:rPr lang="en-US" dirty="0"/>
+              <a:t>Beyond simplifying assumptions</a:t>
+            </a:r>
+          </a:p>
+          <a:p>
+            <a:pPr lvl="1"/>
+            <a:r>
+              <a:rPr lang="en-US" dirty="0"/>
+              <a:t>Beyond general-purpose, one-size-fits-all setups</a:t>
+            </a:r>
+          </a:p>
+        </p:txBody>
+      </p:sp>
+      <p:sp>
+        <p:nvSpPr>
+          <p:cNvPr id="5" name="TextBox 4">
+            <a:extLst>
+              <a:ext uri="{FF2B5EF4-FFF2-40B4-BE49-F238E27FC236}">
+                <a16:creationId xmlns:a16="http://schemas.microsoft.com/office/drawing/2014/main" id="{93D6F8BF-5122-1CDF-6F6A-5C00236133C0}"/>
+              </a:ext>
+            </a:extLst>
+          </p:cNvPr>
+          <p:cNvSpPr txBox="1"/>
+          <p:nvPr/>
+        </p:nvSpPr>
+        <p:spPr>
+          <a:xfrm>
+            <a:off x="0" y="3501483"/>
+            <a:ext cx="8616175" cy="954107"/>
+          </a:xfrm>
+          <a:prstGeom prst="rect">
+            <a:avLst/>
+          </a:prstGeom>
+          <a:noFill/>
+        </p:spPr>
+        <p:txBody>
+          <a:bodyPr wrap="square">
+            <a:spAutoFit/>
+          </a:bodyPr>
+          <a:lstStyle/>
+          <a:p>
+            <a:pPr marL="596900" lvl="1" indent="0" algn="ctr">
+              <a:buNone/>
+            </a:pPr>
+            <a:r>
+              <a:rPr lang="en-US" sz="2800" dirty="0">
+                <a:solidFill>
+                  <a:srgbClr val="C00000"/>
+                </a:solidFill>
+              </a:rPr>
+              <a:t>Our goal is to train you to expand the scope of what you do in your future careers</a:t>
+            </a:r>
+          </a:p>
+        </p:txBody>
+      </p:sp>
+    </p:spTree>
+    <p:extLst>
+      <p:ext uri="{BB962C8B-B14F-4D97-AF65-F5344CB8AC3E}">
+        <p14:creationId xmlns:p14="http://schemas.microsoft.com/office/powerpoint/2010/main" val="185020412"/>
+      </p:ext>
+    </p:extLst>
+  </p:cSld>
+  <p:clrMapOvr>
+    <a:masterClrMapping/>
+  </p:clrMapOvr>
+  <p:timing>
+    <p:tnLst>
+      <p:par>
+        <p:cTn id="1" dur="indefinite" restart="never" nodeType="tmRoot">
+          <p:childTnLst>
+            <p:seq concurrent="1" nextAc="seek">
+              <p:cTn id="2" dur="indefinite" nodeType="mainSeq">
+                <p:childTnLst>
+                  <p:par>
+                    <p:cTn id="3" fill="hold">
+                      <p:stCondLst>
+                        <p:cond delay="indefinite"/>
+                      </p:stCondLst>
+                      <p:childTnLst>
+                        <p:par>
+                          <p:cTn id="4" fill="hold">
+                            <p:stCondLst>
+                              <p:cond delay="0"/>
+                            </p:stCondLst>
+                            <p:childTnLst>
+                              <p:par>
+                                <p:cTn id="5" presetID="1" presetClass="entr" presetSubtype="0" fill="hold" grpId="0" nodeType="clickEffect">
+                                  <p:stCondLst>
+                                    <p:cond delay="0"/>
+                                  </p:stCondLst>
+                                  <p:childTnLst>
+                                    <p:set>
+                                      <p:cBhvr>
+                                        <p:cTn id="6" dur="1" fill="hold">
+                                          <p:stCondLst>
+                                            <p:cond delay="0"/>
+                                          </p:stCondLst>
+                                        </p:cTn>
+                                        <p:tgtEl>
+                                          <p:spTgt spid="5"/>
+                                        </p:tgtEl>
+                                        <p:attrNameLst>
+                                          <p:attrName>style.visibility</p:attrName>
+                                        </p:attrNameLst>
+                                      </p:cBhvr>
+                                      <p:to>
+                                        <p:strVal val="visible"/>
+                                      </p:to>
+                                    </p:set>
+                                  </p:childTnLst>
+                                </p:cTn>
+                              </p:par>
+                            </p:childTnLst>
+                          </p:cTn>
+                        </p:par>
+                      </p:childTnLst>
+                    </p:cTn>
+                  </p:par>
+                </p:childTnLst>
+              </p:cTn>
+              <p:prevCondLst>
+                <p:cond evt="onPrev" delay="0">
+                  <p:tgtEl>
+                    <p:sldTgt/>
+                  </p:tgtEl>
+                </p:cond>
+              </p:prevCondLst>
+              <p:nextCondLst>
+                <p:cond evt="onNext" delay="0">
+                  <p:tgtEl>
+                    <p:sldTgt/>
+                  </p:tgtEl>
+                </p:cond>
+              </p:nextCondLst>
+            </p:seq>
+          </p:childTnLst>
+        </p:cTn>
+      </p:par>
+    </p:tnLst>
+    <p:bldLst>
+      <p:bldP spid="5" grpId="0"/>
+    </p:bldLst>
+  </p:timing>
+</p:sld>
+</file>
+
+<file path=ppt/slides/slide4.xml><?xml version="1.0" encoding="utf-8"?>
+<p:sld xmlns:a="http://schemas.openxmlformats.org/drawingml/2006/main" xmlns:r="http://schemas.openxmlformats.org/officeDocument/2006/relationships" xmlns:p="http://schemas.openxmlformats.org/presentationml/2006/main">
+  <p:cSld>
+    <p:spTree>
+      <p:nvGrpSpPr>
+        <p:cNvPr id="1" name=""/>
+        <p:cNvGrpSpPr/>
+        <p:nvPr/>
+      </p:nvGrpSpPr>
+      <p:grpSpPr>
+        <a:xfrm>
+          <a:off x="0" y="0"/>
+          <a:ext cx="0" cy="0"/>
+          <a:chOff x="0" y="0"/>
+          <a:chExt cx="0" cy="0"/>
+        </a:xfrm>
+      </p:grpSpPr>
+      <p:sp>
+        <p:nvSpPr>
+          <p:cNvPr id="2" name="Title 1">
+            <a:extLst>
+              <a:ext uri="{FF2B5EF4-FFF2-40B4-BE49-F238E27FC236}">
+                <a16:creationId xmlns:a16="http://schemas.microsoft.com/office/drawing/2014/main" id="{F9ABABBF-84F2-1548-81DC-DF68B68C4770}"/>
+              </a:ext>
+            </a:extLst>
+          </p:cNvPr>
+          <p:cNvSpPr>
+            <a:spLocks noGrp="1"/>
+          </p:cNvSpPr>
+          <p:nvPr>
+            <p:ph type="title"/>
+          </p:nvPr>
+        </p:nvSpPr>
+        <p:spPr/>
+        <p:txBody>
+          <a:bodyPr/>
+          <a:lstStyle/>
+          <a:p>
+            <a:r>
+              <a:rPr lang="en-US" dirty="0"/>
+              <a:t>What do you want/expect to learn from this class?</a:t>
+            </a:r>
+          </a:p>
+        </p:txBody>
+      </p:sp>
+      <p:sp>
+        <p:nvSpPr>
+          <p:cNvPr id="3" name="Text Placeholder 2">
+            <a:extLst>
+              <a:ext uri="{FF2B5EF4-FFF2-40B4-BE49-F238E27FC236}">
+                <a16:creationId xmlns:a16="http://schemas.microsoft.com/office/drawing/2014/main" id="{5F8B2B04-87BF-BC4F-A364-35F45920A00F}"/>
+              </a:ext>
+            </a:extLst>
+          </p:cNvPr>
+          <p:cNvSpPr>
+            <a:spLocks noGrp="1"/>
+          </p:cNvSpPr>
+          <p:nvPr>
+            <p:ph type="body" idx="1"/>
+          </p:nvPr>
+        </p:nvSpPr>
+        <p:spPr/>
+        <p:txBody>
+          <a:bodyPr/>
+          <a:lstStyle/>
+          <a:p>
+            <a:endParaRPr lang="en-US"/>
+          </a:p>
+        </p:txBody>
+      </p:sp>
+    </p:spTree>
+    <p:extLst>
+      <p:ext uri="{BB962C8B-B14F-4D97-AF65-F5344CB8AC3E}">
+        <p14:creationId xmlns:p14="http://schemas.microsoft.com/office/powerpoint/2010/main" val="4041559888"/>
+      </p:ext>
+    </p:extLst>
+  </p:cSld>
+  <p:clrMapOvr>
+    <a:masterClrMapping/>
+  </p:clrMapOvr>
+</p:sld>
+</file>
+
+<file path=ppt/slides/slide5.xml><?xml version="1.0" encoding="utf-8"?>
+<p:sld xmlns:a="http://schemas.openxmlformats.org/drawingml/2006/main" xmlns:r="http://schemas.openxmlformats.org/officeDocument/2006/relationships" xmlns:p="http://schemas.openxmlformats.org/presentationml/2006/main">
+  <p:cSld>
+    <p:spTree>
+      <p:nvGrpSpPr>
+        <p:cNvPr id="1" name="Shape 63"/>
+        <p:cNvGrpSpPr/>
+        <p:nvPr/>
+      </p:nvGrpSpPr>
+      <p:grpSpPr>
+        <a:xfrm>
+          <a:off x="0" y="0"/>
+          <a:ext cx="0" cy="0"/>
+          <a:chOff x="0" y="0"/>
+          <a:chExt cx="0" cy="0"/>
+        </a:xfrm>
+      </p:grpSpPr>
+      <p:sp>
+        <p:nvSpPr>
+          <p:cNvPr id="64" name="Google Shape;64;p14"/>
+          <p:cNvSpPr txBox="1">
+            <a:spLocks noGrp="1"/>
+          </p:cNvSpPr>
+          <p:nvPr>
+            <p:ph type="title"/>
+          </p:nvPr>
+        </p:nvSpPr>
+        <p:spPr>
+          <a:xfrm>
+            <a:off x="311700" y="445025"/>
+            <a:ext cx="8520600" cy="572700"/>
+          </a:xfrm>
+          <a:prstGeom prst="rect">
+            <a:avLst/>
+          </a:prstGeom>
+        </p:spPr>
+        <p:txBody>
+          <a:bodyPr spcFirstLastPara="1" wrap="square" lIns="91425" tIns="91425" rIns="91425" bIns="91425" anchor="t" anchorCtr="0">
+            <a:noAutofit/>
+          </a:bodyPr>
+          <a:lstStyle/>
+          <a:p>
+            <a:pPr marL="0" lvl="0" indent="0" algn="l" rtl="0">
+              <a:spcBef>
+                <a:spcPts val="0"/>
+              </a:spcBef>
+              <a:spcAft>
+                <a:spcPts val="0"/>
+              </a:spcAft>
+              <a:buNone/>
+            </a:pPr>
+            <a:r>
+              <a:rPr lang="en"/>
+              <a:t>What we want you to learn from this class</a:t>
+            </a:r>
+            <a:endParaRPr/>
+          </a:p>
+        </p:txBody>
+      </p:sp>
+      <p:sp>
+        <p:nvSpPr>
+          <p:cNvPr id="65" name="Google Shape;65;p14"/>
+          <p:cNvSpPr txBox="1">
+            <a:spLocks noGrp="1"/>
+          </p:cNvSpPr>
+          <p:nvPr>
+            <p:ph type="body" idx="1"/>
+          </p:nvPr>
+        </p:nvSpPr>
+        <p:spPr>
+          <a:xfrm>
+            <a:off x="311700" y="1152475"/>
+            <a:ext cx="8520600" cy="3416400"/>
+          </a:xfrm>
+          <a:prstGeom prst="rect">
+            <a:avLst/>
+          </a:prstGeom>
+        </p:spPr>
+        <p:txBody>
+          <a:bodyPr spcFirstLastPara="1" wrap="square" lIns="91425" tIns="91425" rIns="91425" bIns="91425" anchor="t" anchorCtr="0">
+            <a:noAutofit/>
+          </a:bodyPr>
+          <a:lstStyle/>
+          <a:p>
+            <a:pPr marL="457200" lvl="0" indent="-342900" algn="l" rtl="0">
+              <a:lnSpc>
+                <a:spcPct val="150000"/>
+              </a:lnSpc>
+              <a:spcBef>
+                <a:spcPts val="0"/>
+              </a:spcBef>
+              <a:spcAft>
+                <a:spcPts val="0"/>
+              </a:spcAft>
+              <a:buSzPts val="1800"/>
+              <a:buChar char="●"/>
+            </a:pPr>
+            <a:r>
+              <a:rPr lang="en" dirty="0">
+                <a:solidFill>
+                  <a:schemeClr val="tx1"/>
+                </a:solidFill>
+              </a:rPr>
+              <a:t>How to responsibly and effectively solve real-world problems using ML</a:t>
+            </a:r>
+          </a:p>
+          <a:p>
+            <a:pPr marL="857250" lvl="1" indent="-285750">
+              <a:lnSpc>
+                <a:spcPct val="150000"/>
+              </a:lnSpc>
+              <a:spcBef>
+                <a:spcPts val="0"/>
+              </a:spcBef>
+              <a:buSzPts val="1800"/>
+            </a:pPr>
+            <a:r>
+              <a:rPr lang="en" sz="1600" dirty="0">
+                <a:solidFill>
+                  <a:schemeClr val="tx1"/>
+                </a:solidFill>
+              </a:rPr>
+              <a:t>Understand the *entire* Machine Learning process (and get hands-on e</a:t>
+            </a:r>
+            <a:r>
+              <a:rPr lang="en-US" sz="1600" dirty="0" err="1">
+                <a:solidFill>
+                  <a:schemeClr val="tx1"/>
+                </a:solidFill>
+              </a:rPr>
+              <a:t>xp</a:t>
+            </a:r>
+            <a:r>
+              <a:rPr lang="en" sz="1600" dirty="0" err="1">
+                <a:solidFill>
+                  <a:schemeClr val="tx1"/>
+                </a:solidFill>
+              </a:rPr>
+              <a:t>erience</a:t>
+            </a:r>
+            <a:r>
+              <a:rPr lang="en" sz="1600" dirty="0">
+                <a:solidFill>
+                  <a:schemeClr val="tx1"/>
+                </a:solidFill>
+              </a:rPr>
+              <a:t> doing a lot of it)</a:t>
+            </a:r>
+          </a:p>
+          <a:p>
+            <a:pPr marL="857250" lvl="1" indent="-285750">
+              <a:lnSpc>
+                <a:spcPct val="150000"/>
+              </a:lnSpc>
+              <a:spcBef>
+                <a:spcPts val="0"/>
+              </a:spcBef>
+              <a:buSzPts val="1800"/>
+            </a:pPr>
+            <a:r>
+              <a:rPr lang="en-US" sz="1600" dirty="0">
+                <a:solidFill>
+                  <a:schemeClr val="tx1"/>
+                </a:solidFill>
+              </a:rPr>
+              <a:t>Build (and use) reusable ML pipelines</a:t>
+            </a:r>
+          </a:p>
+          <a:p>
+            <a:pPr marL="857250" lvl="1" indent="-285750">
+              <a:lnSpc>
+                <a:spcPct val="150000"/>
+              </a:lnSpc>
+              <a:spcBef>
+                <a:spcPts val="0"/>
+              </a:spcBef>
+              <a:buSzPts val="1800"/>
+            </a:pPr>
+            <a:r>
+              <a:rPr lang="en-US" sz="1600" dirty="0">
+                <a:solidFill>
+                  <a:schemeClr val="tx1"/>
+                </a:solidFill>
+              </a:rPr>
+              <a:t>Learn how to formulate ML problems, use, understand, evaluate, and communicate ML methods (that you have covered in earlier classes) in the context of a real problem</a:t>
+            </a:r>
+          </a:p>
+          <a:p>
+            <a:pPr lvl="1" indent="-342900">
+              <a:lnSpc>
+                <a:spcPct val="150000"/>
+              </a:lnSpc>
+              <a:spcBef>
+                <a:spcPts val="0"/>
+              </a:spcBef>
+              <a:buSzPts val="1800"/>
+            </a:pPr>
+            <a:endParaRPr sz="1600" dirty="0"/>
+          </a:p>
+          <a:p>
+            <a:pPr marL="0" lvl="0" indent="0" algn="l" rtl="0">
+              <a:spcBef>
+                <a:spcPts val="1600"/>
+              </a:spcBef>
+              <a:spcAft>
+                <a:spcPts val="0"/>
+              </a:spcAft>
+              <a:buClr>
+                <a:schemeClr val="dk1"/>
+              </a:buClr>
+              <a:buSzPts val="1100"/>
+              <a:buFont typeface="Arial"/>
+              <a:buNone/>
+            </a:pPr>
+            <a:endParaRPr dirty="0"/>
+          </a:p>
+          <a:p>
+            <a:pPr marL="0" lvl="0" indent="0" algn="l" rtl="0">
+              <a:spcBef>
+                <a:spcPts val="1600"/>
+              </a:spcBef>
+              <a:spcAft>
+                <a:spcPts val="1600"/>
+              </a:spcAft>
+              <a:buNone/>
+            </a:pPr>
+            <a:endParaRPr dirty="0"/>
+          </a:p>
+        </p:txBody>
+      </p:sp>
+    </p:spTree>
+  </p:cSld>
+  <p:clrMapOvr>
+    <a:masterClrMapping/>
+  </p:clrMapOvr>
+</p:sld>
+</file>
+
+<file path=ppt/slides/slide6.xml><?xml version="1.0" encoding="utf-8"?>
+<p:sld xmlns:a="http://schemas.openxmlformats.org/drawingml/2006/main" xmlns:r="http://schemas.openxmlformats.org/officeDocument/2006/relationships" xmlns:p="http://schemas.openxmlformats.org/presentationml/2006/main">
+  <p:cSld>
+    <p:spTree>
+      <p:nvGrpSpPr>
+        <p:cNvPr id="1" name="Shape 86"/>
+        <p:cNvGrpSpPr/>
+        <p:nvPr/>
+      </p:nvGrpSpPr>
+      <p:grpSpPr>
+        <a:xfrm>
+          <a:off x="0" y="0"/>
+          <a:ext cx="0" cy="0"/>
+          <a:chOff x="0" y="0"/>
+          <a:chExt cx="0" cy="0"/>
+        </a:xfrm>
+      </p:grpSpPr>
+      <p:sp>
+        <p:nvSpPr>
+          <p:cNvPr id="87" name="Google Shape;87;p18"/>
+          <p:cNvSpPr txBox="1">
+            <a:spLocks noGrp="1"/>
+          </p:cNvSpPr>
+          <p:nvPr>
+            <p:ph type="title"/>
+          </p:nvPr>
+        </p:nvSpPr>
+        <p:spPr>
+          <a:xfrm>
+            <a:off x="200382" y="1925"/>
+            <a:ext cx="8520600" cy="572700"/>
+          </a:xfrm>
+          <a:prstGeom prst="rect">
+            <a:avLst/>
+          </a:prstGeom>
+        </p:spPr>
+        <p:txBody>
+          <a:bodyPr spcFirstLastPara="1" wrap="square" lIns="91425" tIns="91425" rIns="91425" bIns="91425" anchor="t" anchorCtr="0">
+            <a:noAutofit/>
+          </a:bodyPr>
+          <a:lstStyle/>
+          <a:p>
+            <a:pPr marL="0" lvl="0" indent="0" algn="l" rtl="0">
+              <a:spcBef>
+                <a:spcPts val="0"/>
+              </a:spcBef>
+              <a:spcAft>
+                <a:spcPts val="0"/>
+              </a:spcAft>
+              <a:buNone/>
+            </a:pPr>
+            <a:r>
+              <a:rPr lang="en" dirty="0"/>
+              <a:t>How is this course different than typical ML classes you’ve taken before?</a:t>
+            </a:r>
+            <a:endParaRPr dirty="0"/>
+          </a:p>
+        </p:txBody>
+      </p:sp>
+      <p:sp>
+        <p:nvSpPr>
+          <p:cNvPr id="88" name="Google Shape;88;p18"/>
+          <p:cNvSpPr txBox="1">
+            <a:spLocks noGrp="1"/>
+          </p:cNvSpPr>
+          <p:nvPr>
+            <p:ph type="body" idx="1"/>
+          </p:nvPr>
+        </p:nvSpPr>
+        <p:spPr>
+          <a:xfrm>
+            <a:off x="311700" y="1152475"/>
+            <a:ext cx="8520600" cy="3416400"/>
+          </a:xfrm>
+          <a:prstGeom prst="rect">
+            <a:avLst/>
+          </a:prstGeom>
+        </p:spPr>
+        <p:txBody>
+          <a:bodyPr spcFirstLastPara="1" wrap="square" lIns="91425" tIns="91425" rIns="91425" bIns="91425" anchor="t" anchorCtr="0">
+            <a:noAutofit/>
+          </a:bodyPr>
+          <a:lstStyle/>
+          <a:p>
+            <a:pPr marL="0" lvl="0" indent="0" algn="l" rtl="0">
+              <a:spcBef>
+                <a:spcPts val="600"/>
+              </a:spcBef>
+              <a:spcAft>
+                <a:spcPts val="0"/>
+              </a:spcAft>
+              <a:buClr>
+                <a:schemeClr val="dk1"/>
+              </a:buClr>
+              <a:buSzPts val="1100"/>
+              <a:buFont typeface="Arial"/>
+              <a:buNone/>
+            </a:pPr>
+            <a:r>
+              <a:rPr lang="en" sz="2400" dirty="0">
+                <a:solidFill>
+                  <a:schemeClr val="dk1"/>
+                </a:solidFill>
+              </a:rPr>
+              <a:t>We’ll assume everyone knows </a:t>
+            </a:r>
+          </a:p>
+          <a:p>
+            <a:pPr marL="342900">
+              <a:spcBef>
+                <a:spcPts val="600"/>
+              </a:spcBef>
+              <a:buClr>
+                <a:schemeClr val="dk1"/>
+              </a:buClr>
+              <a:buSzPts val="1100"/>
+            </a:pPr>
+            <a:r>
+              <a:rPr lang="en-US" sz="2000" dirty="0">
+                <a:solidFill>
+                  <a:schemeClr val="dk1"/>
+                </a:solidFill>
+              </a:rPr>
+              <a:t>M</a:t>
+            </a:r>
+            <a:r>
+              <a:rPr lang="en" sz="2000" dirty="0" err="1">
+                <a:solidFill>
+                  <a:schemeClr val="dk1"/>
+                </a:solidFill>
+              </a:rPr>
+              <a:t>ethods</a:t>
+            </a:r>
+            <a:r>
+              <a:rPr lang="en" sz="2000" dirty="0">
+                <a:solidFill>
+                  <a:schemeClr val="dk1"/>
+                </a:solidFill>
+              </a:rPr>
+              <a:t>/algorithms/models</a:t>
+            </a:r>
+          </a:p>
+          <a:p>
+            <a:pPr marL="342900">
+              <a:spcBef>
+                <a:spcPts val="600"/>
+              </a:spcBef>
+              <a:buClr>
+                <a:schemeClr val="dk1"/>
+              </a:buClr>
+              <a:buSzPts val="1100"/>
+            </a:pPr>
+            <a:r>
+              <a:rPr lang="en-US" sz="2000" dirty="0">
+                <a:solidFill>
+                  <a:schemeClr val="dk1"/>
+                </a:solidFill>
+              </a:rPr>
+              <a:t>A</a:t>
+            </a:r>
+            <a:r>
+              <a:rPr lang="en" sz="2000" dirty="0" err="1">
+                <a:solidFill>
+                  <a:schemeClr val="dk1"/>
+                </a:solidFill>
+              </a:rPr>
+              <a:t>ssumptions</a:t>
+            </a:r>
+            <a:r>
+              <a:rPr lang="en" sz="2000" dirty="0">
+                <a:solidFill>
+                  <a:schemeClr val="dk1"/>
+                </a:solidFill>
+              </a:rPr>
+              <a:t> behind them</a:t>
+            </a:r>
+          </a:p>
+          <a:p>
+            <a:pPr marL="342900">
+              <a:spcBef>
+                <a:spcPts val="600"/>
+              </a:spcBef>
+              <a:buClr>
+                <a:schemeClr val="dk1"/>
+              </a:buClr>
+              <a:buSzPts val="1100"/>
+            </a:pPr>
+            <a:r>
+              <a:rPr lang="en-US" sz="2000" dirty="0">
+                <a:solidFill>
+                  <a:schemeClr val="dk1"/>
+                </a:solidFill>
+              </a:rPr>
+              <a:t>H</a:t>
+            </a:r>
+            <a:r>
+              <a:rPr lang="en" sz="2000" dirty="0">
+                <a:solidFill>
+                  <a:schemeClr val="dk1"/>
+                </a:solidFill>
+              </a:rPr>
+              <a:t>ow to implement them </a:t>
+            </a:r>
+          </a:p>
+          <a:p>
+            <a:pPr marL="342900">
+              <a:spcBef>
+                <a:spcPts val="600"/>
+              </a:spcBef>
+              <a:buClr>
+                <a:schemeClr val="dk1"/>
+              </a:buClr>
+              <a:buSzPts val="1100"/>
+            </a:pPr>
+            <a:endParaRPr lang="en" sz="2400" dirty="0">
+              <a:solidFill>
+                <a:schemeClr val="dk1"/>
+              </a:solidFill>
+            </a:endParaRPr>
+          </a:p>
+          <a:p>
+            <a:pPr marL="0" indent="0">
+              <a:spcBef>
+                <a:spcPts val="600"/>
+              </a:spcBef>
+              <a:buClr>
+                <a:schemeClr val="dk1"/>
+              </a:buClr>
+              <a:buSzPts val="1100"/>
+              <a:buNone/>
+            </a:pPr>
+            <a:r>
+              <a:rPr lang="en" sz="2400" dirty="0">
+                <a:solidFill>
+                  <a:schemeClr val="dk1"/>
+                </a:solidFill>
+              </a:rPr>
+              <a:t>And focus on everything else that comes before the matrix and after the models are built (99% of the work done in a real-world project)</a:t>
+            </a:r>
+            <a:endParaRPr sz="2400" dirty="0">
+              <a:solidFill>
+                <a:schemeClr val="dk1"/>
+              </a:solidFill>
+            </a:endParaRPr>
+          </a:p>
+          <a:p>
+            <a:pPr marL="0" lvl="0" indent="0" algn="l" rtl="0">
+              <a:spcBef>
+                <a:spcPts val="0"/>
+              </a:spcBef>
+              <a:spcAft>
+                <a:spcPts val="1600"/>
+              </a:spcAft>
+              <a:buNone/>
+            </a:pPr>
+            <a:endParaRPr sz="2400" dirty="0"/>
+          </a:p>
+        </p:txBody>
+      </p:sp>
+    </p:spTree>
+  </p:cSld>
+  <p:clrMapOvr>
+    <a:masterClrMapping/>
+  </p:clrMapOvr>
+</p:sld>
+</file>
+
+<file path=ppt/slides/slide7.xml><?xml version="1.0" encoding="utf-8"?>
+<p:sld xmlns:a="http://schemas.openxmlformats.org/drawingml/2006/main" xmlns:r="http://schemas.openxmlformats.org/officeDocument/2006/relationships" xmlns:p="http://schemas.openxmlformats.org/presentationml/2006/main">
+  <p:cSld>
+    <p:spTree>
+      <p:nvGrpSpPr>
+        <p:cNvPr id="1" name=""/>
+        <p:cNvGrpSpPr/>
+        <p:nvPr/>
+      </p:nvGrpSpPr>
+      <p:grpSpPr>
+        <a:xfrm>
+          <a:off x="0" y="0"/>
+          <a:ext cx="0" cy="0"/>
+          <a:chOff x="0" y="0"/>
+          <a:chExt cx="0" cy="0"/>
+        </a:xfrm>
+      </p:grpSpPr>
+      <p:sp>
+        <p:nvSpPr>
+          <p:cNvPr id="2" name="Title 1">
+            <a:extLst>
+              <a:ext uri="{FF2B5EF4-FFF2-40B4-BE49-F238E27FC236}">
+                <a16:creationId xmlns:a16="http://schemas.microsoft.com/office/drawing/2014/main" id="{E99E00A9-8548-B248-98B9-9D00329A8802}"/>
+              </a:ext>
+            </a:extLst>
+          </p:cNvPr>
+          <p:cNvSpPr>
+            <a:spLocks noGrp="1"/>
+          </p:cNvSpPr>
+          <p:nvPr>
+            <p:ph type="title"/>
+          </p:nvPr>
+        </p:nvSpPr>
+        <p:spPr/>
+        <p:txBody>
+          <a:bodyPr/>
+          <a:lstStyle/>
+          <a:p>
+            <a:r>
+              <a:rPr lang="en-US" dirty="0"/>
+              <a:t>Grading</a:t>
+            </a:r>
+          </a:p>
+        </p:txBody>
+      </p:sp>
+      <p:sp>
+        <p:nvSpPr>
+          <p:cNvPr id="3" name="Text Placeholder 2">
+            <a:extLst>
+              <a:ext uri="{FF2B5EF4-FFF2-40B4-BE49-F238E27FC236}">
+                <a16:creationId xmlns:a16="http://schemas.microsoft.com/office/drawing/2014/main" id="{15D3EC99-8347-3241-AC32-A2F7A07D61B3}"/>
+              </a:ext>
+            </a:extLst>
+          </p:cNvPr>
+          <p:cNvSpPr>
+            <a:spLocks noGrp="1"/>
+          </p:cNvSpPr>
+          <p:nvPr>
+            <p:ph type="body" idx="1"/>
+          </p:nvPr>
+        </p:nvSpPr>
+        <p:spPr/>
+        <p:txBody>
+          <a:bodyPr/>
+          <a:lstStyle/>
+          <a:p>
+            <a:endParaRPr lang="en-US" dirty="0"/>
+          </a:p>
+          <a:p>
+            <a:r>
+              <a:rPr lang="en-US" dirty="0"/>
+              <a:t>We want the focus to be on learning and not on the grade but... </a:t>
+            </a:r>
+          </a:p>
+          <a:p>
+            <a:endParaRPr lang="en-US" dirty="0"/>
+          </a:p>
+          <a:p>
+            <a:r>
+              <a:rPr lang="en-US" dirty="0"/>
+              <a:t>Levels of learning</a:t>
+            </a:r>
+          </a:p>
+          <a:p>
+            <a:pPr lvl="1"/>
+            <a:r>
+              <a:rPr lang="en-US" dirty="0"/>
+              <a:t>Exposed to information covered in this course</a:t>
+            </a:r>
+          </a:p>
+          <a:p>
+            <a:pPr lvl="1"/>
+            <a:r>
+              <a:rPr lang="en-US" dirty="0"/>
+              <a:t>Applying the information (correctly) covered to the class project</a:t>
+            </a:r>
+          </a:p>
+          <a:p>
+            <a:pPr lvl="1"/>
+            <a:r>
+              <a:rPr lang="en-US" dirty="0"/>
+              <a:t>Generalizing to the next ML problem you tackle</a:t>
+            </a:r>
+          </a:p>
+        </p:txBody>
+      </p:sp>
+    </p:spTree>
+    <p:extLst>
+      <p:ext uri="{BB962C8B-B14F-4D97-AF65-F5344CB8AC3E}">
+        <p14:creationId xmlns:p14="http://schemas.microsoft.com/office/powerpoint/2010/main" val="4074847045"/>
+      </p:ext>
+    </p:extLst>
+  </p:cSld>
+  <p:clrMapOvr>
+    <a:masterClrMapping/>
+  </p:clrMapOvr>
+</p:sld>
+</file>
+
+<file path=ppt/slides/slide8.xml><?xml version="1.0" encoding="utf-8"?>
+<p:sld xmlns:a="http://schemas.openxmlformats.org/drawingml/2006/main" xmlns:r="http://schemas.openxmlformats.org/officeDocument/2006/relationships" xmlns:p="http://schemas.openxmlformats.org/presentationml/2006/main">
+  <p:cSld>
+    <p:spTree>
+      <p:nvGrpSpPr>
+        <p:cNvPr id="1" name=""/>
+        <p:cNvGrpSpPr/>
+        <p:nvPr/>
+      </p:nvGrpSpPr>
+      <p:grpSpPr>
+        <a:xfrm>
+          <a:off x="0" y="0"/>
+          <a:ext cx="0" cy="0"/>
+          <a:chOff x="0" y="0"/>
+          <a:chExt cx="0" cy="0"/>
+        </a:xfrm>
+      </p:grpSpPr>
+      <p:sp>
+        <p:nvSpPr>
+          <p:cNvPr id="2" name="Title 1">
+            <a:extLst>
+              <a:ext uri="{FF2B5EF4-FFF2-40B4-BE49-F238E27FC236}">
+                <a16:creationId xmlns:a16="http://schemas.microsoft.com/office/drawing/2014/main" id="{232A9432-6F80-5A10-1FA3-D869104B2D5A}"/>
+              </a:ext>
+            </a:extLst>
+          </p:cNvPr>
+          <p:cNvSpPr>
+            <a:spLocks noGrp="1"/>
+          </p:cNvSpPr>
+          <p:nvPr>
+            <p:ph type="title"/>
+          </p:nvPr>
+        </p:nvSpPr>
+        <p:spPr/>
+        <p:txBody>
+          <a:bodyPr/>
+          <a:lstStyle/>
+          <a:p>
+            <a:r>
+              <a:rPr lang="en-US" dirty="0"/>
+              <a:t>Grading</a:t>
+            </a:r>
+          </a:p>
+        </p:txBody>
+      </p:sp>
+      <p:sp>
+        <p:nvSpPr>
+          <p:cNvPr id="3" name="Text Placeholder 2">
+            <a:extLst>
+              <a:ext uri="{FF2B5EF4-FFF2-40B4-BE49-F238E27FC236}">
+                <a16:creationId xmlns:a16="http://schemas.microsoft.com/office/drawing/2014/main" id="{8911004C-82DF-7782-5540-E74DF391243C}"/>
+              </a:ext>
+            </a:extLst>
+          </p:cNvPr>
+          <p:cNvSpPr>
+            <a:spLocks noGrp="1"/>
+          </p:cNvSpPr>
+          <p:nvPr>
+            <p:ph type="body" idx="1"/>
+          </p:nvPr>
+        </p:nvSpPr>
+        <p:spPr/>
+        <p:txBody>
+          <a:bodyPr/>
+          <a:lstStyle/>
+          <a:p>
+            <a:endParaRPr lang="en-US"/>
+          </a:p>
+        </p:txBody>
+      </p:sp>
+    </p:spTree>
+    <p:extLst>
+      <p:ext uri="{BB962C8B-B14F-4D97-AF65-F5344CB8AC3E}">
+        <p14:creationId xmlns:p14="http://schemas.microsoft.com/office/powerpoint/2010/main" val="342685740"/>
+      </p:ext>
+    </p:extLst>
+  </p:cSld>
+  <p:clrMapOvr>
+    <a:masterClrMapping/>
+  </p:clrMapOvr>
+</p:sld>
+</file>
+
+<file path=ppt/slides/slide9.xml><?xml version="1.0" encoding="utf-8"?>
+<p:sld xmlns:a="http://schemas.openxmlformats.org/drawingml/2006/main" xmlns:r="http://schemas.openxmlformats.org/officeDocument/2006/relationships" xmlns:p="http://schemas.openxmlformats.org/presentationml/2006/main">
+  <p:cSld>
+    <p:spTree>
+      <p:nvGrpSpPr>
+        <p:cNvPr id="1" name="Shape 92"/>
+        <p:cNvGrpSpPr/>
+        <p:nvPr/>
+      </p:nvGrpSpPr>
+      <p:grpSpPr>
+        <a:xfrm>
+          <a:off x="0" y="0"/>
+          <a:ext cx="0" cy="0"/>
+          <a:chOff x="0" y="0"/>
+          <a:chExt cx="0" cy="0"/>
+        </a:xfrm>
+      </p:grpSpPr>
+      <p:sp>
+        <p:nvSpPr>
+          <p:cNvPr id="93" name="Google Shape;93;p19"/>
+          <p:cNvSpPr txBox="1">
+            <a:spLocks noGrp="1"/>
+          </p:cNvSpPr>
+          <p:nvPr>
+            <p:ph type="title"/>
+          </p:nvPr>
+        </p:nvSpPr>
+        <p:spPr>
+          <a:xfrm>
+            <a:off x="311700" y="445025"/>
+            <a:ext cx="8520600" cy="572700"/>
+          </a:xfrm>
+          <a:prstGeom prst="rect">
+            <a:avLst/>
+          </a:prstGeom>
+        </p:spPr>
+        <p:txBody>
+          <a:bodyPr spcFirstLastPara="1" wrap="square" lIns="91425" tIns="91425" rIns="91425" bIns="91425" anchor="t" anchorCtr="0">
+            <a:noAutofit/>
+          </a:bodyPr>
+          <a:lstStyle/>
+          <a:p>
+            <a:pPr marL="0" lvl="0" indent="0" algn="l" rtl="0">
+              <a:spcBef>
+                <a:spcPts val="0"/>
+              </a:spcBef>
+              <a:spcAft>
+                <a:spcPts val="0"/>
+              </a:spcAft>
+              <a:buNone/>
+            </a:pPr>
+            <a:r>
+              <a:rPr lang="en" dirty="0"/>
+              <a:t>Skills needed to solve real-world problems (with ML)</a:t>
+            </a:r>
+            <a:endParaRPr dirty="0"/>
+          </a:p>
+        </p:txBody>
+      </p:sp>
+      <p:sp>
+        <p:nvSpPr>
+          <p:cNvPr id="94" name="Google Shape;94;p19"/>
+          <p:cNvSpPr/>
+          <p:nvPr/>
+        </p:nvSpPr>
+        <p:spPr>
+          <a:xfrm>
+            <a:off x="4053800" y="2731425"/>
+            <a:ext cx="1134600" cy="806100"/>
+          </a:xfrm>
+          <a:prstGeom prst="roundRect">
+            <a:avLst>
+              <a:gd name="adj" fmla="val 16667"/>
+            </a:avLst>
+          </a:prstGeom>
+          <a:solidFill>
+            <a:srgbClr val="FCE5CD"/>
+          </a:solidFill>
+          <a:ln w="9525" cap="flat" cmpd="sng">
+            <a:solidFill>
+              <a:schemeClr val="dk2"/>
+            </a:solidFill>
+            <a:prstDash val="solid"/>
+            <a:round/>
+            <a:headEnd type="none" w="sm" len="sm"/>
+            <a:tailEnd type="none" w="sm" len="sm"/>
+          </a:ln>
+        </p:spPr>
+        <p:txBody>
+          <a:bodyPr spcFirstLastPara="1" wrap="square" lIns="91425" tIns="91425" rIns="91425" bIns="91425" anchor="ctr" anchorCtr="0">
+            <a:noAutofit/>
+          </a:bodyPr>
+          <a:lstStyle/>
+          <a:p>
+            <a:pPr marL="0" lvl="0" indent="0" algn="ctr" rtl="0">
+              <a:spcBef>
+                <a:spcPts val="0"/>
+              </a:spcBef>
+              <a:spcAft>
+                <a:spcPts val="0"/>
+              </a:spcAft>
+              <a:buNone/>
+            </a:pPr>
+            <a:r>
+              <a:rPr lang="en" b="1">
+                <a:latin typeface="Lato"/>
+                <a:ea typeface="Lato"/>
+                <a:cs typeface="Lato"/>
+                <a:sym typeface="Lato"/>
+              </a:rPr>
+              <a:t>Classes</a:t>
+            </a:r>
+            <a:endParaRPr b="1">
+              <a:latin typeface="Lato"/>
+              <a:ea typeface="Lato"/>
+              <a:cs typeface="Lato"/>
+              <a:sym typeface="Lato"/>
+            </a:endParaRPr>
+          </a:p>
+        </p:txBody>
+      </p:sp>
+      <p:sp>
+        <p:nvSpPr>
+          <p:cNvPr id="95" name="Google Shape;95;p19"/>
+          <p:cNvSpPr/>
+          <p:nvPr/>
+        </p:nvSpPr>
+        <p:spPr>
+          <a:xfrm>
+            <a:off x="3562550" y="1159900"/>
+            <a:ext cx="2117100" cy="632400"/>
+          </a:xfrm>
+          <a:prstGeom prst="roundRect">
+            <a:avLst>
+              <a:gd name="adj" fmla="val 16667"/>
+            </a:avLst>
+          </a:prstGeom>
+          <a:solidFill>
+            <a:srgbClr val="B45F06"/>
+          </a:solidFill>
+          <a:ln w="9525" cap="flat" cmpd="sng">
+            <a:solidFill>
+              <a:schemeClr val="dk2"/>
+            </a:solidFill>
+            <a:prstDash val="solid"/>
+            <a:round/>
+            <a:headEnd type="none" w="sm" len="sm"/>
+            <a:tailEnd type="none" w="sm" len="sm"/>
+          </a:ln>
+        </p:spPr>
+        <p:txBody>
+          <a:bodyPr spcFirstLastPara="1" wrap="square" lIns="91425" tIns="91425" rIns="91425" bIns="91425" anchor="ctr" anchorCtr="0">
+            <a:noAutofit/>
+          </a:bodyPr>
+          <a:lstStyle/>
+          <a:p>
+            <a:pPr marL="0" lvl="0" indent="0" algn="ctr" rtl="0">
+              <a:spcBef>
+                <a:spcPts val="0"/>
+              </a:spcBef>
+              <a:spcAft>
+                <a:spcPts val="0"/>
+              </a:spcAft>
+              <a:buNone/>
+            </a:pPr>
+            <a:r>
+              <a:rPr lang="en-US" sz="1600" b="1" dirty="0">
+                <a:solidFill>
+                  <a:srgbClr val="FFFFFF"/>
+                </a:solidFill>
+                <a:latin typeface="Lato"/>
+                <a:ea typeface="Lato"/>
+                <a:cs typeface="Lato"/>
+                <a:sym typeface="Lato"/>
+              </a:rPr>
+              <a:t>CS &amp; ML</a:t>
+            </a:r>
+            <a:endParaRPr sz="1600" b="1" dirty="0">
+              <a:solidFill>
+                <a:srgbClr val="FFFFFF"/>
+              </a:solidFill>
+              <a:latin typeface="Lato"/>
+              <a:ea typeface="Lato"/>
+              <a:cs typeface="Lato"/>
+              <a:sym typeface="Lato"/>
+            </a:endParaRPr>
+          </a:p>
+        </p:txBody>
+      </p:sp>
+      <p:sp>
+        <p:nvSpPr>
+          <p:cNvPr id="96" name="Google Shape;96;p19"/>
+          <p:cNvSpPr/>
+          <p:nvPr/>
+        </p:nvSpPr>
+        <p:spPr>
+          <a:xfrm>
+            <a:off x="6111725" y="1439575"/>
+            <a:ext cx="2117100" cy="632400"/>
+          </a:xfrm>
+          <a:prstGeom prst="roundRect">
+            <a:avLst>
+              <a:gd name="adj" fmla="val 16667"/>
+            </a:avLst>
+          </a:prstGeom>
+          <a:solidFill>
+            <a:srgbClr val="B45F06"/>
+          </a:solidFill>
+          <a:ln w="9525" cap="flat" cmpd="sng">
+            <a:solidFill>
+              <a:schemeClr val="dk2"/>
+            </a:solidFill>
+            <a:prstDash val="solid"/>
+            <a:round/>
+            <a:headEnd type="none" w="sm" len="sm"/>
+            <a:tailEnd type="none" w="sm" len="sm"/>
+          </a:ln>
+        </p:spPr>
+        <p:txBody>
+          <a:bodyPr spcFirstLastPara="1" wrap="square" lIns="91425" tIns="91425" rIns="91425" bIns="91425" anchor="ctr" anchorCtr="0">
+            <a:noAutofit/>
+          </a:bodyPr>
+          <a:lstStyle/>
+          <a:p>
+            <a:pPr marL="0" lvl="0" indent="0" algn="ctr" rtl="0">
+              <a:spcBef>
+                <a:spcPts val="0"/>
+              </a:spcBef>
+              <a:spcAft>
+                <a:spcPts val="0"/>
+              </a:spcAft>
+              <a:buNone/>
+            </a:pPr>
+            <a:r>
+              <a:rPr lang="en" sz="1600" b="1">
+                <a:solidFill>
+                  <a:srgbClr val="FFFFFF"/>
+                </a:solidFill>
+                <a:latin typeface="Lato"/>
+                <a:ea typeface="Lato"/>
+                <a:cs typeface="Lato"/>
+                <a:sym typeface="Lato"/>
+              </a:rPr>
+              <a:t>Statistics</a:t>
+            </a:r>
+            <a:endParaRPr sz="1600" b="1">
+              <a:solidFill>
+                <a:srgbClr val="FFFFFF"/>
+              </a:solidFill>
+              <a:latin typeface="Lato"/>
+              <a:ea typeface="Lato"/>
+              <a:cs typeface="Lato"/>
+              <a:sym typeface="Lato"/>
+            </a:endParaRPr>
+          </a:p>
+        </p:txBody>
+      </p:sp>
+      <p:sp>
+        <p:nvSpPr>
+          <p:cNvPr id="97" name="Google Shape;97;p19"/>
+          <p:cNvSpPr/>
+          <p:nvPr/>
+        </p:nvSpPr>
+        <p:spPr>
+          <a:xfrm>
+            <a:off x="6741350" y="2818275"/>
+            <a:ext cx="2117100" cy="632400"/>
+          </a:xfrm>
+          <a:prstGeom prst="roundRect">
+            <a:avLst>
+              <a:gd name="adj" fmla="val 16667"/>
+            </a:avLst>
+          </a:prstGeom>
+          <a:solidFill>
+            <a:srgbClr val="B45F06"/>
+          </a:solidFill>
+          <a:ln w="9525" cap="flat" cmpd="sng">
+            <a:solidFill>
+              <a:schemeClr val="dk2"/>
+            </a:solidFill>
+            <a:prstDash val="solid"/>
+            <a:round/>
+            <a:headEnd type="none" w="sm" len="sm"/>
+            <a:tailEnd type="none" w="sm" len="sm"/>
+          </a:ln>
+        </p:spPr>
+        <p:txBody>
+          <a:bodyPr spcFirstLastPara="1" wrap="square" lIns="91425" tIns="91425" rIns="91425" bIns="91425" anchor="ctr" anchorCtr="0">
+            <a:noAutofit/>
+          </a:bodyPr>
+          <a:lstStyle/>
+          <a:p>
+            <a:pPr marL="0" lvl="0" indent="0" algn="ctr" rtl="0">
+              <a:spcBef>
+                <a:spcPts val="0"/>
+              </a:spcBef>
+              <a:spcAft>
+                <a:spcPts val="0"/>
+              </a:spcAft>
+              <a:buNone/>
+            </a:pPr>
+            <a:r>
+              <a:rPr lang="en" sz="1600" b="1">
+                <a:solidFill>
+                  <a:srgbClr val="FFFFFF"/>
+                </a:solidFill>
+                <a:latin typeface="Lato"/>
+                <a:ea typeface="Lato"/>
+                <a:cs typeface="Lato"/>
+                <a:sym typeface="Lato"/>
+              </a:rPr>
+              <a:t>Social Sciences</a:t>
+            </a:r>
+            <a:endParaRPr sz="1600" b="1">
+              <a:solidFill>
+                <a:srgbClr val="FFFFFF"/>
+              </a:solidFill>
+              <a:latin typeface="Lato"/>
+              <a:ea typeface="Lato"/>
+              <a:cs typeface="Lato"/>
+              <a:sym typeface="Lato"/>
+            </a:endParaRPr>
+          </a:p>
+        </p:txBody>
+      </p:sp>
+      <p:cxnSp>
+        <p:nvCxnSpPr>
+          <p:cNvPr id="98" name="Google Shape;98;p19"/>
+          <p:cNvCxnSpPr>
+            <a:stCxn id="95" idx="2"/>
+            <a:endCxn id="94" idx="0"/>
+          </p:cNvCxnSpPr>
+          <p:nvPr/>
+        </p:nvCxnSpPr>
+        <p:spPr>
+          <a:xfrm>
+            <a:off x="4621100" y="1792300"/>
+            <a:ext cx="0" cy="939000"/>
+          </a:xfrm>
+          <a:prstGeom prst="straightConnector1">
+            <a:avLst/>
+          </a:prstGeom>
+          <a:noFill/>
+          <a:ln w="28575" cap="flat" cmpd="sng">
+            <a:solidFill>
+              <a:schemeClr val="dk2"/>
+            </a:solidFill>
+            <a:prstDash val="solid"/>
+            <a:round/>
+            <a:headEnd type="none" w="med" len="med"/>
+            <a:tailEnd type="none" w="med" len="med"/>
+          </a:ln>
+        </p:spPr>
+      </p:cxnSp>
+      <p:cxnSp>
+        <p:nvCxnSpPr>
+          <p:cNvPr id="99" name="Google Shape;99;p19"/>
+          <p:cNvCxnSpPr/>
+          <p:nvPr/>
+        </p:nvCxnSpPr>
+        <p:spPr>
+          <a:xfrm flipH="1">
+            <a:off x="5171275" y="2078600"/>
+            <a:ext cx="986400" cy="678900"/>
+          </a:xfrm>
+          <a:prstGeom prst="straightConnector1">
+            <a:avLst/>
+          </a:prstGeom>
+          <a:noFill/>
+          <a:ln w="28575" cap="flat" cmpd="sng">
+            <a:solidFill>
+              <a:schemeClr val="dk2"/>
+            </a:solidFill>
+            <a:prstDash val="solid"/>
+            <a:round/>
+            <a:headEnd type="none" w="med" len="med"/>
+            <a:tailEnd type="none" w="med" len="med"/>
+          </a:ln>
+        </p:spPr>
+      </p:cxnSp>
+      <p:cxnSp>
+        <p:nvCxnSpPr>
+          <p:cNvPr id="100" name="Google Shape;100;p19"/>
+          <p:cNvCxnSpPr>
+            <a:stCxn id="97" idx="1"/>
+            <a:endCxn id="94" idx="3"/>
+          </p:cNvCxnSpPr>
+          <p:nvPr/>
+        </p:nvCxnSpPr>
+        <p:spPr>
+          <a:xfrm rot="10800000">
+            <a:off x="5188250" y="3134475"/>
+            <a:ext cx="1553100" cy="0"/>
           </a:xfrm>
           <a:prstGeom prst="straightConnector1">
             <a:avLst/>

--- a/Lectures/Lecture1-ClassOverview.pptx
+++ b/Lectures/Lecture1-ClassOverview.pptx
@@ -14204,26 +14204,10 @@
               <a:buChar char="●"/>
             </a:pPr>
             <a:r>
-              <a:rPr lang="en" sz="2000" dirty="0"/>
-              <a:t>Reading</a:t>
+              <a:rPr lang="en-US" sz="2000" dirty="0"/>
+              <a:t>Explore literature (broadly) to understand key reasons why ML systems may and do fail in production and deployment </a:t>
             </a:r>
-            <a:endParaRPr sz="2000" dirty="0"/>
-          </a:p>
-          <a:p>
-            <a:pPr marL="914400" lvl="1" indent="-317500" algn="l" rtl="0">
-              <a:spcBef>
-                <a:spcPts val="0"/>
-              </a:spcBef>
-              <a:spcAft>
-                <a:spcPts val="0"/>
-              </a:spcAft>
-              <a:buSzPts val="1400"/>
-              <a:buChar char="○"/>
-            </a:pPr>
-            <a:r>
-              <a:rPr lang="en" sz="1600" dirty="0"/>
-              <a:t>Project Scoping guide</a:t>
-            </a:r>
+            <a:endParaRPr lang="en" sz="1600" dirty="0"/>
           </a:p>
           <a:p>
             <a:pPr marL="596900" lvl="1" indent="0" algn="l" rtl="0">
@@ -14236,7 +14220,7 @@
               <a:buSzPts val="1400"/>
               <a:buNone/>
             </a:pPr>
-            <a:endParaRPr lang="en" sz="1600" dirty="0"/>
+            <a:endParaRPr lang="en" dirty="0"/>
           </a:p>
           <a:p>
             <a:pPr marL="596900" lvl="1" indent="0" algn="l" rtl="0">

--- a/Lectures/Lecture1-ClassOverview.pptx
+++ b/Lectures/Lecture1-ClassOverview.pptx
@@ -287,6 +287,788 @@
 </file>
 
 <file path=ppt/diagrams/colors1.xml><?xml version="1.0" encoding="utf-8"?>
+<dgm:colorsDef xmlns:dgm="http://schemas.openxmlformats.org/drawingml/2006/diagram" xmlns:a="http://schemas.openxmlformats.org/drawingml/2006/main" uniqueId="urn:microsoft.com/office/officeart/2005/8/colors/colorful3">
+  <dgm:title val=""/>
+  <dgm:desc val=""/>
+  <dgm:catLst>
+    <dgm:cat type="colorful" pri="10300"/>
+  </dgm:catLst>
+  <dgm:styleLbl name="node0">
+    <dgm:fillClrLst meth="repeat">
+      <a:schemeClr val="accent2"/>
+    </dgm:fillClrLst>
+    <dgm:linClrLst meth="repeat">
+      <a:schemeClr val="lt1"/>
+    </dgm:linClrLst>
+    <dgm:effectClrLst/>
+    <dgm:txLinClrLst/>
+    <dgm:txFillClrLst/>
+    <dgm:txEffectClrLst/>
+  </dgm:styleLbl>
+  <dgm:styleLbl name="node1">
+    <dgm:fillClrLst>
+      <a:schemeClr val="accent3"/>
+      <a:schemeClr val="accent4"/>
+    </dgm:fillClrLst>
+    <dgm:linClrLst meth="repeat">
+      <a:schemeClr val="lt1"/>
+    </dgm:linClrLst>
+    <dgm:effectClrLst/>
+    <dgm:txLinClrLst/>
+    <dgm:txFillClrLst/>
+    <dgm:txEffectClrLst/>
+  </dgm:styleLbl>
+  <dgm:styleLbl name="alignNode1">
+    <dgm:fillClrLst>
+      <a:schemeClr val="accent3"/>
+      <a:schemeClr val="accent4"/>
+    </dgm:fillClrLst>
+    <dgm:linClrLst>
+      <a:schemeClr val="accent3"/>
+      <a:schemeClr val="accent4"/>
+    </dgm:linClrLst>
+    <dgm:effectClrLst/>
+    <dgm:txLinClrLst/>
+    <dgm:txFillClrLst/>
+    <dgm:txEffectClrLst/>
+  </dgm:styleLbl>
+  <dgm:styleLbl name="lnNode1">
+    <dgm:fillClrLst>
+      <a:schemeClr val="accent3"/>
+      <a:schemeClr val="accent4"/>
+    </dgm:fillClrLst>
+    <dgm:linClrLst meth="repeat">
+      <a:schemeClr val="lt1"/>
+    </dgm:linClrLst>
+    <dgm:effectClrLst/>
+    <dgm:txLinClrLst/>
+    <dgm:txFillClrLst/>
+    <dgm:txEffectClrLst/>
+  </dgm:styleLbl>
+  <dgm:styleLbl name="vennNode1">
+    <dgm:fillClrLst>
+      <a:schemeClr val="accent3">
+        <a:alpha val="50000"/>
+      </a:schemeClr>
+      <a:schemeClr val="accent4">
+        <a:alpha val="50000"/>
+      </a:schemeClr>
+    </dgm:fillClrLst>
+    <dgm:linClrLst meth="repeat">
+      <a:schemeClr val="lt1"/>
+    </dgm:linClrLst>
+    <dgm:effectClrLst/>
+    <dgm:txLinClrLst/>
+    <dgm:txFillClrLst/>
+    <dgm:txEffectClrLst/>
+  </dgm:styleLbl>
+  <dgm:styleLbl name="node2">
+    <dgm:fillClrLst>
+      <a:schemeClr val="accent4"/>
+    </dgm:fillClrLst>
+    <dgm:linClrLst meth="repeat">
+      <a:schemeClr val="lt1"/>
+    </dgm:linClrLst>
+    <dgm:effectClrLst/>
+    <dgm:txLinClrLst/>
+    <dgm:txFillClrLst/>
+    <dgm:txEffectClrLst/>
+  </dgm:styleLbl>
+  <dgm:styleLbl name="node3">
+    <dgm:fillClrLst>
+      <a:schemeClr val="accent5"/>
+    </dgm:fillClrLst>
+    <dgm:linClrLst meth="repeat">
+      <a:schemeClr val="lt1"/>
+    </dgm:linClrLst>
+    <dgm:effectClrLst/>
+    <dgm:txLinClrLst/>
+    <dgm:txFillClrLst/>
+    <dgm:txEffectClrLst/>
+  </dgm:styleLbl>
+  <dgm:styleLbl name="node4">
+    <dgm:fillClrLst>
+      <a:schemeClr val="accent6"/>
+    </dgm:fillClrLst>
+    <dgm:linClrLst meth="repeat">
+      <a:schemeClr val="lt1"/>
+    </dgm:linClrLst>
+    <dgm:effectClrLst/>
+    <dgm:txLinClrLst/>
+    <dgm:txFillClrLst/>
+    <dgm:txEffectClrLst/>
+  </dgm:styleLbl>
+  <dgm:styleLbl name="fgImgPlace1">
+    <dgm:fillClrLst>
+      <a:schemeClr val="accent3">
+        <a:tint val="50000"/>
+      </a:schemeClr>
+      <a:schemeClr val="accent4">
+        <a:tint val="50000"/>
+      </a:schemeClr>
+    </dgm:fillClrLst>
+    <dgm:linClrLst meth="repeat">
+      <a:schemeClr val="lt1"/>
+    </dgm:linClrLst>
+    <dgm:effectClrLst/>
+    <dgm:txLinClrLst/>
+    <dgm:txFillClrLst meth="repeat">
+      <a:schemeClr val="lt1"/>
+    </dgm:txFillClrLst>
+    <dgm:txEffectClrLst/>
+  </dgm:styleLbl>
+  <dgm:styleLbl name="alignImgPlace1">
+    <dgm:fillClrLst>
+      <a:schemeClr val="accent3">
+        <a:tint val="50000"/>
+      </a:schemeClr>
+      <a:schemeClr val="accent4">
+        <a:tint val="20000"/>
+      </a:schemeClr>
+    </dgm:fillClrLst>
+    <dgm:linClrLst meth="repeat">
+      <a:schemeClr val="lt1"/>
+    </dgm:linClrLst>
+    <dgm:effectClrLst/>
+    <dgm:txLinClrLst/>
+    <dgm:txFillClrLst meth="repeat">
+      <a:schemeClr val="lt1"/>
+    </dgm:txFillClrLst>
+    <dgm:txEffectClrLst/>
+  </dgm:styleLbl>
+  <dgm:styleLbl name="bgImgPlace1">
+    <dgm:fillClrLst>
+      <a:schemeClr val="accent3">
+        <a:tint val="50000"/>
+      </a:schemeClr>
+      <a:schemeClr val="accent4">
+        <a:tint val="20000"/>
+      </a:schemeClr>
+    </dgm:fillClrLst>
+    <dgm:linClrLst meth="repeat">
+      <a:schemeClr val="lt1"/>
+    </dgm:linClrLst>
+    <dgm:effectClrLst/>
+    <dgm:txLinClrLst/>
+    <dgm:txFillClrLst meth="repeat">
+      <a:schemeClr val="lt1"/>
+    </dgm:txFillClrLst>
+    <dgm:txEffectClrLst/>
+  </dgm:styleLbl>
+  <dgm:styleLbl name="sibTrans2D1">
+    <dgm:fillClrLst>
+      <a:schemeClr val="accent3"/>
+      <a:schemeClr val="accent4"/>
+    </dgm:fillClrLst>
+    <dgm:linClrLst meth="repeat">
+      <a:schemeClr val="lt1"/>
+    </dgm:linClrLst>
+    <dgm:effectClrLst/>
+    <dgm:txLinClrLst/>
+    <dgm:txFillClrLst/>
+    <dgm:txEffectClrLst/>
+  </dgm:styleLbl>
+  <dgm:styleLbl name="fgSibTrans2D1">
+    <dgm:fillClrLst>
+      <a:schemeClr val="accent3"/>
+      <a:schemeClr val="accent4"/>
+    </dgm:fillClrLst>
+    <dgm:linClrLst meth="repeat">
+      <a:schemeClr val="lt1"/>
+    </dgm:linClrLst>
+    <dgm:effectClrLst/>
+    <dgm:txLinClrLst/>
+    <dgm:txFillClrLst meth="repeat">
+      <a:schemeClr val="lt1"/>
+    </dgm:txFillClrLst>
+    <dgm:txEffectClrLst/>
+  </dgm:styleLbl>
+  <dgm:styleLbl name="bgSibTrans2D1">
+    <dgm:fillClrLst>
+      <a:schemeClr val="accent3"/>
+      <a:schemeClr val="accent4"/>
+    </dgm:fillClrLst>
+    <dgm:linClrLst meth="repeat">
+      <a:schemeClr val="lt1"/>
+    </dgm:linClrLst>
+    <dgm:effectClrLst/>
+    <dgm:txLinClrLst/>
+    <dgm:txFillClrLst meth="repeat">
+      <a:schemeClr val="lt1"/>
+    </dgm:txFillClrLst>
+    <dgm:txEffectClrLst/>
+  </dgm:styleLbl>
+  <dgm:styleLbl name="sibTrans1D1">
+    <dgm:fillClrLst/>
+    <dgm:linClrLst>
+      <a:schemeClr val="accent3"/>
+      <a:schemeClr val="accent4"/>
+    </dgm:linClrLst>
+    <dgm:effectClrLst/>
+    <dgm:txLinClrLst/>
+    <dgm:txFillClrLst meth="repeat">
+      <a:schemeClr val="tx1"/>
+    </dgm:txFillClrLst>
+    <dgm:txEffectClrLst/>
+  </dgm:styleLbl>
+  <dgm:styleLbl name="callout">
+    <dgm:fillClrLst meth="repeat">
+      <a:schemeClr val="accent3"/>
+    </dgm:fillClrLst>
+    <dgm:linClrLst meth="repeat">
+      <a:schemeClr val="accent3">
+        <a:tint val="50000"/>
+      </a:schemeClr>
+    </dgm:linClrLst>
+    <dgm:effectClrLst/>
+    <dgm:txLinClrLst/>
+    <dgm:txFillClrLst meth="repeat">
+      <a:schemeClr val="tx1"/>
+    </dgm:txFillClrLst>
+    <dgm:txEffectClrLst/>
+  </dgm:styleLbl>
+  <dgm:styleLbl name="asst0">
+    <dgm:fillClrLst meth="repeat">
+      <a:schemeClr val="accent3"/>
+    </dgm:fillClrLst>
+    <dgm:linClrLst meth="repeat">
+      <a:schemeClr val="lt1">
+        <a:shade val="80000"/>
+      </a:schemeClr>
+    </dgm:linClrLst>
+    <dgm:effectClrLst/>
+    <dgm:txLinClrLst/>
+    <dgm:txFillClrLst/>
+    <dgm:txEffectClrLst/>
+  </dgm:styleLbl>
+  <dgm:styleLbl name="asst1">
+    <dgm:fillClrLst meth="repeat">
+      <a:schemeClr val="accent4"/>
+    </dgm:fillClrLst>
+    <dgm:linClrLst meth="repeat">
+      <a:schemeClr val="lt1">
+        <a:shade val="80000"/>
+      </a:schemeClr>
+    </dgm:linClrLst>
+    <dgm:effectClrLst/>
+    <dgm:txLinClrLst/>
+    <dgm:txFillClrLst/>
+    <dgm:txEffectClrLst/>
+  </dgm:styleLbl>
+  <dgm:styleLbl name="asst2">
+    <dgm:fillClrLst>
+      <a:schemeClr val="accent5"/>
+    </dgm:fillClrLst>
+    <dgm:linClrLst meth="repeat">
+      <a:schemeClr val="lt1"/>
+    </dgm:linClrLst>
+    <dgm:effectClrLst/>
+    <dgm:txLinClrLst/>
+    <dgm:txFillClrLst/>
+    <dgm:txEffectClrLst/>
+  </dgm:styleLbl>
+  <dgm:styleLbl name="asst3">
+    <dgm:fillClrLst>
+      <a:schemeClr val="accent6"/>
+    </dgm:fillClrLst>
+    <dgm:linClrLst meth="repeat">
+      <a:schemeClr val="lt1"/>
+    </dgm:linClrLst>
+    <dgm:effectClrLst/>
+    <dgm:txLinClrLst/>
+    <dgm:txFillClrLst/>
+    <dgm:txEffectClrLst/>
+  </dgm:styleLbl>
+  <dgm:styleLbl name="asst4">
+    <dgm:fillClrLst>
+      <a:schemeClr val="accent1"/>
+    </dgm:fillClrLst>
+    <dgm:linClrLst meth="repeat">
+      <a:schemeClr val="lt1"/>
+    </dgm:linClrLst>
+    <dgm:effectClrLst/>
+    <dgm:txLinClrLst/>
+    <dgm:txFillClrLst/>
+    <dgm:txEffectClrLst/>
+  </dgm:styleLbl>
+  <dgm:styleLbl name="parChTrans2D1">
+    <dgm:fillClrLst meth="repeat">
+      <a:schemeClr val="accent2"/>
+    </dgm:fillClrLst>
+    <dgm:linClrLst meth="repeat">
+      <a:schemeClr val="lt1"/>
+    </dgm:linClrLst>
+    <dgm:effectClrLst/>
+    <dgm:txLinClrLst/>
+    <dgm:txFillClrLst meth="repeat">
+      <a:schemeClr val="lt1"/>
+    </dgm:txFillClrLst>
+    <dgm:txEffectClrLst/>
+  </dgm:styleLbl>
+  <dgm:styleLbl name="parChTrans2D2">
+    <dgm:fillClrLst meth="repeat">
+      <a:schemeClr val="accent3"/>
+    </dgm:fillClrLst>
+    <dgm:linClrLst meth="repeat">
+      <a:schemeClr val="lt1"/>
+    </dgm:linClrLst>
+    <dgm:effectClrLst/>
+    <dgm:txLinClrLst/>
+    <dgm:txFillClrLst/>
+    <dgm:txEffectClrLst/>
+  </dgm:styleLbl>
+  <dgm:styleLbl name="parChTrans2D3">
+    <dgm:fillClrLst meth="repeat">
+      <a:schemeClr val="accent4"/>
+    </dgm:fillClrLst>
+    <dgm:linClrLst meth="repeat">
+      <a:schemeClr val="lt1"/>
+    </dgm:linClrLst>
+    <dgm:effectClrLst/>
+    <dgm:txLinClrLst/>
+    <dgm:txFillClrLst/>
+    <dgm:txEffectClrLst/>
+  </dgm:styleLbl>
+  <dgm:styleLbl name="parChTrans2D4">
+    <dgm:fillClrLst meth="repeat">
+      <a:schemeClr val="accent5"/>
+    </dgm:fillClrLst>
+    <dgm:linClrLst meth="repeat">
+      <a:schemeClr val="lt1"/>
+    </dgm:linClrLst>
+    <dgm:effectClrLst/>
+    <dgm:txLinClrLst/>
+    <dgm:txFillClrLst meth="repeat">
+      <a:schemeClr val="lt1"/>
+    </dgm:txFillClrLst>
+    <dgm:txEffectClrLst/>
+  </dgm:styleLbl>
+  <dgm:styleLbl name="parChTrans1D1">
+    <dgm:fillClrLst meth="repeat">
+      <a:schemeClr val="accent3"/>
+    </dgm:fillClrLst>
+    <dgm:linClrLst meth="repeat">
+      <a:schemeClr val="accent3"/>
+    </dgm:linClrLst>
+    <dgm:effectClrLst/>
+    <dgm:txLinClrLst/>
+    <dgm:txFillClrLst meth="repeat">
+      <a:schemeClr val="tx1"/>
+    </dgm:txFillClrLst>
+    <dgm:txEffectClrLst/>
+  </dgm:styleLbl>
+  <dgm:styleLbl name="parChTrans1D2">
+    <dgm:fillClrLst meth="repeat">
+      <a:schemeClr val="accent2">
+        <a:tint val="90000"/>
+      </a:schemeClr>
+    </dgm:fillClrLst>
+    <dgm:linClrLst meth="repeat">
+      <a:schemeClr val="accent4"/>
+    </dgm:linClrLst>
+    <dgm:effectClrLst/>
+    <dgm:txLinClrLst/>
+    <dgm:txFillClrLst meth="repeat">
+      <a:schemeClr val="tx1"/>
+    </dgm:txFillClrLst>
+    <dgm:txEffectClrLst/>
+  </dgm:styleLbl>
+  <dgm:styleLbl name="parChTrans1D3">
+    <dgm:fillClrLst meth="repeat">
+      <a:schemeClr val="accent2">
+        <a:tint val="70000"/>
+      </a:schemeClr>
+    </dgm:fillClrLst>
+    <dgm:linClrLst meth="repeat">
+      <a:schemeClr val="accent5"/>
+    </dgm:linClrLst>
+    <dgm:effectClrLst/>
+    <dgm:txLinClrLst/>
+    <dgm:txFillClrLst meth="repeat">
+      <a:schemeClr val="tx1"/>
+    </dgm:txFillClrLst>
+    <dgm:txEffectClrLst/>
+  </dgm:styleLbl>
+  <dgm:styleLbl name="parChTrans1D4">
+    <dgm:fillClrLst meth="repeat">
+      <a:schemeClr val="accent6">
+        <a:tint val="50000"/>
+      </a:schemeClr>
+    </dgm:fillClrLst>
+    <dgm:linClrLst meth="repeat">
+      <a:schemeClr val="accent6"/>
+    </dgm:linClrLst>
+    <dgm:effectClrLst/>
+    <dgm:txLinClrLst/>
+    <dgm:txFillClrLst meth="repeat">
+      <a:schemeClr val="tx1"/>
+    </dgm:txFillClrLst>
+    <dgm:txEffectClrLst/>
+  </dgm:styleLbl>
+  <dgm:styleLbl name="fgAcc1">
+    <dgm:fillClrLst meth="repeat">
+      <a:schemeClr val="lt1">
+        <a:alpha val="90000"/>
+      </a:schemeClr>
+    </dgm:fillClrLst>
+    <dgm:linClrLst>
+      <a:schemeClr val="accent3"/>
+      <a:schemeClr val="accent4"/>
+    </dgm:linClrLst>
+    <dgm:effectClrLst/>
+    <dgm:txLinClrLst/>
+    <dgm:txFillClrLst meth="repeat">
+      <a:schemeClr val="dk1"/>
+    </dgm:txFillClrLst>
+    <dgm:txEffectClrLst/>
+  </dgm:styleLbl>
+  <dgm:styleLbl name="conFgAcc1">
+    <dgm:fillClrLst meth="repeat">
+      <a:schemeClr val="lt1">
+        <a:alpha val="90000"/>
+      </a:schemeClr>
+    </dgm:fillClrLst>
+    <dgm:linClrLst>
+      <a:schemeClr val="accent3"/>
+      <a:schemeClr val="accent4"/>
+    </dgm:linClrLst>
+    <dgm:effectClrLst/>
+    <dgm:txLinClrLst/>
+    <dgm:txFillClrLst meth="repeat">
+      <a:schemeClr val="dk1"/>
+    </dgm:txFillClrLst>
+    <dgm:txEffectClrLst/>
+  </dgm:styleLbl>
+  <dgm:styleLbl name="alignAcc1">
+    <dgm:fillClrLst meth="repeat">
+      <a:schemeClr val="lt1">
+        <a:alpha val="90000"/>
+      </a:schemeClr>
+    </dgm:fillClrLst>
+    <dgm:linClrLst>
+      <a:schemeClr val="accent3"/>
+      <a:schemeClr val="accent4"/>
+    </dgm:linClrLst>
+    <dgm:effectClrLst/>
+    <dgm:txLinClrLst/>
+    <dgm:txFillClrLst meth="repeat">
+      <a:schemeClr val="dk1"/>
+    </dgm:txFillClrLst>
+    <dgm:txEffectClrLst/>
+  </dgm:styleLbl>
+  <dgm:styleLbl name="trAlignAcc1">
+    <dgm:fillClrLst meth="repeat">
+      <a:schemeClr val="lt1">
+        <a:alpha val="40000"/>
+      </a:schemeClr>
+    </dgm:fillClrLst>
+    <dgm:linClrLst meth="repeat">
+      <a:schemeClr val="accent2"/>
+    </dgm:linClrLst>
+    <dgm:effectClrLst/>
+    <dgm:txLinClrLst/>
+    <dgm:txFillClrLst meth="repeat">
+      <a:schemeClr val="dk1"/>
+    </dgm:txFillClrLst>
+    <dgm:txEffectClrLst/>
+  </dgm:styleLbl>
+  <dgm:styleLbl name="bgAcc1">
+    <dgm:fillClrLst meth="repeat">
+      <a:schemeClr val="lt1">
+        <a:alpha val="90000"/>
+      </a:schemeClr>
+    </dgm:fillClrLst>
+    <dgm:linClrLst>
+      <a:schemeClr val="accent3"/>
+      <a:schemeClr val="accent4"/>
+    </dgm:linClrLst>
+    <dgm:effectClrLst/>
+    <dgm:txLinClrLst/>
+    <dgm:txFillClrLst meth="repeat">
+      <a:schemeClr val="dk1"/>
+    </dgm:txFillClrLst>
+    <dgm:txEffectClrLst/>
+  </dgm:styleLbl>
+  <dgm:styleLbl name="solidFgAcc1">
+    <dgm:fillClrLst meth="repeat">
+      <a:schemeClr val="lt1"/>
+    </dgm:fillClrLst>
+    <dgm:linClrLst>
+      <a:schemeClr val="accent3"/>
+      <a:schemeClr val="accent4"/>
+    </dgm:linClrLst>
+    <dgm:effectClrLst/>
+    <dgm:txLinClrLst/>
+    <dgm:txFillClrLst meth="repeat">
+      <a:schemeClr val="dk1"/>
+    </dgm:txFillClrLst>
+    <dgm:txEffectClrLst/>
+  </dgm:styleLbl>
+  <dgm:styleLbl name="solidAlignAcc1">
+    <dgm:fillClrLst meth="repeat">
+      <a:schemeClr val="lt1"/>
+    </dgm:fillClrLst>
+    <dgm:linClrLst>
+      <a:schemeClr val="accent3"/>
+      <a:schemeClr val="accent4"/>
+    </dgm:linClrLst>
+    <dgm:effectClrLst/>
+    <dgm:txLinClrLst/>
+    <dgm:txFillClrLst meth="repeat">
+      <a:schemeClr val="dk1"/>
+    </dgm:txFillClrLst>
+    <dgm:txEffectClrLst/>
+  </dgm:styleLbl>
+  <dgm:styleLbl name="solidBgAcc1">
+    <dgm:fillClrLst meth="repeat">
+      <a:schemeClr val="lt1"/>
+    </dgm:fillClrLst>
+    <dgm:linClrLst>
+      <a:schemeClr val="accent3"/>
+      <a:schemeClr val="accent4"/>
+    </dgm:linClrLst>
+    <dgm:effectClrLst/>
+    <dgm:txLinClrLst/>
+    <dgm:txFillClrLst meth="repeat">
+      <a:schemeClr val="dk1"/>
+    </dgm:txFillClrLst>
+    <dgm:txEffectClrLst/>
+  </dgm:styleLbl>
+  <dgm:styleLbl name="fgAccFollowNode1">
+    <dgm:fillClrLst>
+      <a:schemeClr val="accent3">
+        <a:tint val="40000"/>
+        <a:alpha val="90000"/>
+      </a:schemeClr>
+      <a:schemeClr val="accent4">
+        <a:tint val="40000"/>
+        <a:alpha val="90000"/>
+      </a:schemeClr>
+    </dgm:fillClrLst>
+    <dgm:linClrLst>
+      <a:schemeClr val="accent3">
+        <a:tint val="40000"/>
+        <a:alpha val="90000"/>
+      </a:schemeClr>
+      <a:schemeClr val="accent4">
+        <a:tint val="40000"/>
+        <a:alpha val="90000"/>
+      </a:schemeClr>
+    </dgm:linClrLst>
+    <dgm:effectClrLst/>
+    <dgm:txLinClrLst/>
+    <dgm:txFillClrLst meth="repeat">
+      <a:schemeClr val="dk1"/>
+    </dgm:txFillClrLst>
+    <dgm:txEffectClrLst/>
+  </dgm:styleLbl>
+  <dgm:styleLbl name="alignAccFollowNode1">
+    <dgm:fillClrLst>
+      <a:schemeClr val="accent3">
+        <a:tint val="40000"/>
+        <a:alpha val="90000"/>
+      </a:schemeClr>
+      <a:schemeClr val="accent4">
+        <a:tint val="40000"/>
+        <a:alpha val="90000"/>
+      </a:schemeClr>
+    </dgm:fillClrLst>
+    <dgm:linClrLst>
+      <a:schemeClr val="accent3">
+        <a:tint val="40000"/>
+        <a:alpha val="90000"/>
+      </a:schemeClr>
+      <a:schemeClr val="accent4">
+        <a:tint val="40000"/>
+        <a:alpha val="90000"/>
+      </a:schemeClr>
+    </dgm:linClrLst>
+    <dgm:effectClrLst/>
+    <dgm:txLinClrLst/>
+    <dgm:txFillClrLst meth="repeat">
+      <a:schemeClr val="dk1"/>
+    </dgm:txFillClrLst>
+    <dgm:txEffectClrLst/>
+  </dgm:styleLbl>
+  <dgm:styleLbl name="bgAccFollowNode1">
+    <dgm:fillClrLst>
+      <a:schemeClr val="accent3">
+        <a:tint val="40000"/>
+        <a:alpha val="90000"/>
+      </a:schemeClr>
+      <a:schemeClr val="accent4">
+        <a:tint val="40000"/>
+        <a:alpha val="90000"/>
+      </a:schemeClr>
+    </dgm:fillClrLst>
+    <dgm:linClrLst>
+      <a:schemeClr val="accent3">
+        <a:tint val="40000"/>
+        <a:alpha val="90000"/>
+      </a:schemeClr>
+      <a:schemeClr val="accent4">
+        <a:tint val="40000"/>
+        <a:alpha val="90000"/>
+      </a:schemeClr>
+    </dgm:linClrLst>
+    <dgm:effectClrLst/>
+    <dgm:txLinClrLst/>
+    <dgm:txFillClrLst meth="repeat">
+      <a:schemeClr val="dk1"/>
+    </dgm:txFillClrLst>
+    <dgm:txEffectClrLst/>
+  </dgm:styleLbl>
+  <dgm:styleLbl name="fgAcc0">
+    <dgm:fillClrLst meth="repeat">
+      <a:schemeClr val="lt1">
+        <a:alpha val="90000"/>
+      </a:schemeClr>
+    </dgm:fillClrLst>
+    <dgm:linClrLst>
+      <a:schemeClr val="accent2"/>
+    </dgm:linClrLst>
+    <dgm:effectClrLst/>
+    <dgm:txLinClrLst/>
+    <dgm:txFillClrLst meth="repeat">
+      <a:schemeClr val="dk1"/>
+    </dgm:txFillClrLst>
+    <dgm:txEffectClrLst/>
+  </dgm:styleLbl>
+  <dgm:styleLbl name="fgAcc2">
+    <dgm:fillClrLst meth="repeat">
+      <a:schemeClr val="lt1">
+        <a:alpha val="90000"/>
+      </a:schemeClr>
+    </dgm:fillClrLst>
+    <dgm:linClrLst>
+      <a:schemeClr val="accent4"/>
+    </dgm:linClrLst>
+    <dgm:effectClrLst/>
+    <dgm:txLinClrLst/>
+    <dgm:txFillClrLst meth="repeat">
+      <a:schemeClr val="dk1"/>
+    </dgm:txFillClrLst>
+    <dgm:txEffectClrLst/>
+  </dgm:styleLbl>
+  <dgm:styleLbl name="fgAcc3">
+    <dgm:fillClrLst meth="repeat">
+      <a:schemeClr val="lt1">
+        <a:alpha val="90000"/>
+      </a:schemeClr>
+    </dgm:fillClrLst>
+    <dgm:linClrLst>
+      <a:schemeClr val="accent5"/>
+    </dgm:linClrLst>
+    <dgm:effectClrLst/>
+    <dgm:txLinClrLst/>
+    <dgm:txFillClrLst meth="repeat">
+      <a:schemeClr val="dk1"/>
+    </dgm:txFillClrLst>
+    <dgm:txEffectClrLst/>
+  </dgm:styleLbl>
+  <dgm:styleLbl name="fgAcc4">
+    <dgm:fillClrLst meth="repeat">
+      <a:schemeClr val="lt1">
+        <a:alpha val="90000"/>
+      </a:schemeClr>
+    </dgm:fillClrLst>
+    <dgm:linClrLst>
+      <a:schemeClr val="accent6"/>
+    </dgm:linClrLst>
+    <dgm:effectClrLst/>
+    <dgm:txLinClrLst/>
+    <dgm:txFillClrLst meth="repeat">
+      <a:schemeClr val="dk1"/>
+    </dgm:txFillClrLst>
+    <dgm:txEffectClrLst/>
+  </dgm:styleLbl>
+  <dgm:styleLbl name="bgShp">
+    <dgm:fillClrLst meth="repeat">
+      <a:schemeClr val="accent3">
+        <a:tint val="40000"/>
+      </a:schemeClr>
+    </dgm:fillClrLst>
+    <dgm:linClrLst meth="repeat">
+      <a:schemeClr val="dk1"/>
+    </dgm:linClrLst>
+    <dgm:effectClrLst/>
+    <dgm:txLinClrLst/>
+    <dgm:txFillClrLst meth="repeat">
+      <a:schemeClr val="dk1"/>
+    </dgm:txFillClrLst>
+    <dgm:txEffectClrLst/>
+  </dgm:styleLbl>
+  <dgm:styleLbl name="dkBgShp">
+    <dgm:fillClrLst meth="repeat">
+      <a:schemeClr val="accent3">
+        <a:shade val="90000"/>
+      </a:schemeClr>
+    </dgm:fillClrLst>
+    <dgm:linClrLst meth="repeat">
+      <a:schemeClr val="dk1"/>
+    </dgm:linClrLst>
+    <dgm:effectClrLst/>
+    <dgm:txLinClrLst/>
+    <dgm:txFillClrLst meth="repeat">
+      <a:schemeClr val="lt1"/>
+    </dgm:txFillClrLst>
+    <dgm:txEffectClrLst/>
+  </dgm:styleLbl>
+  <dgm:styleLbl name="trBgShp">
+    <dgm:fillClrLst meth="repeat">
+      <a:schemeClr val="accent2">
+        <a:tint val="50000"/>
+        <a:alpha val="40000"/>
+      </a:schemeClr>
+    </dgm:fillClrLst>
+    <dgm:linClrLst meth="repeat">
+      <a:schemeClr val="accent3"/>
+    </dgm:linClrLst>
+    <dgm:effectClrLst/>
+    <dgm:txLinClrLst/>
+    <dgm:txFillClrLst meth="repeat">
+      <a:schemeClr val="lt1"/>
+    </dgm:txFillClrLst>
+    <dgm:txEffectClrLst/>
+  </dgm:styleLbl>
+  <dgm:styleLbl name="fgShp">
+    <dgm:fillClrLst meth="repeat">
+      <a:schemeClr val="accent3">
+        <a:tint val="40000"/>
+      </a:schemeClr>
+    </dgm:fillClrLst>
+    <dgm:linClrLst meth="repeat">
+      <a:schemeClr val="lt1"/>
+    </dgm:linClrLst>
+    <dgm:effectClrLst/>
+    <dgm:txLinClrLst/>
+    <dgm:txFillClrLst meth="repeat">
+      <a:schemeClr val="dk1"/>
+    </dgm:txFillClrLst>
+    <dgm:txEffectClrLst/>
+  </dgm:styleLbl>
+  <dgm:styleLbl name="revTx">
+    <dgm:fillClrLst meth="repeat">
+      <a:schemeClr val="lt1">
+        <a:alpha val="0"/>
+      </a:schemeClr>
+    </dgm:fillClrLst>
+    <dgm:linClrLst meth="repeat">
+      <a:schemeClr val="dk1">
+        <a:alpha val="0"/>
+      </a:schemeClr>
+    </dgm:linClrLst>
+    <dgm:effectClrLst/>
+    <dgm:txLinClrLst/>
+    <dgm:txFillClrLst meth="repeat">
+      <a:schemeClr val="tx1"/>
+    </dgm:txFillClrLst>
+    <dgm:txEffectClrLst/>
+  </dgm:styleLbl>
+</dgm:colorsDef>
+</file>
+
+<file path=ppt/diagrams/colors2.xml><?xml version="1.0" encoding="utf-8"?>
 <dgm:colorsDef xmlns:dgm="http://schemas.openxmlformats.org/drawingml/2006/diagram" xmlns:a="http://schemas.openxmlformats.org/drawingml/2006/main" uniqueId="urn:microsoft.com/office/officeart/2005/8/colors/colorful1">
   <dgm:title val=""/>
   <dgm:desc val=""/>
@@ -1206,6 +1988,257 @@
 </file>
 
 <file path=ppt/diagrams/data1.xml><?xml version="1.0" encoding="utf-8"?>
+<dgm:dataModel xmlns:dgm="http://schemas.openxmlformats.org/drawingml/2006/diagram" xmlns:a="http://schemas.openxmlformats.org/drawingml/2006/main">
+  <dgm:ptLst>
+    <dgm:pt modelId="{50FFE2C4-4535-7047-A3A6-B33E3FEE45C7}" type="doc">
+      <dgm:prSet loTypeId="urn:microsoft.com/office/officeart/2005/8/layout/default" loCatId="" qsTypeId="urn:microsoft.com/office/officeart/2005/8/quickstyle/simple1" qsCatId="simple" csTypeId="urn:microsoft.com/office/officeart/2005/8/colors/colorful3" csCatId="colorful" phldr="1"/>
+      <dgm:spPr/>
+      <dgm:t>
+        <a:bodyPr/>
+        <a:lstStyle/>
+        <a:p>
+          <a:endParaRPr lang="en-US"/>
+        </a:p>
+      </dgm:t>
+    </dgm:pt>
+    <dgm:pt modelId="{72603DCF-EAFB-4949-83A9-24F80F8CAA52}">
+      <dgm:prSet phldrT="[Text]"/>
+      <dgm:spPr>
+        <a:solidFill>
+          <a:srgbClr val="005493"/>
+        </a:solidFill>
+      </dgm:spPr>
+      <dgm:t>
+        <a:bodyPr/>
+        <a:lstStyle/>
+        <a:p>
+          <a:r>
+            <a:rPr lang="en-US" dirty="0"/>
+            <a:t>Core Project</a:t>
+          </a:r>
+        </a:p>
+      </dgm:t>
+    </dgm:pt>
+    <dgm:pt modelId="{5E3A4147-D107-544F-8483-72F5744676F7}" type="parTrans" cxnId="{20816208-0566-8847-B257-12031CC4D5BE}">
+      <dgm:prSet/>
+      <dgm:spPr/>
+      <dgm:t>
+        <a:bodyPr/>
+        <a:lstStyle/>
+        <a:p>
+          <a:endParaRPr lang="en-US"/>
+        </a:p>
+      </dgm:t>
+    </dgm:pt>
+    <dgm:pt modelId="{BD8435A3-DCC5-6542-9D49-B05321331C80}" type="sibTrans" cxnId="{20816208-0566-8847-B257-12031CC4D5BE}">
+      <dgm:prSet/>
+      <dgm:spPr/>
+      <dgm:t>
+        <a:bodyPr/>
+        <a:lstStyle/>
+        <a:p>
+          <a:endParaRPr lang="en-US"/>
+        </a:p>
+      </dgm:t>
+    </dgm:pt>
+    <dgm:pt modelId="{CF3B8DF6-BD9B-3E4D-B9E3-9CCBE85B1170}">
+      <dgm:prSet phldrT="[Text]"/>
+      <dgm:spPr/>
+      <dgm:t>
+        <a:bodyPr/>
+        <a:lstStyle/>
+        <a:p>
+          <a:r>
+            <a:rPr lang="en-US" b="0"/>
+            <a:t>Applying Additional Topics</a:t>
+          </a:r>
+          <a:endParaRPr lang="en-US" b="0" dirty="0"/>
+        </a:p>
+      </dgm:t>
+    </dgm:pt>
+    <dgm:pt modelId="{D2AC1238-C4B5-2749-8704-FF0828FB51E9}" type="parTrans" cxnId="{45848362-D7CD-A045-906E-2335C7F17D18}">
+      <dgm:prSet/>
+      <dgm:spPr/>
+      <dgm:t>
+        <a:bodyPr/>
+        <a:lstStyle/>
+        <a:p>
+          <a:endParaRPr lang="en-US"/>
+        </a:p>
+      </dgm:t>
+    </dgm:pt>
+    <dgm:pt modelId="{7FAECF76-7BB8-8A4C-9E8E-A3B0A09E2CE7}" type="sibTrans" cxnId="{45848362-D7CD-A045-906E-2335C7F17D18}">
+      <dgm:prSet/>
+      <dgm:spPr/>
+      <dgm:t>
+        <a:bodyPr/>
+        <a:lstStyle/>
+        <a:p>
+          <a:endParaRPr lang="en-US"/>
+        </a:p>
+      </dgm:t>
+    </dgm:pt>
+    <dgm:pt modelId="{D539D8C2-E788-2942-8CAF-D6EAC59D1CE7}">
+      <dgm:prSet phldrT="[Text]"/>
+      <dgm:spPr>
+        <a:solidFill>
+          <a:schemeClr val="tx2">
+            <a:lumMod val="50000"/>
+          </a:schemeClr>
+        </a:solidFill>
+      </dgm:spPr>
+      <dgm:t>
+        <a:bodyPr/>
+        <a:lstStyle/>
+        <a:p>
+          <a:r>
+            <a:rPr lang="en-US" dirty="0"/>
+            <a:t>Class Discussions (and attendance)</a:t>
+          </a:r>
+        </a:p>
+      </dgm:t>
+    </dgm:pt>
+    <dgm:pt modelId="{819C681A-282B-6D4A-A341-5D7DEDFC47C3}" type="parTrans" cxnId="{40713670-15AA-A140-8A8A-92B373544F9C}">
+      <dgm:prSet/>
+      <dgm:spPr/>
+      <dgm:t>
+        <a:bodyPr/>
+        <a:lstStyle/>
+        <a:p>
+          <a:endParaRPr lang="en-US"/>
+        </a:p>
+      </dgm:t>
+    </dgm:pt>
+    <dgm:pt modelId="{17094715-8C75-DD44-87A9-590C5CBA5DF7}" type="sibTrans" cxnId="{40713670-15AA-A140-8A8A-92B373544F9C}">
+      <dgm:prSet/>
+      <dgm:spPr/>
+      <dgm:t>
+        <a:bodyPr/>
+        <a:lstStyle/>
+        <a:p>
+          <a:endParaRPr lang="en-US"/>
+        </a:p>
+      </dgm:t>
+    </dgm:pt>
+    <dgm:pt modelId="{011BAD0E-2B36-7242-91D6-BAD748A75EEF}">
+      <dgm:prSet phldrT="[Text]"/>
+      <dgm:spPr/>
+      <dgm:t>
+        <a:bodyPr/>
+        <a:lstStyle/>
+        <a:p>
+          <a:r>
+            <a:rPr lang="en-US" dirty="0"/>
+            <a:t>Midterm Exam</a:t>
+          </a:r>
+        </a:p>
+      </dgm:t>
+    </dgm:pt>
+    <dgm:pt modelId="{5CF54E54-D7D1-7941-B074-4E547EBEA6AF}" type="parTrans" cxnId="{37EDEC88-E870-1446-B296-2E5359781D1D}">
+      <dgm:prSet/>
+      <dgm:spPr/>
+      <dgm:t>
+        <a:bodyPr/>
+        <a:lstStyle/>
+        <a:p>
+          <a:endParaRPr lang="en-US"/>
+        </a:p>
+      </dgm:t>
+    </dgm:pt>
+    <dgm:pt modelId="{0AD00A38-A38A-5E49-BB68-0F2A5052FD1A}" type="sibTrans" cxnId="{37EDEC88-E870-1446-B296-2E5359781D1D}">
+      <dgm:prSet/>
+      <dgm:spPr/>
+      <dgm:t>
+        <a:bodyPr/>
+        <a:lstStyle/>
+        <a:p>
+          <a:endParaRPr lang="en-US"/>
+        </a:p>
+      </dgm:t>
+    </dgm:pt>
+    <dgm:pt modelId="{BAE9CF11-92DE-3C45-BF17-0699AB814C72}" type="pres">
+      <dgm:prSet presAssocID="{50FFE2C4-4535-7047-A3A6-B33E3FEE45C7}" presName="diagram" presStyleCnt="0">
+        <dgm:presLayoutVars>
+          <dgm:dir/>
+          <dgm:resizeHandles val="exact"/>
+        </dgm:presLayoutVars>
+      </dgm:prSet>
+      <dgm:spPr/>
+    </dgm:pt>
+    <dgm:pt modelId="{4CD81653-D648-9340-AD40-53462091BDB5}" type="pres">
+      <dgm:prSet presAssocID="{72603DCF-EAFB-4949-83A9-24F80F8CAA52}" presName="node" presStyleLbl="node1" presStyleIdx="0" presStyleCnt="4">
+        <dgm:presLayoutVars>
+          <dgm:bulletEnabled val="1"/>
+        </dgm:presLayoutVars>
+      </dgm:prSet>
+      <dgm:spPr/>
+    </dgm:pt>
+    <dgm:pt modelId="{424AAF56-92CC-C34C-A319-DBCC97E9138D}" type="pres">
+      <dgm:prSet presAssocID="{BD8435A3-DCC5-6542-9D49-B05321331C80}" presName="sibTrans" presStyleCnt="0"/>
+      <dgm:spPr/>
+    </dgm:pt>
+    <dgm:pt modelId="{B7172FE3-1AA5-754A-9BD0-CB02AAA24545}" type="pres">
+      <dgm:prSet presAssocID="{CF3B8DF6-BD9B-3E4D-B9E3-9CCBE85B1170}" presName="node" presStyleLbl="node1" presStyleIdx="1" presStyleCnt="4">
+        <dgm:presLayoutVars>
+          <dgm:bulletEnabled val="1"/>
+        </dgm:presLayoutVars>
+      </dgm:prSet>
+      <dgm:spPr/>
+    </dgm:pt>
+    <dgm:pt modelId="{D52733D0-F981-0040-BE20-3BDE7C822361}" type="pres">
+      <dgm:prSet presAssocID="{7FAECF76-7BB8-8A4C-9E8E-A3B0A09E2CE7}" presName="sibTrans" presStyleCnt="0"/>
+      <dgm:spPr/>
+    </dgm:pt>
+    <dgm:pt modelId="{AA9738A4-EF10-CA4A-9B99-349D2DF0F814}" type="pres">
+      <dgm:prSet presAssocID="{D539D8C2-E788-2942-8CAF-D6EAC59D1CE7}" presName="node" presStyleLbl="node1" presStyleIdx="2" presStyleCnt="4">
+        <dgm:presLayoutVars>
+          <dgm:bulletEnabled val="1"/>
+        </dgm:presLayoutVars>
+      </dgm:prSet>
+      <dgm:spPr/>
+    </dgm:pt>
+    <dgm:pt modelId="{25C1AAC7-767F-C14E-8602-E2E44C31700E}" type="pres">
+      <dgm:prSet presAssocID="{17094715-8C75-DD44-87A9-590C5CBA5DF7}" presName="sibTrans" presStyleCnt="0"/>
+      <dgm:spPr/>
+    </dgm:pt>
+    <dgm:pt modelId="{461B56CF-25D3-6946-AA5B-3ADA16F0588E}" type="pres">
+      <dgm:prSet presAssocID="{011BAD0E-2B36-7242-91D6-BAD748A75EEF}" presName="node" presStyleLbl="node1" presStyleIdx="3" presStyleCnt="4">
+        <dgm:presLayoutVars>
+          <dgm:bulletEnabled val="1"/>
+        </dgm:presLayoutVars>
+      </dgm:prSet>
+      <dgm:spPr/>
+    </dgm:pt>
+  </dgm:ptLst>
+  <dgm:cxnLst>
+    <dgm:cxn modelId="{20816208-0566-8847-B257-12031CC4D5BE}" srcId="{50FFE2C4-4535-7047-A3A6-B33E3FEE45C7}" destId="{72603DCF-EAFB-4949-83A9-24F80F8CAA52}" srcOrd="0" destOrd="0" parTransId="{5E3A4147-D107-544F-8483-72F5744676F7}" sibTransId="{BD8435A3-DCC5-6542-9D49-B05321331C80}"/>
+    <dgm:cxn modelId="{E8B3D51E-4E5D-2646-9A9A-C6523BAB0D03}" type="presOf" srcId="{D539D8C2-E788-2942-8CAF-D6EAC59D1CE7}" destId="{AA9738A4-EF10-CA4A-9B99-349D2DF0F814}" srcOrd="0" destOrd="0" presId="urn:microsoft.com/office/officeart/2005/8/layout/default"/>
+    <dgm:cxn modelId="{45848362-D7CD-A045-906E-2335C7F17D18}" srcId="{50FFE2C4-4535-7047-A3A6-B33E3FEE45C7}" destId="{CF3B8DF6-BD9B-3E4D-B9E3-9CCBE85B1170}" srcOrd="1" destOrd="0" parTransId="{D2AC1238-C4B5-2749-8704-FF0828FB51E9}" sibTransId="{7FAECF76-7BB8-8A4C-9E8E-A3B0A09E2CE7}"/>
+    <dgm:cxn modelId="{40713670-15AA-A140-8A8A-92B373544F9C}" srcId="{50FFE2C4-4535-7047-A3A6-B33E3FEE45C7}" destId="{D539D8C2-E788-2942-8CAF-D6EAC59D1CE7}" srcOrd="2" destOrd="0" parTransId="{819C681A-282B-6D4A-A341-5D7DEDFC47C3}" sibTransId="{17094715-8C75-DD44-87A9-590C5CBA5DF7}"/>
+    <dgm:cxn modelId="{0403CE78-862E-AB4D-8B99-37BA396B593C}" type="presOf" srcId="{CF3B8DF6-BD9B-3E4D-B9E3-9CCBE85B1170}" destId="{B7172FE3-1AA5-754A-9BD0-CB02AAA24545}" srcOrd="0" destOrd="0" presId="urn:microsoft.com/office/officeart/2005/8/layout/default"/>
+    <dgm:cxn modelId="{37EDEC88-E870-1446-B296-2E5359781D1D}" srcId="{50FFE2C4-4535-7047-A3A6-B33E3FEE45C7}" destId="{011BAD0E-2B36-7242-91D6-BAD748A75EEF}" srcOrd="3" destOrd="0" parTransId="{5CF54E54-D7D1-7941-B074-4E547EBEA6AF}" sibTransId="{0AD00A38-A38A-5E49-BB68-0F2A5052FD1A}"/>
+    <dgm:cxn modelId="{7CFB1395-351D-F640-BA73-6B5F516211B9}" type="presOf" srcId="{50FFE2C4-4535-7047-A3A6-B33E3FEE45C7}" destId="{BAE9CF11-92DE-3C45-BF17-0699AB814C72}" srcOrd="0" destOrd="0" presId="urn:microsoft.com/office/officeart/2005/8/layout/default"/>
+    <dgm:cxn modelId="{8AFBC0F2-AAF6-7E4F-8CA3-B444AEA0EF36}" type="presOf" srcId="{011BAD0E-2B36-7242-91D6-BAD748A75EEF}" destId="{461B56CF-25D3-6946-AA5B-3ADA16F0588E}" srcOrd="0" destOrd="0" presId="urn:microsoft.com/office/officeart/2005/8/layout/default"/>
+    <dgm:cxn modelId="{1DCC6EF9-24B2-344D-84FF-C1B61F993376}" type="presOf" srcId="{72603DCF-EAFB-4949-83A9-24F80F8CAA52}" destId="{4CD81653-D648-9340-AD40-53462091BDB5}" srcOrd="0" destOrd="0" presId="urn:microsoft.com/office/officeart/2005/8/layout/default"/>
+    <dgm:cxn modelId="{04100456-DA19-1940-965E-EFFA9A299FFC}" type="presParOf" srcId="{BAE9CF11-92DE-3C45-BF17-0699AB814C72}" destId="{4CD81653-D648-9340-AD40-53462091BDB5}" srcOrd="0" destOrd="0" presId="urn:microsoft.com/office/officeart/2005/8/layout/default"/>
+    <dgm:cxn modelId="{83A851B1-CD83-664F-9472-E069CFD22627}" type="presParOf" srcId="{BAE9CF11-92DE-3C45-BF17-0699AB814C72}" destId="{424AAF56-92CC-C34C-A319-DBCC97E9138D}" srcOrd="1" destOrd="0" presId="urn:microsoft.com/office/officeart/2005/8/layout/default"/>
+    <dgm:cxn modelId="{F67AF06E-FB71-4048-B133-41936471A8C6}" type="presParOf" srcId="{BAE9CF11-92DE-3C45-BF17-0699AB814C72}" destId="{B7172FE3-1AA5-754A-9BD0-CB02AAA24545}" srcOrd="2" destOrd="0" presId="urn:microsoft.com/office/officeart/2005/8/layout/default"/>
+    <dgm:cxn modelId="{FD2E94BA-F3B5-7A41-807D-2A762FA830B9}" type="presParOf" srcId="{BAE9CF11-92DE-3C45-BF17-0699AB814C72}" destId="{D52733D0-F981-0040-BE20-3BDE7C822361}" srcOrd="3" destOrd="0" presId="urn:microsoft.com/office/officeart/2005/8/layout/default"/>
+    <dgm:cxn modelId="{96D77225-47CB-B347-8E16-D53D2690E29B}" type="presParOf" srcId="{BAE9CF11-92DE-3C45-BF17-0699AB814C72}" destId="{AA9738A4-EF10-CA4A-9B99-349D2DF0F814}" srcOrd="4" destOrd="0" presId="urn:microsoft.com/office/officeart/2005/8/layout/default"/>
+    <dgm:cxn modelId="{7131FB35-B877-2949-8D9C-C1819F682FC3}" type="presParOf" srcId="{BAE9CF11-92DE-3C45-BF17-0699AB814C72}" destId="{25C1AAC7-767F-C14E-8602-E2E44C31700E}" srcOrd="5" destOrd="0" presId="urn:microsoft.com/office/officeart/2005/8/layout/default"/>
+    <dgm:cxn modelId="{0D04A568-9DA1-1440-98D8-51A8F6AFC8C9}" type="presParOf" srcId="{BAE9CF11-92DE-3C45-BF17-0699AB814C72}" destId="{461B56CF-25D3-6946-AA5B-3ADA16F0588E}" srcOrd="6" destOrd="0" presId="urn:microsoft.com/office/officeart/2005/8/layout/default"/>
+  </dgm:cxnLst>
+  <dgm:bg/>
+  <dgm:whole/>
+  <dgm:extLst>
+    <a:ext uri="http://schemas.microsoft.com/office/drawing/2008/diagram">
+      <dsp:dataModelExt xmlns:dsp="http://schemas.microsoft.com/office/drawing/2008/diagram" relId="rId6" minVer="http://schemas.openxmlformats.org/drawingml/2006/diagram"/>
+    </a:ext>
+  </dgm:extLst>
+</dgm:dataModel>
+</file>
+
+<file path=ppt/diagrams/data2.xml><?xml version="1.0" encoding="utf-8"?>
 <dgm:dataModel xmlns:dgm="http://schemas.openxmlformats.org/drawingml/2006/diagram" xmlns:a="http://schemas.openxmlformats.org/drawingml/2006/main">
   <dgm:ptLst>
     <dgm:pt modelId="{E9FB0F4E-6967-3B44-A32F-E8B1C7AE98D5}" type="doc">
@@ -2453,6 +3486,319 @@
 </file>
 
 <file path=ppt/diagrams/drawing1.xml><?xml version="1.0" encoding="utf-8"?>
+<dsp:drawing xmlns:dgm="http://schemas.openxmlformats.org/drawingml/2006/diagram" xmlns:dsp="http://schemas.microsoft.com/office/drawing/2008/diagram" xmlns:a="http://schemas.openxmlformats.org/drawingml/2006/main">
+  <dsp:spTree>
+    <dsp:nvGrpSpPr>
+      <dsp:cNvPr id="0" name=""/>
+      <dsp:cNvGrpSpPr/>
+    </dsp:nvGrpSpPr>
+    <dsp:grpSpPr/>
+    <dsp:sp modelId="{4CD81653-D648-9340-AD40-53462091BDB5}">
+      <dsp:nvSpPr>
+        <dsp:cNvPr id="0" name=""/>
+        <dsp:cNvSpPr/>
+      </dsp:nvSpPr>
+      <dsp:spPr>
+        <a:xfrm>
+          <a:off x="125397" y="367"/>
+          <a:ext cx="2115442" cy="1269265"/>
+        </a:xfrm>
+        <a:prstGeom prst="rect">
+          <a:avLst/>
+        </a:prstGeom>
+        <a:solidFill>
+          <a:srgbClr val="005493"/>
+        </a:solidFill>
+        <a:ln w="25400" cap="flat" cmpd="sng" algn="ctr">
+          <a:solidFill>
+            <a:schemeClr val="lt1">
+              <a:hueOff val="0"/>
+              <a:satOff val="0"/>
+              <a:lumOff val="0"/>
+              <a:alphaOff val="0"/>
+            </a:schemeClr>
+          </a:solidFill>
+          <a:prstDash val="solid"/>
+        </a:ln>
+        <a:effectLst/>
+      </dsp:spPr>
+      <dsp:style>
+        <a:lnRef idx="2">
+          <a:scrgbClr r="0" g="0" b="0"/>
+        </a:lnRef>
+        <a:fillRef idx="1">
+          <a:scrgbClr r="0" g="0" b="0"/>
+        </a:fillRef>
+        <a:effectRef idx="0">
+          <a:scrgbClr r="0" g="0" b="0"/>
+        </a:effectRef>
+        <a:fontRef idx="minor">
+          <a:schemeClr val="lt1"/>
+        </a:fontRef>
+      </dsp:style>
+      <dsp:txBody>
+        <a:bodyPr spcFirstLastPara="0" vert="horz" wrap="square" lIns="80010" tIns="80010" rIns="80010" bIns="80010" numCol="1" spcCol="1270" anchor="ctr" anchorCtr="0">
+          <a:noAutofit/>
+        </a:bodyPr>
+        <a:lstStyle/>
+        <a:p>
+          <a:pPr marL="0" lvl="0" indent="0" algn="ctr" defTabSz="933450">
+            <a:lnSpc>
+              <a:spcPct val="90000"/>
+            </a:lnSpc>
+            <a:spcBef>
+              <a:spcPct val="0"/>
+            </a:spcBef>
+            <a:spcAft>
+              <a:spcPct val="35000"/>
+            </a:spcAft>
+            <a:buNone/>
+          </a:pPr>
+          <a:r>
+            <a:rPr lang="en-US" sz="2100" kern="1200" dirty="0"/>
+            <a:t>Core Project</a:t>
+          </a:r>
+        </a:p>
+      </dsp:txBody>
+      <dsp:txXfrm>
+        <a:off x="125397" y="367"/>
+        <a:ext cx="2115442" cy="1269265"/>
+      </dsp:txXfrm>
+    </dsp:sp>
+    <dsp:sp modelId="{B7172FE3-1AA5-754A-9BD0-CB02AAA24545}">
+      <dsp:nvSpPr>
+        <dsp:cNvPr id="0" name=""/>
+        <dsp:cNvSpPr/>
+      </dsp:nvSpPr>
+      <dsp:spPr>
+        <a:xfrm>
+          <a:off x="2452384" y="367"/>
+          <a:ext cx="2115442" cy="1269265"/>
+        </a:xfrm>
+        <a:prstGeom prst="rect">
+          <a:avLst/>
+        </a:prstGeom>
+        <a:solidFill>
+          <a:schemeClr val="accent3">
+            <a:hueOff val="-3327773"/>
+            <a:satOff val="28205"/>
+            <a:lumOff val="2810"/>
+            <a:alphaOff val="0"/>
+          </a:schemeClr>
+        </a:solidFill>
+        <a:ln w="25400" cap="flat" cmpd="sng" algn="ctr">
+          <a:solidFill>
+            <a:schemeClr val="lt1">
+              <a:hueOff val="0"/>
+              <a:satOff val="0"/>
+              <a:lumOff val="0"/>
+              <a:alphaOff val="0"/>
+            </a:schemeClr>
+          </a:solidFill>
+          <a:prstDash val="solid"/>
+        </a:ln>
+        <a:effectLst/>
+      </dsp:spPr>
+      <dsp:style>
+        <a:lnRef idx="2">
+          <a:scrgbClr r="0" g="0" b="0"/>
+        </a:lnRef>
+        <a:fillRef idx="1">
+          <a:scrgbClr r="0" g="0" b="0"/>
+        </a:fillRef>
+        <a:effectRef idx="0">
+          <a:scrgbClr r="0" g="0" b="0"/>
+        </a:effectRef>
+        <a:fontRef idx="minor">
+          <a:schemeClr val="lt1"/>
+        </a:fontRef>
+      </dsp:style>
+      <dsp:txBody>
+        <a:bodyPr spcFirstLastPara="0" vert="horz" wrap="square" lIns="80010" tIns="80010" rIns="80010" bIns="80010" numCol="1" spcCol="1270" anchor="ctr" anchorCtr="0">
+          <a:noAutofit/>
+        </a:bodyPr>
+        <a:lstStyle/>
+        <a:p>
+          <a:pPr marL="0" lvl="0" indent="0" algn="ctr" defTabSz="933450">
+            <a:lnSpc>
+              <a:spcPct val="90000"/>
+            </a:lnSpc>
+            <a:spcBef>
+              <a:spcPct val="0"/>
+            </a:spcBef>
+            <a:spcAft>
+              <a:spcPct val="35000"/>
+            </a:spcAft>
+            <a:buNone/>
+          </a:pPr>
+          <a:r>
+            <a:rPr lang="en-US" sz="2100" b="0" kern="1200"/>
+            <a:t>Applying Additional Topics</a:t>
+          </a:r>
+          <a:endParaRPr lang="en-US" sz="2100" b="0" kern="1200" dirty="0"/>
+        </a:p>
+      </dsp:txBody>
+      <dsp:txXfrm>
+        <a:off x="2452384" y="367"/>
+        <a:ext cx="2115442" cy="1269265"/>
+      </dsp:txXfrm>
+    </dsp:sp>
+    <dsp:sp modelId="{AA9738A4-EF10-CA4A-9B99-349D2DF0F814}">
+      <dsp:nvSpPr>
+        <dsp:cNvPr id="0" name=""/>
+        <dsp:cNvSpPr/>
+      </dsp:nvSpPr>
+      <dsp:spPr>
+        <a:xfrm>
+          <a:off x="4779372" y="367"/>
+          <a:ext cx="2115442" cy="1269265"/>
+        </a:xfrm>
+        <a:prstGeom prst="rect">
+          <a:avLst/>
+        </a:prstGeom>
+        <a:solidFill>
+          <a:schemeClr val="tx2">
+            <a:lumMod val="50000"/>
+          </a:schemeClr>
+        </a:solidFill>
+        <a:ln w="25400" cap="flat" cmpd="sng" algn="ctr">
+          <a:solidFill>
+            <a:schemeClr val="lt1">
+              <a:hueOff val="0"/>
+              <a:satOff val="0"/>
+              <a:lumOff val="0"/>
+              <a:alphaOff val="0"/>
+            </a:schemeClr>
+          </a:solidFill>
+          <a:prstDash val="solid"/>
+        </a:ln>
+        <a:effectLst/>
+      </dsp:spPr>
+      <dsp:style>
+        <a:lnRef idx="2">
+          <a:scrgbClr r="0" g="0" b="0"/>
+        </a:lnRef>
+        <a:fillRef idx="1">
+          <a:scrgbClr r="0" g="0" b="0"/>
+        </a:fillRef>
+        <a:effectRef idx="0">
+          <a:scrgbClr r="0" g="0" b="0"/>
+        </a:effectRef>
+        <a:fontRef idx="minor">
+          <a:schemeClr val="lt1"/>
+        </a:fontRef>
+      </dsp:style>
+      <dsp:txBody>
+        <a:bodyPr spcFirstLastPara="0" vert="horz" wrap="square" lIns="80010" tIns="80010" rIns="80010" bIns="80010" numCol="1" spcCol="1270" anchor="ctr" anchorCtr="0">
+          <a:noAutofit/>
+        </a:bodyPr>
+        <a:lstStyle/>
+        <a:p>
+          <a:pPr marL="0" lvl="0" indent="0" algn="ctr" defTabSz="933450">
+            <a:lnSpc>
+              <a:spcPct val="90000"/>
+            </a:lnSpc>
+            <a:spcBef>
+              <a:spcPct val="0"/>
+            </a:spcBef>
+            <a:spcAft>
+              <a:spcPct val="35000"/>
+            </a:spcAft>
+            <a:buNone/>
+          </a:pPr>
+          <a:r>
+            <a:rPr lang="en-US" sz="2100" kern="1200" dirty="0"/>
+            <a:t>Class Discussions (and attendance)</a:t>
+          </a:r>
+        </a:p>
+      </dsp:txBody>
+      <dsp:txXfrm>
+        <a:off x="4779372" y="367"/>
+        <a:ext cx="2115442" cy="1269265"/>
+      </dsp:txXfrm>
+    </dsp:sp>
+    <dsp:sp modelId="{461B56CF-25D3-6946-AA5B-3ADA16F0588E}">
+      <dsp:nvSpPr>
+        <dsp:cNvPr id="0" name=""/>
+        <dsp:cNvSpPr/>
+      </dsp:nvSpPr>
+      <dsp:spPr>
+        <a:xfrm>
+          <a:off x="7106359" y="367"/>
+          <a:ext cx="2115442" cy="1269265"/>
+        </a:xfrm>
+        <a:prstGeom prst="rect">
+          <a:avLst/>
+        </a:prstGeom>
+        <a:solidFill>
+          <a:schemeClr val="accent3">
+            <a:hueOff val="-9983320"/>
+            <a:satOff val="84615"/>
+            <a:lumOff val="8431"/>
+            <a:alphaOff val="0"/>
+          </a:schemeClr>
+        </a:solidFill>
+        <a:ln w="25400" cap="flat" cmpd="sng" algn="ctr">
+          <a:solidFill>
+            <a:schemeClr val="lt1">
+              <a:hueOff val="0"/>
+              <a:satOff val="0"/>
+              <a:lumOff val="0"/>
+              <a:alphaOff val="0"/>
+            </a:schemeClr>
+          </a:solidFill>
+          <a:prstDash val="solid"/>
+        </a:ln>
+        <a:effectLst/>
+      </dsp:spPr>
+      <dsp:style>
+        <a:lnRef idx="2">
+          <a:scrgbClr r="0" g="0" b="0"/>
+        </a:lnRef>
+        <a:fillRef idx="1">
+          <a:scrgbClr r="0" g="0" b="0"/>
+        </a:fillRef>
+        <a:effectRef idx="0">
+          <a:scrgbClr r="0" g="0" b="0"/>
+        </a:effectRef>
+        <a:fontRef idx="minor">
+          <a:schemeClr val="lt1"/>
+        </a:fontRef>
+      </dsp:style>
+      <dsp:txBody>
+        <a:bodyPr spcFirstLastPara="0" vert="horz" wrap="square" lIns="80010" tIns="80010" rIns="80010" bIns="80010" numCol="1" spcCol="1270" anchor="ctr" anchorCtr="0">
+          <a:noAutofit/>
+        </a:bodyPr>
+        <a:lstStyle/>
+        <a:p>
+          <a:pPr marL="0" lvl="0" indent="0" algn="ctr" defTabSz="933450">
+            <a:lnSpc>
+              <a:spcPct val="90000"/>
+            </a:lnSpc>
+            <a:spcBef>
+              <a:spcPct val="0"/>
+            </a:spcBef>
+            <a:spcAft>
+              <a:spcPct val="35000"/>
+            </a:spcAft>
+            <a:buNone/>
+          </a:pPr>
+          <a:r>
+            <a:rPr lang="en-US" sz="2100" kern="1200" dirty="0"/>
+            <a:t>Midterm Exam</a:t>
+          </a:r>
+        </a:p>
+      </dsp:txBody>
+      <dsp:txXfrm>
+        <a:off x="7106359" y="367"/>
+        <a:ext cx="2115442" cy="1269265"/>
+      </dsp:txXfrm>
+    </dsp:sp>
+  </dsp:spTree>
+</dsp:drawing>
+</file>
+
+<file path=ppt/diagrams/drawing2.xml><?xml version="1.0" encoding="utf-8"?>
 <dsp:drawing xmlns:dgm="http://schemas.openxmlformats.org/drawingml/2006/diagram" xmlns:dsp="http://schemas.microsoft.com/office/drawing/2008/diagram" xmlns:a="http://schemas.openxmlformats.org/drawingml/2006/main">
   <dsp:spTree>
     <dsp:nvGrpSpPr>
@@ -4087,6 +5433,153 @@
 </file>
 
 <file path=ppt/diagrams/layout1.xml><?xml version="1.0" encoding="utf-8"?>
+<dgm:layoutDef xmlns:dgm="http://schemas.openxmlformats.org/drawingml/2006/diagram" xmlns:a="http://schemas.openxmlformats.org/drawingml/2006/main" uniqueId="urn:microsoft.com/office/officeart/2005/8/layout/default">
+  <dgm:title val=""/>
+  <dgm:desc val=""/>
+  <dgm:catLst>
+    <dgm:cat type="list" pri="400"/>
+  </dgm:catLst>
+  <dgm:sampData>
+    <dgm:dataModel>
+      <dgm:ptLst>
+        <dgm:pt modelId="0" type="doc"/>
+        <dgm:pt modelId="1">
+          <dgm:prSet phldr="1"/>
+        </dgm:pt>
+        <dgm:pt modelId="2">
+          <dgm:prSet phldr="1"/>
+        </dgm:pt>
+        <dgm:pt modelId="3">
+          <dgm:prSet phldr="1"/>
+        </dgm:pt>
+        <dgm:pt modelId="4">
+          <dgm:prSet phldr="1"/>
+        </dgm:pt>
+        <dgm:pt modelId="5">
+          <dgm:prSet phldr="1"/>
+        </dgm:pt>
+      </dgm:ptLst>
+      <dgm:cxnLst>
+        <dgm:cxn modelId="6" srcId="0" destId="1" srcOrd="0" destOrd="0"/>
+        <dgm:cxn modelId="7" srcId="0" destId="2" srcOrd="1" destOrd="0"/>
+        <dgm:cxn modelId="8" srcId="0" destId="3" srcOrd="2" destOrd="0"/>
+        <dgm:cxn modelId="9" srcId="0" destId="4" srcOrd="3" destOrd="0"/>
+        <dgm:cxn modelId="10" srcId="0" destId="5" srcOrd="4" destOrd="0"/>
+      </dgm:cxnLst>
+      <dgm:bg/>
+      <dgm:whole/>
+    </dgm:dataModel>
+  </dgm:sampData>
+  <dgm:styleData>
+    <dgm:dataModel>
+      <dgm:ptLst>
+        <dgm:pt modelId="0" type="doc"/>
+        <dgm:pt modelId="1"/>
+        <dgm:pt modelId="2"/>
+      </dgm:ptLst>
+      <dgm:cxnLst>
+        <dgm:cxn modelId="3" srcId="0" destId="1" srcOrd="0" destOrd="0"/>
+        <dgm:cxn modelId="4" srcId="0" destId="2" srcOrd="1" destOrd="0"/>
+      </dgm:cxnLst>
+      <dgm:bg/>
+      <dgm:whole/>
+    </dgm:dataModel>
+  </dgm:styleData>
+  <dgm:clrData>
+    <dgm:dataModel>
+      <dgm:ptLst>
+        <dgm:pt modelId="0" type="doc"/>
+        <dgm:pt modelId="1"/>
+        <dgm:pt modelId="2"/>
+        <dgm:pt modelId="3"/>
+        <dgm:pt modelId="4"/>
+        <dgm:pt modelId="5"/>
+        <dgm:pt modelId="6"/>
+      </dgm:ptLst>
+      <dgm:cxnLst>
+        <dgm:cxn modelId="7" srcId="0" destId="1" srcOrd="0" destOrd="0"/>
+        <dgm:cxn modelId="8" srcId="0" destId="2" srcOrd="1" destOrd="0"/>
+        <dgm:cxn modelId="9" srcId="0" destId="3" srcOrd="2" destOrd="0"/>
+        <dgm:cxn modelId="10" srcId="0" destId="4" srcOrd="3" destOrd="0"/>
+        <dgm:cxn modelId="11" srcId="0" destId="5" srcOrd="4" destOrd="0"/>
+        <dgm:cxn modelId="12" srcId="0" destId="6" srcOrd="5" destOrd="0"/>
+      </dgm:cxnLst>
+      <dgm:bg/>
+      <dgm:whole/>
+    </dgm:dataModel>
+  </dgm:clrData>
+  <dgm:layoutNode name="diagram">
+    <dgm:varLst>
+      <dgm:dir/>
+      <dgm:resizeHandles val="exact"/>
+    </dgm:varLst>
+    <dgm:choose name="Name0">
+      <dgm:if name="Name1" func="var" arg="dir" op="equ" val="norm">
+        <dgm:alg type="snake">
+          <dgm:param type="grDir" val="tL"/>
+          <dgm:param type="flowDir" val="row"/>
+          <dgm:param type="contDir" val="sameDir"/>
+          <dgm:param type="off" val="ctr"/>
+        </dgm:alg>
+      </dgm:if>
+      <dgm:else name="Name2">
+        <dgm:alg type="snake">
+          <dgm:param type="grDir" val="tR"/>
+          <dgm:param type="flowDir" val="row"/>
+          <dgm:param type="contDir" val="sameDir"/>
+          <dgm:param type="off" val="ctr"/>
+        </dgm:alg>
+      </dgm:else>
+    </dgm:choose>
+    <dgm:shape xmlns:r="http://schemas.openxmlformats.org/officeDocument/2006/relationships" r:blip="">
+      <dgm:adjLst/>
+    </dgm:shape>
+    <dgm:presOf/>
+    <dgm:constrLst>
+      <dgm:constr type="w" for="ch" forName="node" refType="w"/>
+      <dgm:constr type="h" for="ch" forName="node" refType="w" refFor="ch" refForName="node" fact="0.6"/>
+      <dgm:constr type="w" for="ch" forName="sibTrans" refType="w" refFor="ch" refForName="node" fact="0.1"/>
+      <dgm:constr type="sp" refType="w" refFor="ch" refForName="sibTrans"/>
+      <dgm:constr type="primFontSz" for="ch" forName="node" op="equ" val="65"/>
+    </dgm:constrLst>
+    <dgm:ruleLst/>
+    <dgm:forEach name="Name3" axis="ch" ptType="node">
+      <dgm:layoutNode name="node">
+        <dgm:varLst>
+          <dgm:bulletEnabled val="1"/>
+        </dgm:varLst>
+        <dgm:alg type="tx"/>
+        <dgm:shape xmlns:r="http://schemas.openxmlformats.org/officeDocument/2006/relationships" type="rect" r:blip="">
+          <dgm:adjLst/>
+        </dgm:shape>
+        <dgm:presOf axis="desOrSelf" ptType="node"/>
+        <dgm:constrLst>
+          <dgm:constr type="lMarg" refType="primFontSz" fact="0.3"/>
+          <dgm:constr type="rMarg" refType="primFontSz" fact="0.3"/>
+          <dgm:constr type="tMarg" refType="primFontSz" fact="0.3"/>
+          <dgm:constr type="bMarg" refType="primFontSz" fact="0.3"/>
+        </dgm:constrLst>
+        <dgm:ruleLst>
+          <dgm:rule type="primFontSz" val="5" fact="NaN" max="NaN"/>
+        </dgm:ruleLst>
+      </dgm:layoutNode>
+      <dgm:forEach name="Name4" axis="followSib" ptType="sibTrans" cnt="1">
+        <dgm:layoutNode name="sibTrans">
+          <dgm:alg type="sp"/>
+          <dgm:shape xmlns:r="http://schemas.openxmlformats.org/officeDocument/2006/relationships" r:blip="">
+            <dgm:adjLst/>
+          </dgm:shape>
+          <dgm:presOf/>
+          <dgm:constrLst/>
+          <dgm:ruleLst/>
+        </dgm:layoutNode>
+      </dgm:forEach>
+    </dgm:forEach>
+  </dgm:layoutNode>
+</dgm:layoutDef>
+</file>
+
+<file path=ppt/diagrams/layout2.xml><?xml version="1.0" encoding="utf-8"?>
 <dgm:layoutDef xmlns:dgm="http://schemas.openxmlformats.org/drawingml/2006/diagram" xmlns:a="http://schemas.openxmlformats.org/drawingml/2006/main" uniqueId="urn:microsoft.com/office/officeart/2005/8/layout/process5">
   <dgm:title val=""/>
   <dgm:desc val=""/>
@@ -4258,6 +5751,1040 @@
 </file>
 
 <file path=ppt/diagrams/quickStyle1.xml><?xml version="1.0" encoding="utf-8"?>
+<dgm:styleDef xmlns:dgm="http://schemas.openxmlformats.org/drawingml/2006/diagram" xmlns:a="http://schemas.openxmlformats.org/drawingml/2006/main" uniqueId="urn:microsoft.com/office/officeart/2005/8/quickstyle/simple1">
+  <dgm:title val=""/>
+  <dgm:desc val=""/>
+  <dgm:catLst>
+    <dgm:cat type="simple" pri="10100"/>
+  </dgm:catLst>
+  <dgm:scene3d>
+    <a:camera prst="orthographicFront"/>
+    <a:lightRig rig="threePt" dir="t"/>
+  </dgm:scene3d>
+  <dgm:styleLbl name="node0">
+    <dgm:scene3d>
+      <a:camera prst="orthographicFront"/>
+      <a:lightRig rig="threePt" dir="t"/>
+    </dgm:scene3d>
+    <dgm:sp3d/>
+    <dgm:txPr/>
+    <dgm:style>
+      <a:lnRef idx="2">
+        <a:scrgbClr r="0" g="0" b="0"/>
+      </a:lnRef>
+      <a:fillRef idx="1">
+        <a:scrgbClr r="0" g="0" b="0"/>
+      </a:fillRef>
+      <a:effectRef idx="0">
+        <a:scrgbClr r="0" g="0" b="0"/>
+      </a:effectRef>
+      <a:fontRef idx="minor">
+        <a:schemeClr val="lt1"/>
+      </a:fontRef>
+    </dgm:style>
+  </dgm:styleLbl>
+  <dgm:styleLbl name="lnNode1">
+    <dgm:scene3d>
+      <a:camera prst="orthographicFront"/>
+      <a:lightRig rig="threePt" dir="t"/>
+    </dgm:scene3d>
+    <dgm:sp3d/>
+    <dgm:txPr/>
+    <dgm:style>
+      <a:lnRef idx="2">
+        <a:scrgbClr r="0" g="0" b="0"/>
+      </a:lnRef>
+      <a:fillRef idx="1">
+        <a:scrgbClr r="0" g="0" b="0"/>
+      </a:fillRef>
+      <a:effectRef idx="0">
+        <a:scrgbClr r="0" g="0" b="0"/>
+      </a:effectRef>
+      <a:fontRef idx="minor">
+        <a:schemeClr val="lt1"/>
+      </a:fontRef>
+    </dgm:style>
+  </dgm:styleLbl>
+  <dgm:styleLbl name="vennNode1">
+    <dgm:scene3d>
+      <a:camera prst="orthographicFront"/>
+      <a:lightRig rig="threePt" dir="t"/>
+    </dgm:scene3d>
+    <dgm:sp3d/>
+    <dgm:txPr/>
+    <dgm:style>
+      <a:lnRef idx="2">
+        <a:scrgbClr r="0" g="0" b="0"/>
+      </a:lnRef>
+      <a:fillRef idx="1">
+        <a:scrgbClr r="0" g="0" b="0"/>
+      </a:fillRef>
+      <a:effectRef idx="0">
+        <a:scrgbClr r="0" g="0" b="0"/>
+      </a:effectRef>
+      <a:fontRef idx="minor">
+        <a:schemeClr val="tx1"/>
+      </a:fontRef>
+    </dgm:style>
+  </dgm:styleLbl>
+  <dgm:styleLbl name="alignNode1">
+    <dgm:scene3d>
+      <a:camera prst="orthographicFront"/>
+      <a:lightRig rig="threePt" dir="t"/>
+    </dgm:scene3d>
+    <dgm:sp3d/>
+    <dgm:txPr/>
+    <dgm:style>
+      <a:lnRef idx="2">
+        <a:scrgbClr r="0" g="0" b="0"/>
+      </a:lnRef>
+      <a:fillRef idx="1">
+        <a:scrgbClr r="0" g="0" b="0"/>
+      </a:fillRef>
+      <a:effectRef idx="0">
+        <a:scrgbClr r="0" g="0" b="0"/>
+      </a:effectRef>
+      <a:fontRef idx="minor">
+        <a:schemeClr val="lt1"/>
+      </a:fontRef>
+    </dgm:style>
+  </dgm:styleLbl>
+  <dgm:styleLbl name="node1">
+    <dgm:scene3d>
+      <a:camera prst="orthographicFront"/>
+      <a:lightRig rig="threePt" dir="t"/>
+    </dgm:scene3d>
+    <dgm:sp3d/>
+    <dgm:txPr/>
+    <dgm:style>
+      <a:lnRef idx="2">
+        <a:scrgbClr r="0" g="0" b="0"/>
+      </a:lnRef>
+      <a:fillRef idx="1">
+        <a:scrgbClr r="0" g="0" b="0"/>
+      </a:fillRef>
+      <a:effectRef idx="0">
+        <a:scrgbClr r="0" g="0" b="0"/>
+      </a:effectRef>
+      <a:fontRef idx="minor">
+        <a:schemeClr val="lt1"/>
+      </a:fontRef>
+    </dgm:style>
+  </dgm:styleLbl>
+  <dgm:styleLbl name="node2">
+    <dgm:scene3d>
+      <a:camera prst="orthographicFront"/>
+      <a:lightRig rig="threePt" dir="t"/>
+    </dgm:scene3d>
+    <dgm:sp3d/>
+    <dgm:txPr/>
+    <dgm:style>
+      <a:lnRef idx="2">
+        <a:scrgbClr r="0" g="0" b="0"/>
+      </a:lnRef>
+      <a:fillRef idx="1">
+        <a:scrgbClr r="0" g="0" b="0"/>
+      </a:fillRef>
+      <a:effectRef idx="0">
+        <a:scrgbClr r="0" g="0" b="0"/>
+      </a:effectRef>
+      <a:fontRef idx="minor">
+        <a:schemeClr val="lt1"/>
+      </a:fontRef>
+    </dgm:style>
+  </dgm:styleLbl>
+  <dgm:styleLbl name="node3">
+    <dgm:scene3d>
+      <a:camera prst="orthographicFront"/>
+      <a:lightRig rig="threePt" dir="t"/>
+    </dgm:scene3d>
+    <dgm:sp3d/>
+    <dgm:txPr/>
+    <dgm:style>
+      <a:lnRef idx="2">
+        <a:scrgbClr r="0" g="0" b="0"/>
+      </a:lnRef>
+      <a:fillRef idx="1">
+        <a:scrgbClr r="0" g="0" b="0"/>
+      </a:fillRef>
+      <a:effectRef idx="0">
+        <a:scrgbClr r="0" g="0" b="0"/>
+      </a:effectRef>
+      <a:fontRef idx="minor">
+        <a:schemeClr val="lt1"/>
+      </a:fontRef>
+    </dgm:style>
+  </dgm:styleLbl>
+  <dgm:styleLbl name="node4">
+    <dgm:scene3d>
+      <a:camera prst="orthographicFront"/>
+      <a:lightRig rig="threePt" dir="t"/>
+    </dgm:scene3d>
+    <dgm:sp3d/>
+    <dgm:txPr/>
+    <dgm:style>
+      <a:lnRef idx="2">
+        <a:scrgbClr r="0" g="0" b="0"/>
+      </a:lnRef>
+      <a:fillRef idx="1">
+        <a:scrgbClr r="0" g="0" b="0"/>
+      </a:fillRef>
+      <a:effectRef idx="0">
+        <a:scrgbClr r="0" g="0" b="0"/>
+      </a:effectRef>
+      <a:fontRef idx="minor">
+        <a:schemeClr val="lt1"/>
+      </a:fontRef>
+    </dgm:style>
+  </dgm:styleLbl>
+  <dgm:styleLbl name="fgImgPlace1">
+    <dgm:scene3d>
+      <a:camera prst="orthographicFront"/>
+      <a:lightRig rig="threePt" dir="t"/>
+    </dgm:scene3d>
+    <dgm:sp3d/>
+    <dgm:txPr/>
+    <dgm:style>
+      <a:lnRef idx="2">
+        <a:scrgbClr r="0" g="0" b="0"/>
+      </a:lnRef>
+      <a:fillRef idx="1">
+        <a:scrgbClr r="0" g="0" b="0"/>
+      </a:fillRef>
+      <a:effectRef idx="0">
+        <a:scrgbClr r="0" g="0" b="0"/>
+      </a:effectRef>
+      <a:fontRef idx="minor"/>
+    </dgm:style>
+  </dgm:styleLbl>
+  <dgm:styleLbl name="alignImgPlace1">
+    <dgm:scene3d>
+      <a:camera prst="orthographicFront"/>
+      <a:lightRig rig="threePt" dir="t"/>
+    </dgm:scene3d>
+    <dgm:sp3d/>
+    <dgm:txPr/>
+    <dgm:style>
+      <a:lnRef idx="2">
+        <a:scrgbClr r="0" g="0" b="0"/>
+      </a:lnRef>
+      <a:fillRef idx="1">
+        <a:scrgbClr r="0" g="0" b="0"/>
+      </a:fillRef>
+      <a:effectRef idx="0">
+        <a:scrgbClr r="0" g="0" b="0"/>
+      </a:effectRef>
+      <a:fontRef idx="minor"/>
+    </dgm:style>
+  </dgm:styleLbl>
+  <dgm:styleLbl name="bgImgPlace1">
+    <dgm:scene3d>
+      <a:camera prst="orthographicFront"/>
+      <a:lightRig rig="threePt" dir="t"/>
+    </dgm:scene3d>
+    <dgm:sp3d/>
+    <dgm:txPr/>
+    <dgm:style>
+      <a:lnRef idx="2">
+        <a:scrgbClr r="0" g="0" b="0"/>
+      </a:lnRef>
+      <a:fillRef idx="1">
+        <a:scrgbClr r="0" g="0" b="0"/>
+      </a:fillRef>
+      <a:effectRef idx="0">
+        <a:scrgbClr r="0" g="0" b="0"/>
+      </a:effectRef>
+      <a:fontRef idx="minor"/>
+    </dgm:style>
+  </dgm:styleLbl>
+  <dgm:styleLbl name="sibTrans2D1">
+    <dgm:scene3d>
+      <a:camera prst="orthographicFront"/>
+      <a:lightRig rig="threePt" dir="t"/>
+    </dgm:scene3d>
+    <dgm:sp3d/>
+    <dgm:txPr/>
+    <dgm:style>
+      <a:lnRef idx="0">
+        <a:scrgbClr r="0" g="0" b="0"/>
+      </a:lnRef>
+      <a:fillRef idx="1">
+        <a:scrgbClr r="0" g="0" b="0"/>
+      </a:fillRef>
+      <a:effectRef idx="0">
+        <a:scrgbClr r="0" g="0" b="0"/>
+      </a:effectRef>
+      <a:fontRef idx="minor">
+        <a:schemeClr val="lt1"/>
+      </a:fontRef>
+    </dgm:style>
+  </dgm:styleLbl>
+  <dgm:styleLbl name="fgSibTrans2D1">
+    <dgm:scene3d>
+      <a:camera prst="orthographicFront"/>
+      <a:lightRig rig="threePt" dir="t"/>
+    </dgm:scene3d>
+    <dgm:sp3d/>
+    <dgm:txPr/>
+    <dgm:style>
+      <a:lnRef idx="0">
+        <a:scrgbClr r="0" g="0" b="0"/>
+      </a:lnRef>
+      <a:fillRef idx="1">
+        <a:scrgbClr r="0" g="0" b="0"/>
+      </a:fillRef>
+      <a:effectRef idx="0">
+        <a:scrgbClr r="0" g="0" b="0"/>
+      </a:effectRef>
+      <a:fontRef idx="minor">
+        <a:schemeClr val="lt1"/>
+      </a:fontRef>
+    </dgm:style>
+  </dgm:styleLbl>
+  <dgm:styleLbl name="bgSibTrans2D1">
+    <dgm:scene3d>
+      <a:camera prst="orthographicFront"/>
+      <a:lightRig rig="threePt" dir="t"/>
+    </dgm:scene3d>
+    <dgm:sp3d/>
+    <dgm:txPr/>
+    <dgm:style>
+      <a:lnRef idx="0">
+        <a:scrgbClr r="0" g="0" b="0"/>
+      </a:lnRef>
+      <a:fillRef idx="1">
+        <a:scrgbClr r="0" g="0" b="0"/>
+      </a:fillRef>
+      <a:effectRef idx="0">
+        <a:scrgbClr r="0" g="0" b="0"/>
+      </a:effectRef>
+      <a:fontRef idx="minor">
+        <a:schemeClr val="lt1"/>
+      </a:fontRef>
+    </dgm:style>
+  </dgm:styleLbl>
+  <dgm:styleLbl name="sibTrans1D1">
+    <dgm:scene3d>
+      <a:camera prst="orthographicFront"/>
+      <a:lightRig rig="threePt" dir="t"/>
+    </dgm:scene3d>
+    <dgm:sp3d/>
+    <dgm:txPr/>
+    <dgm:style>
+      <a:lnRef idx="1">
+        <a:scrgbClr r="0" g="0" b="0"/>
+      </a:lnRef>
+      <a:fillRef idx="0">
+        <a:scrgbClr r="0" g="0" b="0"/>
+      </a:fillRef>
+      <a:effectRef idx="0">
+        <a:scrgbClr r="0" g="0" b="0"/>
+      </a:effectRef>
+      <a:fontRef idx="minor"/>
+    </dgm:style>
+  </dgm:styleLbl>
+  <dgm:styleLbl name="callout">
+    <dgm:scene3d>
+      <a:camera prst="orthographicFront"/>
+      <a:lightRig rig="threePt" dir="t"/>
+    </dgm:scene3d>
+    <dgm:sp3d/>
+    <dgm:txPr/>
+    <dgm:style>
+      <a:lnRef idx="2">
+        <a:scrgbClr r="0" g="0" b="0"/>
+      </a:lnRef>
+      <a:fillRef idx="1">
+        <a:scrgbClr r="0" g="0" b="0"/>
+      </a:fillRef>
+      <a:effectRef idx="0">
+        <a:scrgbClr r="0" g="0" b="0"/>
+      </a:effectRef>
+      <a:fontRef idx="minor"/>
+    </dgm:style>
+  </dgm:styleLbl>
+  <dgm:styleLbl name="asst0">
+    <dgm:scene3d>
+      <a:camera prst="orthographicFront"/>
+      <a:lightRig rig="threePt" dir="t"/>
+    </dgm:scene3d>
+    <dgm:sp3d/>
+    <dgm:txPr/>
+    <dgm:style>
+      <a:lnRef idx="2">
+        <a:scrgbClr r="0" g="0" b="0"/>
+      </a:lnRef>
+      <a:fillRef idx="1">
+        <a:scrgbClr r="0" g="0" b="0"/>
+      </a:fillRef>
+      <a:effectRef idx="0">
+        <a:scrgbClr r="0" g="0" b="0"/>
+      </a:effectRef>
+      <a:fontRef idx="minor">
+        <a:schemeClr val="lt1"/>
+      </a:fontRef>
+    </dgm:style>
+  </dgm:styleLbl>
+  <dgm:styleLbl name="asst1">
+    <dgm:scene3d>
+      <a:camera prst="orthographicFront"/>
+      <a:lightRig rig="threePt" dir="t"/>
+    </dgm:scene3d>
+    <dgm:sp3d/>
+    <dgm:txPr/>
+    <dgm:style>
+      <a:lnRef idx="2">
+        <a:scrgbClr r="0" g="0" b="0"/>
+      </a:lnRef>
+      <a:fillRef idx="1">
+        <a:scrgbClr r="0" g="0" b="0"/>
+      </a:fillRef>
+      <a:effectRef idx="0">
+        <a:scrgbClr r="0" g="0" b="0"/>
+      </a:effectRef>
+      <a:fontRef idx="minor">
+        <a:schemeClr val="lt1"/>
+      </a:fontRef>
+    </dgm:style>
+  </dgm:styleLbl>
+  <dgm:styleLbl name="asst2">
+    <dgm:scene3d>
+      <a:camera prst="orthographicFront"/>
+      <a:lightRig rig="threePt" dir="t"/>
+    </dgm:scene3d>
+    <dgm:sp3d/>
+    <dgm:txPr/>
+    <dgm:style>
+      <a:lnRef idx="2">
+        <a:scrgbClr r="0" g="0" b="0"/>
+      </a:lnRef>
+      <a:fillRef idx="1">
+        <a:scrgbClr r="0" g="0" b="0"/>
+      </a:fillRef>
+      <a:effectRef idx="0">
+        <a:scrgbClr r="0" g="0" b="0"/>
+      </a:effectRef>
+      <a:fontRef idx="minor">
+        <a:schemeClr val="lt1"/>
+      </a:fontRef>
+    </dgm:style>
+  </dgm:styleLbl>
+  <dgm:styleLbl name="asst3">
+    <dgm:scene3d>
+      <a:camera prst="orthographicFront"/>
+      <a:lightRig rig="threePt" dir="t"/>
+    </dgm:scene3d>
+    <dgm:sp3d/>
+    <dgm:txPr/>
+    <dgm:style>
+      <a:lnRef idx="2">
+        <a:scrgbClr r="0" g="0" b="0"/>
+      </a:lnRef>
+      <a:fillRef idx="1">
+        <a:scrgbClr r="0" g="0" b="0"/>
+      </a:fillRef>
+      <a:effectRef idx="0">
+        <a:scrgbClr r="0" g="0" b="0"/>
+      </a:effectRef>
+      <a:fontRef idx="minor">
+        <a:schemeClr val="lt1"/>
+      </a:fontRef>
+    </dgm:style>
+  </dgm:styleLbl>
+  <dgm:styleLbl name="asst4">
+    <dgm:scene3d>
+      <a:camera prst="orthographicFront"/>
+      <a:lightRig rig="threePt" dir="t"/>
+    </dgm:scene3d>
+    <dgm:sp3d/>
+    <dgm:txPr/>
+    <dgm:style>
+      <a:lnRef idx="2">
+        <a:scrgbClr r="0" g="0" b="0"/>
+      </a:lnRef>
+      <a:fillRef idx="1">
+        <a:scrgbClr r="0" g="0" b="0"/>
+      </a:fillRef>
+      <a:effectRef idx="0">
+        <a:scrgbClr r="0" g="0" b="0"/>
+      </a:effectRef>
+      <a:fontRef idx="minor">
+        <a:schemeClr val="lt1"/>
+      </a:fontRef>
+    </dgm:style>
+  </dgm:styleLbl>
+  <dgm:styleLbl name="parChTrans2D1">
+    <dgm:scene3d>
+      <a:camera prst="orthographicFront"/>
+      <a:lightRig rig="threePt" dir="t"/>
+    </dgm:scene3d>
+    <dgm:sp3d/>
+    <dgm:txPr/>
+    <dgm:style>
+      <a:lnRef idx="2">
+        <a:scrgbClr r="0" g="0" b="0"/>
+      </a:lnRef>
+      <a:fillRef idx="1">
+        <a:scrgbClr r="0" g="0" b="0"/>
+      </a:fillRef>
+      <a:effectRef idx="0">
+        <a:scrgbClr r="0" g="0" b="0"/>
+      </a:effectRef>
+      <a:fontRef idx="minor">
+        <a:schemeClr val="lt1"/>
+      </a:fontRef>
+    </dgm:style>
+  </dgm:styleLbl>
+  <dgm:styleLbl name="parChTrans2D2">
+    <dgm:scene3d>
+      <a:camera prst="orthographicFront"/>
+      <a:lightRig rig="threePt" dir="t"/>
+    </dgm:scene3d>
+    <dgm:sp3d/>
+    <dgm:txPr/>
+    <dgm:style>
+      <a:lnRef idx="2">
+        <a:scrgbClr r="0" g="0" b="0"/>
+      </a:lnRef>
+      <a:fillRef idx="1">
+        <a:scrgbClr r="0" g="0" b="0"/>
+      </a:fillRef>
+      <a:effectRef idx="0">
+        <a:scrgbClr r="0" g="0" b="0"/>
+      </a:effectRef>
+      <a:fontRef idx="minor">
+        <a:schemeClr val="lt1"/>
+      </a:fontRef>
+    </dgm:style>
+  </dgm:styleLbl>
+  <dgm:styleLbl name="parChTrans2D3">
+    <dgm:scene3d>
+      <a:camera prst="orthographicFront"/>
+      <a:lightRig rig="threePt" dir="t"/>
+    </dgm:scene3d>
+    <dgm:sp3d/>
+    <dgm:txPr/>
+    <dgm:style>
+      <a:lnRef idx="2">
+        <a:scrgbClr r="0" g="0" b="0"/>
+      </a:lnRef>
+      <a:fillRef idx="1">
+        <a:scrgbClr r="0" g="0" b="0"/>
+      </a:fillRef>
+      <a:effectRef idx="0">
+        <a:scrgbClr r="0" g="0" b="0"/>
+      </a:effectRef>
+      <a:fontRef idx="minor">
+        <a:schemeClr val="lt1"/>
+      </a:fontRef>
+    </dgm:style>
+  </dgm:styleLbl>
+  <dgm:styleLbl name="parChTrans2D4">
+    <dgm:scene3d>
+      <a:camera prst="orthographicFront"/>
+      <a:lightRig rig="threePt" dir="t"/>
+    </dgm:scene3d>
+    <dgm:sp3d/>
+    <dgm:txPr/>
+    <dgm:style>
+      <a:lnRef idx="2">
+        <a:scrgbClr r="0" g="0" b="0"/>
+      </a:lnRef>
+      <a:fillRef idx="1">
+        <a:scrgbClr r="0" g="0" b="0"/>
+      </a:fillRef>
+      <a:effectRef idx="0">
+        <a:scrgbClr r="0" g="0" b="0"/>
+      </a:effectRef>
+      <a:fontRef idx="minor">
+        <a:schemeClr val="lt1"/>
+      </a:fontRef>
+    </dgm:style>
+  </dgm:styleLbl>
+  <dgm:styleLbl name="parChTrans1D1">
+    <dgm:scene3d>
+      <a:camera prst="orthographicFront"/>
+      <a:lightRig rig="threePt" dir="t"/>
+    </dgm:scene3d>
+    <dgm:sp3d/>
+    <dgm:txPr/>
+    <dgm:style>
+      <a:lnRef idx="2">
+        <a:scrgbClr r="0" g="0" b="0"/>
+      </a:lnRef>
+      <a:fillRef idx="0">
+        <a:scrgbClr r="0" g="0" b="0"/>
+      </a:fillRef>
+      <a:effectRef idx="0">
+        <a:scrgbClr r="0" g="0" b="0"/>
+      </a:effectRef>
+      <a:fontRef idx="minor"/>
+    </dgm:style>
+  </dgm:styleLbl>
+  <dgm:styleLbl name="parChTrans1D2">
+    <dgm:scene3d>
+      <a:camera prst="orthographicFront"/>
+      <a:lightRig rig="threePt" dir="t"/>
+    </dgm:scene3d>
+    <dgm:sp3d/>
+    <dgm:txPr/>
+    <dgm:style>
+      <a:lnRef idx="2">
+        <a:scrgbClr r="0" g="0" b="0"/>
+      </a:lnRef>
+      <a:fillRef idx="0">
+        <a:scrgbClr r="0" g="0" b="0"/>
+      </a:fillRef>
+      <a:effectRef idx="0">
+        <a:scrgbClr r="0" g="0" b="0"/>
+      </a:effectRef>
+      <a:fontRef idx="minor"/>
+    </dgm:style>
+  </dgm:styleLbl>
+  <dgm:styleLbl name="parChTrans1D3">
+    <dgm:scene3d>
+      <a:camera prst="orthographicFront"/>
+      <a:lightRig rig="threePt" dir="t"/>
+    </dgm:scene3d>
+    <dgm:sp3d/>
+    <dgm:txPr/>
+    <dgm:style>
+      <a:lnRef idx="2">
+        <a:scrgbClr r="0" g="0" b="0"/>
+      </a:lnRef>
+      <a:fillRef idx="0">
+        <a:scrgbClr r="0" g="0" b="0"/>
+      </a:fillRef>
+      <a:effectRef idx="0">
+        <a:scrgbClr r="0" g="0" b="0"/>
+      </a:effectRef>
+      <a:fontRef idx="minor"/>
+    </dgm:style>
+  </dgm:styleLbl>
+  <dgm:styleLbl name="parChTrans1D4">
+    <dgm:scene3d>
+      <a:camera prst="orthographicFront"/>
+      <a:lightRig rig="threePt" dir="t"/>
+    </dgm:scene3d>
+    <dgm:sp3d/>
+    <dgm:txPr/>
+    <dgm:style>
+      <a:lnRef idx="2">
+        <a:scrgbClr r="0" g="0" b="0"/>
+      </a:lnRef>
+      <a:fillRef idx="0">
+        <a:scrgbClr r="0" g="0" b="0"/>
+      </a:fillRef>
+      <a:effectRef idx="0">
+        <a:scrgbClr r="0" g="0" b="0"/>
+      </a:effectRef>
+      <a:fontRef idx="minor"/>
+    </dgm:style>
+  </dgm:styleLbl>
+  <dgm:styleLbl name="fgAcc1">
+    <dgm:scene3d>
+      <a:camera prst="orthographicFront"/>
+      <a:lightRig rig="threePt" dir="t"/>
+    </dgm:scene3d>
+    <dgm:sp3d/>
+    <dgm:txPr/>
+    <dgm:style>
+      <a:lnRef idx="2">
+        <a:scrgbClr r="0" g="0" b="0"/>
+      </a:lnRef>
+      <a:fillRef idx="1">
+        <a:scrgbClr r="0" g="0" b="0"/>
+      </a:fillRef>
+      <a:effectRef idx="0">
+        <a:scrgbClr r="0" g="0" b="0"/>
+      </a:effectRef>
+      <a:fontRef idx="minor"/>
+    </dgm:style>
+  </dgm:styleLbl>
+  <dgm:styleLbl name="conFgAcc1">
+    <dgm:scene3d>
+      <a:camera prst="orthographicFront"/>
+      <a:lightRig rig="threePt" dir="t"/>
+    </dgm:scene3d>
+    <dgm:sp3d/>
+    <dgm:txPr/>
+    <dgm:style>
+      <a:lnRef idx="2">
+        <a:scrgbClr r="0" g="0" b="0"/>
+      </a:lnRef>
+      <a:fillRef idx="1">
+        <a:scrgbClr r="0" g="0" b="0"/>
+      </a:fillRef>
+      <a:effectRef idx="0">
+        <a:scrgbClr r="0" g="0" b="0"/>
+      </a:effectRef>
+      <a:fontRef idx="minor"/>
+    </dgm:style>
+  </dgm:styleLbl>
+  <dgm:styleLbl name="alignAcc1">
+    <dgm:scene3d>
+      <a:camera prst="orthographicFront"/>
+      <a:lightRig rig="threePt" dir="t"/>
+    </dgm:scene3d>
+    <dgm:sp3d/>
+    <dgm:txPr/>
+    <dgm:style>
+      <a:lnRef idx="2">
+        <a:scrgbClr r="0" g="0" b="0"/>
+      </a:lnRef>
+      <a:fillRef idx="1">
+        <a:scrgbClr r="0" g="0" b="0"/>
+      </a:fillRef>
+      <a:effectRef idx="0">
+        <a:scrgbClr r="0" g="0" b="0"/>
+      </a:effectRef>
+      <a:fontRef idx="minor"/>
+    </dgm:style>
+  </dgm:styleLbl>
+  <dgm:styleLbl name="trAlignAcc1">
+    <dgm:scene3d>
+      <a:camera prst="orthographicFront"/>
+      <a:lightRig rig="threePt" dir="t"/>
+    </dgm:scene3d>
+    <dgm:sp3d/>
+    <dgm:txPr/>
+    <dgm:style>
+      <a:lnRef idx="1">
+        <a:scrgbClr r="0" g="0" b="0"/>
+      </a:lnRef>
+      <a:fillRef idx="1">
+        <a:scrgbClr r="0" g="0" b="0"/>
+      </a:fillRef>
+      <a:effectRef idx="0">
+        <a:scrgbClr r="0" g="0" b="0"/>
+      </a:effectRef>
+      <a:fontRef idx="minor"/>
+    </dgm:style>
+  </dgm:styleLbl>
+  <dgm:styleLbl name="bgAcc1">
+    <dgm:scene3d>
+      <a:camera prst="orthographicFront"/>
+      <a:lightRig rig="threePt" dir="t"/>
+    </dgm:scene3d>
+    <dgm:sp3d/>
+    <dgm:txPr/>
+    <dgm:style>
+      <a:lnRef idx="2">
+        <a:scrgbClr r="0" g="0" b="0"/>
+      </a:lnRef>
+      <a:fillRef idx="1">
+        <a:scrgbClr r="0" g="0" b="0"/>
+      </a:fillRef>
+      <a:effectRef idx="0">
+        <a:scrgbClr r="0" g="0" b="0"/>
+      </a:effectRef>
+      <a:fontRef idx="minor"/>
+    </dgm:style>
+  </dgm:styleLbl>
+  <dgm:styleLbl name="solidFgAcc1">
+    <dgm:scene3d>
+      <a:camera prst="orthographicFront"/>
+      <a:lightRig rig="threePt" dir="t"/>
+    </dgm:scene3d>
+    <dgm:sp3d/>
+    <dgm:txPr/>
+    <dgm:style>
+      <a:lnRef idx="2">
+        <a:scrgbClr r="0" g="0" b="0"/>
+      </a:lnRef>
+      <a:fillRef idx="1">
+        <a:scrgbClr r="0" g="0" b="0"/>
+      </a:fillRef>
+      <a:effectRef idx="0">
+        <a:scrgbClr r="0" g="0" b="0"/>
+      </a:effectRef>
+      <a:fontRef idx="minor"/>
+    </dgm:style>
+  </dgm:styleLbl>
+  <dgm:styleLbl name="solidAlignAcc1">
+    <dgm:scene3d>
+      <a:camera prst="orthographicFront"/>
+      <a:lightRig rig="threePt" dir="t"/>
+    </dgm:scene3d>
+    <dgm:sp3d/>
+    <dgm:txPr/>
+    <dgm:style>
+      <a:lnRef idx="2">
+        <a:scrgbClr r="0" g="0" b="0"/>
+      </a:lnRef>
+      <a:fillRef idx="1">
+        <a:scrgbClr r="0" g="0" b="0"/>
+      </a:fillRef>
+      <a:effectRef idx="0">
+        <a:scrgbClr r="0" g="0" b="0"/>
+      </a:effectRef>
+      <a:fontRef idx="minor"/>
+    </dgm:style>
+  </dgm:styleLbl>
+  <dgm:styleLbl name="solidBgAcc1">
+    <dgm:scene3d>
+      <a:camera prst="orthographicFront"/>
+      <a:lightRig rig="threePt" dir="t"/>
+    </dgm:scene3d>
+    <dgm:sp3d/>
+    <dgm:txPr/>
+    <dgm:style>
+      <a:lnRef idx="2">
+        <a:scrgbClr r="0" g="0" b="0"/>
+      </a:lnRef>
+      <a:fillRef idx="1">
+        <a:scrgbClr r="0" g="0" b="0"/>
+      </a:fillRef>
+      <a:effectRef idx="0">
+        <a:scrgbClr r="0" g="0" b="0"/>
+      </a:effectRef>
+      <a:fontRef idx="minor"/>
+    </dgm:style>
+  </dgm:styleLbl>
+  <dgm:styleLbl name="fgAccFollowNode1">
+    <dgm:scene3d>
+      <a:camera prst="orthographicFront"/>
+      <a:lightRig rig="threePt" dir="t"/>
+    </dgm:scene3d>
+    <dgm:sp3d/>
+    <dgm:txPr/>
+    <dgm:style>
+      <a:lnRef idx="2">
+        <a:scrgbClr r="0" g="0" b="0"/>
+      </a:lnRef>
+      <a:fillRef idx="1">
+        <a:scrgbClr r="0" g="0" b="0"/>
+      </a:fillRef>
+      <a:effectRef idx="0">
+        <a:scrgbClr r="0" g="0" b="0"/>
+      </a:effectRef>
+      <a:fontRef idx="minor"/>
+    </dgm:style>
+  </dgm:styleLbl>
+  <dgm:styleLbl name="alignAccFollowNode1">
+    <dgm:scene3d>
+      <a:camera prst="orthographicFront"/>
+      <a:lightRig rig="threePt" dir="t"/>
+    </dgm:scene3d>
+    <dgm:sp3d/>
+    <dgm:txPr/>
+    <dgm:style>
+      <a:lnRef idx="2">
+        <a:scrgbClr r="0" g="0" b="0"/>
+      </a:lnRef>
+      <a:fillRef idx="1">
+        <a:scrgbClr r="0" g="0" b="0"/>
+      </a:fillRef>
+      <a:effectRef idx="0">
+        <a:scrgbClr r="0" g="0" b="0"/>
+      </a:effectRef>
+      <a:fontRef idx="minor"/>
+    </dgm:style>
+  </dgm:styleLbl>
+  <dgm:styleLbl name="bgAccFollowNode1">
+    <dgm:scene3d>
+      <a:camera prst="orthographicFront"/>
+      <a:lightRig rig="threePt" dir="t"/>
+    </dgm:scene3d>
+    <dgm:sp3d/>
+    <dgm:txPr/>
+    <dgm:style>
+      <a:lnRef idx="2">
+        <a:scrgbClr r="0" g="0" b="0"/>
+      </a:lnRef>
+      <a:fillRef idx="1">
+        <a:scrgbClr r="0" g="0" b="0"/>
+      </a:fillRef>
+      <a:effectRef idx="0">
+        <a:scrgbClr r="0" g="0" b="0"/>
+      </a:effectRef>
+      <a:fontRef idx="minor"/>
+    </dgm:style>
+  </dgm:styleLbl>
+  <dgm:styleLbl name="fgAcc0">
+    <dgm:scene3d>
+      <a:camera prst="orthographicFront"/>
+      <a:lightRig rig="threePt" dir="t"/>
+    </dgm:scene3d>
+    <dgm:sp3d/>
+    <dgm:txPr/>
+    <dgm:style>
+      <a:lnRef idx="2">
+        <a:scrgbClr r="0" g="0" b="0"/>
+      </a:lnRef>
+      <a:fillRef idx="1">
+        <a:scrgbClr r="0" g="0" b="0"/>
+      </a:fillRef>
+      <a:effectRef idx="0">
+        <a:scrgbClr r="0" g="0" b="0"/>
+      </a:effectRef>
+      <a:fontRef idx="minor"/>
+    </dgm:style>
+  </dgm:styleLbl>
+  <dgm:styleLbl name="fgAcc2">
+    <dgm:scene3d>
+      <a:camera prst="orthographicFront"/>
+      <a:lightRig rig="threePt" dir="t"/>
+    </dgm:scene3d>
+    <dgm:sp3d/>
+    <dgm:txPr/>
+    <dgm:style>
+      <a:lnRef idx="2">
+        <a:scrgbClr r="0" g="0" b="0"/>
+      </a:lnRef>
+      <a:fillRef idx="1">
+        <a:scrgbClr r="0" g="0" b="0"/>
+      </a:fillRef>
+      <a:effectRef idx="0">
+        <a:scrgbClr r="0" g="0" b="0"/>
+      </a:effectRef>
+      <a:fontRef idx="minor"/>
+    </dgm:style>
+  </dgm:styleLbl>
+  <dgm:styleLbl name="fgAcc3">
+    <dgm:scene3d>
+      <a:camera prst="orthographicFront"/>
+      <a:lightRig rig="threePt" dir="t"/>
+    </dgm:scene3d>
+    <dgm:sp3d/>
+    <dgm:txPr/>
+    <dgm:style>
+      <a:lnRef idx="2">
+        <a:scrgbClr r="0" g="0" b="0"/>
+      </a:lnRef>
+      <a:fillRef idx="1">
+        <a:scrgbClr r="0" g="0" b="0"/>
+      </a:fillRef>
+      <a:effectRef idx="0">
+        <a:scrgbClr r="0" g="0" b="0"/>
+      </a:effectRef>
+      <a:fontRef idx="minor"/>
+    </dgm:style>
+  </dgm:styleLbl>
+  <dgm:styleLbl name="fgAcc4">
+    <dgm:scene3d>
+      <a:camera prst="orthographicFront"/>
+      <a:lightRig rig="threePt" dir="t"/>
+    </dgm:scene3d>
+    <dgm:sp3d/>
+    <dgm:txPr/>
+    <dgm:style>
+      <a:lnRef idx="2">
+        <a:scrgbClr r="0" g="0" b="0"/>
+      </a:lnRef>
+      <a:fillRef idx="1">
+        <a:scrgbClr r="0" g="0" b="0"/>
+      </a:fillRef>
+      <a:effectRef idx="0">
+        <a:scrgbClr r="0" g="0" b="0"/>
+      </a:effectRef>
+      <a:fontRef idx="minor"/>
+    </dgm:style>
+  </dgm:styleLbl>
+  <dgm:styleLbl name="bgShp">
+    <dgm:scene3d>
+      <a:camera prst="orthographicFront"/>
+      <a:lightRig rig="threePt" dir="t"/>
+    </dgm:scene3d>
+    <dgm:sp3d/>
+    <dgm:txPr/>
+    <dgm:style>
+      <a:lnRef idx="0">
+        <a:scrgbClr r="0" g="0" b="0"/>
+      </a:lnRef>
+      <a:fillRef idx="1">
+        <a:scrgbClr r="0" g="0" b="0"/>
+      </a:fillRef>
+      <a:effectRef idx="0">
+        <a:scrgbClr r="0" g="0" b="0"/>
+      </a:effectRef>
+      <a:fontRef idx="minor"/>
+    </dgm:style>
+  </dgm:styleLbl>
+  <dgm:styleLbl name="dkBgShp">
+    <dgm:scene3d>
+      <a:camera prst="orthographicFront"/>
+      <a:lightRig rig="threePt" dir="t"/>
+    </dgm:scene3d>
+    <dgm:sp3d/>
+    <dgm:txPr/>
+    <dgm:style>
+      <a:lnRef idx="0">
+        <a:scrgbClr r="0" g="0" b="0"/>
+      </a:lnRef>
+      <a:fillRef idx="1">
+        <a:scrgbClr r="0" g="0" b="0"/>
+      </a:fillRef>
+      <a:effectRef idx="0">
+        <a:scrgbClr r="0" g="0" b="0"/>
+      </a:effectRef>
+      <a:fontRef idx="minor"/>
+    </dgm:style>
+  </dgm:styleLbl>
+  <dgm:styleLbl name="trBgShp">
+    <dgm:scene3d>
+      <a:camera prst="orthographicFront"/>
+      <a:lightRig rig="threePt" dir="t"/>
+    </dgm:scene3d>
+    <dgm:sp3d/>
+    <dgm:txPr/>
+    <dgm:style>
+      <a:lnRef idx="0">
+        <a:scrgbClr r="0" g="0" b="0"/>
+      </a:lnRef>
+      <a:fillRef idx="1">
+        <a:scrgbClr r="0" g="0" b="0"/>
+      </a:fillRef>
+      <a:effectRef idx="0">
+        <a:scrgbClr r="0" g="0" b="0"/>
+      </a:effectRef>
+      <a:fontRef idx="minor"/>
+    </dgm:style>
+  </dgm:styleLbl>
+  <dgm:styleLbl name="fgShp">
+    <dgm:scene3d>
+      <a:camera prst="orthographicFront"/>
+      <a:lightRig rig="threePt" dir="t"/>
+    </dgm:scene3d>
+    <dgm:sp3d/>
+    <dgm:txPr/>
+    <dgm:style>
+      <a:lnRef idx="2">
+        <a:scrgbClr r="0" g="0" b="0"/>
+      </a:lnRef>
+      <a:fillRef idx="1">
+        <a:scrgbClr r="0" g="0" b="0"/>
+      </a:fillRef>
+      <a:effectRef idx="0">
+        <a:scrgbClr r="0" g="0" b="0"/>
+      </a:effectRef>
+      <a:fontRef idx="minor"/>
+    </dgm:style>
+  </dgm:styleLbl>
+  <dgm:styleLbl name="revTx">
+    <dgm:scene3d>
+      <a:camera prst="orthographicFront"/>
+      <a:lightRig rig="threePt" dir="t"/>
+    </dgm:scene3d>
+    <dgm:sp3d/>
+    <dgm:txPr/>
+    <dgm:style>
+      <a:lnRef idx="0">
+        <a:scrgbClr r="0" g="0" b="0"/>
+      </a:lnRef>
+      <a:fillRef idx="0">
+        <a:scrgbClr r="0" g="0" b="0"/>
+      </a:fillRef>
+      <a:effectRef idx="0">
+        <a:scrgbClr r="0" g="0" b="0"/>
+      </a:effectRef>
+      <a:fontRef idx="minor"/>
+    </dgm:style>
+  </dgm:styleLbl>
+</dgm:styleDef>
+</file>
+
+<file path=ppt/diagrams/quickStyle2.xml><?xml version="1.0" encoding="utf-8"?>
 <dgm:styleDef xmlns:dgm="http://schemas.openxmlformats.org/drawingml/2006/diagram" xmlns:a="http://schemas.openxmlformats.org/drawingml/2006/main" uniqueId="urn:microsoft.com/office/officeart/2005/8/quickstyle/simple1">
   <dgm:title val=""/>
   <dgm:desc val=""/>
@@ -12431,7 +14958,7 @@
         </p:nvSpPr>
         <p:spPr>
           <a:xfrm>
-            <a:off x="1493750" y="4196975"/>
+            <a:off x="1499325" y="4066075"/>
             <a:ext cx="2117100" cy="632400"/>
           </a:xfrm>
           <a:prstGeom prst="roundRect">
@@ -13106,12 +15633,6 @@
             <a:endParaRPr lang="en-US" dirty="0"/>
           </a:p>
           <a:p>
-            <a:r>
-              <a:rPr lang="en-US" dirty="0"/>
-              <a:t>Module 2: Model Interpretability</a:t>
-            </a:r>
-          </a:p>
-          <a:p>
             <a:endParaRPr lang="en-US" dirty="0"/>
           </a:p>
           <a:p>
@@ -13120,7 +15641,7 @@
           <a:p>
             <a:r>
               <a:rPr lang="en-US" dirty="0"/>
-              <a:t>Module 3: Fairness</a:t>
+              <a:t>Module 2: Model Interpretability, Fairness, Field Trials, Uncertainty Quantification, ML Ops, …</a:t>
             </a:r>
           </a:p>
           <a:p>
@@ -13218,68 +15739,6 @@
           </a:p>
         </p:txBody>
       </p:sp>
-      <p:pic>
-        <p:nvPicPr>
-          <p:cNvPr id="2" name="Picture 1">
-            <a:hlinkClick r:id="rId3"/>
-            <a:extLst>
-              <a:ext uri="{FF2B5EF4-FFF2-40B4-BE49-F238E27FC236}">
-                <a16:creationId xmlns:a16="http://schemas.microsoft.com/office/drawing/2014/main" id="{388C5A30-3E26-19C5-4481-4008EA7D2222}"/>
-              </a:ext>
-            </a:extLst>
-          </p:cNvPr>
-          <p:cNvPicPr>
-            <a:picLocks noChangeAspect="1"/>
-          </p:cNvPicPr>
-          <p:nvPr/>
-        </p:nvPicPr>
-        <p:blipFill>
-          <a:blip r:embed="rId4"/>
-          <a:stretch>
-            <a:fillRect/>
-          </a:stretch>
-        </p:blipFill>
-        <p:spPr>
-          <a:xfrm>
-            <a:off x="0" y="1081409"/>
-            <a:ext cx="4072781" cy="4062091"/>
-          </a:xfrm>
-          <a:prstGeom prst="rect">
-            <a:avLst/>
-          </a:prstGeom>
-        </p:spPr>
-      </p:pic>
-      <p:pic>
-        <p:nvPicPr>
-          <p:cNvPr id="3" name="Picture 2">
-            <a:hlinkClick r:id="rId3"/>
-            <a:extLst>
-              <a:ext uri="{FF2B5EF4-FFF2-40B4-BE49-F238E27FC236}">
-                <a16:creationId xmlns:a16="http://schemas.microsoft.com/office/drawing/2014/main" id="{D1D00F08-742A-06D1-514E-1BCE0521FE4D}"/>
-              </a:ext>
-            </a:extLst>
-          </p:cNvPr>
-          <p:cNvPicPr>
-            <a:picLocks noChangeAspect="1"/>
-          </p:cNvPicPr>
-          <p:nvPr/>
-        </p:nvPicPr>
-        <p:blipFill>
-          <a:blip r:embed="rId5"/>
-          <a:stretch>
-            <a:fillRect/>
-          </a:stretch>
-        </p:blipFill>
-        <p:spPr>
-          <a:xfrm>
-            <a:off x="4961402" y="1081409"/>
-            <a:ext cx="4182598" cy="4062091"/>
-          </a:xfrm>
-          <a:prstGeom prst="rect">
-            <a:avLst/>
-          </a:prstGeom>
-        </p:spPr>
-      </p:pic>
     </p:spTree>
   </p:cSld>
   <p:clrMapOvr>
@@ -13530,7 +15989,7 @@
                   <a:schemeClr val="dk1"/>
                 </a:solidFill>
               </a:rPr>
-              <a:t>TAs – </a:t>
+              <a:t>TAs </a:t>
             </a:r>
             <a:endParaRPr sz="1600" dirty="0"/>
           </a:p>
@@ -13677,7 +16136,7 @@
                   <a:schemeClr val="tx1"/>
                 </a:solidFill>
               </a:rPr>
-              <a:t>u should create 4-person teams by the end of this week (and fill out the spreadsheet to let us know)</a:t>
+              <a:t>u should create 4-person teams by Tuesday (and fill out the spreadsheet to let us know)</a:t>
             </a:r>
           </a:p>
           <a:p>
@@ -14097,7 +16556,6 @@
               <a:rPr lang="en" dirty="0"/>
               <a:t>*nix command line</a:t>
             </a:r>
-            <a:endParaRPr dirty="0"/>
           </a:p>
         </p:txBody>
       </p:sp>
@@ -15359,31 +17817,34 @@
           </a:p>
         </p:txBody>
       </p:sp>
-      <p:sp>
-        <p:nvSpPr>
-          <p:cNvPr id="3" name="Text Placeholder 2">
+      <p:graphicFrame>
+        <p:nvGraphicFramePr>
+          <p:cNvPr id="4" name="Diagram 3">
             <a:extLst>
               <a:ext uri="{FF2B5EF4-FFF2-40B4-BE49-F238E27FC236}">
-                <a16:creationId xmlns:a16="http://schemas.microsoft.com/office/drawing/2014/main" id="{8911004C-82DF-7782-5540-E74DF391243C}"/>
+                <a16:creationId xmlns:a16="http://schemas.microsoft.com/office/drawing/2014/main" id="{5D81CC53-5862-E700-B784-B971E90CB337}"/>
               </a:ext>
             </a:extLst>
           </p:cNvPr>
-          <p:cNvSpPr>
-            <a:spLocks noGrp="1"/>
-          </p:cNvSpPr>
+          <p:cNvGraphicFramePr/>
           <p:nvPr>
-            <p:ph type="body" idx="1"/>
+            <p:extLst>
+              <p:ext uri="{D42A27DB-BD31-4B8C-83A1-F6EECF244321}">
+                <p14:modId xmlns:p14="http://schemas.microsoft.com/office/powerpoint/2010/main" val="3867600247"/>
+              </p:ext>
+            </p:extLst>
           </p:nvPr>
-        </p:nvSpPr>
-        <p:spPr/>
-        <p:txBody>
-          <a:bodyPr/>
-          <a:lstStyle/>
-          <a:p>
-            <a:endParaRPr lang="en-US"/>
-          </a:p>
-        </p:txBody>
-      </p:sp>
+        </p:nvGraphicFramePr>
+        <p:xfrm>
+          <a:off x="-76200" y="1536699"/>
+          <a:ext cx="9347200" cy="1270001"/>
+        </p:xfrm>
+        <a:graphic>
+          <a:graphicData uri="http://schemas.openxmlformats.org/drawingml/2006/diagram">
+            <dgm:relIds xmlns:dgm="http://schemas.openxmlformats.org/drawingml/2006/diagram" xmlns:r="http://schemas.openxmlformats.org/officeDocument/2006/relationships" r:dm="rId2" r:lo="rId3" r:qs="rId4" r:cs="rId5"/>
+          </a:graphicData>
+        </a:graphic>
+      </p:graphicFrame>
     </p:spTree>
     <p:extLst>
       <p:ext uri="{BB962C8B-B14F-4D97-AF65-F5344CB8AC3E}">
@@ -16374,4 +18835,26 @@
   <a:objectDefaults/>
   <a:extraClrSchemeLst/>
 </a:theme>
+</file>
+
+<file path=ppt/webextensions/taskpanes.xml><?xml version="1.0" encoding="utf-8"?>
+<wetp:taskpanes xmlns:wetp="http://schemas.microsoft.com/office/webextensions/taskpanes/2010/11">
+  <wetp:taskpane dockstate="right" visibility="0" width="350" row="0">
+    <wetp:webextensionref xmlns:r="http://schemas.openxmlformats.org/officeDocument/2006/relationships" r:id="rId1"/>
+  </wetp:taskpane>
+</wetp:taskpanes>
+</file>
+
+<file path=ppt/webextensions/webextension1.xml><?xml version="1.0" encoding="utf-8"?>
+<we:webextension xmlns:we="http://schemas.microsoft.com/office/webextensions/webextension/2010/11" id="{F80498AB-30B6-A245-AB95-88053911351A}">
+  <we:reference id="wa200006000" version="1.2.1.0" store="en-US" storeType="OMEX"/>
+  <we:alternateReferences>
+    <we:reference id="wa200006000" version="1.2.1.0" store="WA200006000" storeType="OMEX"/>
+  </we:alternateReferences>
+  <we:properties>
+    <we:property name="document_UID" value="&quot;27f251dc-d477-4119-984f-bc5f573d9d82&quot;"/>
+  </we:properties>
+  <we:bindings/>
+  <we:snapshot xmlns:r="http://schemas.openxmlformats.org/officeDocument/2006/relationships"/>
+</we:webextension>
 </file>